--- a/Courses/Software-Sciences/Module-2-DS-and-Algo/08.1-Regular-Expressions-Basics/08.1-Regular-Expressions-Basics.pptx
+++ b/Courses/Software-Sciences/Module-2-DS-and-Algo/08.1-Regular-Expressions-Basics/08.1-Regular-Expressions-Basics.pptx
@@ -5,10 +5,10 @@
     <p:sldMasterId id="2147483675" r:id="rId1"/>
   </p:sldMasterIdLst>
   <p:notesMasterIdLst>
-    <p:notesMasterId r:id="rId40"/>
+    <p:notesMasterId r:id="rId39"/>
   </p:notesMasterIdLst>
   <p:handoutMasterIdLst>
-    <p:handoutMasterId r:id="rId41"/>
+    <p:handoutMasterId r:id="rId40"/>
   </p:handoutMasterIdLst>
   <p:sldIdLst>
     <p:sldId id="402" r:id="rId2"/>
@@ -21,34 +21,33 @@
     <p:sldId id="471" r:id="rId9"/>
     <p:sldId id="576" r:id="rId10"/>
     <p:sldId id="536" r:id="rId11"/>
-    <p:sldId id="580" r:id="rId12"/>
-    <p:sldId id="546" r:id="rId13"/>
-    <p:sldId id="577" r:id="rId14"/>
-    <p:sldId id="473" r:id="rId15"/>
-    <p:sldId id="578" r:id="rId16"/>
-    <p:sldId id="477" r:id="rId17"/>
-    <p:sldId id="548" r:id="rId18"/>
-    <p:sldId id="549" r:id="rId19"/>
-    <p:sldId id="568" r:id="rId20"/>
-    <p:sldId id="550" r:id="rId21"/>
-    <p:sldId id="570" r:id="rId22"/>
-    <p:sldId id="535" r:id="rId23"/>
-    <p:sldId id="579" r:id="rId24"/>
-    <p:sldId id="479" r:id="rId25"/>
-    <p:sldId id="551" r:id="rId26"/>
-    <p:sldId id="552" r:id="rId27"/>
-    <p:sldId id="553" r:id="rId28"/>
-    <p:sldId id="554" r:id="rId29"/>
-    <p:sldId id="555" r:id="rId30"/>
-    <p:sldId id="556" r:id="rId31"/>
-    <p:sldId id="559" r:id="rId32"/>
-    <p:sldId id="560" r:id="rId33"/>
-    <p:sldId id="561" r:id="rId34"/>
-    <p:sldId id="562" r:id="rId35"/>
-    <p:sldId id="563" r:id="rId36"/>
-    <p:sldId id="349" r:id="rId37"/>
-    <p:sldId id="573" r:id="rId38"/>
-    <p:sldId id="574" r:id="rId39"/>
+    <p:sldId id="546" r:id="rId12"/>
+    <p:sldId id="577" r:id="rId13"/>
+    <p:sldId id="473" r:id="rId14"/>
+    <p:sldId id="578" r:id="rId15"/>
+    <p:sldId id="477" r:id="rId16"/>
+    <p:sldId id="548" r:id="rId17"/>
+    <p:sldId id="549" r:id="rId18"/>
+    <p:sldId id="568" r:id="rId19"/>
+    <p:sldId id="550" r:id="rId20"/>
+    <p:sldId id="570" r:id="rId21"/>
+    <p:sldId id="535" r:id="rId22"/>
+    <p:sldId id="579" r:id="rId23"/>
+    <p:sldId id="479" r:id="rId24"/>
+    <p:sldId id="551" r:id="rId25"/>
+    <p:sldId id="552" r:id="rId26"/>
+    <p:sldId id="553" r:id="rId27"/>
+    <p:sldId id="554" r:id="rId28"/>
+    <p:sldId id="555" r:id="rId29"/>
+    <p:sldId id="556" r:id="rId30"/>
+    <p:sldId id="559" r:id="rId31"/>
+    <p:sldId id="560" r:id="rId32"/>
+    <p:sldId id="561" r:id="rId33"/>
+    <p:sldId id="562" r:id="rId34"/>
+    <p:sldId id="563" r:id="rId35"/>
+    <p:sldId id="349" r:id="rId36"/>
+    <p:sldId id="573" r:id="rId37"/>
+    <p:sldId id="574" r:id="rId38"/>
   </p:sldIdLst>
   <p:sldSz cx="12192000" cy="6858000"/>
   <p:notesSz cx="6858000" cy="9144000"/>
@@ -166,7 +165,6 @@
             <p14:sldId id="471"/>
             <p14:sldId id="576"/>
             <p14:sldId id="536"/>
-            <p14:sldId id="580"/>
           </p14:sldIdLst>
         </p14:section>
         <p14:section name="Quantifier-и и групи" id="{9D4AFA2F-12AD-47EC-A46E-118A42FE28A3}">
@@ -188,6 +186,10 @@
             <p14:sldId id="535"/>
             <p14:sldId id="579"/>
             <p14:sldId id="479"/>
+          </p14:sldIdLst>
+        </p14:section>
+        <p14:section name="Регулярни изрази в C#" id="{B796D4E2-4AF8-924E-B9C0-1168217DD12E}">
+          <p14:sldIdLst>
             <p14:sldId id="551"/>
             <p14:sldId id="552"/>
             <p14:sldId id="553"/>
@@ -340,7 +342,7 @@
           <a:p>
             <a:fld id="{4E087215-0C8F-4762-A664-737A353EC9A4}" type="datetimeFigureOut">
               <a:rPr lang="bg-BG" smtClean="0"/>
-              <a:t>6.7.2023 г.</a:t>
+              <a:t>19.08.23 г.</a:t>
             </a:fld>
             <a:endParaRPr lang="bg-BG" dirty="0"/>
           </a:p>
@@ -531,7 +533,7 @@
           <a:p>
             <a:fld id="{72D84649-876A-46C9-8472-14CB09C070D8}" type="datetimeFigureOut">
               <a:rPr lang="en-US" smtClean="0"/>
-              <a:t>7/6/2023</a:t>
+              <a:t>8/19/23</a:t>
             </a:fld>
             <a:endParaRPr lang="en-US" dirty="0"/>
           </a:p>
@@ -1139,7 +1141,7 @@
                 </a:solidFill>
               </a:rPr>
               <a:pPr/>
-              <a:t>12</a:t>
+              <a:t>11</a:t>
             </a:fld>
             <a:endParaRPr lang="en-US" dirty="0">
               <a:solidFill>
@@ -1256,49 +1258,6 @@
           <a:bodyPr/>
           <a:lstStyle/>
           <a:p>
-            <a:pPr marL="0" marR="0" indent="0" algn="l" defTabSz="1218987" rtl="0" eaLnBrk="1" fontAlgn="auto" latinLnBrk="0" hangingPunct="1">
-              <a:lnSpc>
-                <a:spcPct val="100000"/>
-              </a:lnSpc>
-              <a:spcBef>
-                <a:spcPts val="0"/>
-              </a:spcBef>
-              <a:spcAft>
-                <a:spcPts val="0"/>
-              </a:spcAft>
-              <a:buClrTx/>
-              <a:buSzTx/>
-              <a:buFontTx/>
-              <a:buNone/>
-              <a:tabLst/>
-              <a:defRPr/>
-            </a:pPr>
-            <a:r>
-              <a:rPr lang="en-GB" dirty="0"/>
-              <a:t>You can try also:</a:t>
-            </a:r>
-            <a:r>
-              <a:rPr lang="en-GB" baseline="0" dirty="0"/>
-              <a:t> </a:t>
-            </a:r>
-            <a:r>
-              <a:rPr lang="en-US" sz="1600" b="1" dirty="0">
-                <a:solidFill>
-                  <a:schemeClr val="tx2"/>
-                </a:solidFill>
-                <a:effectLst>
-                  <a:outerShdw blurRad="38100" dist="38100" dir="2700000" algn="tl">
-                    <a:srgbClr val="000000">
-                      <a:alpha val="43137"/>
-                    </a:srgbClr>
-                  </a:outerShdw>
-                </a:effectLst>
-                <a:latin typeface="Consolas" panose="020B0609020204030204" pitchFamily="49" charset="0"/>
-              </a:rPr>
-              <a:t> @"&lt;a.*href=((?:.|\n)*?(?=&gt;))&gt;((?:.|\n)*?(?=&lt;))&lt;\/a&gt;"</a:t>
-            </a:r>
-          </a:p>
-          <a:p>
             <a:endParaRPr lang="en-US" dirty="0"/>
           </a:p>
         </p:txBody>
@@ -1321,7 +1280,7 @@
             <a:fld id="{3EBA5BD7-F043-4D1B-AA17-CD412FC534DE}" type="slidenum">
               <a:rPr lang="en-US" smtClean="0"/>
               <a:pPr/>
-              <a:t>33</a:t>
+              <a:t>32</a:t>
             </a:fld>
             <a:endParaRPr lang="en-US" dirty="0"/>
           </a:p>
@@ -1434,49 +1393,6 @@
           <a:bodyPr/>
           <a:lstStyle/>
           <a:p>
-            <a:pPr marL="0" marR="0" indent="0" algn="l" defTabSz="1218987" rtl="0" eaLnBrk="1" fontAlgn="auto" latinLnBrk="0" hangingPunct="1">
-              <a:lnSpc>
-                <a:spcPct val="100000"/>
-              </a:lnSpc>
-              <a:spcBef>
-                <a:spcPts val="0"/>
-              </a:spcBef>
-              <a:spcAft>
-                <a:spcPts val="0"/>
-              </a:spcAft>
-              <a:buClrTx/>
-              <a:buSzTx/>
-              <a:buFontTx/>
-              <a:buNone/>
-              <a:tabLst/>
-              <a:defRPr/>
-            </a:pPr>
-            <a:r>
-              <a:rPr lang="en-GB" dirty="0"/>
-              <a:t>You can try also:</a:t>
-            </a:r>
-            <a:r>
-              <a:rPr lang="en-GB" baseline="0" dirty="0"/>
-              <a:t> </a:t>
-            </a:r>
-            <a:r>
-              <a:rPr lang="en-US" sz="1600" b="1" dirty="0">
-                <a:solidFill>
-                  <a:schemeClr val="tx2"/>
-                </a:solidFill>
-                <a:effectLst>
-                  <a:outerShdw blurRad="38100" dist="38100" dir="2700000" algn="tl">
-                    <a:srgbClr val="000000">
-                      <a:alpha val="43137"/>
-                    </a:srgbClr>
-                  </a:outerShdw>
-                </a:effectLst>
-                <a:latin typeface="Consolas" panose="020B0609020204030204" pitchFamily="49" charset="0"/>
-              </a:rPr>
-              <a:t> @"&lt;a.*href=((?:.|\n)*?(?=&gt;))&gt;((?:.|\n)*?(?=&lt;))&lt;\/a&gt;"</a:t>
-            </a:r>
-          </a:p>
-          <a:p>
             <a:endParaRPr lang="en-US" dirty="0"/>
           </a:p>
         </p:txBody>
@@ -1499,7 +1415,7 @@
             <a:fld id="{3EBA5BD7-F043-4D1B-AA17-CD412FC534DE}" type="slidenum">
               <a:rPr lang="en-US" smtClean="0"/>
               <a:pPr/>
-              <a:t>35</a:t>
+              <a:t>34</a:t>
             </a:fld>
             <a:endParaRPr lang="en-US" dirty="0"/>
           </a:p>
@@ -1634,7 +1550,7 @@
             <a:fld id="{3EBA5BD7-F043-4D1B-AA17-CD412FC534DE}" type="slidenum">
               <a:rPr lang="en-US" smtClean="0"/>
               <a:pPr/>
-              <a:t>36</a:t>
+              <a:t>35</a:t>
             </a:fld>
             <a:endParaRPr lang="en-US" dirty="0"/>
           </a:p>
@@ -1875,7 +1791,7 @@
             <a:fld id="{3EBA5BD7-F043-4D1B-AA17-CD412FC534DE}" type="slidenum">
               <a:rPr lang="en-US" smtClean="0"/>
               <a:pPr/>
-              <a:t>37</a:t>
+              <a:t>36</a:t>
             </a:fld>
             <a:endParaRPr lang="en-US" dirty="0"/>
           </a:p>
@@ -2116,7 +2032,7 @@
             <a:fld id="{3EBA5BD7-F043-4D1B-AA17-CD412FC534DE}" type="slidenum">
               <a:rPr lang="en-US" smtClean="0"/>
               <a:pPr/>
-              <a:t>38</a:t>
+              <a:t>37</a:t>
             </a:fld>
             <a:endParaRPr lang="en-US" dirty="0"/>
           </a:p>
@@ -8670,47 +8586,6 @@
       </p:grpSpPr>
       <p:sp>
         <p:nvSpPr>
-          <p:cNvPr id="6" name="Subtitle 5"/>
-          <p:cNvSpPr>
-            <a:spLocks noGrp="1"/>
-          </p:cNvSpPr>
-          <p:nvPr>
-            <p:ph type="subTitle" idx="1"/>
-          </p:nvPr>
-        </p:nvSpPr>
-        <p:spPr/>
-        <p:txBody>
-          <a:bodyPr>
-            <a:normAutofit/>
-          </a:bodyPr>
-          <a:lstStyle/>
-          <a:p>
-            <a:pPr>
-              <a:lnSpc>
-                <a:spcPct val="113999"/>
-              </a:lnSpc>
-              <a:spcAft>
-                <a:spcPts val="0"/>
-              </a:spcAft>
-            </a:pPr>
-            <a:r>
-              <a:rPr lang="en-US" sz="3550" dirty="0"/>
-              <a:t>Синтаксис на ре</a:t>
-            </a:r>
-            <a:r>
-              <a:rPr lang="bg-BG" sz="3550" dirty="0"/>
-              <a:t>гу</a:t>
-            </a:r>
-            <a:r>
-              <a:rPr lang="en-US" sz="3550" dirty="0"/>
-              <a:t>лярния израз</a:t>
-            </a:r>
-            <a:endParaRPr lang="bg-BG" dirty="0"/>
-          </a:p>
-        </p:txBody>
-      </p:sp>
-      <p:sp>
-        <p:nvSpPr>
           <p:cNvPr id="5" name="Title 4"/>
           <p:cNvSpPr>
             <a:spLocks noGrp="1"/>
@@ -8732,15 +8607,15 @@
           <a:lstStyle/>
           <a:p>
             <a:r>
-              <a:rPr lang="en-US" sz="4750" dirty="0">
+              <a:rPr lang="bg-BG" sz="4750" dirty="0">
                 <a:ea typeface="+mj-lt"/>
                 <a:cs typeface="+mj-lt"/>
               </a:rPr>
-              <a:t>Регулярен израз</a:t>
+              <a:t>Регулярни изрази </a:t>
             </a:r>
             <a:r>
               <a:rPr lang="en-US" sz="4750" dirty="0"/>
-              <a:t> (RegEx)</a:t>
+              <a:t>(RegEx)</a:t>
             </a:r>
             <a:endParaRPr lang="bg-BG" sz="4750" dirty="0">
               <a:cs typeface="Calibri"/>
@@ -8915,8 +8790,8 @@
         </p:blipFill>
         <p:spPr>
           <a:xfrm>
-            <a:off x="3598607" y="2514839"/>
-            <a:ext cx="4994789" cy="2408717"/>
+            <a:off x="3403737" y="2119985"/>
+            <a:ext cx="5384526" cy="2764556"/>
           </a:xfrm>
           <a:prstGeom prst="rect">
             <a:avLst/>
@@ -8929,6 +8804,40 @@
           </a:effectLst>
         </p:spPr>
       </p:pic>
+      <p:sp>
+        <p:nvSpPr>
+          <p:cNvPr id="10" name="Subtitle 9">
+            <a:extLst>
+              <a:ext uri="{FF2B5EF4-FFF2-40B4-BE49-F238E27FC236}">
+                <a16:creationId xmlns:a16="http://schemas.microsoft.com/office/drawing/2014/main" id="{91D9C92B-24AC-2E0F-7C85-C3F32043D5D9}"/>
+              </a:ext>
+            </a:extLst>
+          </p:cNvPr>
+          <p:cNvSpPr>
+            <a:spLocks noGrp="1"/>
+          </p:cNvSpPr>
+          <p:nvPr>
+            <p:ph type="subTitle" idx="1"/>
+          </p:nvPr>
+        </p:nvSpPr>
+        <p:spPr>
+          <a:xfrm>
+            <a:off x="554182" y="1258272"/>
+            <a:ext cx="11083636" cy="747890"/>
+          </a:xfrm>
+        </p:spPr>
+        <p:txBody>
+          <a:bodyPr/>
+          <a:lstStyle/>
+          <a:p>
+            <a:r>
+              <a:rPr lang="bg-BG" dirty="0"/>
+              <a:t>Същност, синтаксис, употреба</a:t>
+            </a:r>
+            <a:endParaRPr lang="en-BG" dirty="0"/>
+          </a:p>
+        </p:txBody>
+      </p:sp>
     </p:spTree>
     <p:extLst>
       <p:ext uri="{BB962C8B-B14F-4D97-AF65-F5344CB8AC3E}">
@@ -8991,7 +8900,7 @@
         </p:spPr>
         <p:txBody>
           <a:bodyPr vert="horz" lIns="108000" tIns="36000" rIns="108000" bIns="36000" rtlCol="0" anchor="t">
-            <a:normAutofit fontScale="92500" lnSpcReduction="20000"/>
+            <a:normAutofit fontScale="92500"/>
           </a:bodyPr>
           <a:lstStyle/>
           <a:p>
@@ -9025,6 +8934,14 @@
               <a:t> </a:t>
             </a:r>
             <a:r>
+              <a:rPr lang="bg-BG" sz="3350" b="1" dirty="0">
+                <a:solidFill>
+                  <a:schemeClr val="bg1"/>
+                </a:solidFill>
+              </a:rPr>
+              <a:t>текстови </a:t>
+            </a:r>
+            <a:r>
               <a:rPr lang="en-GB" sz="3350" b="1" dirty="0">
                 <a:solidFill>
                   <a:schemeClr val="bg1"/>
@@ -9058,14 +8975,19 @@
             </a:r>
             <a:r>
               <a:rPr lang="en-GB" sz="3350" dirty="0"/>
-              <a:t> – търси всеки символ различен от английската </a:t>
-            </a:r>
-            <a:br>
+              <a:t> – търси всеки </a:t>
+            </a:r>
+            <a:r>
+              <a:rPr lang="bg-BG" sz="3350" b="1" dirty="0">
+                <a:solidFill>
+                  <a:schemeClr val="bg1"/>
+                </a:solidFill>
+              </a:rPr>
+              <a:t>нетекстови символ </a:t>
+            </a:r>
+            <a:r>
               <a:rPr lang="en-GB" sz="3350" dirty="0"/>
-            </a:br>
-            <a:r>
-              <a:rPr lang="en-GB" sz="3350" dirty="0"/>
-              <a:t>азбука(обратното на </a:t>
+              <a:t>(обратното на </a:t>
             </a:r>
             <a:r>
               <a:rPr lang="en-GB" sz="3350" b="1" dirty="0">
@@ -9166,26 +9088,7 @@
                 <a:ea typeface="+mn-lt"/>
                 <a:cs typeface="+mn-lt"/>
               </a:rPr>
-              <a:t>символи, </a:t>
-            </a:r>
-            <a:br>
-              <a:rPr lang="en-GB" sz="3350" dirty="0">
-                <a:solidFill>
-                  <a:srgbClr val="234465"/>
-                </a:solidFill>
-                <a:ea typeface="+mn-lt"/>
-                <a:cs typeface="+mn-lt"/>
-              </a:rPr>
-            </a:br>
-            <a:r>
-              <a:rPr lang="en-GB" sz="3350" dirty="0">
-                <a:solidFill>
-                  <a:srgbClr val="234465"/>
-                </a:solidFill>
-                <a:ea typeface="+mn-lt"/>
-                <a:cs typeface="+mn-lt"/>
-              </a:rPr>
-              <a:t>които не са </a:t>
+              <a:t>символи, които не са </a:t>
             </a:r>
             <a:r>
               <a:rPr lang="en-GB" sz="3350" b="1" dirty="0">
@@ -9287,30 +9190,24 @@
               <a:t>търси всички </a:t>
             </a:r>
             <a:r>
-              <a:rPr lang="en-GB" sz="3350" dirty="0">
-                <a:solidFill>
-                  <a:srgbClr val="234465"/>
+              <a:rPr lang="bg-BG" sz="3350" b="1" dirty="0">
+                <a:solidFill>
+                  <a:schemeClr val="bg1"/>
                 </a:solidFill>
                 <a:ea typeface="+mn-lt"/>
                 <a:cs typeface="+mn-lt"/>
               </a:rPr>
-              <a:t>символи</a:t>
-            </a:r>
-            <a:r>
-              <a:rPr lang="en-GB" sz="3350" dirty="0">
+              <a:t>цифри</a:t>
+            </a:r>
+            <a:r>
+              <a:rPr lang="bg-BG" sz="3350" dirty="0">
                 <a:solidFill>
                   <a:srgbClr val="234465"/>
                 </a:solidFill>
-              </a:rPr>
-              <a:t>, които </a:t>
-            </a:r>
-            <a:r>
-              <a:rPr lang="en-GB" sz="3350" b="1" dirty="0">
-                <a:solidFill>
-                  <a:schemeClr val="bg1"/>
-                </a:solidFill>
-              </a:rPr>
-              <a:t>цели числа </a:t>
+                <a:ea typeface="+mn-lt"/>
+                <a:cs typeface="+mn-lt"/>
+              </a:rPr>
+              <a:t> </a:t>
             </a:r>
             <a:r>
               <a:rPr lang="en-GB" sz="3350" dirty="0"/>
@@ -9351,7 +9248,15 @@
             </a:r>
             <a:r>
               <a:rPr lang="en-GB" sz="3350" dirty="0"/>
-              <a:t>символи, които </a:t>
+              <a:t>символи, които</a:t>
+            </a:r>
+            <a:r>
+              <a:rPr lang="bg-BG" sz="3350" dirty="0"/>
+              <a:t> са</a:t>
+            </a:r>
+            <a:r>
+              <a:rPr lang="en-GB" sz="3350" dirty="0"/>
+              <a:t> </a:t>
             </a:r>
             <a:r>
               <a:rPr lang="en-GB" sz="3350" b="1" dirty="0">
@@ -9359,7 +9264,23 @@
                   <a:schemeClr val="bg1"/>
                 </a:solidFill>
               </a:rPr>
-              <a:t>не са числа </a:t>
+              <a:t>не са </a:t>
+            </a:r>
+            <a:r>
+              <a:rPr lang="bg-BG" sz="3350" b="1" dirty="0">
+                <a:solidFill>
+                  <a:schemeClr val="bg1"/>
+                </a:solidFill>
+              </a:rPr>
+              <a:t>цифри</a:t>
+            </a:r>
+            <a:r>
+              <a:rPr lang="en-GB" sz="3350" b="1" dirty="0">
+                <a:solidFill>
+                  <a:schemeClr val="bg1"/>
+                </a:solidFill>
+              </a:rPr>
+              <a:t> </a:t>
             </a:r>
             <a:r>
               <a:rPr lang="en-GB" sz="3350" dirty="0"/>
@@ -9393,13 +9314,9 @@
             </a:endParaRPr>
           </a:p>
           <a:p>
-            <a:pPr marL="360045" indent="-360045"/>
-            <a:endParaRPr lang="en-GB" dirty="0">
-              <a:cs typeface="Calibri"/>
-            </a:endParaRPr>
-          </a:p>
-          <a:p>
-            <a:pPr marL="360045" indent="-360045"/>
+            <a:pPr marL="0" indent="0">
+              <a:buNone/>
+            </a:pPr>
             <a:endParaRPr lang="en-GB" dirty="0">
               <a:cs typeface="Calibri"/>
             </a:endParaRPr>
@@ -9428,11 +9345,38 @@
           <a:lstStyle/>
           <a:p>
             <a:r>
+              <a:rPr lang="bg-BG" sz="3950" dirty="0">
+                <a:cs typeface="Calibri"/>
+              </a:rPr>
+              <a:t>Предефинирани</a:t>
+            </a:r>
+            <a:r>
               <a:rPr lang="en-GB" sz="3950" dirty="0">
                 <a:cs typeface="Calibri"/>
               </a:rPr>
-              <a:t>Предефинирани класове - примери</a:t>
-            </a:r>
+              <a:t> </a:t>
+            </a:r>
+            <a:r>
+              <a:rPr lang="bg-BG" sz="3950" dirty="0">
+                <a:cs typeface="Calibri"/>
+              </a:rPr>
+              <a:t>класове</a:t>
+            </a:r>
+            <a:r>
+              <a:rPr lang="en-GB" sz="3950" dirty="0">
+                <a:cs typeface="Calibri"/>
+              </a:rPr>
+              <a:t> – </a:t>
+            </a:r>
+            <a:r>
+              <a:rPr lang="bg-BG" sz="3950" dirty="0">
+                <a:cs typeface="Calibri"/>
+              </a:rPr>
+              <a:t>Примери</a:t>
+            </a:r>
+            <a:endParaRPr lang="en-GB" sz="3950" dirty="0">
+              <a:cs typeface="Calibri"/>
+            </a:endParaRPr>
           </a:p>
         </p:txBody>
       </p:sp>
@@ -9842,10 +9786,10 @@
       </p:grpSpPr>
       <p:sp>
         <p:nvSpPr>
-          <p:cNvPr id="2" name="Подзаглавие 1">
+          <p:cNvPr id="4" name="Подзаглавие 3">
             <a:extLst>
               <a:ext uri="{FF2B5EF4-FFF2-40B4-BE49-F238E27FC236}">
-                <a16:creationId xmlns:a16="http://schemas.microsoft.com/office/drawing/2014/main" id="{E77C71C9-07A9-48DE-9A7F-00808CD1071F}"/>
+                <a16:creationId xmlns:a16="http://schemas.microsoft.com/office/drawing/2014/main" id="{20401B3F-1CEE-7839-9A0F-0E9EC97B6F49}"/>
               </a:ext>
             </a:extLst>
           </p:cNvPr>
@@ -9861,7 +9805,10 @@
           <a:bodyPr/>
           <a:lstStyle/>
           <a:p>
-            <a:endParaRPr lang="bg-BG"/>
+            <a:r>
+              <a:rPr lang="bg-BG" dirty="0"/>
+              <a:t>Определение и примери</a:t>
+            </a:r>
           </a:p>
         </p:txBody>
       </p:sp>
@@ -9870,7 +9817,7 @@
           <p:cNvPr id="3" name="Заглавие 2">
             <a:extLst>
               <a:ext uri="{FF2B5EF4-FFF2-40B4-BE49-F238E27FC236}">
-                <a16:creationId xmlns:a16="http://schemas.microsoft.com/office/drawing/2014/main" id="{4216ECAD-B2FF-4D62-819B-F186092252C3}"/>
+                <a16:creationId xmlns:a16="http://schemas.microsoft.com/office/drawing/2014/main" id="{FC108660-B26C-48A3-9C2C-9234702CA5AD}"/>
               </a:ext>
             </a:extLst>
           </p:cNvPr>
@@ -9886,14 +9833,227 @@
           <a:bodyPr/>
           <a:lstStyle/>
           <a:p>
-            <a:endParaRPr lang="bg-BG"/>
+            <a:r>
+              <a:rPr lang="en-GB" sz="5350" dirty="0">
+                <a:cs typeface="Arial"/>
+              </a:rPr>
+              <a:t>Quantifier-и</a:t>
+            </a:r>
+            <a:endParaRPr lang="bg-BG" dirty="0"/>
+          </a:p>
+        </p:txBody>
+      </p:sp>
+      <p:sp>
+        <p:nvSpPr>
+          <p:cNvPr id="8" name="Text Placeholder 4">
+            <a:extLst>
+              <a:ext uri="{FF2B5EF4-FFF2-40B4-BE49-F238E27FC236}">
+                <a16:creationId xmlns:a16="http://schemas.microsoft.com/office/drawing/2014/main" id="{C886439C-1CA8-450B-A9E2-4DBC6DCAF5FE}"/>
+              </a:ext>
+            </a:extLst>
+          </p:cNvPr>
+          <p:cNvSpPr txBox="1">
+            <a:spLocks/>
+          </p:cNvSpPr>
+          <p:nvPr/>
+        </p:nvSpPr>
+        <p:spPr>
+          <a:xfrm>
+            <a:off x="4574061" y="1595612"/>
+            <a:ext cx="3043877" cy="1980684"/>
+          </a:xfrm>
+          <a:prstGeom prst="rect">
+            <a:avLst/>
+          </a:prstGeom>
+        </p:spPr>
+        <p:txBody>
+          <a:bodyPr vert="horz" lIns="107972" tIns="35991" rIns="107972" bIns="35991" rtlCol="0" anchor="ctr">
+            <a:noAutofit/>
+          </a:bodyPr>
+          <a:lstStyle>
+            <a:lvl1pPr marL="0" indent="0" algn="ctr" defTabSz="1218438" rtl="0" eaLnBrk="1" latinLnBrk="1" hangingPunct="1">
+              <a:lnSpc>
+                <a:spcPct val="105000"/>
+              </a:lnSpc>
+              <a:spcBef>
+                <a:spcPts val="600"/>
+              </a:spcBef>
+              <a:spcAft>
+                <a:spcPts val="600"/>
+              </a:spcAft>
+              <a:buFont typeface="Wingdings" panose="05000000000000000000" pitchFamily="2" charset="2"/>
+              <a:buNone/>
+              <a:defRPr sz="3998" b="1" kern="1200" baseline="0">
+                <a:solidFill>
+                  <a:schemeClr val="tx1"/>
+                </a:solidFill>
+                <a:latin typeface="+mn-lt"/>
+                <a:ea typeface="+mn-ea"/>
+                <a:cs typeface="Arial" pitchFamily="34" charset="0"/>
+              </a:defRPr>
+            </a:lvl1pPr>
+            <a:lvl2pPr marL="989981" indent="-380762" algn="l" defTabSz="1218438" rtl="0" eaLnBrk="1" latinLnBrk="1" hangingPunct="1">
+              <a:lnSpc>
+                <a:spcPct val="105000"/>
+              </a:lnSpc>
+              <a:spcBef>
+                <a:spcPts val="600"/>
+              </a:spcBef>
+              <a:spcAft>
+                <a:spcPts val="600"/>
+              </a:spcAft>
+              <a:buFont typeface="Wingdings" panose="05000000000000000000" pitchFamily="2" charset="2"/>
+              <a:buChar char="§"/>
+              <a:defRPr sz="3198" kern="1200">
+                <a:solidFill>
+                  <a:schemeClr val="tx1"/>
+                </a:solidFill>
+                <a:latin typeface="+mn-lt"/>
+                <a:ea typeface="+mn-ea"/>
+                <a:cs typeface="+mn-cs"/>
+              </a:defRPr>
+            </a:lvl2pPr>
+            <a:lvl3pPr marL="1523048" indent="-304610" algn="l" defTabSz="1218438" rtl="0" eaLnBrk="1" latinLnBrk="1" hangingPunct="1">
+              <a:lnSpc>
+                <a:spcPct val="105000"/>
+              </a:lnSpc>
+              <a:spcBef>
+                <a:spcPts val="600"/>
+              </a:spcBef>
+              <a:spcAft>
+                <a:spcPts val="600"/>
+              </a:spcAft>
+              <a:buFont typeface="Wingdings" panose="05000000000000000000" pitchFamily="2" charset="2"/>
+              <a:buChar char="§"/>
+              <a:defRPr sz="2998" kern="1200">
+                <a:solidFill>
+                  <a:schemeClr val="tx1"/>
+                </a:solidFill>
+                <a:latin typeface="+mn-lt"/>
+                <a:ea typeface="+mn-ea"/>
+                <a:cs typeface="+mn-cs"/>
+              </a:defRPr>
+            </a:lvl3pPr>
+            <a:lvl4pPr marL="2132267" indent="-304610" algn="l" defTabSz="1218438" rtl="0" eaLnBrk="1" latinLnBrk="1" hangingPunct="1">
+              <a:lnSpc>
+                <a:spcPct val="105000"/>
+              </a:lnSpc>
+              <a:spcBef>
+                <a:spcPts val="600"/>
+              </a:spcBef>
+              <a:spcAft>
+                <a:spcPts val="600"/>
+              </a:spcAft>
+              <a:buFont typeface="Wingdings" panose="05000000000000000000" pitchFamily="2" charset="2"/>
+              <a:buChar char="§"/>
+              <a:defRPr sz="2798" kern="1200">
+                <a:solidFill>
+                  <a:schemeClr val="tx1"/>
+                </a:solidFill>
+                <a:latin typeface="+mn-lt"/>
+                <a:ea typeface="+mn-ea"/>
+                <a:cs typeface="+mn-cs"/>
+              </a:defRPr>
+            </a:lvl4pPr>
+            <a:lvl5pPr marL="2741485" indent="-304610" algn="l" defTabSz="1218438" rtl="0" eaLnBrk="1" latinLnBrk="1" hangingPunct="1">
+              <a:lnSpc>
+                <a:spcPct val="105000"/>
+              </a:lnSpc>
+              <a:spcBef>
+                <a:spcPts val="600"/>
+              </a:spcBef>
+              <a:spcAft>
+                <a:spcPts val="600"/>
+              </a:spcAft>
+              <a:buFont typeface="Wingdings" panose="05000000000000000000" pitchFamily="2" charset="2"/>
+              <a:buChar char="§"/>
+              <a:defRPr sz="2598" kern="1200">
+                <a:solidFill>
+                  <a:schemeClr val="tx1"/>
+                </a:solidFill>
+                <a:latin typeface="+mn-lt"/>
+                <a:ea typeface="+mn-ea"/>
+                <a:cs typeface="+mn-cs"/>
+              </a:defRPr>
+            </a:lvl5pPr>
+            <a:lvl6pPr marL="3350704" indent="-304610" algn="l" defTabSz="1218438" rtl="0" eaLnBrk="1" latinLnBrk="1" hangingPunct="1">
+              <a:spcBef>
+                <a:spcPct val="20000"/>
+              </a:spcBef>
+              <a:buFont typeface="Arial" pitchFamily="34" charset="0"/>
+              <a:buChar char="•"/>
+              <a:defRPr sz="2665" kern="1200">
+                <a:solidFill>
+                  <a:schemeClr val="tx1"/>
+                </a:solidFill>
+                <a:latin typeface="+mn-lt"/>
+                <a:ea typeface="+mn-ea"/>
+                <a:cs typeface="+mn-cs"/>
+              </a:defRPr>
+            </a:lvl6pPr>
+            <a:lvl7pPr marL="3959924" indent="-304610" algn="l" defTabSz="1218438" rtl="0" eaLnBrk="1" latinLnBrk="1" hangingPunct="1">
+              <a:spcBef>
+                <a:spcPct val="20000"/>
+              </a:spcBef>
+              <a:buFont typeface="Arial" pitchFamily="34" charset="0"/>
+              <a:buChar char="•"/>
+              <a:defRPr sz="2665" kern="1200">
+                <a:solidFill>
+                  <a:schemeClr val="tx1"/>
+                </a:solidFill>
+                <a:latin typeface="+mn-lt"/>
+                <a:ea typeface="+mn-ea"/>
+                <a:cs typeface="+mn-cs"/>
+              </a:defRPr>
+            </a:lvl7pPr>
+            <a:lvl8pPr marL="4569143" indent="-304610" algn="l" defTabSz="1218438" rtl="0" eaLnBrk="1" latinLnBrk="1" hangingPunct="1">
+              <a:spcBef>
+                <a:spcPct val="20000"/>
+              </a:spcBef>
+              <a:buFont typeface="Arial" pitchFamily="34" charset="0"/>
+              <a:buChar char="•"/>
+              <a:defRPr sz="2665" kern="1200">
+                <a:solidFill>
+                  <a:schemeClr val="tx1"/>
+                </a:solidFill>
+                <a:latin typeface="+mn-lt"/>
+                <a:ea typeface="+mn-ea"/>
+                <a:cs typeface="+mn-cs"/>
+              </a:defRPr>
+            </a:lvl8pPr>
+            <a:lvl9pPr marL="5178362" indent="-304610" algn="l" defTabSz="1218438" rtl="0" eaLnBrk="1" latinLnBrk="1" hangingPunct="1">
+              <a:spcBef>
+                <a:spcPct val="20000"/>
+              </a:spcBef>
+              <a:buFont typeface="Arial" pitchFamily="34" charset="0"/>
+              <a:buChar char="•"/>
+              <a:defRPr sz="2665" kern="1200">
+                <a:solidFill>
+                  <a:schemeClr val="tx1"/>
+                </a:solidFill>
+                <a:latin typeface="+mn-lt"/>
+                <a:ea typeface="+mn-ea"/>
+                <a:cs typeface="+mn-cs"/>
+              </a:defRPr>
+            </a:lvl9pPr>
+          </a:lstStyle>
+          <a:p>
+            <a:r>
+              <a:rPr lang="en-US" sz="8000" dirty="0">
+                <a:solidFill>
+                  <a:schemeClr val="bg2"/>
+                </a:solidFill>
+                <a:latin typeface="Consolas" panose="020B0609020204030204" pitchFamily="49" charset="0"/>
+              </a:rPr>
+              <a:t>(\w+)</a:t>
+            </a:r>
           </a:p>
         </p:txBody>
       </p:sp>
     </p:spTree>
     <p:extLst>
       <p:ext uri="{BB962C8B-B14F-4D97-AF65-F5344CB8AC3E}">
-        <p14:creationId xmlns:p14="http://schemas.microsoft.com/office/powerpoint/2010/main" val="1271836365"/>
+        <p14:creationId xmlns:p14="http://schemas.microsoft.com/office/powerpoint/2010/main" val="3666660939"/>
       </p:ext>
     </p:extLst>
   </p:cSld>
@@ -9930,310 +10090,6 @@
       </p:grpSpPr>
       <p:sp>
         <p:nvSpPr>
-          <p:cNvPr id="4" name="Подзаглавие 3">
-            <a:extLst>
-              <a:ext uri="{FF2B5EF4-FFF2-40B4-BE49-F238E27FC236}">
-                <a16:creationId xmlns:a16="http://schemas.microsoft.com/office/drawing/2014/main" id="{20401B3F-1CEE-7839-9A0F-0E9EC97B6F49}"/>
-              </a:ext>
-            </a:extLst>
-          </p:cNvPr>
-          <p:cNvSpPr>
-            <a:spLocks noGrp="1"/>
-          </p:cNvSpPr>
-          <p:nvPr>
-            <p:ph type="subTitle" sz="quarter" idx="11"/>
-          </p:nvPr>
-        </p:nvSpPr>
-        <p:spPr/>
-        <p:txBody>
-          <a:bodyPr/>
-          <a:lstStyle/>
-          <a:p>
-            <a:r>
-              <a:rPr lang="bg-BG" dirty="0"/>
-              <a:t>Определение и примери</a:t>
-            </a:r>
-          </a:p>
-        </p:txBody>
-      </p:sp>
-      <p:sp>
-        <p:nvSpPr>
-          <p:cNvPr id="3" name="Заглавие 2">
-            <a:extLst>
-              <a:ext uri="{FF2B5EF4-FFF2-40B4-BE49-F238E27FC236}">
-                <a16:creationId xmlns:a16="http://schemas.microsoft.com/office/drawing/2014/main" id="{FC108660-B26C-48A3-9C2C-9234702CA5AD}"/>
-              </a:ext>
-            </a:extLst>
-          </p:cNvPr>
-          <p:cNvSpPr>
-            <a:spLocks noGrp="1"/>
-          </p:cNvSpPr>
-          <p:nvPr>
-            <p:ph type="title" sz="quarter" idx="10"/>
-          </p:nvPr>
-        </p:nvSpPr>
-        <p:spPr/>
-        <p:txBody>
-          <a:bodyPr/>
-          <a:lstStyle/>
-          <a:p>
-            <a:r>
-              <a:rPr lang="en-GB" sz="5350" dirty="0">
-                <a:cs typeface="Arial"/>
-              </a:rPr>
-              <a:t>Quantifier-и</a:t>
-            </a:r>
-            <a:endParaRPr lang="bg-BG" dirty="0"/>
-          </a:p>
-        </p:txBody>
-      </p:sp>
-      <p:sp>
-        <p:nvSpPr>
-          <p:cNvPr id="8" name="Text Placeholder 4">
-            <a:extLst>
-              <a:ext uri="{FF2B5EF4-FFF2-40B4-BE49-F238E27FC236}">
-                <a16:creationId xmlns:a16="http://schemas.microsoft.com/office/drawing/2014/main" id="{C886439C-1CA8-450B-A9E2-4DBC6DCAF5FE}"/>
-              </a:ext>
-            </a:extLst>
-          </p:cNvPr>
-          <p:cNvSpPr txBox="1">
-            <a:spLocks/>
-          </p:cNvSpPr>
-          <p:nvPr/>
-        </p:nvSpPr>
-        <p:spPr>
-          <a:xfrm>
-            <a:off x="4574063" y="1724704"/>
-            <a:ext cx="3043877" cy="1980684"/>
-          </a:xfrm>
-          <a:prstGeom prst="rect">
-            <a:avLst/>
-          </a:prstGeom>
-        </p:spPr>
-        <p:txBody>
-          <a:bodyPr vert="horz" lIns="107972" tIns="35991" rIns="107972" bIns="35991" rtlCol="0" anchor="ctr">
-            <a:noAutofit/>
-          </a:bodyPr>
-          <a:lstStyle>
-            <a:lvl1pPr marL="0" indent="0" algn="ctr" defTabSz="1218438" rtl="0" eaLnBrk="1" latinLnBrk="1" hangingPunct="1">
-              <a:lnSpc>
-                <a:spcPct val="105000"/>
-              </a:lnSpc>
-              <a:spcBef>
-                <a:spcPts val="600"/>
-              </a:spcBef>
-              <a:spcAft>
-                <a:spcPts val="600"/>
-              </a:spcAft>
-              <a:buFont typeface="Wingdings" panose="05000000000000000000" pitchFamily="2" charset="2"/>
-              <a:buNone/>
-              <a:defRPr sz="3998" b="1" kern="1200" baseline="0">
-                <a:solidFill>
-                  <a:schemeClr val="tx1"/>
-                </a:solidFill>
-                <a:latin typeface="+mn-lt"/>
-                <a:ea typeface="+mn-ea"/>
-                <a:cs typeface="Arial" pitchFamily="34" charset="0"/>
-              </a:defRPr>
-            </a:lvl1pPr>
-            <a:lvl2pPr marL="989981" indent="-380762" algn="l" defTabSz="1218438" rtl="0" eaLnBrk="1" latinLnBrk="1" hangingPunct="1">
-              <a:lnSpc>
-                <a:spcPct val="105000"/>
-              </a:lnSpc>
-              <a:spcBef>
-                <a:spcPts val="600"/>
-              </a:spcBef>
-              <a:spcAft>
-                <a:spcPts val="600"/>
-              </a:spcAft>
-              <a:buFont typeface="Wingdings" panose="05000000000000000000" pitchFamily="2" charset="2"/>
-              <a:buChar char="§"/>
-              <a:defRPr sz="3198" kern="1200">
-                <a:solidFill>
-                  <a:schemeClr val="tx1"/>
-                </a:solidFill>
-                <a:latin typeface="+mn-lt"/>
-                <a:ea typeface="+mn-ea"/>
-                <a:cs typeface="+mn-cs"/>
-              </a:defRPr>
-            </a:lvl2pPr>
-            <a:lvl3pPr marL="1523048" indent="-304610" algn="l" defTabSz="1218438" rtl="0" eaLnBrk="1" latinLnBrk="1" hangingPunct="1">
-              <a:lnSpc>
-                <a:spcPct val="105000"/>
-              </a:lnSpc>
-              <a:spcBef>
-                <a:spcPts val="600"/>
-              </a:spcBef>
-              <a:spcAft>
-                <a:spcPts val="600"/>
-              </a:spcAft>
-              <a:buFont typeface="Wingdings" panose="05000000000000000000" pitchFamily="2" charset="2"/>
-              <a:buChar char="§"/>
-              <a:defRPr sz="2998" kern="1200">
-                <a:solidFill>
-                  <a:schemeClr val="tx1"/>
-                </a:solidFill>
-                <a:latin typeface="+mn-lt"/>
-                <a:ea typeface="+mn-ea"/>
-                <a:cs typeface="+mn-cs"/>
-              </a:defRPr>
-            </a:lvl3pPr>
-            <a:lvl4pPr marL="2132267" indent="-304610" algn="l" defTabSz="1218438" rtl="0" eaLnBrk="1" latinLnBrk="1" hangingPunct="1">
-              <a:lnSpc>
-                <a:spcPct val="105000"/>
-              </a:lnSpc>
-              <a:spcBef>
-                <a:spcPts val="600"/>
-              </a:spcBef>
-              <a:spcAft>
-                <a:spcPts val="600"/>
-              </a:spcAft>
-              <a:buFont typeface="Wingdings" panose="05000000000000000000" pitchFamily="2" charset="2"/>
-              <a:buChar char="§"/>
-              <a:defRPr sz="2798" kern="1200">
-                <a:solidFill>
-                  <a:schemeClr val="tx1"/>
-                </a:solidFill>
-                <a:latin typeface="+mn-lt"/>
-                <a:ea typeface="+mn-ea"/>
-                <a:cs typeface="+mn-cs"/>
-              </a:defRPr>
-            </a:lvl4pPr>
-            <a:lvl5pPr marL="2741485" indent="-304610" algn="l" defTabSz="1218438" rtl="0" eaLnBrk="1" latinLnBrk="1" hangingPunct="1">
-              <a:lnSpc>
-                <a:spcPct val="105000"/>
-              </a:lnSpc>
-              <a:spcBef>
-                <a:spcPts val="600"/>
-              </a:spcBef>
-              <a:spcAft>
-                <a:spcPts val="600"/>
-              </a:spcAft>
-              <a:buFont typeface="Wingdings" panose="05000000000000000000" pitchFamily="2" charset="2"/>
-              <a:buChar char="§"/>
-              <a:defRPr sz="2598" kern="1200">
-                <a:solidFill>
-                  <a:schemeClr val="tx1"/>
-                </a:solidFill>
-                <a:latin typeface="+mn-lt"/>
-                <a:ea typeface="+mn-ea"/>
-                <a:cs typeface="+mn-cs"/>
-              </a:defRPr>
-            </a:lvl5pPr>
-            <a:lvl6pPr marL="3350704" indent="-304610" algn="l" defTabSz="1218438" rtl="0" eaLnBrk="1" latinLnBrk="1" hangingPunct="1">
-              <a:spcBef>
-                <a:spcPct val="20000"/>
-              </a:spcBef>
-              <a:buFont typeface="Arial" pitchFamily="34" charset="0"/>
-              <a:buChar char="•"/>
-              <a:defRPr sz="2665" kern="1200">
-                <a:solidFill>
-                  <a:schemeClr val="tx1"/>
-                </a:solidFill>
-                <a:latin typeface="+mn-lt"/>
-                <a:ea typeface="+mn-ea"/>
-                <a:cs typeface="+mn-cs"/>
-              </a:defRPr>
-            </a:lvl6pPr>
-            <a:lvl7pPr marL="3959924" indent="-304610" algn="l" defTabSz="1218438" rtl="0" eaLnBrk="1" latinLnBrk="1" hangingPunct="1">
-              <a:spcBef>
-                <a:spcPct val="20000"/>
-              </a:spcBef>
-              <a:buFont typeface="Arial" pitchFamily="34" charset="0"/>
-              <a:buChar char="•"/>
-              <a:defRPr sz="2665" kern="1200">
-                <a:solidFill>
-                  <a:schemeClr val="tx1"/>
-                </a:solidFill>
-                <a:latin typeface="+mn-lt"/>
-                <a:ea typeface="+mn-ea"/>
-                <a:cs typeface="+mn-cs"/>
-              </a:defRPr>
-            </a:lvl7pPr>
-            <a:lvl8pPr marL="4569143" indent="-304610" algn="l" defTabSz="1218438" rtl="0" eaLnBrk="1" latinLnBrk="1" hangingPunct="1">
-              <a:spcBef>
-                <a:spcPct val="20000"/>
-              </a:spcBef>
-              <a:buFont typeface="Arial" pitchFamily="34" charset="0"/>
-              <a:buChar char="•"/>
-              <a:defRPr sz="2665" kern="1200">
-                <a:solidFill>
-                  <a:schemeClr val="tx1"/>
-                </a:solidFill>
-                <a:latin typeface="+mn-lt"/>
-                <a:ea typeface="+mn-ea"/>
-                <a:cs typeface="+mn-cs"/>
-              </a:defRPr>
-            </a:lvl8pPr>
-            <a:lvl9pPr marL="5178362" indent="-304610" algn="l" defTabSz="1218438" rtl="0" eaLnBrk="1" latinLnBrk="1" hangingPunct="1">
-              <a:spcBef>
-                <a:spcPct val="20000"/>
-              </a:spcBef>
-              <a:buFont typeface="Arial" pitchFamily="34" charset="0"/>
-              <a:buChar char="•"/>
-              <a:defRPr sz="2665" kern="1200">
-                <a:solidFill>
-                  <a:schemeClr val="tx1"/>
-                </a:solidFill>
-                <a:latin typeface="+mn-lt"/>
-                <a:ea typeface="+mn-ea"/>
-                <a:cs typeface="+mn-cs"/>
-              </a:defRPr>
-            </a:lvl9pPr>
-          </a:lstStyle>
-          <a:p>
-            <a:r>
-              <a:rPr lang="en-US" sz="6598" dirty="0">
-                <a:solidFill>
-                  <a:schemeClr val="bg2"/>
-                </a:solidFill>
-                <a:latin typeface="Consolas" panose="020B0609020204030204" pitchFamily="49" charset="0"/>
-              </a:rPr>
-              <a:t>(\w+)</a:t>
-            </a:r>
-          </a:p>
-        </p:txBody>
-      </p:sp>
-    </p:spTree>
-    <p:extLst>
-      <p:ext uri="{BB962C8B-B14F-4D97-AF65-F5344CB8AC3E}">
-        <p14:creationId xmlns:p14="http://schemas.microsoft.com/office/powerpoint/2010/main" val="3666660939"/>
-      </p:ext>
-    </p:extLst>
-  </p:cSld>
-  <p:clrMapOvr>
-    <a:masterClrMapping/>
-  </p:clrMapOvr>
-  <mc:AlternateContent xmlns:mc="http://schemas.openxmlformats.org/markup-compatibility/2006" xmlns:p14="http://schemas.microsoft.com/office/powerpoint/2010/main">
-    <mc:Choice Requires="p14">
-      <p:transition spd="slow" p14:dur="2000" advClick="0" advTm="5000"/>
-    </mc:Choice>
-    <mc:Fallback xmlns="">
-      <p:transition spd="slow" advClick="0" advTm="5000"/>
-    </mc:Fallback>
-  </mc:AlternateContent>
-</p:sld>
-</file>
-
-<file path=ppt/slides/slide13.xml><?xml version="1.0" encoding="utf-8"?>
-<p:sld xmlns:a="http://schemas.openxmlformats.org/drawingml/2006/main" xmlns:r="http://schemas.openxmlformats.org/officeDocument/2006/relationships" xmlns:p="http://schemas.openxmlformats.org/presentationml/2006/main">
-  <p:cSld>
-    <p:spTree>
-      <p:nvGrpSpPr>
-        <p:cNvPr id="1" name=""/>
-        <p:cNvGrpSpPr/>
-        <p:nvPr/>
-      </p:nvGrpSpPr>
-      <p:grpSpPr>
-        <a:xfrm>
-          <a:off x="0" y="0"/>
-          <a:ext cx="0" cy="0"/>
-          <a:chOff x="0" y="0"/>
-          <a:chExt cx="0" cy="0"/>
-        </a:xfrm>
-      </p:grpSpPr>
-      <p:sp>
-        <p:nvSpPr>
           <p:cNvPr id="2" name="Контейнер за номер на слайда 1">
             <a:extLst>
               <a:ext uri="{FF2B5EF4-FFF2-40B4-BE49-F238E27FC236}">
@@ -10256,7 +10112,7 @@
             <a:fld id="{2BF067CD-8E6B-4360-9AA8-C5DF2A48A6D1}" type="slidenum">
               <a:rPr lang="en-US" noProof="0" smtClean="0"/>
               <a:pPr/>
-              <a:t>13</a:t>
+              <a:t>12</a:t>
             </a:fld>
             <a:endParaRPr lang="en-US" noProof="0" dirty="0"/>
           </a:p>
@@ -10278,7 +10134,12 @@
             <p:ph type="body" sz="quarter" idx="10"/>
           </p:nvPr>
         </p:nvSpPr>
-        <p:spPr/>
+        <p:spPr>
+          <a:xfrm>
+            <a:off x="2062766" y="1108911"/>
+            <a:ext cx="10129234" cy="5546589"/>
+          </a:xfrm>
+        </p:spPr>
         <p:txBody>
           <a:bodyPr vert="horz" lIns="108000" tIns="36000" rIns="108000" bIns="36000" rtlCol="0" anchor="t">
             <a:normAutofit/>
@@ -10291,8 +10152,53 @@
                 <a:ea typeface="+mn-lt"/>
                 <a:cs typeface="+mn-lt"/>
               </a:rPr>
-              <a:t>Quantifier </a:t>
-            </a:r>
+              <a:t>Символи, които показват </a:t>
+            </a:r>
+            <a:r>
+              <a:rPr lang="bg-BG" sz="3350" b="1" dirty="0">
+                <a:solidFill>
+                  <a:schemeClr val="bg1"/>
+                </a:solidFill>
+                <a:ea typeface="+mn-lt"/>
+                <a:cs typeface="+mn-lt"/>
+              </a:rPr>
+              <a:t>колко пъти </a:t>
+            </a:r>
+            <a:r>
+              <a:rPr lang="bg-BG" sz="3350" dirty="0">
+                <a:ea typeface="+mn-lt"/>
+                <a:cs typeface="+mn-lt"/>
+              </a:rPr>
+              <a:t>един или повече символи трябва да се </a:t>
+            </a:r>
+            <a:r>
+              <a:rPr lang="bg-BG" sz="3350" b="1" dirty="0">
+                <a:solidFill>
+                  <a:schemeClr val="bg1"/>
+                </a:solidFill>
+                <a:ea typeface="+mn-lt"/>
+                <a:cs typeface="+mn-lt"/>
+              </a:rPr>
+              <a:t>повторят в текста</a:t>
+            </a:r>
+            <a:endParaRPr lang="en-US" sz="3350" dirty="0">
+              <a:ea typeface="+mn-lt"/>
+              <a:cs typeface="+mn-lt"/>
+            </a:endParaRPr>
+          </a:p>
+          <a:p>
+            <a:pPr marL="360045" indent="-360045"/>
+            <a:r>
+              <a:rPr lang="bg-BG" sz="3350" dirty="0">
+                <a:ea typeface="+mn-lt"/>
+                <a:cs typeface="+mn-lt"/>
+              </a:rPr>
+              <a:t>Примери: </a:t>
+            </a:r>
+            <a:endParaRPr lang="en-US" sz="3350" dirty="0">
+              <a:ea typeface="+mn-lt"/>
+              <a:cs typeface="+mn-lt"/>
+            </a:endParaRPr>
           </a:p>
           <a:p>
             <a:pPr marL="802957" lvl="1" indent="-360045"/>
@@ -10301,24 +10207,7 @@
                 <a:ea typeface="+mn-lt"/>
                 <a:cs typeface="+mn-lt"/>
               </a:rPr>
-              <a:t>Символи, които показват колко пъти един или повече символи трябва да се </a:t>
-            </a:r>
-            <a:r>
-              <a:rPr lang="bg-BG" sz="3150" b="1" dirty="0">
-                <a:solidFill>
-                  <a:schemeClr val="bg1"/>
-                </a:solidFill>
-                <a:ea typeface="+mn-lt"/>
-                <a:cs typeface="+mn-lt"/>
-              </a:rPr>
-              <a:t>повторят в текста</a:t>
-            </a:r>
-            <a:r>
-              <a:rPr lang="bg-BG" sz="3150" dirty="0">
-                <a:ea typeface="+mn-lt"/>
-                <a:cs typeface="+mn-lt"/>
-              </a:rPr>
-              <a:t>.</a:t>
+              <a:t>*</a:t>
             </a:r>
             <a:endParaRPr lang="en-US" sz="3150" dirty="0">
               <a:ea typeface="+mn-lt"/>
@@ -10332,7 +10221,7 @@
                 <a:ea typeface="+mn-lt"/>
                 <a:cs typeface="+mn-lt"/>
               </a:rPr>
-              <a:t>Примери: </a:t>
+              <a:t>+</a:t>
             </a:r>
             <a:endParaRPr lang="en-US" sz="3150" dirty="0">
               <a:ea typeface="+mn-lt"/>
@@ -10340,57 +10229,29 @@
             </a:endParaRPr>
           </a:p>
           <a:p>
-            <a:pPr marL="1255395" lvl="2" indent="-360045"/>
-            <a:r>
-              <a:rPr lang="bg-BG" sz="2950" dirty="0">
+            <a:pPr marL="802957" lvl="1" indent="-360045"/>
+            <a:r>
+              <a:rPr lang="bg-BG" sz="3150" dirty="0">
                 <a:ea typeface="+mn-lt"/>
                 <a:cs typeface="+mn-lt"/>
               </a:rPr>
-              <a:t>*</a:t>
-            </a:r>
-            <a:endParaRPr lang="en-US" sz="2950" dirty="0">
+              <a:t>?</a:t>
+            </a:r>
+            <a:endParaRPr lang="en-US" sz="3150" dirty="0">
               <a:ea typeface="+mn-lt"/>
               <a:cs typeface="+mn-lt"/>
             </a:endParaRPr>
           </a:p>
           <a:p>
-            <a:pPr marL="1255395" lvl="2" indent="-360045"/>
-            <a:r>
-              <a:rPr lang="bg-BG" sz="2950" dirty="0">
+            <a:pPr marL="802957" lvl="1" indent="-360045"/>
+            <a:r>
+              <a:rPr lang="en-US" sz="3150" dirty="0">
                 <a:ea typeface="+mn-lt"/>
                 <a:cs typeface="+mn-lt"/>
               </a:rPr>
-              <a:t>+</a:t>
-            </a:r>
-            <a:endParaRPr lang="en-US" sz="2950" dirty="0">
-              <a:ea typeface="+mn-lt"/>
-              <a:cs typeface="+mn-lt"/>
-            </a:endParaRPr>
-          </a:p>
-          <a:p>
-            <a:pPr marL="1255395" lvl="2" indent="-360045"/>
-            <a:r>
-              <a:rPr lang="bg-BG" sz="2950" dirty="0">
-                <a:ea typeface="+mn-lt"/>
-                <a:cs typeface="+mn-lt"/>
-              </a:rPr>
-              <a:t>?</a:t>
-            </a:r>
-            <a:endParaRPr lang="en-US" sz="2950" dirty="0">
-              <a:ea typeface="+mn-lt"/>
-              <a:cs typeface="+mn-lt"/>
-            </a:endParaRPr>
-          </a:p>
-          <a:p>
-            <a:pPr marL="1255395" lvl="2" indent="-360045"/>
-            <a:r>
-              <a:rPr lang="en-US" sz="2950" dirty="0">
-                <a:ea typeface="+mn-lt"/>
-                <a:cs typeface="+mn-lt"/>
-              </a:rPr>
               <a:t>{count}</a:t>
             </a:r>
-            <a:endParaRPr lang="bg-BG" sz="2950" dirty="0">
+            <a:endParaRPr lang="bg-BG" sz="3150" dirty="0">
               <a:ea typeface="+mn-lt"/>
               <a:cs typeface="+mn-lt"/>
             </a:endParaRPr>
@@ -10507,33 +10368,15 @@
                                   </p:childTnLst>
                                 </p:cTn>
                               </p:par>
-                            </p:childTnLst>
-                          </p:cTn>
-                        </p:par>
-                      </p:childTnLst>
-                    </p:cTn>
-                  </p:par>
-                  <p:par>
-                    <p:cTn id="7" fill="hold">
-                      <p:stCondLst>
-                        <p:cond delay="indefinite"/>
-                      </p:stCondLst>
-                      <p:childTnLst>
-                        <p:par>
-                          <p:cTn id="8" fill="hold">
-                            <p:stCondLst>
-                              <p:cond delay="0"/>
-                            </p:stCondLst>
-                            <p:childTnLst>
                               <p:par>
-                                <p:cTn id="9" presetID="1" presetClass="entr" presetSubtype="0" fill="hold" nodeType="clickEffect">
+                                <p:cTn id="7" presetID="1" presetClass="entr" presetSubtype="0" fill="hold" nodeType="withEffect">
                                   <p:stCondLst>
                                     <p:cond delay="0"/>
                                   </p:stCondLst>
                                   <p:childTnLst>
                                     <p:set>
                                       <p:cBhvr>
-                                        <p:cTn id="10" dur="1" fill="hold">
+                                        <p:cTn id="8" dur="1" fill="hold">
                                           <p:stCondLst>
                                             <p:cond delay="0"/>
                                           </p:stCondLst>
@@ -10563,26 +10406,26 @@
                     </p:cTn>
                   </p:par>
                   <p:par>
-                    <p:cTn id="11" fill="hold">
+                    <p:cTn id="9" fill="hold">
                       <p:stCondLst>
                         <p:cond delay="indefinite"/>
                       </p:stCondLst>
                       <p:childTnLst>
                         <p:par>
-                          <p:cTn id="12" fill="hold">
+                          <p:cTn id="10" fill="hold">
                             <p:stCondLst>
                               <p:cond delay="0"/>
                             </p:stCondLst>
                             <p:childTnLst>
                               <p:par>
-                                <p:cTn id="13" presetID="1" presetClass="entr" presetSubtype="0" fill="hold" nodeType="clickEffect">
+                                <p:cTn id="11" presetID="1" presetClass="entr" presetSubtype="0" fill="hold" nodeType="clickEffect">
                                   <p:stCondLst>
                                     <p:cond delay="0"/>
                                   </p:stCondLst>
                                   <p:childTnLst>
                                     <p:set>
                                       <p:cBhvr>
-                                        <p:cTn id="14" dur="1" fill="hold">
+                                        <p:cTn id="12" dur="1" fill="hold">
                                           <p:stCondLst>
                                             <p:cond delay="0"/>
                                           </p:stCondLst>
@@ -10612,26 +10455,26 @@
                     </p:cTn>
                   </p:par>
                   <p:par>
-                    <p:cTn id="15" fill="hold">
+                    <p:cTn id="13" fill="hold">
                       <p:stCondLst>
                         <p:cond delay="indefinite"/>
                       </p:stCondLst>
                       <p:childTnLst>
                         <p:par>
-                          <p:cTn id="16" fill="hold">
+                          <p:cTn id="14" fill="hold">
                             <p:stCondLst>
                               <p:cond delay="0"/>
                             </p:stCondLst>
                             <p:childTnLst>
                               <p:par>
-                                <p:cTn id="17" presetID="1" presetClass="entr" presetSubtype="0" fill="hold" nodeType="clickEffect">
+                                <p:cTn id="15" presetID="1" presetClass="entr" presetSubtype="0" fill="hold" nodeType="clickEffect">
                                   <p:stCondLst>
                                     <p:cond delay="0"/>
                                   </p:stCondLst>
                                   <p:childTnLst>
                                     <p:set>
                                       <p:cBhvr>
-                                        <p:cTn id="18" dur="1" fill="hold">
+                                        <p:cTn id="16" dur="1" fill="hold">
                                           <p:stCondLst>
                                             <p:cond delay="0"/>
                                           </p:stCondLst>
@@ -10661,26 +10504,26 @@
                     </p:cTn>
                   </p:par>
                   <p:par>
-                    <p:cTn id="19" fill="hold">
+                    <p:cTn id="17" fill="hold">
                       <p:stCondLst>
                         <p:cond delay="indefinite"/>
                       </p:stCondLst>
                       <p:childTnLst>
                         <p:par>
-                          <p:cTn id="20" fill="hold">
+                          <p:cTn id="18" fill="hold">
                             <p:stCondLst>
                               <p:cond delay="0"/>
                             </p:stCondLst>
                             <p:childTnLst>
                               <p:par>
-                                <p:cTn id="21" presetID="1" presetClass="entr" presetSubtype="0" fill="hold" nodeType="clickEffect">
+                                <p:cTn id="19" presetID="1" presetClass="entr" presetSubtype="0" fill="hold" nodeType="clickEffect">
                                   <p:stCondLst>
                                     <p:cond delay="0"/>
                                   </p:stCondLst>
                                   <p:childTnLst>
                                     <p:set>
                                       <p:cBhvr>
-                                        <p:cTn id="22" dur="1" fill="hold">
+                                        <p:cTn id="20" dur="1" fill="hold">
                                           <p:stCondLst>
                                             <p:cond delay="0"/>
                                           </p:stCondLst>
@@ -10689,55 +10532,6 @@
                                           <p:spTgt spid="3">
                                             <p:txEl>
                                               <p:pRg st="5" end="5"/>
-                                            </p:txEl>
-                                          </p:spTgt>
-                                        </p:tgtEl>
-                                        <p:attrNameLst>
-                                          <p:attrName>style.visibility</p:attrName>
-                                        </p:attrNameLst>
-                                      </p:cBhvr>
-                                      <p:to>
-                                        <p:strVal val="visible"/>
-                                      </p:to>
-                                    </p:set>
-                                  </p:childTnLst>
-                                </p:cTn>
-                              </p:par>
-                            </p:childTnLst>
-                          </p:cTn>
-                        </p:par>
-                      </p:childTnLst>
-                    </p:cTn>
-                  </p:par>
-                  <p:par>
-                    <p:cTn id="23" fill="hold">
-                      <p:stCondLst>
-                        <p:cond delay="indefinite"/>
-                      </p:stCondLst>
-                      <p:childTnLst>
-                        <p:par>
-                          <p:cTn id="24" fill="hold">
-                            <p:stCondLst>
-                              <p:cond delay="0"/>
-                            </p:stCondLst>
-                            <p:childTnLst>
-                              <p:par>
-                                <p:cTn id="25" presetID="1" presetClass="entr" presetSubtype="0" fill="hold" nodeType="clickEffect">
-                                  <p:stCondLst>
-                                    <p:cond delay="0"/>
-                                  </p:stCondLst>
-                                  <p:childTnLst>
-                                    <p:set>
-                                      <p:cBhvr>
-                                        <p:cTn id="26" dur="1" fill="hold">
-                                          <p:stCondLst>
-                                            <p:cond delay="0"/>
-                                          </p:stCondLst>
-                                        </p:cTn>
-                                        <p:tgtEl>
-                                          <p:spTgt spid="3">
-                                            <p:txEl>
-                                              <p:pRg st="6" end="6"/>
                                             </p:txEl>
                                           </p:spTgt>
                                         </p:tgtEl>
@@ -10783,7 +10577,7 @@
 </p:sld>
 </file>
 
-<file path=ppt/slides/slide14.xml><?xml version="1.0" encoding="utf-8"?>
+<file path=ppt/slides/slide13.xml><?xml version="1.0" encoding="utf-8"?>
 <p:sld xmlns:a="http://schemas.openxmlformats.org/drawingml/2006/main" xmlns:r="http://schemas.openxmlformats.org/officeDocument/2006/relationships" xmlns:p="http://schemas.openxmlformats.org/presentationml/2006/main">
   <p:cSld>
     <p:spTree>
@@ -10850,7 +10644,21 @@
                 <a:latin typeface="+mj-lt"/>
                 <a:cs typeface="Consolas" panose="020B0609020204030204" pitchFamily="49" charset="0"/>
               </a:rPr>
-              <a:t> търси предишния елемент </a:t>
+              <a:t> търси </a:t>
+            </a:r>
+            <a:r>
+              <a:rPr lang="bg-BG" sz="3350" noProof="1">
+                <a:latin typeface="+mj-lt"/>
+                <a:cs typeface="Consolas" panose="020B0609020204030204" pitchFamily="49" charset="0"/>
+              </a:rPr>
+              <a:t>предходния</a:t>
+            </a:r>
+            <a:r>
+              <a:rPr lang="en-US" sz="3350" noProof="1">
+                <a:latin typeface="+mj-lt"/>
+                <a:cs typeface="Consolas" panose="020B0609020204030204" pitchFamily="49" charset="0"/>
+              </a:rPr>
+              <a:t> елемент </a:t>
             </a:r>
             <a:r>
               <a:rPr lang="en-US" sz="3350" b="1" noProof="1">
@@ -10935,7 +10743,20 @@
                 <a:latin typeface="+mj-lt"/>
                 <a:cs typeface="Calibri"/>
               </a:rPr>
-              <a:t>търси предишния елемент </a:t>
+              <a:t>търси </a:t>
+            </a:r>
+            <a:r>
+              <a:rPr lang="bg-BG" sz="3350" noProof="1">
+                <a:cs typeface="Consolas" panose="020B0609020204030204" pitchFamily="49" charset="0"/>
+              </a:rPr>
+              <a:t>предходния</a:t>
+            </a:r>
+            <a:r>
+              <a:rPr lang="en-US" sz="3350" noProof="1">
+                <a:latin typeface="+mj-lt"/>
+                <a:cs typeface="Calibri"/>
+              </a:rPr>
+              <a:t> елемент </a:t>
             </a:r>
             <a:r>
               <a:rPr lang="en-US" sz="3350" b="1" noProof="1">
@@ -11012,7 +10833,19 @@
               <a:rPr lang="en-US" sz="3350" noProof="1">
                 <a:cs typeface="Calibri"/>
               </a:rPr>
-              <a:t>търси предишния елемент </a:t>
+              <a:t>търси </a:t>
+            </a:r>
+            <a:r>
+              <a:rPr lang="bg-BG" sz="3350" noProof="1">
+                <a:cs typeface="Consolas" panose="020B0609020204030204" pitchFamily="49" charset="0"/>
+              </a:rPr>
+              <a:t>предходния</a:t>
+            </a:r>
+            <a:r>
+              <a:rPr lang="en-US" sz="3350" noProof="1">
+                <a:cs typeface="Calibri"/>
+              </a:rPr>
+              <a:t> елемент </a:t>
             </a:r>
             <a:r>
               <a:rPr lang="en-US" sz="3350" b="1" noProof="1">
@@ -11113,7 +10946,20 @@
                 <a:ea typeface="+mn-lt"/>
                 <a:cs typeface="+mn-lt"/>
               </a:rPr>
-              <a:t>търси предишния елемент </a:t>
+              <a:t>търси </a:t>
+            </a:r>
+            <a:r>
+              <a:rPr lang="bg-BG" sz="3350" noProof="1">
+                <a:cs typeface="Consolas" panose="020B0609020204030204" pitchFamily="49" charset="0"/>
+              </a:rPr>
+              <a:t>предходния</a:t>
+            </a:r>
+            <a:r>
+              <a:rPr lang="en-US" sz="3350" noProof="1">
+                <a:ea typeface="+mn-lt"/>
+                <a:cs typeface="+mn-lt"/>
+              </a:rPr>
+              <a:t> елемент </a:t>
             </a:r>
             <a:r>
               <a:rPr lang="en-US" sz="3350" noProof="1">
@@ -11178,11 +11024,11 @@
           <a:p>
             <a:r>
               <a:rPr lang="en-US" sz="3950" dirty="0"/>
-              <a:t>Quantifier-и - </a:t>
+              <a:t>Quantifier-и – </a:t>
             </a:r>
             <a:r>
               <a:rPr lang="bg-BG" sz="3950" dirty="0"/>
-              <a:t>примери</a:t>
+              <a:t>Примери</a:t>
             </a:r>
             <a:endParaRPr lang="en-US" dirty="0"/>
           </a:p>
@@ -12192,7 +12038,7 @@
             <a:fld id="{2BF067CD-8E6B-4360-9AA8-C5DF2A48A6D1}" type="slidenum">
               <a:rPr lang="en-US" noProof="0" smtClean="0"/>
               <a:pPr/>
-              <a:t>14</a:t>
+              <a:t>13</a:t>
             </a:fld>
             <a:endParaRPr lang="en-US" noProof="0" dirty="0"/>
           </a:p>
@@ -12650,7 +12496,7 @@
 </p:sld>
 </file>
 
-<file path=ppt/slides/slide15.xml><?xml version="1.0" encoding="utf-8"?>
+<file path=ppt/slides/slide14.xml><?xml version="1.0" encoding="utf-8"?>
 <p:sld xmlns:a="http://schemas.openxmlformats.org/drawingml/2006/main" xmlns:r="http://schemas.openxmlformats.org/officeDocument/2006/relationships" xmlns:p="http://schemas.openxmlformats.org/presentationml/2006/main">
   <p:cSld>
     <p:spTree>
@@ -12691,7 +12537,7 @@
             <a:fld id="{2BF067CD-8E6B-4360-9AA8-C5DF2A48A6D1}" type="slidenum">
               <a:rPr lang="en-US" noProof="0" smtClean="0"/>
               <a:pPr/>
-              <a:t>15</a:t>
+              <a:t>14</a:t>
             </a:fld>
             <a:endParaRPr lang="en-US" noProof="0" dirty="0"/>
           </a:p>
@@ -12726,7 +12572,7 @@
               </a:buClr>
             </a:pPr>
             <a:r>
-              <a:rPr lang="bg-BG" sz="3350" b="1" dirty="0">
+              <a:rPr lang="bg-BG" sz="3400" b="1" dirty="0">
                 <a:solidFill>
                   <a:schemeClr val="bg1"/>
                 </a:solidFill>
@@ -12735,50 +12581,50 @@
               <a:t>Групиращите класове</a:t>
             </a:r>
             <a:r>
-              <a:rPr lang="bg-BG" sz="3350" dirty="0">
+              <a:rPr lang="bg-BG" sz="3400" dirty="0">
                 <a:cs typeface="Calibri"/>
               </a:rPr>
-              <a:t> търсят група от символи.</a:t>
+              <a:t> търсят група от символи</a:t>
             </a:r>
           </a:p>
           <a:p>
             <a:pPr marL="360045" indent="-360045"/>
             <a:r>
-              <a:rPr lang="bg-BG" sz="3350" dirty="0">
+              <a:rPr lang="bg-BG" sz="3400" dirty="0">
                 <a:ea typeface="+mn-lt"/>
                 <a:cs typeface="+mn-lt"/>
               </a:rPr>
-              <a:t>Използват се чрез кръглите скоби </a:t>
-            </a:r>
-            <a:r>
-              <a:rPr lang="bg-BG" sz="3350" b="1" dirty="0">
+              <a:t>Използват се чрез кръглите скоби "</a:t>
+            </a:r>
+            <a:r>
+              <a:rPr lang="bg-BG" sz="3400" b="1" dirty="0">
                 <a:solidFill>
                   <a:schemeClr val="bg1"/>
                 </a:solidFill>
                 <a:ea typeface="+mn-lt"/>
                 <a:cs typeface="+mn-lt"/>
               </a:rPr>
-              <a:t>"( )"</a:t>
-            </a:r>
-            <a:r>
-              <a:rPr lang="bg-BG" sz="3350" dirty="0">
+              <a:t>( )</a:t>
+            </a:r>
+            <a:r>
+              <a:rPr lang="bg-BG" sz="3400" dirty="0">
                 <a:ea typeface="+mn-lt"/>
                 <a:cs typeface="+mn-lt"/>
               </a:rPr>
-              <a:t>. </a:t>
+              <a:t>"</a:t>
             </a:r>
           </a:p>
           <a:p>
             <a:pPr lvl="1" indent="-360045"/>
             <a:r>
-              <a:rPr lang="bg-BG" sz="3150" dirty="0">
+              <a:rPr lang="bg-BG" sz="3200" dirty="0">
                 <a:ea typeface="+mn-lt"/>
                 <a:cs typeface="+mn-lt"/>
               </a:rPr>
-              <a:t>Например, ако търсите текст, който започва със знаците </a:t>
-            </a:r>
-            <a:r>
-              <a:rPr lang="bg-BG" sz="3150" b="1" dirty="0">
+              <a:t>Пример: ако търсите текст, който започва и завършва със знаците </a:t>
+            </a:r>
+            <a:r>
+              <a:rPr lang="bg-BG" sz="3200" b="1" dirty="0">
                 <a:solidFill>
                   <a:schemeClr val="bg1"/>
                 </a:solidFill>
@@ -12788,7 +12634,7 @@
               <a:t>" </a:t>
             </a:r>
             <a:r>
-              <a:rPr lang="en-US" sz="3150" b="1" dirty="0">
+              <a:rPr lang="en-US" sz="3200" b="1" dirty="0">
                 <a:solidFill>
                   <a:schemeClr val="bg1"/>
                 </a:solidFill>
@@ -12798,60 +12644,23 @@
               <a:t>#*</a:t>
             </a:r>
             <a:r>
-              <a:rPr lang="bg-BG" sz="3150" b="1" dirty="0">
+              <a:rPr lang="bg-BG" sz="3200" b="1" dirty="0">
                 <a:solidFill>
                   <a:schemeClr val="bg1"/>
                 </a:solidFill>
                 <a:ea typeface="+mn-lt"/>
                 <a:cs typeface="+mn-lt"/>
               </a:rPr>
-              <a:t>" </a:t>
-            </a:r>
-            <a:r>
-              <a:rPr lang="bg-BG" sz="3150" dirty="0">
+              <a:t>"</a:t>
+            </a:r>
+            <a:r>
+              <a:rPr lang="bg-BG" sz="3200" dirty="0">
                 <a:ea typeface="+mn-lt"/>
                 <a:cs typeface="+mn-lt"/>
               </a:rPr>
-              <a:t>и завършва със същите знаци (</a:t>
-            </a:r>
-            <a:r>
-              <a:rPr lang="bg-BG" sz="3150" b="1" dirty="0">
-                <a:solidFill>
-                  <a:schemeClr val="bg1"/>
-                </a:solidFill>
-                <a:ea typeface="+mn-lt"/>
-                <a:cs typeface="+mn-lt"/>
-              </a:rPr>
-              <a:t>"</a:t>
-            </a:r>
-            <a:r>
-              <a:rPr lang="en-US" sz="3150" b="1" dirty="0">
-                <a:solidFill>
-                  <a:schemeClr val="bg1"/>
-                </a:solidFill>
-                <a:ea typeface="+mn-lt"/>
-                <a:cs typeface="+mn-lt"/>
-              </a:rPr>
-              <a:t>#*</a:t>
-            </a:r>
-            <a:r>
-              <a:rPr lang="bg-BG" sz="3150" b="1" dirty="0">
-                <a:solidFill>
-                  <a:schemeClr val="bg1"/>
-                </a:solidFill>
-                <a:ea typeface="+mn-lt"/>
-                <a:cs typeface="+mn-lt"/>
-              </a:rPr>
-              <a:t>"</a:t>
-            </a:r>
-            <a:r>
-              <a:rPr lang="bg-BG" sz="3150" dirty="0">
-                <a:ea typeface="+mn-lt"/>
-                <a:cs typeface="+mn-lt"/>
-              </a:rPr>
-              <a:t>), може да използвате групиращ клас.</a:t>
-            </a:r>
-            <a:endParaRPr lang="en-US" sz="3150" dirty="0">
+              <a:t>, може да използвате групиращ клас:</a:t>
+            </a:r>
+            <a:endParaRPr lang="en-US" sz="3200" dirty="0">
               <a:ea typeface="+mn-lt"/>
               <a:cs typeface="+mn-lt"/>
             </a:endParaRPr>
@@ -13660,7 +13469,7 @@
 </p:sld>
 </file>
 
-<file path=ppt/slides/slide16.xml><?xml version="1.0" encoding="utf-8"?>
+<file path=ppt/slides/slide15.xml><?xml version="1.0" encoding="utf-8"?>
 <p:sld xmlns:a="http://schemas.openxmlformats.org/drawingml/2006/main" xmlns:r="http://schemas.openxmlformats.org/officeDocument/2006/relationships" xmlns:p="http://schemas.openxmlformats.org/presentationml/2006/main">
   <p:cSld>
     <p:spTree>
@@ -13853,7 +13662,7 @@
               <a:rPr lang="en-US" sz="3150" noProof="1">
                 <a:cs typeface="Consolas" panose="020B0609020204030204" pitchFamily="49" charset="0"/>
               </a:rPr>
-              <a:t> - дефинира наименувана група (</a:t>
+              <a:t> - дефинира именувана група (</a:t>
             </a:r>
             <a:r>
               <a:rPr lang="en-US" sz="3150" noProof="1">
@@ -14675,7 +14484,7 @@
             <a:fld id="{2BF067CD-8E6B-4360-9AA8-C5DF2A48A6D1}" type="slidenum">
               <a:rPr lang="en-US" noProof="0" smtClean="0"/>
               <a:pPr/>
-              <a:t>16</a:t>
+              <a:t>15</a:t>
             </a:fld>
             <a:endParaRPr lang="en-US" noProof="0" dirty="0"/>
           </a:p>
@@ -15000,7 +14809,7 @@
 </p:sld>
 </file>
 
-<file path=ppt/slides/slide17.xml><?xml version="1.0" encoding="utf-8"?>
+<file path=ppt/slides/slide16.xml><?xml version="1.0" encoding="utf-8"?>
 <p:sld xmlns:a="http://schemas.openxmlformats.org/drawingml/2006/main" xmlns:r="http://schemas.openxmlformats.org/officeDocument/2006/relationships" xmlns:p="http://schemas.openxmlformats.org/presentationml/2006/main">
   <p:cSld>
     <p:spTree>
@@ -15529,7 +15338,7 @@
             <a:fld id="{2BF067CD-8E6B-4360-9AA8-C5DF2A48A6D1}" type="slidenum">
               <a:rPr lang="en-US" noProof="0" smtClean="0"/>
               <a:pPr/>
-              <a:t>17</a:t>
+              <a:t>16</a:t>
             </a:fld>
             <a:endParaRPr lang="en-US" noProof="0" dirty="0"/>
           </a:p>
@@ -15963,7 +15772,7 @@
 </p:sld>
 </file>
 
-<file path=ppt/slides/slide18.xml><?xml version="1.0" encoding="utf-8"?>
+<file path=ppt/slides/slide17.xml><?xml version="1.0" encoding="utf-8"?>
 <p:sld xmlns:a="http://schemas.openxmlformats.org/drawingml/2006/main" xmlns:r="http://schemas.openxmlformats.org/officeDocument/2006/relationships" xmlns:p="http://schemas.openxmlformats.org/presentationml/2006/main">
   <p:cSld>
     <p:spTree>
@@ -16424,7 +16233,7 @@
             <a:fld id="{2BF067CD-8E6B-4360-9AA8-C5DF2A48A6D1}" type="slidenum">
               <a:rPr lang="en-US" noProof="0" smtClean="0"/>
               <a:pPr/>
-              <a:t>18</a:t>
+              <a:t>17</a:t>
             </a:fld>
             <a:endParaRPr lang="en-US" noProof="0" dirty="0"/>
           </a:p>
@@ -16484,55 +16293,6 @@
                                         <p:tgtEl>
                                           <p:spTgt spid="3">
                                             <p:txEl>
-                                              <p:pRg st="1" end="1"/>
-                                            </p:txEl>
-                                          </p:spTgt>
-                                        </p:tgtEl>
-                                        <p:attrNameLst>
-                                          <p:attrName>style.visibility</p:attrName>
-                                        </p:attrNameLst>
-                                      </p:cBhvr>
-                                      <p:to>
-                                        <p:strVal val="visible"/>
-                                      </p:to>
-                                    </p:set>
-                                  </p:childTnLst>
-                                </p:cTn>
-                              </p:par>
-                            </p:childTnLst>
-                          </p:cTn>
-                        </p:par>
-                      </p:childTnLst>
-                    </p:cTn>
-                  </p:par>
-                  <p:par>
-                    <p:cTn id="7" fill="hold">
-                      <p:stCondLst>
-                        <p:cond delay="indefinite"/>
-                      </p:stCondLst>
-                      <p:childTnLst>
-                        <p:par>
-                          <p:cTn id="8" fill="hold">
-                            <p:stCondLst>
-                              <p:cond delay="0"/>
-                            </p:stCondLst>
-                            <p:childTnLst>
-                              <p:par>
-                                <p:cTn id="9" presetID="1" presetClass="entr" presetSubtype="0" fill="hold" nodeType="clickEffect">
-                                  <p:stCondLst>
-                                    <p:cond delay="0"/>
-                                  </p:stCondLst>
-                                  <p:childTnLst>
-                                    <p:set>
-                                      <p:cBhvr>
-                                        <p:cTn id="10" dur="1" fill="hold">
-                                          <p:stCondLst>
-                                            <p:cond delay="0"/>
-                                          </p:stCondLst>
-                                        </p:cTn>
-                                        <p:tgtEl>
-                                          <p:spTgt spid="3">
-                                            <p:txEl>
                                               <p:pRg st="2" end="2"/>
                                             </p:txEl>
                                           </p:spTgt>
@@ -16548,33 +16308,15 @@
                                   </p:childTnLst>
                                 </p:cTn>
                               </p:par>
-                            </p:childTnLst>
-                          </p:cTn>
-                        </p:par>
-                      </p:childTnLst>
-                    </p:cTn>
-                  </p:par>
-                  <p:par>
-                    <p:cTn id="11" fill="hold">
-                      <p:stCondLst>
-                        <p:cond delay="indefinite"/>
-                      </p:stCondLst>
-                      <p:childTnLst>
-                        <p:par>
-                          <p:cTn id="12" fill="hold">
-                            <p:stCondLst>
-                              <p:cond delay="0"/>
-                            </p:stCondLst>
-                            <p:childTnLst>
                               <p:par>
-                                <p:cTn id="13" presetID="1" presetClass="entr" presetSubtype="0" fill="hold" grpId="0" nodeType="clickEffect">
+                                <p:cTn id="7" presetID="1" presetClass="entr" presetSubtype="0" fill="hold" grpId="0" nodeType="withEffect">
                                   <p:stCondLst>
                                     <p:cond delay="0"/>
                                   </p:stCondLst>
                                   <p:childTnLst>
                                     <p:set>
                                       <p:cBhvr>
-                                        <p:cTn id="14" dur="1" fill="hold">
+                                        <p:cTn id="8" dur="1" fill="hold">
                                           <p:stCondLst>
                                             <p:cond delay="0"/>
                                           </p:stCondLst>
@@ -16627,7 +16369,7 @@
 </p:sld>
 </file>
 
-<file path=ppt/slides/slide19.xml><?xml version="1.0" encoding="utf-8"?>
+<file path=ppt/slides/slide18.xml><?xml version="1.0" encoding="utf-8"?>
 <p:sld xmlns:a="http://schemas.openxmlformats.org/drawingml/2006/main" xmlns:r="http://schemas.openxmlformats.org/officeDocument/2006/relationships" xmlns:p="http://schemas.openxmlformats.org/presentationml/2006/main">
   <p:cSld>
     <p:spTree>
@@ -16842,8 +16584,8 @@
           </a:xfrm>
           <a:prstGeom prst="wedgeRoundRectCallout">
             <a:avLst>
-              <a:gd name="adj1" fmla="val 48519"/>
-              <a:gd name="adj2" fmla="val -86889"/>
+              <a:gd name="adj1" fmla="val 40814"/>
+              <a:gd name="adj2" fmla="val -87790"/>
               <a:gd name="adj3" fmla="val 16667"/>
             </a:avLst>
           </a:prstGeom>
@@ -16905,7 +16647,31 @@
                   <a:schemeClr val="bg2"/>
                 </a:solidFill>
               </a:rPr>
-              <a:t>търси всички главни букви</a:t>
+              <a:t>търси </a:t>
+            </a:r>
+            <a:r>
+              <a:rPr lang="bg-BG" sz="3150" b="1" dirty="0">
+                <a:solidFill>
+                  <a:schemeClr val="bg2"/>
+                </a:solidFill>
+              </a:rPr>
+              <a:t>главна</a:t>
+            </a:r>
+            <a:r>
+              <a:rPr lang="en-US" sz="3150" b="1" dirty="0">
+                <a:solidFill>
+                  <a:schemeClr val="bg2"/>
+                </a:solidFill>
+              </a:rPr>
+              <a:t> </a:t>
+            </a:r>
+            <a:r>
+              <a:rPr lang="bg-BG" sz="3150" b="1" dirty="0">
+                <a:solidFill>
+                  <a:schemeClr val="bg2"/>
+                </a:solidFill>
+              </a:rPr>
+              <a:t>буква</a:t>
             </a:r>
             <a:endParaRPr lang="bg-BG" sz="3199" b="1" dirty="0">
               <a:solidFill>
@@ -17007,7 +16773,15 @@
                   <a:schemeClr val="bg2"/>
                 </a:solidFill>
               </a:rPr>
-              <a:t>търси числа</a:t>
+              <a:t>търси </a:t>
+            </a:r>
+            <a:r>
+              <a:rPr lang="bg-BG" sz="3150" b="1" dirty="0">
+                <a:solidFill>
+                  <a:schemeClr val="bg2"/>
+                </a:solidFill>
+              </a:rPr>
+              <a:t>цифра</a:t>
             </a:r>
             <a:endParaRPr lang="bg-BG" sz="3199" b="1" dirty="0">
               <a:solidFill>
@@ -17033,13 +16807,13 @@
         </p:nvSpPr>
         <p:spPr bwMode="auto">
           <a:xfrm>
-            <a:off x="1394727" y="1283814"/>
-            <a:ext cx="3351444" cy="1585446"/>
+            <a:off x="570155" y="1603572"/>
+            <a:ext cx="4176016" cy="1265688"/>
           </a:xfrm>
           <a:prstGeom prst="wedgeRoundRectCallout">
             <a:avLst>
-              <a:gd name="adj1" fmla="val 66971"/>
-              <a:gd name="adj2" fmla="val 75888"/>
+              <a:gd name="adj1" fmla="val 65168"/>
+              <a:gd name="adj2" fmla="val 86087"/>
               <a:gd name="adj3" fmla="val 16667"/>
             </a:avLst>
           </a:prstGeom>
@@ -17110,7 +16884,43 @@
                 </a:solidFill>
                 <a:cs typeface="Calibri"/>
               </a:rPr>
-              <a:t>търси цифра един или повече пъти</a:t>
+              <a:t>търси цифра </a:t>
+            </a:r>
+            <a:r>
+              <a:rPr lang="bg-BG" sz="3150" b="1" dirty="0">
+                <a:solidFill>
+                  <a:schemeClr val="bg2"/>
+                </a:solidFill>
+                <a:cs typeface="Calibri"/>
+              </a:rPr>
+              <a:t>нула</a:t>
+            </a:r>
+            <a:r>
+              <a:rPr lang="en-US" sz="3150" b="1" dirty="0">
+                <a:solidFill>
+                  <a:schemeClr val="bg2"/>
+                </a:solidFill>
+                <a:cs typeface="Calibri"/>
+              </a:rPr>
+              <a:t> или </a:t>
+            </a:r>
+            <a:r>
+              <a:rPr lang="bg-BG" sz="3150" b="1" dirty="0">
+                <a:solidFill>
+                  <a:schemeClr val="bg2"/>
+                </a:solidFill>
+                <a:cs typeface="Calibri"/>
+              </a:rPr>
+              <a:t>един</a:t>
+            </a:r>
+            <a:r>
+              <a:rPr lang="en-US" sz="3150" b="1" dirty="0">
+                <a:solidFill>
+                  <a:schemeClr val="bg2"/>
+                </a:solidFill>
+                <a:cs typeface="Calibri"/>
+              </a:rPr>
+              <a:t> път</a:t>
             </a:r>
           </a:p>
         </p:txBody>
@@ -17199,7 +17009,15 @@
                   <a:schemeClr val="bg2"/>
                 </a:solidFill>
               </a:rPr>
-              <a:t> търси точно четири числа</a:t>
+              <a:t> търси точно четири </a:t>
+            </a:r>
+            <a:r>
+              <a:rPr lang="bg-BG" sz="3150" b="1" noProof="1">
+                <a:solidFill>
+                  <a:schemeClr val="bg2"/>
+                </a:solidFill>
+              </a:rPr>
+              <a:t>цифри</a:t>
             </a:r>
             <a:endParaRPr lang="en-US" sz="3150" b="1" dirty="0">
               <a:solidFill>
@@ -17531,8 +17349,8 @@
           </a:xfrm>
           <a:prstGeom prst="wedgeRoundRectCallout">
             <a:avLst>
-              <a:gd name="adj1" fmla="val -60619"/>
-              <a:gd name="adj2" fmla="val -59457"/>
+              <a:gd name="adj1" fmla="val -56783"/>
+              <a:gd name="adj2" fmla="val -66099"/>
               <a:gd name="adj3" fmla="val 16667"/>
             </a:avLst>
           </a:prstGeom>
@@ -17641,7 +17459,7 @@
             <a:fld id="{2BF067CD-8E6B-4360-9AA8-C5DF2A48A6D1}" type="slidenum">
               <a:rPr lang="en-US" noProof="0" smtClean="0"/>
               <a:pPr/>
-              <a:t>19</a:t>
+              <a:t>18</a:t>
             </a:fld>
             <a:endParaRPr lang="en-US" noProof="0" dirty="0"/>
           </a:p>
@@ -17976,621 +17794,7 @@
 </p:sld>
 </file>
 
-<file path=ppt/slides/slide2.xml><?xml version="1.0" encoding="utf-8"?>
-<p:sld xmlns:a="http://schemas.openxmlformats.org/drawingml/2006/main" xmlns:r="http://schemas.openxmlformats.org/officeDocument/2006/relationships" xmlns:p="http://schemas.openxmlformats.org/presentationml/2006/main">
-  <p:cSld>
-    <p:spTree>
-      <p:nvGrpSpPr>
-        <p:cNvPr id="1" name=""/>
-        <p:cNvGrpSpPr/>
-        <p:nvPr/>
-      </p:nvGrpSpPr>
-      <p:grpSpPr>
-        <a:xfrm>
-          <a:off x="0" y="0"/>
-          <a:ext cx="0" cy="0"/>
-          <a:chOff x="0" y="0"/>
-          <a:chExt cx="0" cy="0"/>
-        </a:xfrm>
-      </p:grpSpPr>
-      <p:sp>
-        <p:nvSpPr>
-          <p:cNvPr id="3" name="Content Placeholder 2">
-            <a:extLst>
-              <a:ext uri="{FF2B5EF4-FFF2-40B4-BE49-F238E27FC236}">
-                <a16:creationId xmlns:a16="http://schemas.microsoft.com/office/drawing/2014/main" id="{ACAA566F-0E0E-4BF9-A3B0-6F01080380A3}"/>
-              </a:ext>
-            </a:extLst>
-          </p:cNvPr>
-          <p:cNvSpPr>
-            <a:spLocks noGrp="1"/>
-          </p:cNvSpPr>
-          <p:nvPr>
-            <p:ph type="body" sz="quarter" idx="13"/>
-          </p:nvPr>
-        </p:nvSpPr>
-        <p:spPr/>
-        <p:txBody>
-          <a:bodyPr vert="horz" lIns="108000" tIns="36000" rIns="108000" bIns="36000" rtlCol="0" anchor="t">
-            <a:normAutofit/>
-          </a:bodyPr>
-          <a:lstStyle/>
-          <a:p>
-            <a:pPr marL="513715" indent="-513715">
-              <a:buClr>
-                <a:schemeClr val="tx1"/>
-              </a:buClr>
-            </a:pPr>
-            <a:r>
-              <a:rPr lang="en-GB" sz="3550" b="1" dirty="0">
-                <a:solidFill>
-                  <a:schemeClr val="bg1"/>
-                </a:solidFill>
-              </a:rPr>
-              <a:t>Синтаксис на регулярен израз</a:t>
-            </a:r>
-            <a:endParaRPr lang="en-GB" sz="3550" b="1" dirty="0">
-              <a:solidFill>
-                <a:schemeClr val="bg1"/>
-              </a:solidFill>
-              <a:cs typeface="Calibri"/>
-            </a:endParaRPr>
-          </a:p>
-          <a:p>
-            <a:pPr lvl="1" indent="-360045"/>
-            <a:r>
-              <a:rPr lang="en-GB" sz="3350" dirty="0">
-                <a:cs typeface="Calibri"/>
-              </a:rPr>
-              <a:t>Определение и образец</a:t>
-            </a:r>
-          </a:p>
-          <a:p>
-            <a:pPr lvl="1" indent="-360045"/>
-            <a:r>
-              <a:rPr lang="en-GB" sz="3350" dirty="0"/>
-              <a:t>Предефинирани класове</a:t>
-            </a:r>
-            <a:endParaRPr lang="bg-BG" sz="3399" dirty="0">
-              <a:cs typeface="Calibri"/>
-            </a:endParaRPr>
-          </a:p>
-          <a:p>
-            <a:pPr marL="513715" indent="-513715">
-              <a:buClr>
-                <a:schemeClr val="tx1"/>
-              </a:buClr>
-            </a:pPr>
-            <a:r>
-              <a:rPr lang="en-US" sz="3350" b="1" dirty="0">
-                <a:solidFill>
-                  <a:schemeClr val="bg1"/>
-                </a:solidFill>
-              </a:rPr>
-              <a:t>Quantifier-и</a:t>
-            </a:r>
-            <a:r>
-              <a:rPr lang="en-US" sz="3350" dirty="0"/>
-              <a:t> и </a:t>
-            </a:r>
-            <a:r>
-              <a:rPr lang="en-US" sz="3350" b="1" dirty="0">
-                <a:solidFill>
-                  <a:schemeClr val="bg1"/>
-                </a:solidFill>
-              </a:rPr>
-              <a:t>групиране</a:t>
-            </a:r>
-            <a:endParaRPr lang="en-GB" sz="3399" b="1" dirty="0">
-              <a:solidFill>
-                <a:schemeClr val="bg1"/>
-              </a:solidFill>
-              <a:cs typeface="Calibri"/>
-            </a:endParaRPr>
-          </a:p>
-          <a:p>
-            <a:pPr marL="513715" indent="-513715">
-              <a:buClr>
-                <a:schemeClr val="tx1"/>
-              </a:buClr>
-            </a:pPr>
-            <a:r>
-              <a:rPr lang="en-US" b="1" noProof="1">
-                <a:solidFill>
-                  <a:schemeClr val="bg1"/>
-                </a:solidFill>
-              </a:rPr>
-              <a:t>Обратни препратки</a:t>
-            </a:r>
-            <a:endParaRPr lang="en-US" b="1" noProof="1">
-              <a:solidFill>
-                <a:schemeClr val="bg1"/>
-              </a:solidFill>
-              <a:cs typeface="Calibri"/>
-            </a:endParaRPr>
-          </a:p>
-          <a:p>
-            <a:pPr marL="513715" indent="-513715">
-              <a:buClr>
-                <a:schemeClr val="tx1"/>
-              </a:buClr>
-            </a:pPr>
-            <a:r>
-              <a:rPr lang="en-US" dirty="0">
-                <a:ea typeface="+mn-lt"/>
-                <a:cs typeface="+mn-lt"/>
-              </a:rPr>
-              <a:t>Регулярен израз</a:t>
-            </a:r>
-            <a:r>
-              <a:rPr lang="en-US" dirty="0"/>
-              <a:t> в C#</a:t>
-            </a:r>
-            <a:endParaRPr lang="en-GB" dirty="0">
-              <a:cs typeface="Calibri"/>
-            </a:endParaRPr>
-          </a:p>
-        </p:txBody>
-      </p:sp>
-      <p:sp>
-        <p:nvSpPr>
-          <p:cNvPr id="4" name="Title 3">
-            <a:extLst>
-              <a:ext uri="{FF2B5EF4-FFF2-40B4-BE49-F238E27FC236}">
-                <a16:creationId xmlns:a16="http://schemas.microsoft.com/office/drawing/2014/main" id="{DC603285-689A-4E41-8F77-BD9FEA5C433A}"/>
-              </a:ext>
-            </a:extLst>
-          </p:cNvPr>
-          <p:cNvSpPr>
-            <a:spLocks noGrp="1"/>
-          </p:cNvSpPr>
-          <p:nvPr>
-            <p:ph type="title"/>
-          </p:nvPr>
-        </p:nvSpPr>
-        <p:spPr/>
-        <p:txBody>
-          <a:bodyPr/>
-          <a:lstStyle/>
-          <a:p>
-            <a:r>
-              <a:rPr lang="en-GB" sz="3950" dirty="0">
-                <a:ea typeface="+mj-lt"/>
-                <a:cs typeface="+mj-lt"/>
-              </a:rPr>
-              <a:t>Съдържание</a:t>
-            </a:r>
-            <a:endParaRPr lang="bg-BG" dirty="0"/>
-          </a:p>
-        </p:txBody>
-      </p:sp>
-      <p:sp>
-        <p:nvSpPr>
-          <p:cNvPr id="6" name="Slide Number">
-            <a:extLst>
-              <a:ext uri="{FF2B5EF4-FFF2-40B4-BE49-F238E27FC236}">
-                <a16:creationId xmlns:a16="http://schemas.microsoft.com/office/drawing/2014/main" id="{AB932B05-AE07-4BAD-9242-236940948F38}"/>
-              </a:ext>
-            </a:extLst>
-          </p:cNvPr>
-          <p:cNvSpPr txBox="1">
-            <a:spLocks/>
-          </p:cNvSpPr>
-          <p:nvPr/>
-        </p:nvSpPr>
-        <p:spPr>
-          <a:xfrm>
-            <a:off x="11753030" y="6507000"/>
-            <a:ext cx="367414" cy="297000"/>
-          </a:xfrm>
-          <a:prstGeom prst="rect">
-            <a:avLst/>
-          </a:prstGeom>
-        </p:spPr>
-        <p:txBody>
-          <a:bodyPr vert="horz" lIns="91440" tIns="45720" rIns="91440" bIns="45720" rtlCol="0" anchor="b"/>
-          <a:lstStyle>
-            <a:defPPr>
-              <a:defRPr lang="en-US"/>
-            </a:defPPr>
-            <a:lvl1pPr marL="0" algn="r" defTabSz="914400" rtl="0" eaLnBrk="1" latinLnBrk="0" hangingPunct="1">
-              <a:defRPr sz="1000" kern="1200">
-                <a:solidFill>
-                  <a:schemeClr val="tx1"/>
-                </a:solidFill>
-                <a:latin typeface="+mn-lt"/>
-                <a:ea typeface="+mn-ea"/>
-                <a:cs typeface="+mn-cs"/>
-              </a:defRPr>
-            </a:lvl1pPr>
-            <a:lvl2pPr marL="457200" algn="l" defTabSz="914400" rtl="0" eaLnBrk="1" latinLnBrk="0" hangingPunct="1">
-              <a:defRPr sz="1800" kern="1200">
-                <a:solidFill>
-                  <a:schemeClr val="tx1"/>
-                </a:solidFill>
-                <a:latin typeface="+mn-lt"/>
-                <a:ea typeface="+mn-ea"/>
-                <a:cs typeface="+mn-cs"/>
-              </a:defRPr>
-            </a:lvl2pPr>
-            <a:lvl3pPr marL="914400" algn="l" defTabSz="914400" rtl="0" eaLnBrk="1" latinLnBrk="0" hangingPunct="1">
-              <a:defRPr sz="1800" kern="1200">
-                <a:solidFill>
-                  <a:schemeClr val="tx1"/>
-                </a:solidFill>
-                <a:latin typeface="+mn-lt"/>
-                <a:ea typeface="+mn-ea"/>
-                <a:cs typeface="+mn-cs"/>
-              </a:defRPr>
-            </a:lvl3pPr>
-            <a:lvl4pPr marL="1371600" algn="l" defTabSz="914400" rtl="0" eaLnBrk="1" latinLnBrk="0" hangingPunct="1">
-              <a:defRPr sz="1800" kern="1200">
-                <a:solidFill>
-                  <a:schemeClr val="tx1"/>
-                </a:solidFill>
-                <a:latin typeface="+mn-lt"/>
-                <a:ea typeface="+mn-ea"/>
-                <a:cs typeface="+mn-cs"/>
-              </a:defRPr>
-            </a:lvl4pPr>
-            <a:lvl5pPr marL="1828800" algn="l" defTabSz="914400" rtl="0" eaLnBrk="1" latinLnBrk="0" hangingPunct="1">
-              <a:defRPr sz="1800" kern="1200">
-                <a:solidFill>
-                  <a:schemeClr val="tx1"/>
-                </a:solidFill>
-                <a:latin typeface="+mn-lt"/>
-                <a:ea typeface="+mn-ea"/>
-                <a:cs typeface="+mn-cs"/>
-              </a:defRPr>
-            </a:lvl5pPr>
-            <a:lvl6pPr marL="2286000" algn="l" defTabSz="914400" rtl="0" eaLnBrk="1" latinLnBrk="0" hangingPunct="1">
-              <a:defRPr sz="1800" kern="1200">
-                <a:solidFill>
-                  <a:schemeClr val="tx1"/>
-                </a:solidFill>
-                <a:latin typeface="+mn-lt"/>
-                <a:ea typeface="+mn-ea"/>
-                <a:cs typeface="+mn-cs"/>
-              </a:defRPr>
-            </a:lvl6pPr>
-            <a:lvl7pPr marL="2743200" algn="l" defTabSz="914400" rtl="0" eaLnBrk="1" latinLnBrk="0" hangingPunct="1">
-              <a:defRPr sz="1800" kern="1200">
-                <a:solidFill>
-                  <a:schemeClr val="tx1"/>
-                </a:solidFill>
-                <a:latin typeface="+mn-lt"/>
-                <a:ea typeface="+mn-ea"/>
-                <a:cs typeface="+mn-cs"/>
-              </a:defRPr>
-            </a:lvl7pPr>
-            <a:lvl8pPr marL="3200400" algn="l" defTabSz="914400" rtl="0" eaLnBrk="1" latinLnBrk="0" hangingPunct="1">
-              <a:defRPr sz="1800" kern="1200">
-                <a:solidFill>
-                  <a:schemeClr val="tx1"/>
-                </a:solidFill>
-                <a:latin typeface="+mn-lt"/>
-                <a:ea typeface="+mn-ea"/>
-                <a:cs typeface="+mn-cs"/>
-              </a:defRPr>
-            </a:lvl8pPr>
-            <a:lvl9pPr marL="3657600" algn="l" defTabSz="914400" rtl="0" eaLnBrk="1" latinLnBrk="0" hangingPunct="1">
-              <a:defRPr sz="1800" kern="1200">
-                <a:solidFill>
-                  <a:schemeClr val="tx1"/>
-                </a:solidFill>
-                <a:latin typeface="+mn-lt"/>
-                <a:ea typeface="+mn-ea"/>
-                <a:cs typeface="+mn-cs"/>
-              </a:defRPr>
-            </a:lvl9pPr>
-          </a:lstStyle>
-          <a:p>
-            <a:fld id="{2BF067CD-8E6B-4360-9AA8-C5DF2A48A6D1}" type="slidenum">
-              <a:rPr lang="en-US" smtClean="0"/>
-              <a:pPr/>
-              <a:t>2</a:t>
-            </a:fld>
-            <a:endParaRPr lang="en-US" dirty="0"/>
-          </a:p>
-        </p:txBody>
-      </p:sp>
-    </p:spTree>
-    <p:extLst>
-      <p:ext uri="{BB962C8B-B14F-4D97-AF65-F5344CB8AC3E}">
-        <p14:creationId xmlns:p14="http://schemas.microsoft.com/office/powerpoint/2010/main" val="1760688199"/>
-      </p:ext>
-    </p:extLst>
-  </p:cSld>
-  <p:clrMapOvr>
-    <a:masterClrMapping/>
-  </p:clrMapOvr>
-  <mc:AlternateContent xmlns:mc="http://schemas.openxmlformats.org/markup-compatibility/2006" xmlns:p14="http://schemas.microsoft.com/office/powerpoint/2010/main">
-    <mc:Choice Requires="p14">
-      <p:transition spd="slow" p14:dur="2000" advClick="0" advTm="5000"/>
-    </mc:Choice>
-    <mc:Fallback xmlns="">
-      <p:transition spd="slow" advClick="0" advTm="5000"/>
-    </mc:Fallback>
-  </mc:AlternateContent>
-  <p:timing>
-    <p:tnLst>
-      <p:par>
-        <p:cTn id="1" dur="indefinite" restart="never" nodeType="tmRoot">
-          <p:childTnLst>
-            <p:seq concurrent="1" nextAc="seek">
-              <p:cTn id="2" dur="indefinite" nodeType="mainSeq">
-                <p:childTnLst>
-                  <p:par>
-                    <p:cTn id="3" fill="hold">
-                      <p:stCondLst>
-                        <p:cond delay="indefinite"/>
-                      </p:stCondLst>
-                      <p:childTnLst>
-                        <p:par>
-                          <p:cTn id="4" fill="hold">
-                            <p:stCondLst>
-                              <p:cond delay="0"/>
-                            </p:stCondLst>
-                            <p:childTnLst>
-                              <p:par>
-                                <p:cTn id="5" presetID="1" presetClass="entr" presetSubtype="0" fill="hold" nodeType="clickEffect">
-                                  <p:stCondLst>
-                                    <p:cond delay="0"/>
-                                  </p:stCondLst>
-                                  <p:childTnLst>
-                                    <p:set>
-                                      <p:cBhvr>
-                                        <p:cTn id="6" dur="1" fill="hold">
-                                          <p:stCondLst>
-                                            <p:cond delay="0"/>
-                                          </p:stCondLst>
-                                        </p:cTn>
-                                        <p:tgtEl>
-                                          <p:spTgt spid="3">
-                                            <p:txEl>
-                                              <p:pRg st="1" end="1"/>
-                                            </p:txEl>
-                                          </p:spTgt>
-                                        </p:tgtEl>
-                                        <p:attrNameLst>
-                                          <p:attrName>style.visibility</p:attrName>
-                                        </p:attrNameLst>
-                                      </p:cBhvr>
-                                      <p:to>
-                                        <p:strVal val="visible"/>
-                                      </p:to>
-                                    </p:set>
-                                  </p:childTnLst>
-                                </p:cTn>
-                              </p:par>
-                            </p:childTnLst>
-                          </p:cTn>
-                        </p:par>
-                      </p:childTnLst>
-                    </p:cTn>
-                  </p:par>
-                  <p:par>
-                    <p:cTn id="7" fill="hold">
-                      <p:stCondLst>
-                        <p:cond delay="indefinite"/>
-                      </p:stCondLst>
-                      <p:childTnLst>
-                        <p:par>
-                          <p:cTn id="8" fill="hold">
-                            <p:stCondLst>
-                              <p:cond delay="0"/>
-                            </p:stCondLst>
-                            <p:childTnLst>
-                              <p:par>
-                                <p:cTn id="9" presetID="1" presetClass="entr" presetSubtype="0" fill="hold" nodeType="clickEffect">
-                                  <p:stCondLst>
-                                    <p:cond delay="0"/>
-                                  </p:stCondLst>
-                                  <p:childTnLst>
-                                    <p:set>
-                                      <p:cBhvr>
-                                        <p:cTn id="10" dur="1" fill="hold">
-                                          <p:stCondLst>
-                                            <p:cond delay="0"/>
-                                          </p:stCondLst>
-                                        </p:cTn>
-                                        <p:tgtEl>
-                                          <p:spTgt spid="3">
-                                            <p:txEl>
-                                              <p:pRg st="2" end="2"/>
-                                            </p:txEl>
-                                          </p:spTgt>
-                                        </p:tgtEl>
-                                        <p:attrNameLst>
-                                          <p:attrName>style.visibility</p:attrName>
-                                        </p:attrNameLst>
-                                      </p:cBhvr>
-                                      <p:to>
-                                        <p:strVal val="visible"/>
-                                      </p:to>
-                                    </p:set>
-                                  </p:childTnLst>
-                                </p:cTn>
-                              </p:par>
-                            </p:childTnLst>
-                          </p:cTn>
-                        </p:par>
-                      </p:childTnLst>
-                    </p:cTn>
-                  </p:par>
-                  <p:par>
-                    <p:cTn id="11" fill="hold">
-                      <p:stCondLst>
-                        <p:cond delay="indefinite"/>
-                      </p:stCondLst>
-                      <p:childTnLst>
-                        <p:par>
-                          <p:cTn id="12" fill="hold">
-                            <p:stCondLst>
-                              <p:cond delay="0"/>
-                            </p:stCondLst>
-                            <p:childTnLst>
-                              <p:par>
-                                <p:cTn id="13" presetID="1" presetClass="entr" presetSubtype="0" fill="hold" nodeType="clickEffect">
-                                  <p:stCondLst>
-                                    <p:cond delay="0"/>
-                                  </p:stCondLst>
-                                  <p:childTnLst>
-                                    <p:set>
-                                      <p:cBhvr>
-                                        <p:cTn id="14" dur="1" fill="hold">
-                                          <p:stCondLst>
-                                            <p:cond delay="0"/>
-                                          </p:stCondLst>
-                                        </p:cTn>
-                                        <p:tgtEl>
-                                          <p:spTgt spid="3">
-                                            <p:txEl>
-                                              <p:pRg st="3" end="3"/>
-                                            </p:txEl>
-                                          </p:spTgt>
-                                        </p:tgtEl>
-                                        <p:attrNameLst>
-                                          <p:attrName>style.visibility</p:attrName>
-                                        </p:attrNameLst>
-                                      </p:cBhvr>
-                                      <p:to>
-                                        <p:strVal val="visible"/>
-                                      </p:to>
-                                    </p:set>
-                                  </p:childTnLst>
-                                </p:cTn>
-                              </p:par>
-                            </p:childTnLst>
-                          </p:cTn>
-                        </p:par>
-                      </p:childTnLst>
-                    </p:cTn>
-                  </p:par>
-                  <p:par>
-                    <p:cTn id="15" fill="hold">
-                      <p:stCondLst>
-                        <p:cond delay="indefinite"/>
-                      </p:stCondLst>
-                      <p:childTnLst>
-                        <p:par>
-                          <p:cTn id="16" fill="hold">
-                            <p:stCondLst>
-                              <p:cond delay="0"/>
-                            </p:stCondLst>
-                            <p:childTnLst>
-                              <p:par>
-                                <p:cTn id="17" presetID="1" presetClass="entr" presetSubtype="0" fill="hold" nodeType="clickEffect">
-                                  <p:stCondLst>
-                                    <p:cond delay="0"/>
-                                  </p:stCondLst>
-                                  <p:childTnLst>
-                                    <p:set>
-                                      <p:cBhvr>
-                                        <p:cTn id="18" dur="1" fill="hold">
-                                          <p:stCondLst>
-                                            <p:cond delay="0"/>
-                                          </p:stCondLst>
-                                        </p:cTn>
-                                        <p:tgtEl>
-                                          <p:spTgt spid="3">
-                                            <p:txEl>
-                                              <p:pRg st="4" end="4"/>
-                                            </p:txEl>
-                                          </p:spTgt>
-                                        </p:tgtEl>
-                                        <p:attrNameLst>
-                                          <p:attrName>style.visibility</p:attrName>
-                                        </p:attrNameLst>
-                                      </p:cBhvr>
-                                      <p:to>
-                                        <p:strVal val="visible"/>
-                                      </p:to>
-                                    </p:set>
-                                  </p:childTnLst>
-                                </p:cTn>
-                              </p:par>
-                            </p:childTnLst>
-                          </p:cTn>
-                        </p:par>
-                      </p:childTnLst>
-                    </p:cTn>
-                  </p:par>
-                  <p:par>
-                    <p:cTn id="19" fill="hold">
-                      <p:stCondLst>
-                        <p:cond delay="indefinite"/>
-                      </p:stCondLst>
-                      <p:childTnLst>
-                        <p:par>
-                          <p:cTn id="20" fill="hold">
-                            <p:stCondLst>
-                              <p:cond delay="0"/>
-                            </p:stCondLst>
-                            <p:childTnLst>
-                              <p:par>
-                                <p:cTn id="21" presetID="1" presetClass="entr" presetSubtype="0" fill="hold" nodeType="clickEffect">
-                                  <p:stCondLst>
-                                    <p:cond delay="0"/>
-                                  </p:stCondLst>
-                                  <p:childTnLst>
-                                    <p:set>
-                                      <p:cBhvr>
-                                        <p:cTn id="22" dur="1" fill="hold">
-                                          <p:stCondLst>
-                                            <p:cond delay="0"/>
-                                          </p:stCondLst>
-                                        </p:cTn>
-                                        <p:tgtEl>
-                                          <p:spTgt spid="3">
-                                            <p:txEl>
-                                              <p:pRg st="5" end="5"/>
-                                            </p:txEl>
-                                          </p:spTgt>
-                                        </p:tgtEl>
-                                        <p:attrNameLst>
-                                          <p:attrName>style.visibility</p:attrName>
-                                        </p:attrNameLst>
-                                      </p:cBhvr>
-                                      <p:to>
-                                        <p:strVal val="visible"/>
-                                      </p:to>
-                                    </p:set>
-                                  </p:childTnLst>
-                                </p:cTn>
-                              </p:par>
-                            </p:childTnLst>
-                          </p:cTn>
-                        </p:par>
-                      </p:childTnLst>
-                    </p:cTn>
-                  </p:par>
-                </p:childTnLst>
-              </p:cTn>
-              <p:prevCondLst>
-                <p:cond evt="onPrev" delay="0">
-                  <p:tgtEl>
-                    <p:sldTgt/>
-                  </p:tgtEl>
-                </p:cond>
-              </p:prevCondLst>
-              <p:nextCondLst>
-                <p:cond evt="onNext" delay="0">
-                  <p:tgtEl>
-                    <p:sldTgt/>
-                  </p:tgtEl>
-                </p:cond>
-              </p:nextCondLst>
-            </p:seq>
-          </p:childTnLst>
-        </p:cTn>
-      </p:par>
-    </p:tnLst>
-  </p:timing>
-</p:sld>
-</file>
-
-<file path=ppt/slides/slide20.xml><?xml version="1.0" encoding="utf-8"?>
+<file path=ppt/slides/slide19.xml><?xml version="1.0" encoding="utf-8"?>
 <p:sld xmlns:a="http://schemas.openxmlformats.org/drawingml/2006/main" xmlns:r="http://schemas.openxmlformats.org/officeDocument/2006/relationships" xmlns:p="http://schemas.openxmlformats.org/presentationml/2006/main">
   <p:cSld>
     <p:spTree>
@@ -20042,7 +19246,7 @@
             <a:fld id="{2BF067CD-8E6B-4360-9AA8-C5DF2A48A6D1}" type="slidenum">
               <a:rPr lang="en-US" noProof="0" smtClean="0"/>
               <a:pPr/>
-              <a:t>20</a:t>
+              <a:t>19</a:t>
             </a:fld>
             <a:endParaRPr lang="en-US" noProof="0" dirty="0"/>
           </a:p>
@@ -20102,7 +19306,7 @@
                                         <p:tgtEl>
                                           <p:spTgt spid="7">
                                             <p:txEl>
-                                              <p:pRg st="1" end="1"/>
+                                              <p:pRg st="2" end="2"/>
                                             </p:txEl>
                                           </p:spTgt>
                                         </p:tgtEl>
@@ -20151,7 +19355,7 @@
                                         <p:tgtEl>
                                           <p:spTgt spid="7">
                                             <p:txEl>
-                                              <p:pRg st="2" end="2"/>
+                                              <p:pRg st="3" end="3"/>
                                             </p:txEl>
                                           </p:spTgt>
                                         </p:tgtEl>
@@ -20200,7 +19404,7 @@
                                         <p:tgtEl>
                                           <p:spTgt spid="7">
                                             <p:txEl>
-                                              <p:pRg st="3" end="3"/>
+                                              <p:pRg st="4" end="4"/>
                                             </p:txEl>
                                           </p:spTgt>
                                         </p:tgtEl>
@@ -20234,7 +19438,7 @@
                             </p:stCondLst>
                             <p:childTnLst>
                               <p:par>
-                                <p:cTn id="17" presetID="1" presetClass="entr" presetSubtype="0" fill="hold" nodeType="clickEffect">
+                                <p:cTn id="17" presetID="1" presetClass="entr" presetSubtype="0" fill="hold" grpId="0" nodeType="clickEffect">
                                   <p:stCondLst>
                                     <p:cond delay="0"/>
                                   </p:stCondLst>
@@ -20242,55 +19446,6 @@
                                     <p:set>
                                       <p:cBhvr>
                                         <p:cTn id="18" dur="1" fill="hold">
-                                          <p:stCondLst>
-                                            <p:cond delay="0"/>
-                                          </p:stCondLst>
-                                        </p:cTn>
-                                        <p:tgtEl>
-                                          <p:spTgt spid="7">
-                                            <p:txEl>
-                                              <p:pRg st="4" end="4"/>
-                                            </p:txEl>
-                                          </p:spTgt>
-                                        </p:tgtEl>
-                                        <p:attrNameLst>
-                                          <p:attrName>style.visibility</p:attrName>
-                                        </p:attrNameLst>
-                                      </p:cBhvr>
-                                      <p:to>
-                                        <p:strVal val="visible"/>
-                                      </p:to>
-                                    </p:set>
-                                  </p:childTnLst>
-                                </p:cTn>
-                              </p:par>
-                            </p:childTnLst>
-                          </p:cTn>
-                        </p:par>
-                      </p:childTnLst>
-                    </p:cTn>
-                  </p:par>
-                  <p:par>
-                    <p:cTn id="19" fill="hold">
-                      <p:stCondLst>
-                        <p:cond delay="indefinite"/>
-                      </p:stCondLst>
-                      <p:childTnLst>
-                        <p:par>
-                          <p:cTn id="20" fill="hold">
-                            <p:stCondLst>
-                              <p:cond delay="0"/>
-                            </p:stCondLst>
-                            <p:childTnLst>
-                              <p:par>
-                                <p:cTn id="21" presetID="1" presetClass="entr" presetSubtype="0" fill="hold" grpId="0" nodeType="clickEffect">
-                                  <p:stCondLst>
-                                    <p:cond delay="0"/>
-                                  </p:stCondLst>
-                                  <p:childTnLst>
-                                    <p:set>
-                                      <p:cBhvr>
-                                        <p:cTn id="22" dur="1" fill="hold">
                                           <p:stCondLst>
                                             <p:cond delay="0"/>
                                           </p:stCondLst>
@@ -20310,14 +19465,14 @@
                                 </p:cTn>
                               </p:par>
                               <p:par>
-                                <p:cTn id="23" presetID="1" presetClass="entr" presetSubtype="0" fill="hold" grpId="0" nodeType="withEffect">
+                                <p:cTn id="19" presetID="1" presetClass="entr" presetSubtype="0" fill="hold" grpId="0" nodeType="withEffect">
                                   <p:stCondLst>
                                     <p:cond delay="0"/>
                                   </p:stCondLst>
                                   <p:childTnLst>
                                     <p:set>
                                       <p:cBhvr>
-                                        <p:cTn id="24" dur="1" fill="hold">
+                                        <p:cTn id="20" dur="1" fill="hold">
                                           <p:stCondLst>
                                             <p:cond delay="0"/>
                                           </p:stCondLst>
@@ -20343,26 +19498,26 @@
                     </p:cTn>
                   </p:par>
                   <p:par>
-                    <p:cTn id="25" fill="hold">
+                    <p:cTn id="21" fill="hold">
                       <p:stCondLst>
                         <p:cond delay="indefinite"/>
                       </p:stCondLst>
                       <p:childTnLst>
                         <p:par>
-                          <p:cTn id="26" fill="hold">
+                          <p:cTn id="22" fill="hold">
                             <p:stCondLst>
                               <p:cond delay="0"/>
                             </p:stCondLst>
                             <p:childTnLst>
                               <p:par>
-                                <p:cTn id="27" presetID="1" presetClass="entr" presetSubtype="0" fill="hold" grpId="0" nodeType="clickEffect">
+                                <p:cTn id="23" presetID="1" presetClass="entr" presetSubtype="0" fill="hold" grpId="0" nodeType="clickEffect">
                                   <p:stCondLst>
                                     <p:cond delay="0"/>
                                   </p:stCondLst>
                                   <p:childTnLst>
                                     <p:set>
                                       <p:cBhvr>
-                                        <p:cTn id="28" dur="1" fill="hold">
+                                        <p:cTn id="24" dur="1" fill="hold">
                                           <p:stCondLst>
                                             <p:cond delay="0"/>
                                           </p:stCondLst>
@@ -20382,14 +19537,14 @@
                                 </p:cTn>
                               </p:par>
                               <p:par>
-                                <p:cTn id="29" presetID="1" presetClass="entr" presetSubtype="0" fill="hold" grpId="0" nodeType="withEffect">
+                                <p:cTn id="25" presetID="1" presetClass="entr" presetSubtype="0" fill="hold" grpId="0" nodeType="withEffect">
                                   <p:stCondLst>
                                     <p:cond delay="0"/>
                                   </p:stCondLst>
                                   <p:childTnLst>
                                     <p:set>
                                       <p:cBhvr>
-                                        <p:cTn id="30" dur="1" fill="hold">
+                                        <p:cTn id="26" dur="1" fill="hold">
                                           <p:stCondLst>
                                             <p:cond delay="0"/>
                                           </p:stCondLst>
@@ -20415,26 +19570,26 @@
                     </p:cTn>
                   </p:par>
                   <p:par>
-                    <p:cTn id="31" fill="hold">
+                    <p:cTn id="27" fill="hold">
                       <p:stCondLst>
                         <p:cond delay="indefinite"/>
                       </p:stCondLst>
                       <p:childTnLst>
                         <p:par>
-                          <p:cTn id="32" fill="hold">
+                          <p:cTn id="28" fill="hold">
                             <p:stCondLst>
                               <p:cond delay="0"/>
                             </p:stCondLst>
                             <p:childTnLst>
                               <p:par>
-                                <p:cTn id="33" presetID="1" presetClass="entr" presetSubtype="0" fill="hold" grpId="0" nodeType="clickEffect">
+                                <p:cTn id="29" presetID="1" presetClass="entr" presetSubtype="0" fill="hold" grpId="0" nodeType="clickEffect">
                                   <p:stCondLst>
                                     <p:cond delay="0"/>
                                   </p:stCondLst>
                                   <p:childTnLst>
                                     <p:set>
                                       <p:cBhvr>
-                                        <p:cTn id="34" dur="1" fill="hold">
+                                        <p:cTn id="30" dur="1" fill="hold">
                                           <p:stCondLst>
                                             <p:cond delay="0"/>
                                           </p:stCondLst>
@@ -20454,14 +19609,14 @@
                                 </p:cTn>
                               </p:par>
                               <p:par>
-                                <p:cTn id="35" presetID="1" presetClass="entr" presetSubtype="0" fill="hold" grpId="0" nodeType="withEffect">
+                                <p:cTn id="31" presetID="1" presetClass="entr" presetSubtype="0" fill="hold" grpId="0" nodeType="withEffect">
                                   <p:stCondLst>
                                     <p:cond delay="0"/>
                                   </p:stCondLst>
                                   <p:childTnLst>
                                     <p:set>
                                       <p:cBhvr>
-                                        <p:cTn id="36" dur="1" fill="hold">
+                                        <p:cTn id="32" dur="1" fill="hold">
                                           <p:stCondLst>
                                             <p:cond delay="0"/>
                                           </p:stCondLst>
@@ -20487,26 +19642,26 @@
                     </p:cTn>
                   </p:par>
                   <p:par>
-                    <p:cTn id="37" fill="hold">
+                    <p:cTn id="33" fill="hold">
                       <p:stCondLst>
                         <p:cond delay="indefinite"/>
                       </p:stCondLst>
                       <p:childTnLst>
                         <p:par>
-                          <p:cTn id="38" fill="hold">
+                          <p:cTn id="34" fill="hold">
                             <p:stCondLst>
                               <p:cond delay="0"/>
                             </p:stCondLst>
                             <p:childTnLst>
                               <p:par>
-                                <p:cTn id="39" presetID="1" presetClass="entr" presetSubtype="0" fill="hold" grpId="0" nodeType="clickEffect">
+                                <p:cTn id="35" presetID="1" presetClass="entr" presetSubtype="0" fill="hold" grpId="0" nodeType="clickEffect">
                                   <p:stCondLst>
                                     <p:cond delay="0"/>
                                   </p:stCondLst>
                                   <p:childTnLst>
                                     <p:set>
                                       <p:cBhvr>
-                                        <p:cTn id="40" dur="1" fill="hold">
+                                        <p:cTn id="36" dur="1" fill="hold">
                                           <p:stCondLst>
                                             <p:cond delay="0"/>
                                           </p:stCondLst>
@@ -20526,14 +19681,14 @@
                                 </p:cTn>
                               </p:par>
                               <p:par>
-                                <p:cTn id="41" presetID="1" presetClass="entr" presetSubtype="0" fill="hold" grpId="0" nodeType="withEffect">
+                                <p:cTn id="37" presetID="1" presetClass="entr" presetSubtype="0" fill="hold" grpId="0" nodeType="withEffect">
                                   <p:stCondLst>
                                     <p:cond delay="0"/>
                                   </p:stCondLst>
                                   <p:childTnLst>
                                     <p:set>
                                       <p:cBhvr>
-                                        <p:cTn id="42" dur="1" fill="hold">
+                                        <p:cTn id="38" dur="1" fill="hold">
                                           <p:stCondLst>
                                             <p:cond delay="0"/>
                                           </p:stCondLst>
@@ -20593,7 +19748,618 @@
 </p:sld>
 </file>
 
-<file path=ppt/slides/slide21.xml><?xml version="1.0" encoding="utf-8"?>
+<file path=ppt/slides/slide2.xml><?xml version="1.0" encoding="utf-8"?>
+<p:sld xmlns:a="http://schemas.openxmlformats.org/drawingml/2006/main" xmlns:r="http://schemas.openxmlformats.org/officeDocument/2006/relationships" xmlns:p="http://schemas.openxmlformats.org/presentationml/2006/main">
+  <p:cSld>
+    <p:spTree>
+      <p:nvGrpSpPr>
+        <p:cNvPr id="1" name=""/>
+        <p:cNvGrpSpPr/>
+        <p:nvPr/>
+      </p:nvGrpSpPr>
+      <p:grpSpPr>
+        <a:xfrm>
+          <a:off x="0" y="0"/>
+          <a:ext cx="0" cy="0"/>
+          <a:chOff x="0" y="0"/>
+          <a:chExt cx="0" cy="0"/>
+        </a:xfrm>
+      </p:grpSpPr>
+      <p:sp>
+        <p:nvSpPr>
+          <p:cNvPr id="3" name="Content Placeholder 2">
+            <a:extLst>
+              <a:ext uri="{FF2B5EF4-FFF2-40B4-BE49-F238E27FC236}">
+                <a16:creationId xmlns:a16="http://schemas.microsoft.com/office/drawing/2014/main" id="{ACAA566F-0E0E-4BF9-A3B0-6F01080380A3}"/>
+              </a:ext>
+            </a:extLst>
+          </p:cNvPr>
+          <p:cNvSpPr>
+            <a:spLocks noGrp="1"/>
+          </p:cNvSpPr>
+          <p:nvPr>
+            <p:ph type="body" sz="quarter" idx="13"/>
+          </p:nvPr>
+        </p:nvSpPr>
+        <p:spPr/>
+        <p:txBody>
+          <a:bodyPr vert="horz" lIns="108000" tIns="36000" rIns="108000" bIns="36000" rtlCol="0" anchor="t">
+            <a:normAutofit/>
+          </a:bodyPr>
+          <a:lstStyle/>
+          <a:p>
+            <a:pPr marL="513715" indent="-513715">
+              <a:buClr>
+                <a:schemeClr val="tx1"/>
+              </a:buClr>
+            </a:pPr>
+            <a:r>
+              <a:rPr lang="bg-BG" dirty="0">
+                <a:solidFill>
+                  <a:schemeClr val="bg1"/>
+                </a:solidFill>
+              </a:rPr>
+              <a:t>͏</a:t>
+            </a:r>
+            <a:r>
+              <a:rPr lang="bg-BG" b="1" dirty="0">
+                <a:solidFill>
+                  <a:schemeClr val="bg1"/>
+                </a:solidFill>
+              </a:rPr>
+              <a:t>Регулярни изрази</a:t>
+            </a:r>
+            <a:endParaRPr lang="en-GB" b="1" dirty="0">
+              <a:solidFill>
+                <a:schemeClr val="bg1"/>
+              </a:solidFill>
+              <a:cs typeface="Calibri"/>
+            </a:endParaRPr>
+          </a:p>
+          <a:p>
+            <a:pPr lvl="1" indent="-360045"/>
+            <a:r>
+              <a:rPr lang="bg-BG" dirty="0">
+                <a:cs typeface="Calibri"/>
+              </a:rPr>
+              <a:t>Определение и образец</a:t>
+            </a:r>
+          </a:p>
+          <a:p>
+            <a:pPr lvl="1" indent="-360045"/>
+            <a:r>
+              <a:rPr lang="bg-BG" dirty="0"/>
+              <a:t>Предефинирани класове</a:t>
+            </a:r>
+            <a:endParaRPr lang="bg-BG" dirty="0">
+              <a:cs typeface="Calibri"/>
+            </a:endParaRPr>
+          </a:p>
+          <a:p>
+            <a:pPr marL="513715" indent="-513715">
+              <a:buClr>
+                <a:schemeClr val="tx1"/>
+              </a:buClr>
+            </a:pPr>
+            <a:r>
+              <a:rPr lang="bg-BG" dirty="0">
+                <a:solidFill>
+                  <a:schemeClr val="bg1"/>
+                </a:solidFill>
+              </a:rPr>
+              <a:t>͏</a:t>
+            </a:r>
+            <a:r>
+              <a:rPr lang="en-US" b="1" dirty="0">
+                <a:solidFill>
+                  <a:schemeClr val="bg1"/>
+                </a:solidFill>
+              </a:rPr>
+              <a:t>Quantifier-и</a:t>
+            </a:r>
+            <a:r>
+              <a:rPr lang="en-US" dirty="0"/>
+              <a:t> и </a:t>
+            </a:r>
+            <a:r>
+              <a:rPr lang="bg-BG" b="1" dirty="0">
+                <a:solidFill>
+                  <a:schemeClr val="bg1"/>
+                </a:solidFill>
+              </a:rPr>
+              <a:t>групи</a:t>
+            </a:r>
+            <a:endParaRPr lang="en-GB" b="1" dirty="0">
+              <a:solidFill>
+                <a:schemeClr val="bg1"/>
+              </a:solidFill>
+              <a:cs typeface="Calibri"/>
+            </a:endParaRPr>
+          </a:p>
+          <a:p>
+            <a:pPr marL="513715" indent="-513715">
+              <a:buClr>
+                <a:schemeClr val="tx1"/>
+              </a:buClr>
+            </a:pPr>
+            <a:r>
+              <a:rPr lang="bg-BG" noProof="1">
+                <a:solidFill>
+                  <a:schemeClr val="bg1"/>
+                </a:solidFill>
+              </a:rPr>
+              <a:t>͏</a:t>
+            </a:r>
+            <a:r>
+              <a:rPr lang="en-US" b="1" noProof="1">
+                <a:solidFill>
+                  <a:schemeClr val="bg1"/>
+                </a:solidFill>
+              </a:rPr>
+              <a:t>Обратни </a:t>
+            </a:r>
+            <a:r>
+              <a:rPr lang="bg-BG" b="1" noProof="1">
+                <a:solidFill>
+                  <a:schemeClr val="bg1"/>
+                </a:solidFill>
+              </a:rPr>
+              <a:t>референции</a:t>
+            </a:r>
+            <a:endParaRPr lang="en-US" b="1" noProof="1">
+              <a:solidFill>
+                <a:schemeClr val="bg1"/>
+              </a:solidFill>
+              <a:cs typeface="Calibri"/>
+            </a:endParaRPr>
+          </a:p>
+          <a:p>
+            <a:pPr marL="513715" indent="-513715">
+              <a:buClr>
+                <a:schemeClr val="tx1"/>
+              </a:buClr>
+            </a:pPr>
+            <a:r>
+              <a:rPr lang="bg-BG" dirty="0">
+                <a:ea typeface="+mn-lt"/>
+                <a:cs typeface="+mn-lt"/>
+              </a:rPr>
+              <a:t>Регулярни</a:t>
+            </a:r>
+            <a:r>
+              <a:rPr lang="en-US" dirty="0">
+                <a:ea typeface="+mn-lt"/>
+                <a:cs typeface="+mn-lt"/>
+              </a:rPr>
+              <a:t> </a:t>
+            </a:r>
+            <a:r>
+              <a:rPr lang="bg-BG" dirty="0">
+                <a:ea typeface="+mn-lt"/>
+                <a:cs typeface="+mn-lt"/>
+              </a:rPr>
+              <a:t>изрази</a:t>
+            </a:r>
+            <a:r>
+              <a:rPr lang="en-US" dirty="0"/>
+              <a:t> в C#</a:t>
+            </a:r>
+            <a:endParaRPr lang="en-GB" dirty="0">
+              <a:cs typeface="Calibri"/>
+            </a:endParaRPr>
+          </a:p>
+        </p:txBody>
+      </p:sp>
+      <p:sp>
+        <p:nvSpPr>
+          <p:cNvPr id="4" name="Title 3">
+            <a:extLst>
+              <a:ext uri="{FF2B5EF4-FFF2-40B4-BE49-F238E27FC236}">
+                <a16:creationId xmlns:a16="http://schemas.microsoft.com/office/drawing/2014/main" id="{DC603285-689A-4E41-8F77-BD9FEA5C433A}"/>
+              </a:ext>
+            </a:extLst>
+          </p:cNvPr>
+          <p:cNvSpPr>
+            <a:spLocks noGrp="1"/>
+          </p:cNvSpPr>
+          <p:nvPr>
+            <p:ph type="title"/>
+          </p:nvPr>
+        </p:nvSpPr>
+        <p:spPr/>
+        <p:txBody>
+          <a:bodyPr/>
+          <a:lstStyle/>
+          <a:p>
+            <a:r>
+              <a:rPr lang="en-GB" sz="3950" dirty="0">
+                <a:ea typeface="+mj-lt"/>
+                <a:cs typeface="+mj-lt"/>
+              </a:rPr>
+              <a:t>Съдържание</a:t>
+            </a:r>
+            <a:endParaRPr lang="bg-BG" dirty="0"/>
+          </a:p>
+        </p:txBody>
+      </p:sp>
+      <p:sp>
+        <p:nvSpPr>
+          <p:cNvPr id="6" name="Slide Number">
+            <a:extLst>
+              <a:ext uri="{FF2B5EF4-FFF2-40B4-BE49-F238E27FC236}">
+                <a16:creationId xmlns:a16="http://schemas.microsoft.com/office/drawing/2014/main" id="{AB932B05-AE07-4BAD-9242-236940948F38}"/>
+              </a:ext>
+            </a:extLst>
+          </p:cNvPr>
+          <p:cNvSpPr txBox="1">
+            <a:spLocks/>
+          </p:cNvSpPr>
+          <p:nvPr/>
+        </p:nvSpPr>
+        <p:spPr>
+          <a:xfrm>
+            <a:off x="11753030" y="6507000"/>
+            <a:ext cx="367414" cy="297000"/>
+          </a:xfrm>
+          <a:prstGeom prst="rect">
+            <a:avLst/>
+          </a:prstGeom>
+        </p:spPr>
+        <p:txBody>
+          <a:bodyPr vert="horz" lIns="91440" tIns="45720" rIns="91440" bIns="45720" rtlCol="0" anchor="b"/>
+          <a:lstStyle>
+            <a:defPPr>
+              <a:defRPr lang="en-US"/>
+            </a:defPPr>
+            <a:lvl1pPr marL="0" algn="r" defTabSz="914400" rtl="0" eaLnBrk="1" latinLnBrk="0" hangingPunct="1">
+              <a:defRPr sz="1000" kern="1200">
+                <a:solidFill>
+                  <a:schemeClr val="tx1"/>
+                </a:solidFill>
+                <a:latin typeface="+mn-lt"/>
+                <a:ea typeface="+mn-ea"/>
+                <a:cs typeface="+mn-cs"/>
+              </a:defRPr>
+            </a:lvl1pPr>
+            <a:lvl2pPr marL="457200" algn="l" defTabSz="914400" rtl="0" eaLnBrk="1" latinLnBrk="0" hangingPunct="1">
+              <a:defRPr sz="1800" kern="1200">
+                <a:solidFill>
+                  <a:schemeClr val="tx1"/>
+                </a:solidFill>
+                <a:latin typeface="+mn-lt"/>
+                <a:ea typeface="+mn-ea"/>
+                <a:cs typeface="+mn-cs"/>
+              </a:defRPr>
+            </a:lvl2pPr>
+            <a:lvl3pPr marL="914400" algn="l" defTabSz="914400" rtl="0" eaLnBrk="1" latinLnBrk="0" hangingPunct="1">
+              <a:defRPr sz="1800" kern="1200">
+                <a:solidFill>
+                  <a:schemeClr val="tx1"/>
+                </a:solidFill>
+                <a:latin typeface="+mn-lt"/>
+                <a:ea typeface="+mn-ea"/>
+                <a:cs typeface="+mn-cs"/>
+              </a:defRPr>
+            </a:lvl3pPr>
+            <a:lvl4pPr marL="1371600" algn="l" defTabSz="914400" rtl="0" eaLnBrk="1" latinLnBrk="0" hangingPunct="1">
+              <a:defRPr sz="1800" kern="1200">
+                <a:solidFill>
+                  <a:schemeClr val="tx1"/>
+                </a:solidFill>
+                <a:latin typeface="+mn-lt"/>
+                <a:ea typeface="+mn-ea"/>
+                <a:cs typeface="+mn-cs"/>
+              </a:defRPr>
+            </a:lvl4pPr>
+            <a:lvl5pPr marL="1828800" algn="l" defTabSz="914400" rtl="0" eaLnBrk="1" latinLnBrk="0" hangingPunct="1">
+              <a:defRPr sz="1800" kern="1200">
+                <a:solidFill>
+                  <a:schemeClr val="tx1"/>
+                </a:solidFill>
+                <a:latin typeface="+mn-lt"/>
+                <a:ea typeface="+mn-ea"/>
+                <a:cs typeface="+mn-cs"/>
+              </a:defRPr>
+            </a:lvl5pPr>
+            <a:lvl6pPr marL="2286000" algn="l" defTabSz="914400" rtl="0" eaLnBrk="1" latinLnBrk="0" hangingPunct="1">
+              <a:defRPr sz="1800" kern="1200">
+                <a:solidFill>
+                  <a:schemeClr val="tx1"/>
+                </a:solidFill>
+                <a:latin typeface="+mn-lt"/>
+                <a:ea typeface="+mn-ea"/>
+                <a:cs typeface="+mn-cs"/>
+              </a:defRPr>
+            </a:lvl6pPr>
+            <a:lvl7pPr marL="2743200" algn="l" defTabSz="914400" rtl="0" eaLnBrk="1" latinLnBrk="0" hangingPunct="1">
+              <a:defRPr sz="1800" kern="1200">
+                <a:solidFill>
+                  <a:schemeClr val="tx1"/>
+                </a:solidFill>
+                <a:latin typeface="+mn-lt"/>
+                <a:ea typeface="+mn-ea"/>
+                <a:cs typeface="+mn-cs"/>
+              </a:defRPr>
+            </a:lvl7pPr>
+            <a:lvl8pPr marL="3200400" algn="l" defTabSz="914400" rtl="0" eaLnBrk="1" latinLnBrk="0" hangingPunct="1">
+              <a:defRPr sz="1800" kern="1200">
+                <a:solidFill>
+                  <a:schemeClr val="tx1"/>
+                </a:solidFill>
+                <a:latin typeface="+mn-lt"/>
+                <a:ea typeface="+mn-ea"/>
+                <a:cs typeface="+mn-cs"/>
+              </a:defRPr>
+            </a:lvl8pPr>
+            <a:lvl9pPr marL="3657600" algn="l" defTabSz="914400" rtl="0" eaLnBrk="1" latinLnBrk="0" hangingPunct="1">
+              <a:defRPr sz="1800" kern="1200">
+                <a:solidFill>
+                  <a:schemeClr val="tx1"/>
+                </a:solidFill>
+                <a:latin typeface="+mn-lt"/>
+                <a:ea typeface="+mn-ea"/>
+                <a:cs typeface="+mn-cs"/>
+              </a:defRPr>
+            </a:lvl9pPr>
+          </a:lstStyle>
+          <a:p>
+            <a:fld id="{2BF067CD-8E6B-4360-9AA8-C5DF2A48A6D1}" type="slidenum">
+              <a:rPr lang="en-US" smtClean="0"/>
+              <a:pPr/>
+              <a:t>2</a:t>
+            </a:fld>
+            <a:endParaRPr lang="en-US" dirty="0"/>
+          </a:p>
+        </p:txBody>
+      </p:sp>
+    </p:spTree>
+    <p:extLst>
+      <p:ext uri="{BB962C8B-B14F-4D97-AF65-F5344CB8AC3E}">
+        <p14:creationId xmlns:p14="http://schemas.microsoft.com/office/powerpoint/2010/main" val="1760688199"/>
+      </p:ext>
+    </p:extLst>
+  </p:cSld>
+  <p:clrMapOvr>
+    <a:masterClrMapping/>
+  </p:clrMapOvr>
+  <mc:AlternateContent xmlns:mc="http://schemas.openxmlformats.org/markup-compatibility/2006" xmlns:p14="http://schemas.microsoft.com/office/powerpoint/2010/main">
+    <mc:Choice Requires="p14">
+      <p:transition spd="slow" p14:dur="2000" advClick="0" advTm="5000"/>
+    </mc:Choice>
+    <mc:Fallback xmlns="">
+      <p:transition spd="slow" advClick="0" advTm="5000"/>
+    </mc:Fallback>
+  </mc:AlternateContent>
+  <p:timing>
+    <p:tnLst>
+      <p:par>
+        <p:cTn id="1" dur="indefinite" restart="never" nodeType="tmRoot">
+          <p:childTnLst>
+            <p:seq concurrent="1" nextAc="seek">
+              <p:cTn id="2" dur="indefinite" nodeType="mainSeq">
+                <p:childTnLst>
+                  <p:par>
+                    <p:cTn id="3" fill="hold">
+                      <p:stCondLst>
+                        <p:cond delay="indefinite"/>
+                      </p:stCondLst>
+                      <p:childTnLst>
+                        <p:par>
+                          <p:cTn id="4" fill="hold">
+                            <p:stCondLst>
+                              <p:cond delay="0"/>
+                            </p:stCondLst>
+                            <p:childTnLst>
+                              <p:par>
+                                <p:cTn id="5" presetID="1" presetClass="entr" presetSubtype="0" fill="hold" nodeType="clickEffect">
+                                  <p:stCondLst>
+                                    <p:cond delay="0"/>
+                                  </p:stCondLst>
+                                  <p:childTnLst>
+                                    <p:set>
+                                      <p:cBhvr>
+                                        <p:cTn id="6" dur="1" fill="hold">
+                                          <p:stCondLst>
+                                            <p:cond delay="0"/>
+                                          </p:stCondLst>
+                                        </p:cTn>
+                                        <p:tgtEl>
+                                          <p:spTgt spid="3">
+                                            <p:txEl>
+                                              <p:pRg st="2" end="2"/>
+                                            </p:txEl>
+                                          </p:spTgt>
+                                        </p:tgtEl>
+                                        <p:attrNameLst>
+                                          <p:attrName>style.visibility</p:attrName>
+                                        </p:attrNameLst>
+                                      </p:cBhvr>
+                                      <p:to>
+                                        <p:strVal val="visible"/>
+                                      </p:to>
+                                    </p:set>
+                                  </p:childTnLst>
+                                </p:cTn>
+                              </p:par>
+                            </p:childTnLst>
+                          </p:cTn>
+                        </p:par>
+                      </p:childTnLst>
+                    </p:cTn>
+                  </p:par>
+                  <p:par>
+                    <p:cTn id="7" fill="hold">
+                      <p:stCondLst>
+                        <p:cond delay="indefinite"/>
+                      </p:stCondLst>
+                      <p:childTnLst>
+                        <p:par>
+                          <p:cTn id="8" fill="hold">
+                            <p:stCondLst>
+                              <p:cond delay="0"/>
+                            </p:stCondLst>
+                            <p:childTnLst>
+                              <p:par>
+                                <p:cTn id="9" presetID="1" presetClass="entr" presetSubtype="0" fill="hold" nodeType="clickEffect">
+                                  <p:stCondLst>
+                                    <p:cond delay="0"/>
+                                  </p:stCondLst>
+                                  <p:childTnLst>
+                                    <p:set>
+                                      <p:cBhvr>
+                                        <p:cTn id="10" dur="1" fill="hold">
+                                          <p:stCondLst>
+                                            <p:cond delay="0"/>
+                                          </p:stCondLst>
+                                        </p:cTn>
+                                        <p:tgtEl>
+                                          <p:spTgt spid="3">
+                                            <p:txEl>
+                                              <p:pRg st="3" end="3"/>
+                                            </p:txEl>
+                                          </p:spTgt>
+                                        </p:tgtEl>
+                                        <p:attrNameLst>
+                                          <p:attrName>style.visibility</p:attrName>
+                                        </p:attrNameLst>
+                                      </p:cBhvr>
+                                      <p:to>
+                                        <p:strVal val="visible"/>
+                                      </p:to>
+                                    </p:set>
+                                  </p:childTnLst>
+                                </p:cTn>
+                              </p:par>
+                            </p:childTnLst>
+                          </p:cTn>
+                        </p:par>
+                      </p:childTnLst>
+                    </p:cTn>
+                  </p:par>
+                  <p:par>
+                    <p:cTn id="11" fill="hold">
+                      <p:stCondLst>
+                        <p:cond delay="indefinite"/>
+                      </p:stCondLst>
+                      <p:childTnLst>
+                        <p:par>
+                          <p:cTn id="12" fill="hold">
+                            <p:stCondLst>
+                              <p:cond delay="0"/>
+                            </p:stCondLst>
+                            <p:childTnLst>
+                              <p:par>
+                                <p:cTn id="13" presetID="1" presetClass="entr" presetSubtype="0" fill="hold" nodeType="clickEffect">
+                                  <p:stCondLst>
+                                    <p:cond delay="0"/>
+                                  </p:stCondLst>
+                                  <p:childTnLst>
+                                    <p:set>
+                                      <p:cBhvr>
+                                        <p:cTn id="14" dur="1" fill="hold">
+                                          <p:stCondLst>
+                                            <p:cond delay="0"/>
+                                          </p:stCondLst>
+                                        </p:cTn>
+                                        <p:tgtEl>
+                                          <p:spTgt spid="3">
+                                            <p:txEl>
+                                              <p:pRg st="4" end="4"/>
+                                            </p:txEl>
+                                          </p:spTgt>
+                                        </p:tgtEl>
+                                        <p:attrNameLst>
+                                          <p:attrName>style.visibility</p:attrName>
+                                        </p:attrNameLst>
+                                      </p:cBhvr>
+                                      <p:to>
+                                        <p:strVal val="visible"/>
+                                      </p:to>
+                                    </p:set>
+                                  </p:childTnLst>
+                                </p:cTn>
+                              </p:par>
+                            </p:childTnLst>
+                          </p:cTn>
+                        </p:par>
+                      </p:childTnLst>
+                    </p:cTn>
+                  </p:par>
+                  <p:par>
+                    <p:cTn id="15" fill="hold">
+                      <p:stCondLst>
+                        <p:cond delay="indefinite"/>
+                      </p:stCondLst>
+                      <p:childTnLst>
+                        <p:par>
+                          <p:cTn id="16" fill="hold">
+                            <p:stCondLst>
+                              <p:cond delay="0"/>
+                            </p:stCondLst>
+                            <p:childTnLst>
+                              <p:par>
+                                <p:cTn id="17" presetID="1" presetClass="entr" presetSubtype="0" fill="hold" nodeType="clickEffect">
+                                  <p:stCondLst>
+                                    <p:cond delay="0"/>
+                                  </p:stCondLst>
+                                  <p:childTnLst>
+                                    <p:set>
+                                      <p:cBhvr>
+                                        <p:cTn id="18" dur="1" fill="hold">
+                                          <p:stCondLst>
+                                            <p:cond delay="0"/>
+                                          </p:stCondLst>
+                                        </p:cTn>
+                                        <p:tgtEl>
+                                          <p:spTgt spid="3">
+                                            <p:txEl>
+                                              <p:pRg st="5" end="5"/>
+                                            </p:txEl>
+                                          </p:spTgt>
+                                        </p:tgtEl>
+                                        <p:attrNameLst>
+                                          <p:attrName>style.visibility</p:attrName>
+                                        </p:attrNameLst>
+                                      </p:cBhvr>
+                                      <p:to>
+                                        <p:strVal val="visible"/>
+                                      </p:to>
+                                    </p:set>
+                                  </p:childTnLst>
+                                </p:cTn>
+                              </p:par>
+                            </p:childTnLst>
+                          </p:cTn>
+                        </p:par>
+                      </p:childTnLst>
+                    </p:cTn>
+                  </p:par>
+                </p:childTnLst>
+              </p:cTn>
+              <p:prevCondLst>
+                <p:cond evt="onPrev" delay="0">
+                  <p:tgtEl>
+                    <p:sldTgt/>
+                  </p:tgtEl>
+                </p:cond>
+              </p:prevCondLst>
+              <p:nextCondLst>
+                <p:cond evt="onNext" delay="0">
+                  <p:tgtEl>
+                    <p:sldTgt/>
+                  </p:tgtEl>
+                </p:cond>
+              </p:nextCondLst>
+            </p:seq>
+          </p:childTnLst>
+        </p:cTn>
+      </p:par>
+    </p:tnLst>
+  </p:timing>
+</p:sld>
+</file>
+
+<file path=ppt/slides/slide20.xml><?xml version="1.0" encoding="utf-8"?>
 <p:sld xmlns:a="http://schemas.openxmlformats.org/drawingml/2006/main" xmlns:r="http://schemas.openxmlformats.org/officeDocument/2006/relationships" xmlns:p="http://schemas.openxmlformats.org/presentationml/2006/main">
   <p:cSld>
     <p:spTree>
@@ -21792,7 +21558,7 @@
             <a:fld id="{2BF067CD-8E6B-4360-9AA8-C5DF2A48A6D1}" type="slidenum">
               <a:rPr lang="en-US" noProof="0" smtClean="0"/>
               <a:pPr/>
-              <a:t>21</a:t>
+              <a:t>20</a:t>
             </a:fld>
             <a:endParaRPr lang="en-US" noProof="0" dirty="0"/>
           </a:p>
@@ -22173,7 +21939,7 @@
 </p:sld>
 </file>
 
-<file path=ppt/slides/slide22.xml><?xml version="1.0" encoding="utf-8"?>
+<file path=ppt/slides/slide21.xml><?xml version="1.0" encoding="utf-8"?>
 <p:sld xmlns:a="http://schemas.openxmlformats.org/drawingml/2006/main" xmlns:r="http://schemas.openxmlformats.org/officeDocument/2006/relationships" xmlns:p="http://schemas.openxmlformats.org/presentationml/2006/main">
   <p:cSld>
     <p:spTree>
@@ -22477,7 +22243,7 @@
 </p:sld>
 </file>
 
-<file path=ppt/slides/slide23.xml><?xml version="1.0" encoding="utf-8"?>
+<file path=ppt/slides/slide22.xml><?xml version="1.0" encoding="utf-8"?>
 <p:sld xmlns:a="http://schemas.openxmlformats.org/drawingml/2006/main" xmlns:r="http://schemas.openxmlformats.org/officeDocument/2006/relationships" xmlns:p="http://schemas.openxmlformats.org/presentationml/2006/main">
   <p:cSld>
     <p:spTree>
@@ -22518,7 +22284,7 @@
             <a:fld id="{2BF067CD-8E6B-4360-9AA8-C5DF2A48A6D1}" type="slidenum">
               <a:rPr lang="en-US" noProof="0" smtClean="0"/>
               <a:pPr/>
-              <a:t>23</a:t>
+              <a:t>22</a:t>
             </a:fld>
             <a:endParaRPr lang="en-US" noProof="0" dirty="0"/>
           </a:p>
@@ -22540,7 +22306,12 @@
             <p:ph type="body" sz="quarter" idx="10"/>
           </p:nvPr>
         </p:nvSpPr>
-        <p:spPr/>
+        <p:spPr>
+          <a:xfrm>
+            <a:off x="2167214" y="1210661"/>
+            <a:ext cx="10129234" cy="5546589"/>
+          </a:xfrm>
+        </p:spPr>
         <p:txBody>
           <a:bodyPr vert="horz" lIns="108000" tIns="36000" rIns="108000" bIns="36000" rtlCol="0" anchor="t">
             <a:normAutofit/>
@@ -22553,97 +22324,91 @@
               </a:buClr>
             </a:pPr>
             <a:r>
-              <a:rPr lang="bg-BG" sz="3300" b="1" dirty="0">
-                <a:solidFill>
-                  <a:schemeClr val="bg1"/>
-                </a:solidFill>
+              <a:rPr lang="bg-BG" sz="3500" dirty="0">
                 <a:ea typeface="+mn-lt"/>
                 <a:cs typeface="+mn-lt"/>
               </a:rPr>
-              <a:t>Обратни референции</a:t>
-            </a:r>
-            <a:r>
-              <a:rPr lang="bg-BG" sz="3300" dirty="0">
+              <a:t>Търси </a:t>
+            </a:r>
+            <a:r>
+              <a:rPr lang="bg-BG" sz="3500" b="1" dirty="0">
+                <a:solidFill>
+                  <a:schemeClr val="bg1"/>
+                </a:solidFill>
                 <a:ea typeface="+mn-lt"/>
                 <a:cs typeface="+mn-lt"/>
               </a:rPr>
-              <a:t> </a:t>
-            </a:r>
-          </a:p>
-          <a:p>
-            <a:pPr marL="802957" lvl="1" indent="-360045">
+              <a:t>повторение на данни</a:t>
+            </a:r>
+            <a:r>
+              <a:rPr lang="bg-BG" sz="3500" dirty="0">
+                <a:ea typeface="+mn-lt"/>
+                <a:cs typeface="+mn-lt"/>
+              </a:rPr>
+              <a:t>, които вече са събрани в регулярен израз</a:t>
+            </a:r>
+          </a:p>
+          <a:p>
+            <a:pPr marL="360045" indent="-360045">
               <a:buClr>
                 <a:schemeClr val="tx1"/>
               </a:buClr>
             </a:pPr>
             <a:r>
-              <a:rPr lang="bg-BG" sz="3300" dirty="0">
+              <a:rPr lang="bg-BG" sz="3500" dirty="0">
                 <a:ea typeface="+mn-lt"/>
                 <a:cs typeface="+mn-lt"/>
               </a:rPr>
-              <a:t>Търсят данни, които вече са събрани в регулярен израз, за да се провери дали тези данни се срещат отново. </a:t>
-            </a:r>
-          </a:p>
-          <a:p>
-            <a:pPr marL="802957" lvl="1" indent="-360045"/>
-            <a:r>
-              <a:rPr lang="bg-BG" sz="3300" dirty="0">
+              <a:t>Използваме я чрез символа </a:t>
+            </a:r>
+            <a:r>
+              <a:rPr lang="bg-BG" sz="3500" b="1" dirty="0">
+                <a:solidFill>
+                  <a:schemeClr val="bg1"/>
+                </a:solidFill>
                 <a:ea typeface="+mn-lt"/>
                 <a:cs typeface="+mn-lt"/>
               </a:rPr>
-              <a:t> Използваме ги чрез символа </a:t>
-            </a:r>
-            <a:r>
-              <a:rPr lang="bg-BG" sz="3300" b="1" dirty="0">
-                <a:solidFill>
-                  <a:schemeClr val="bg1"/>
-                </a:solidFill>
+              <a:t>"\" </a:t>
+            </a:r>
+            <a:r>
+              <a:rPr lang="bg-BG" sz="3500" dirty="0">
                 <a:ea typeface="+mn-lt"/>
                 <a:cs typeface="+mn-lt"/>
               </a:rPr>
-              <a:t>"\" </a:t>
-            </a:r>
-            <a:r>
-              <a:rPr lang="bg-BG" sz="3300" dirty="0">
+              <a:t>заедно с </a:t>
+            </a:r>
+            <a:r>
+              <a:rPr lang="bg-BG" sz="3500" b="1" dirty="0">
+                <a:solidFill>
+                  <a:schemeClr val="bg1"/>
+                </a:solidFill>
                 <a:ea typeface="+mn-lt"/>
                 <a:cs typeface="+mn-lt"/>
               </a:rPr>
-              <a:t>заедно с </a:t>
-            </a:r>
-            <a:r>
-              <a:rPr lang="bg-BG" sz="3300" b="1" dirty="0">
-                <a:solidFill>
-                  <a:schemeClr val="bg1"/>
-                </a:solidFill>
+              <a:t>номера на групата</a:t>
+            </a:r>
+            <a:r>
+              <a:rPr lang="bg-BG" sz="3500" dirty="0">
                 <a:ea typeface="+mn-lt"/>
                 <a:cs typeface="+mn-lt"/>
               </a:rPr>
-              <a:t>номера на групата</a:t>
-            </a:r>
-            <a:r>
-              <a:rPr lang="bg-BG" sz="3300" dirty="0">
+              <a:t>, която искаме да използваме за </a:t>
+            </a:r>
+            <a:r>
+              <a:rPr lang="bg-BG" sz="3500" b="1" dirty="0">
+                <a:solidFill>
+                  <a:schemeClr val="bg1"/>
+                </a:solidFill>
                 <a:ea typeface="+mn-lt"/>
                 <a:cs typeface="+mn-lt"/>
               </a:rPr>
-              <a:t>, която искаме да използваме за </a:t>
-            </a:r>
-            <a:r>
-              <a:rPr lang="bg-BG" sz="3300" b="1" dirty="0">
-                <a:solidFill>
-                  <a:schemeClr val="bg1"/>
-                </a:solidFill>
-                <a:ea typeface="+mn-lt"/>
-                <a:cs typeface="+mn-lt"/>
-              </a:rPr>
               <a:t>сравнение</a:t>
             </a:r>
-            <a:r>
-              <a:rPr lang="bg-BG" sz="3300" dirty="0">
-                <a:ea typeface="+mn-lt"/>
-                <a:cs typeface="+mn-lt"/>
-              </a:rPr>
-              <a:t>.</a:t>
-            </a:r>
+            <a:endParaRPr lang="bg-BG" sz="3500" dirty="0">
+              <a:ea typeface="+mn-lt"/>
+              <a:cs typeface="+mn-lt"/>
+            </a:endParaRPr>
           </a:p>
           <a:p>
             <a:pPr marL="360045" indent="-360045"/>
@@ -22679,9 +22444,213 @@
               <a:rPr lang="bg-BG" sz="3950" dirty="0">
                 <a:cs typeface="Calibri"/>
               </a:rPr>
-              <a:t>Какво е обратна референция</a:t>
+              <a:t>Какво е обратна референция?</a:t>
             </a:r>
             <a:endParaRPr lang="bg-BG" dirty="0"/>
+          </a:p>
+        </p:txBody>
+      </p:sp>
+      <p:sp>
+        <p:nvSpPr>
+          <p:cNvPr id="5" name="Text Placeholder 4">
+            <a:extLst>
+              <a:ext uri="{FF2B5EF4-FFF2-40B4-BE49-F238E27FC236}">
+                <a16:creationId xmlns:a16="http://schemas.microsoft.com/office/drawing/2014/main" id="{9F14BD50-4195-60C6-FF59-D22110FA1BB1}"/>
+              </a:ext>
+            </a:extLst>
+          </p:cNvPr>
+          <p:cNvSpPr txBox="1">
+            <a:spLocks/>
+          </p:cNvSpPr>
+          <p:nvPr/>
+        </p:nvSpPr>
+        <p:spPr>
+          <a:xfrm>
+            <a:off x="6671804" y="4140357"/>
+            <a:ext cx="3043877" cy="1980684"/>
+          </a:xfrm>
+          <a:prstGeom prst="rect">
+            <a:avLst/>
+          </a:prstGeom>
+        </p:spPr>
+        <p:txBody>
+          <a:bodyPr vert="horz" lIns="107972" tIns="35991" rIns="107972" bIns="35991" rtlCol="0" anchor="ctr">
+            <a:noAutofit/>
+          </a:bodyPr>
+          <a:lstStyle>
+            <a:lvl1pPr marL="0" indent="0" algn="ctr" defTabSz="1218438" rtl="0" eaLnBrk="1" latinLnBrk="1" hangingPunct="1">
+              <a:lnSpc>
+                <a:spcPct val="105000"/>
+              </a:lnSpc>
+              <a:spcBef>
+                <a:spcPts val="600"/>
+              </a:spcBef>
+              <a:spcAft>
+                <a:spcPts val="600"/>
+              </a:spcAft>
+              <a:buFont typeface="Wingdings" panose="05000000000000000000" pitchFamily="2" charset="2"/>
+              <a:buNone/>
+              <a:defRPr sz="3998" b="1" kern="1200" baseline="0">
+                <a:solidFill>
+                  <a:schemeClr val="tx1"/>
+                </a:solidFill>
+                <a:latin typeface="+mn-lt"/>
+                <a:ea typeface="+mn-ea"/>
+                <a:cs typeface="Arial" pitchFamily="34" charset="0"/>
+              </a:defRPr>
+            </a:lvl1pPr>
+            <a:lvl2pPr marL="989981" indent="-380762" algn="l" defTabSz="1218438" rtl="0" eaLnBrk="1" latinLnBrk="1" hangingPunct="1">
+              <a:lnSpc>
+                <a:spcPct val="105000"/>
+              </a:lnSpc>
+              <a:spcBef>
+                <a:spcPts val="600"/>
+              </a:spcBef>
+              <a:spcAft>
+                <a:spcPts val="600"/>
+              </a:spcAft>
+              <a:buFont typeface="Wingdings" panose="05000000000000000000" pitchFamily="2" charset="2"/>
+              <a:buChar char="§"/>
+              <a:defRPr sz="3198" kern="1200">
+                <a:solidFill>
+                  <a:schemeClr val="tx1"/>
+                </a:solidFill>
+                <a:latin typeface="+mn-lt"/>
+                <a:ea typeface="+mn-ea"/>
+                <a:cs typeface="+mn-cs"/>
+              </a:defRPr>
+            </a:lvl2pPr>
+            <a:lvl3pPr marL="1523048" indent="-304610" algn="l" defTabSz="1218438" rtl="0" eaLnBrk="1" latinLnBrk="1" hangingPunct="1">
+              <a:lnSpc>
+                <a:spcPct val="105000"/>
+              </a:lnSpc>
+              <a:spcBef>
+                <a:spcPts val="600"/>
+              </a:spcBef>
+              <a:spcAft>
+                <a:spcPts val="600"/>
+              </a:spcAft>
+              <a:buFont typeface="Wingdings" panose="05000000000000000000" pitchFamily="2" charset="2"/>
+              <a:buChar char="§"/>
+              <a:defRPr sz="2998" kern="1200">
+                <a:solidFill>
+                  <a:schemeClr val="tx1"/>
+                </a:solidFill>
+                <a:latin typeface="+mn-lt"/>
+                <a:ea typeface="+mn-ea"/>
+                <a:cs typeface="+mn-cs"/>
+              </a:defRPr>
+            </a:lvl3pPr>
+            <a:lvl4pPr marL="2132267" indent="-304610" algn="l" defTabSz="1218438" rtl="0" eaLnBrk="1" latinLnBrk="1" hangingPunct="1">
+              <a:lnSpc>
+                <a:spcPct val="105000"/>
+              </a:lnSpc>
+              <a:spcBef>
+                <a:spcPts val="600"/>
+              </a:spcBef>
+              <a:spcAft>
+                <a:spcPts val="600"/>
+              </a:spcAft>
+              <a:buFont typeface="Wingdings" panose="05000000000000000000" pitchFamily="2" charset="2"/>
+              <a:buChar char="§"/>
+              <a:defRPr sz="2798" kern="1200">
+                <a:solidFill>
+                  <a:schemeClr val="tx1"/>
+                </a:solidFill>
+                <a:latin typeface="+mn-lt"/>
+                <a:ea typeface="+mn-ea"/>
+                <a:cs typeface="+mn-cs"/>
+              </a:defRPr>
+            </a:lvl4pPr>
+            <a:lvl5pPr marL="2741485" indent="-304610" algn="l" defTabSz="1218438" rtl="0" eaLnBrk="1" latinLnBrk="1" hangingPunct="1">
+              <a:lnSpc>
+                <a:spcPct val="105000"/>
+              </a:lnSpc>
+              <a:spcBef>
+                <a:spcPts val="600"/>
+              </a:spcBef>
+              <a:spcAft>
+                <a:spcPts val="600"/>
+              </a:spcAft>
+              <a:buFont typeface="Wingdings" panose="05000000000000000000" pitchFamily="2" charset="2"/>
+              <a:buChar char="§"/>
+              <a:defRPr sz="2598" kern="1200">
+                <a:solidFill>
+                  <a:schemeClr val="tx1"/>
+                </a:solidFill>
+                <a:latin typeface="+mn-lt"/>
+                <a:ea typeface="+mn-ea"/>
+                <a:cs typeface="+mn-cs"/>
+              </a:defRPr>
+            </a:lvl5pPr>
+            <a:lvl6pPr marL="3350704" indent="-304610" algn="l" defTabSz="1218438" rtl="0" eaLnBrk="1" latinLnBrk="1" hangingPunct="1">
+              <a:spcBef>
+                <a:spcPct val="20000"/>
+              </a:spcBef>
+              <a:buFont typeface="Arial" pitchFamily="34" charset="0"/>
+              <a:buChar char="•"/>
+              <a:defRPr sz="2665" kern="1200">
+                <a:solidFill>
+                  <a:schemeClr val="tx1"/>
+                </a:solidFill>
+                <a:latin typeface="+mn-lt"/>
+                <a:ea typeface="+mn-ea"/>
+                <a:cs typeface="+mn-cs"/>
+              </a:defRPr>
+            </a:lvl6pPr>
+            <a:lvl7pPr marL="3959924" indent="-304610" algn="l" defTabSz="1218438" rtl="0" eaLnBrk="1" latinLnBrk="1" hangingPunct="1">
+              <a:spcBef>
+                <a:spcPct val="20000"/>
+              </a:spcBef>
+              <a:buFont typeface="Arial" pitchFamily="34" charset="0"/>
+              <a:buChar char="•"/>
+              <a:defRPr sz="2665" kern="1200">
+                <a:solidFill>
+                  <a:schemeClr val="tx1"/>
+                </a:solidFill>
+                <a:latin typeface="+mn-lt"/>
+                <a:ea typeface="+mn-ea"/>
+                <a:cs typeface="+mn-cs"/>
+              </a:defRPr>
+            </a:lvl7pPr>
+            <a:lvl8pPr marL="4569143" indent="-304610" algn="l" defTabSz="1218438" rtl="0" eaLnBrk="1" latinLnBrk="1" hangingPunct="1">
+              <a:spcBef>
+                <a:spcPct val="20000"/>
+              </a:spcBef>
+              <a:buFont typeface="Arial" pitchFamily="34" charset="0"/>
+              <a:buChar char="•"/>
+              <a:defRPr sz="2665" kern="1200">
+                <a:solidFill>
+                  <a:schemeClr val="tx1"/>
+                </a:solidFill>
+                <a:latin typeface="+mn-lt"/>
+                <a:ea typeface="+mn-ea"/>
+                <a:cs typeface="+mn-cs"/>
+              </a:defRPr>
+            </a:lvl8pPr>
+            <a:lvl9pPr marL="5178362" indent="-304610" algn="l" defTabSz="1218438" rtl="0" eaLnBrk="1" latinLnBrk="1" hangingPunct="1">
+              <a:spcBef>
+                <a:spcPct val="20000"/>
+              </a:spcBef>
+              <a:buFont typeface="Arial" pitchFamily="34" charset="0"/>
+              <a:buChar char="•"/>
+              <a:defRPr sz="2665" kern="1200">
+                <a:solidFill>
+                  <a:schemeClr val="tx1"/>
+                </a:solidFill>
+                <a:latin typeface="+mn-lt"/>
+                <a:ea typeface="+mn-ea"/>
+                <a:cs typeface="+mn-cs"/>
+              </a:defRPr>
+            </a:lvl9pPr>
+          </a:lstStyle>
+          <a:p>
+            <a:r>
+              <a:rPr lang="en-US" sz="19894" dirty="0">
+                <a:latin typeface="Consolas" panose="020B0609020204030204" pitchFamily="49" charset="0"/>
+              </a:rPr>
+              <a:t>\1</a:t>
+            </a:r>
           </a:p>
         </p:txBody>
       </p:sp>
@@ -22689,6 +22658,603 @@
     <p:extLst>
       <p:ext uri="{BB962C8B-B14F-4D97-AF65-F5344CB8AC3E}">
         <p14:creationId xmlns:p14="http://schemas.microsoft.com/office/powerpoint/2010/main" val="144282971"/>
+      </p:ext>
+    </p:extLst>
+  </p:cSld>
+  <p:clrMapOvr>
+    <a:masterClrMapping/>
+  </p:clrMapOvr>
+  <mc:AlternateContent xmlns:mc="http://schemas.openxmlformats.org/markup-compatibility/2006" xmlns:p14="http://schemas.microsoft.com/office/powerpoint/2010/main">
+    <mc:Choice Requires="p14">
+      <p:transition spd="slow" p14:dur="2000" advClick="0" advTm="5000"/>
+    </mc:Choice>
+    <mc:Fallback xmlns="">
+      <p:transition spd="slow" advClick="0" advTm="5000"/>
+    </mc:Fallback>
+  </mc:AlternateContent>
+  <p:timing>
+    <p:tnLst>
+      <p:par>
+        <p:cTn id="1" dur="indefinite" restart="never" nodeType="tmRoot">
+          <p:childTnLst>
+            <p:seq concurrent="1" nextAc="seek">
+              <p:cTn id="2" dur="indefinite" nodeType="mainSeq">
+                <p:childTnLst>
+                  <p:par>
+                    <p:cTn id="3" fill="hold">
+                      <p:stCondLst>
+                        <p:cond delay="indefinite"/>
+                      </p:stCondLst>
+                      <p:childTnLst>
+                        <p:par>
+                          <p:cTn id="4" fill="hold">
+                            <p:stCondLst>
+                              <p:cond delay="0"/>
+                            </p:stCondLst>
+                            <p:childTnLst>
+                              <p:par>
+                                <p:cTn id="5" presetID="1" presetClass="entr" presetSubtype="0" fill="hold" nodeType="clickEffect">
+                                  <p:stCondLst>
+                                    <p:cond delay="0"/>
+                                  </p:stCondLst>
+                                  <p:childTnLst>
+                                    <p:set>
+                                      <p:cBhvr>
+                                        <p:cTn id="6" dur="1" fill="hold">
+                                          <p:stCondLst>
+                                            <p:cond delay="0"/>
+                                          </p:stCondLst>
+                                        </p:cTn>
+                                        <p:tgtEl>
+                                          <p:spTgt spid="3">
+                                            <p:txEl>
+                                              <p:pRg st="1" end="1"/>
+                                            </p:txEl>
+                                          </p:spTgt>
+                                        </p:tgtEl>
+                                        <p:attrNameLst>
+                                          <p:attrName>style.visibility</p:attrName>
+                                        </p:attrNameLst>
+                                      </p:cBhvr>
+                                      <p:to>
+                                        <p:strVal val="visible"/>
+                                      </p:to>
+                                    </p:set>
+                                  </p:childTnLst>
+                                </p:cTn>
+                              </p:par>
+                            </p:childTnLst>
+                          </p:cTn>
+                        </p:par>
+                      </p:childTnLst>
+                    </p:cTn>
+                  </p:par>
+                </p:childTnLst>
+              </p:cTn>
+              <p:prevCondLst>
+                <p:cond evt="onPrev" delay="0">
+                  <p:tgtEl>
+                    <p:sldTgt/>
+                  </p:tgtEl>
+                </p:cond>
+              </p:prevCondLst>
+              <p:nextCondLst>
+                <p:cond evt="onNext" delay="0">
+                  <p:tgtEl>
+                    <p:sldTgt/>
+                  </p:tgtEl>
+                </p:cond>
+              </p:nextCondLst>
+            </p:seq>
+          </p:childTnLst>
+        </p:cTn>
+      </p:par>
+    </p:tnLst>
+  </p:timing>
+</p:sld>
+</file>
+
+<file path=ppt/slides/slide23.xml><?xml version="1.0" encoding="utf-8"?>
+<p:sld xmlns:a="http://schemas.openxmlformats.org/drawingml/2006/main" xmlns:r="http://schemas.openxmlformats.org/officeDocument/2006/relationships" xmlns:p="http://schemas.openxmlformats.org/presentationml/2006/main">
+  <p:cSld>
+    <p:spTree>
+      <p:nvGrpSpPr>
+        <p:cNvPr id="1" name=""/>
+        <p:cNvGrpSpPr/>
+        <p:nvPr/>
+      </p:nvGrpSpPr>
+      <p:grpSpPr>
+        <a:xfrm>
+          <a:off x="0" y="0"/>
+          <a:ext cx="0" cy="0"/>
+          <a:chOff x="0" y="0"/>
+          <a:chExt cx="0" cy="0"/>
+        </a:xfrm>
+      </p:grpSpPr>
+      <p:sp>
+        <p:nvSpPr>
+          <p:cNvPr id="3" name="Content Placeholder 2"/>
+          <p:cNvSpPr>
+            <a:spLocks noGrp="1"/>
+          </p:cNvSpPr>
+          <p:nvPr>
+            <p:ph type="body" sz="quarter" idx="10"/>
+          </p:nvPr>
+        </p:nvSpPr>
+        <p:spPr/>
+        <p:txBody>
+          <a:bodyPr vert="horz" lIns="108000" tIns="36000" rIns="108000" bIns="36000" rtlCol="0" anchor="t">
+            <a:normAutofit/>
+          </a:bodyPr>
+          <a:lstStyle/>
+          <a:p>
+            <a:pPr marL="360045" indent="-360045">
+              <a:buClr>
+                <a:schemeClr val="tx1"/>
+              </a:buClr>
+            </a:pPr>
+            <a:r>
+              <a:rPr lang="en-US" sz="3600" b="1" noProof="1">
+                <a:solidFill>
+                  <a:schemeClr val="bg1"/>
+                </a:solidFill>
+                <a:latin typeface="Consolas"/>
+                <a:cs typeface="Consolas" panose="020B0609020204030204" pitchFamily="49" charset="0"/>
+              </a:rPr>
+              <a:t>\number</a:t>
+            </a:r>
+            <a:r>
+              <a:rPr lang="en-US" sz="3600" noProof="1">
+                <a:cs typeface="Consolas" panose="020B0609020204030204" pitchFamily="49" charset="0"/>
+              </a:rPr>
+              <a:t> </a:t>
+            </a:r>
+            <a:endParaRPr lang="bg-BG" dirty="0">
+              <a:latin typeface="+mj-lt"/>
+              <a:cs typeface="Calibri"/>
+            </a:endParaRPr>
+          </a:p>
+          <a:p>
+            <a:pPr lvl="1" indent="0">
+              <a:buClr>
+                <a:schemeClr val="tx1"/>
+              </a:buClr>
+            </a:pPr>
+            <a:r>
+              <a:rPr lang="en-US" sz="3200" noProof="1">
+                <a:latin typeface="+mj-lt"/>
+                <a:cs typeface="Consolas" panose="020B0609020204030204" pitchFamily="49" charset="0"/>
+              </a:rPr>
+              <a:t> Групата </a:t>
+            </a:r>
+            <a:r>
+              <a:rPr lang="en-US" sz="3200" b="1" noProof="1">
+                <a:solidFill>
+                  <a:schemeClr val="bg1"/>
+                </a:solidFill>
+                <a:latin typeface="Consolas"/>
+                <a:cs typeface="Consolas" panose="020B0609020204030204" pitchFamily="49" charset="0"/>
+              </a:rPr>
+              <a:t>(\w+)</a:t>
+            </a:r>
+            <a:r>
+              <a:rPr lang="en-US" sz="3200" b="1" noProof="1">
+                <a:solidFill>
+                  <a:schemeClr val="accent2"/>
+                </a:solidFill>
+                <a:latin typeface="Consolas"/>
+                <a:cs typeface="Consolas" panose="020B0609020204030204" pitchFamily="49" charset="0"/>
+              </a:rPr>
+              <a:t> </a:t>
+            </a:r>
+            <a:r>
+              <a:rPr lang="en-US" sz="3200" noProof="1">
+                <a:solidFill>
+                  <a:schemeClr val="tx2"/>
+                </a:solidFill>
+                <a:latin typeface="Calibri"/>
+                <a:cs typeface="Consolas" panose="020B0609020204030204" pitchFamily="49" charset="0"/>
+              </a:rPr>
+              <a:t>е първата група и има номер </a:t>
+            </a:r>
+            <a:r>
+              <a:rPr lang="en-US" sz="3200" b="1" noProof="1">
+                <a:solidFill>
+                  <a:schemeClr val="bg1"/>
+                </a:solidFill>
+                <a:latin typeface="Calibri"/>
+                <a:cs typeface="Consolas" panose="020B0609020204030204" pitchFamily="49" charset="0"/>
+              </a:rPr>
+              <a:t>1</a:t>
+            </a:r>
+            <a:endParaRPr lang="bg-BG" sz="3200" b="1" dirty="0">
+              <a:solidFill>
+                <a:schemeClr val="bg1"/>
+              </a:solidFill>
+              <a:latin typeface="Calibri"/>
+              <a:cs typeface="Calibri"/>
+            </a:endParaRPr>
+          </a:p>
+          <a:p>
+            <a:pPr lvl="1" indent="0">
+              <a:buClr>
+                <a:schemeClr val="tx1"/>
+              </a:buClr>
+            </a:pPr>
+            <a:r>
+              <a:rPr lang="en-US" sz="3200" noProof="1">
+                <a:solidFill>
+                  <a:schemeClr val="tx2"/>
+                </a:solidFill>
+                <a:latin typeface="Calibri"/>
+                <a:cs typeface="Consolas" panose="020B0609020204030204" pitchFamily="49" charset="0"/>
+              </a:rPr>
+              <a:t> Чрез </a:t>
+            </a:r>
+            <a:r>
+              <a:rPr lang="en-US" sz="3200" b="1" noProof="1">
+                <a:solidFill>
+                  <a:schemeClr val="bg1"/>
+                </a:solidFill>
+                <a:latin typeface="Consolas"/>
+                <a:cs typeface="Consolas" panose="020B0609020204030204" pitchFamily="49" charset="0"/>
+              </a:rPr>
+              <a:t>\1</a:t>
+            </a:r>
+            <a:r>
+              <a:rPr lang="en-US" sz="3200" noProof="1">
+                <a:solidFill>
+                  <a:schemeClr val="tx2"/>
+                </a:solidFill>
+                <a:latin typeface="Calibri"/>
+                <a:cs typeface="Consolas" panose="020B0609020204030204" pitchFamily="49" charset="0"/>
+              </a:rPr>
+              <a:t> ще потърсим съвпадение с тази група</a:t>
+            </a:r>
+            <a:endParaRPr lang="bg-BG" sz="3200" dirty="0">
+              <a:solidFill>
+                <a:schemeClr val="tx2"/>
+              </a:solidFill>
+              <a:latin typeface="Calibri"/>
+              <a:cs typeface="Calibri"/>
+            </a:endParaRPr>
+          </a:p>
+        </p:txBody>
+      </p:sp>
+      <p:sp>
+        <p:nvSpPr>
+          <p:cNvPr id="4" name="Title 3"/>
+          <p:cNvSpPr>
+            <a:spLocks noGrp="1"/>
+          </p:cNvSpPr>
+          <p:nvPr>
+            <p:ph type="title"/>
+          </p:nvPr>
+        </p:nvSpPr>
+        <p:spPr/>
+        <p:txBody>
+          <a:bodyPr>
+            <a:noAutofit/>
+          </a:bodyPr>
+          <a:lstStyle/>
+          <a:p>
+            <a:r>
+              <a:rPr lang="en-US" sz="3200" noProof="1"/>
+              <a:t>Обратни референции за търсене на предишна група</a:t>
+            </a:r>
+          </a:p>
+        </p:txBody>
+      </p:sp>
+      <p:sp>
+        <p:nvSpPr>
+          <p:cNvPr id="24" name="Rectangle 23"/>
+          <p:cNvSpPr>
+            <a:spLocks noChangeArrowheads="1"/>
+          </p:cNvSpPr>
+          <p:nvPr/>
+        </p:nvSpPr>
+        <p:spPr bwMode="auto">
+          <a:xfrm>
+            <a:off x="660232" y="3540208"/>
+            <a:ext cx="4448237" cy="648828"/>
+          </a:xfrm>
+          <a:prstGeom prst="rect">
+            <a:avLst/>
+          </a:prstGeom>
+          <a:solidFill>
+            <a:schemeClr val="accent6">
+              <a:lumMod val="75000"/>
+              <a:alpha val="15000"/>
+            </a:schemeClr>
+          </a:solidFill>
+          <a:ln w="12700">
+            <a:solidFill>
+              <a:schemeClr val="tx1">
+                <a:lumMod val="50000"/>
+              </a:schemeClr>
+            </a:solidFill>
+          </a:ln>
+        </p:spPr>
+        <p:txBody>
+          <a:bodyPr vert="horz" wrap="square" lIns="143963" tIns="107972" rIns="143963" bIns="107972" rtlCol="0">
+            <a:spAutoFit/>
+          </a:bodyPr>
+          <a:lstStyle/>
+          <a:p>
+            <a:pPr defTabSz="1218072" latinLnBrk="1">
+              <a:spcBef>
+                <a:spcPts val="600"/>
+              </a:spcBef>
+              <a:spcAft>
+                <a:spcPts val="600"/>
+              </a:spcAft>
+            </a:pPr>
+            <a:r>
+              <a:rPr lang="en-US" sz="2799" b="1" noProof="1">
+                <a:latin typeface="Consolas" pitchFamily="49" charset="0"/>
+              </a:rPr>
+              <a:t>&lt;</a:t>
+            </a:r>
+            <a:r>
+              <a:rPr lang="en-US" sz="2799" b="1" noProof="1">
+                <a:solidFill>
+                  <a:schemeClr val="accent2"/>
+                </a:solidFill>
+                <a:latin typeface="Consolas" pitchFamily="49" charset="0"/>
+              </a:rPr>
+              <a:t>(\w+)</a:t>
+            </a:r>
+            <a:r>
+              <a:rPr lang="en-US" sz="2799" b="1" noProof="1">
+                <a:latin typeface="Consolas" pitchFamily="49" charset="0"/>
+              </a:rPr>
+              <a:t>[^&gt;]*&gt;.*?&lt;\/</a:t>
+            </a:r>
+            <a:r>
+              <a:rPr lang="en-US" sz="2799" b="1" noProof="1">
+                <a:solidFill>
+                  <a:schemeClr val="accent2"/>
+                </a:solidFill>
+                <a:latin typeface="Consolas" pitchFamily="49" charset="0"/>
+              </a:rPr>
+              <a:t>\1</a:t>
+            </a:r>
+            <a:r>
+              <a:rPr lang="en-US" sz="2799" b="1" noProof="1">
+                <a:latin typeface="Consolas" pitchFamily="49" charset="0"/>
+              </a:rPr>
+              <a:t>&gt;</a:t>
+            </a:r>
+          </a:p>
+        </p:txBody>
+      </p:sp>
+      <p:sp>
+        <p:nvSpPr>
+          <p:cNvPr id="19" name="Rectangle 18">
+            <a:extLst>
+              <a:ext uri="{FF2B5EF4-FFF2-40B4-BE49-F238E27FC236}">
+                <a16:creationId xmlns:a16="http://schemas.microsoft.com/office/drawing/2014/main" id="{A963B320-8E77-4DAD-B2E6-9F7DA54D60F5}"/>
+              </a:ext>
+            </a:extLst>
+          </p:cNvPr>
+          <p:cNvSpPr>
+            <a:spLocks noChangeArrowheads="1"/>
+          </p:cNvSpPr>
+          <p:nvPr/>
+        </p:nvSpPr>
+        <p:spPr bwMode="auto">
+          <a:xfrm>
+            <a:off x="566447" y="4562257"/>
+            <a:ext cx="8561966" cy="1795408"/>
+          </a:xfrm>
+          <a:prstGeom prst="rect">
+            <a:avLst/>
+          </a:prstGeom>
+          <a:solidFill>
+            <a:schemeClr val="accent6">
+              <a:lumMod val="75000"/>
+              <a:alpha val="15000"/>
+            </a:schemeClr>
+          </a:solidFill>
+          <a:ln w="12700">
+            <a:solidFill>
+              <a:schemeClr val="tx1">
+                <a:lumMod val="50000"/>
+              </a:schemeClr>
+            </a:solidFill>
+          </a:ln>
+        </p:spPr>
+        <p:txBody>
+          <a:bodyPr vert="horz" wrap="square" lIns="143963" tIns="107972" rIns="143963" bIns="107972" rtlCol="0" anchor="t">
+            <a:spAutoFit/>
+          </a:bodyPr>
+          <a:lstStyle/>
+          <a:p>
+            <a:pPr defTabSz="1218072" latinLnBrk="1">
+              <a:spcBef>
+                <a:spcPts val="600"/>
+              </a:spcBef>
+              <a:spcAft>
+                <a:spcPts val="600"/>
+              </a:spcAft>
+            </a:pPr>
+            <a:r>
+              <a:rPr lang="en-US" sz="2750" b="1" noProof="1">
+                <a:latin typeface="Consolas"/>
+              </a:rPr>
+              <a:t>&lt;</a:t>
+            </a:r>
+            <a:r>
+              <a:rPr lang="en-US" sz="2750" b="1" noProof="1">
+                <a:solidFill>
+                  <a:schemeClr val="accent2"/>
+                </a:solidFill>
+                <a:latin typeface="Consolas"/>
+              </a:rPr>
+              <a:t>b</a:t>
+            </a:r>
+            <a:r>
+              <a:rPr lang="en-US" sz="2750" b="1" noProof="1">
+                <a:latin typeface="Consolas"/>
+              </a:rPr>
+              <a:t>&gt;Regular Expressions&lt;/</a:t>
+            </a:r>
+            <a:r>
+              <a:rPr lang="en-US" sz="2750" b="1" noProof="1">
+                <a:solidFill>
+                  <a:schemeClr val="accent2"/>
+                </a:solidFill>
+                <a:latin typeface="Consolas"/>
+              </a:rPr>
+              <a:t>b</a:t>
+            </a:r>
+            <a:r>
+              <a:rPr lang="en-US" sz="2750" b="1" noProof="1">
+                <a:latin typeface="Consolas"/>
+              </a:rPr>
+              <a:t>&gt; are cool!</a:t>
+            </a:r>
+          </a:p>
+          <a:p>
+            <a:pPr defTabSz="1218072" latinLnBrk="1">
+              <a:spcBef>
+                <a:spcPts val="600"/>
+              </a:spcBef>
+              <a:spcAft>
+                <a:spcPts val="600"/>
+              </a:spcAft>
+            </a:pPr>
+            <a:r>
+              <a:rPr lang="en-US" sz="2750" b="1" noProof="1">
+                <a:latin typeface="Consolas"/>
+              </a:rPr>
+              <a:t>&lt;</a:t>
+            </a:r>
+            <a:r>
+              <a:rPr lang="en-US" sz="2750" b="1" noProof="1">
+                <a:solidFill>
+                  <a:schemeClr val="accent2"/>
+                </a:solidFill>
+                <a:latin typeface="Consolas"/>
+              </a:rPr>
+              <a:t>p</a:t>
+            </a:r>
+            <a:r>
+              <a:rPr lang="en-US" sz="2750" b="1" noProof="1">
+                <a:latin typeface="Consolas"/>
+              </a:rPr>
+              <a:t>&gt;I am a paragraph&lt;/</a:t>
+            </a:r>
+            <a:r>
+              <a:rPr lang="en-US" sz="2750" b="1" noProof="1">
+                <a:solidFill>
+                  <a:schemeClr val="accent2"/>
+                </a:solidFill>
+                <a:latin typeface="Consolas"/>
+              </a:rPr>
+              <a:t>p</a:t>
+            </a:r>
+            <a:r>
+              <a:rPr lang="en-US" sz="2750" b="1" noProof="1">
+                <a:latin typeface="Consolas"/>
+              </a:rPr>
+              <a:t>&gt; … some text after</a:t>
+            </a:r>
+          </a:p>
+          <a:p>
+            <a:pPr defTabSz="1218072" latinLnBrk="1">
+              <a:spcBef>
+                <a:spcPts val="600"/>
+              </a:spcBef>
+              <a:spcAft>
+                <a:spcPts val="600"/>
+              </a:spcAft>
+            </a:pPr>
+            <a:r>
+              <a:rPr lang="en-US" sz="2750" b="1" noProof="1">
+                <a:latin typeface="Consolas"/>
+              </a:rPr>
+              <a:t>Hello, &lt;</a:t>
+            </a:r>
+            <a:r>
+              <a:rPr lang="en-US" sz="2750" b="1" noProof="1">
+                <a:solidFill>
+                  <a:schemeClr val="accent2"/>
+                </a:solidFill>
+                <a:latin typeface="Consolas"/>
+              </a:rPr>
+              <a:t>div</a:t>
+            </a:r>
+            <a:r>
+              <a:rPr lang="en-US" sz="2750" b="1" noProof="1">
+                <a:latin typeface="Consolas"/>
+              </a:rPr>
+              <a:t>&gt;I am a&lt;code&gt;DIV&lt;/code&gt;&lt;/</a:t>
+            </a:r>
+            <a:r>
+              <a:rPr lang="en-US" sz="2750" b="1" noProof="1">
+                <a:solidFill>
+                  <a:schemeClr val="accent2"/>
+                </a:solidFill>
+                <a:latin typeface="Consolas"/>
+              </a:rPr>
+              <a:t>div</a:t>
+            </a:r>
+            <a:r>
+              <a:rPr lang="en-US" sz="2750" b="1" noProof="1">
+                <a:latin typeface="Consolas"/>
+              </a:rPr>
+              <a:t>&gt;!</a:t>
+            </a:r>
+          </a:p>
+        </p:txBody>
+      </p:sp>
+      <p:sp>
+        <p:nvSpPr>
+          <p:cNvPr id="7" name="Slide Number">
+            <a:extLst>
+              <a:ext uri="{FF2B5EF4-FFF2-40B4-BE49-F238E27FC236}">
+                <a16:creationId xmlns:a16="http://schemas.microsoft.com/office/drawing/2014/main" id="{B91F4C66-19EB-4893-A508-E4DFD2EB330D}"/>
+              </a:ext>
+            </a:extLst>
+          </p:cNvPr>
+          <p:cNvSpPr>
+            <a:spLocks noGrp="1"/>
+          </p:cNvSpPr>
+          <p:nvPr>
+            <p:ph type="sldNum" sz="quarter" idx="5"/>
+          </p:nvPr>
+        </p:nvSpPr>
+        <p:spPr>
+          <a:xfrm>
+            <a:off x="11753030" y="6507000"/>
+            <a:ext cx="367414" cy="297000"/>
+          </a:xfrm>
+          <a:prstGeom prst="rect">
+            <a:avLst/>
+          </a:prstGeom>
+        </p:spPr>
+        <p:txBody>
+          <a:bodyPr vert="horz" lIns="91440" tIns="45720" rIns="91440" bIns="45720" rtlCol="0" anchor="b"/>
+          <a:lstStyle>
+            <a:lvl1pPr algn="r">
+              <a:defRPr sz="1000"/>
+            </a:lvl1pPr>
+          </a:lstStyle>
+          <a:p>
+            <a:fld id="{2BF067CD-8E6B-4360-9AA8-C5DF2A48A6D1}" type="slidenum">
+              <a:rPr lang="en-US" noProof="0" smtClean="0"/>
+              <a:pPr/>
+              <a:t>23</a:t>
+            </a:fld>
+            <a:endParaRPr lang="en-US" noProof="0" dirty="0"/>
+          </a:p>
+        </p:txBody>
+      </p:sp>
+    </p:spTree>
+    <p:extLst>
+      <p:ext uri="{BB962C8B-B14F-4D97-AF65-F5344CB8AC3E}">
+        <p14:creationId xmlns:p14="http://schemas.microsoft.com/office/powerpoint/2010/main" val="3261869767"/>
       </p:ext>
     </p:extLst>
   </p:cSld>
@@ -22760,603 +23326,6 @@
                       </p:childTnLst>
                     </p:cTn>
                   </p:par>
-                </p:childTnLst>
-              </p:cTn>
-              <p:prevCondLst>
-                <p:cond evt="onPrev" delay="0">
-                  <p:tgtEl>
-                    <p:sldTgt/>
-                  </p:tgtEl>
-                </p:cond>
-              </p:prevCondLst>
-              <p:nextCondLst>
-                <p:cond evt="onNext" delay="0">
-                  <p:tgtEl>
-                    <p:sldTgt/>
-                  </p:tgtEl>
-                </p:cond>
-              </p:nextCondLst>
-            </p:seq>
-          </p:childTnLst>
-        </p:cTn>
-      </p:par>
-    </p:tnLst>
-  </p:timing>
-</p:sld>
-</file>
-
-<file path=ppt/slides/slide24.xml><?xml version="1.0" encoding="utf-8"?>
-<p:sld xmlns:a="http://schemas.openxmlformats.org/drawingml/2006/main" xmlns:r="http://schemas.openxmlformats.org/officeDocument/2006/relationships" xmlns:p="http://schemas.openxmlformats.org/presentationml/2006/main">
-  <p:cSld>
-    <p:spTree>
-      <p:nvGrpSpPr>
-        <p:cNvPr id="1" name=""/>
-        <p:cNvGrpSpPr/>
-        <p:nvPr/>
-      </p:nvGrpSpPr>
-      <p:grpSpPr>
-        <a:xfrm>
-          <a:off x="0" y="0"/>
-          <a:ext cx="0" cy="0"/>
-          <a:chOff x="0" y="0"/>
-          <a:chExt cx="0" cy="0"/>
-        </a:xfrm>
-      </p:grpSpPr>
-      <p:sp>
-        <p:nvSpPr>
-          <p:cNvPr id="3" name="Content Placeholder 2"/>
-          <p:cNvSpPr>
-            <a:spLocks noGrp="1"/>
-          </p:cNvSpPr>
-          <p:nvPr>
-            <p:ph type="body" sz="quarter" idx="10"/>
-          </p:nvPr>
-        </p:nvSpPr>
-        <p:spPr/>
-        <p:txBody>
-          <a:bodyPr vert="horz" lIns="108000" tIns="36000" rIns="108000" bIns="36000" rtlCol="0" anchor="t">
-            <a:normAutofit/>
-          </a:bodyPr>
-          <a:lstStyle/>
-          <a:p>
-            <a:pPr marL="360045" indent="-360045">
-              <a:buClr>
-                <a:schemeClr val="tx1"/>
-              </a:buClr>
-            </a:pPr>
-            <a:r>
-              <a:rPr lang="en-US" sz="3600" b="1" noProof="1">
-                <a:solidFill>
-                  <a:schemeClr val="bg1"/>
-                </a:solidFill>
-                <a:latin typeface="Consolas"/>
-                <a:cs typeface="Consolas" panose="020B0609020204030204" pitchFamily="49" charset="0"/>
-              </a:rPr>
-              <a:t>\number</a:t>
-            </a:r>
-            <a:r>
-              <a:rPr lang="en-US" sz="3600" noProof="1">
-                <a:cs typeface="Consolas" panose="020B0609020204030204" pitchFamily="49" charset="0"/>
-              </a:rPr>
-              <a:t> </a:t>
-            </a:r>
-            <a:endParaRPr lang="bg-BG" dirty="0">
-              <a:latin typeface="+mj-lt"/>
-              <a:cs typeface="Calibri"/>
-            </a:endParaRPr>
-          </a:p>
-          <a:p>
-            <a:pPr lvl="1" indent="0">
-              <a:buClr>
-                <a:schemeClr val="tx1"/>
-              </a:buClr>
-            </a:pPr>
-            <a:r>
-              <a:rPr lang="en-US" sz="3200" noProof="1">
-                <a:latin typeface="+mj-lt"/>
-                <a:cs typeface="Consolas" panose="020B0609020204030204" pitchFamily="49" charset="0"/>
-              </a:rPr>
-              <a:t> Групата </a:t>
-            </a:r>
-            <a:r>
-              <a:rPr lang="en-US" sz="3200" b="1" noProof="1">
-                <a:solidFill>
-                  <a:schemeClr val="bg1"/>
-                </a:solidFill>
-                <a:latin typeface="Consolas"/>
-                <a:cs typeface="Consolas" panose="020B0609020204030204" pitchFamily="49" charset="0"/>
-              </a:rPr>
-              <a:t>(\w+)</a:t>
-            </a:r>
-            <a:r>
-              <a:rPr lang="en-US" sz="3200" b="1" noProof="1">
-                <a:solidFill>
-                  <a:schemeClr val="accent2"/>
-                </a:solidFill>
-                <a:latin typeface="Consolas"/>
-                <a:cs typeface="Consolas" panose="020B0609020204030204" pitchFamily="49" charset="0"/>
-              </a:rPr>
-              <a:t> </a:t>
-            </a:r>
-            <a:r>
-              <a:rPr lang="en-US" sz="3200" noProof="1">
-                <a:solidFill>
-                  <a:schemeClr val="tx2"/>
-                </a:solidFill>
-                <a:latin typeface="Calibri"/>
-                <a:cs typeface="Consolas" panose="020B0609020204030204" pitchFamily="49" charset="0"/>
-              </a:rPr>
-              <a:t>е първата група и има номер </a:t>
-            </a:r>
-            <a:r>
-              <a:rPr lang="en-US" sz="3200" b="1" noProof="1">
-                <a:solidFill>
-                  <a:schemeClr val="bg1"/>
-                </a:solidFill>
-                <a:latin typeface="Calibri"/>
-                <a:cs typeface="Consolas" panose="020B0609020204030204" pitchFamily="49" charset="0"/>
-              </a:rPr>
-              <a:t>1</a:t>
-            </a:r>
-            <a:endParaRPr lang="bg-BG" sz="3200" b="1" dirty="0">
-              <a:solidFill>
-                <a:schemeClr val="bg1"/>
-              </a:solidFill>
-              <a:latin typeface="Calibri"/>
-              <a:cs typeface="Calibri"/>
-            </a:endParaRPr>
-          </a:p>
-          <a:p>
-            <a:pPr lvl="1" indent="0">
-              <a:buClr>
-                <a:schemeClr val="tx1"/>
-              </a:buClr>
-            </a:pPr>
-            <a:r>
-              <a:rPr lang="en-US" sz="3200" noProof="1">
-                <a:solidFill>
-                  <a:schemeClr val="tx2"/>
-                </a:solidFill>
-                <a:latin typeface="Calibri"/>
-                <a:cs typeface="Consolas" panose="020B0609020204030204" pitchFamily="49" charset="0"/>
-              </a:rPr>
-              <a:t> Чрез </a:t>
-            </a:r>
-            <a:r>
-              <a:rPr lang="en-US" sz="3200" b="1" noProof="1">
-                <a:solidFill>
-                  <a:schemeClr val="bg1"/>
-                </a:solidFill>
-                <a:latin typeface="Consolas"/>
-                <a:cs typeface="Consolas" panose="020B0609020204030204" pitchFamily="49" charset="0"/>
-              </a:rPr>
-              <a:t>\1</a:t>
-            </a:r>
-            <a:r>
-              <a:rPr lang="en-US" sz="3200" noProof="1">
-                <a:solidFill>
-                  <a:schemeClr val="tx2"/>
-                </a:solidFill>
-                <a:latin typeface="Calibri"/>
-                <a:cs typeface="Consolas" panose="020B0609020204030204" pitchFamily="49" charset="0"/>
-              </a:rPr>
-              <a:t> ще потърсим съвпадение с тази група</a:t>
-            </a:r>
-            <a:endParaRPr lang="bg-BG" sz="3200" dirty="0">
-              <a:solidFill>
-                <a:schemeClr val="tx2"/>
-              </a:solidFill>
-              <a:latin typeface="Calibri"/>
-              <a:cs typeface="Calibri"/>
-            </a:endParaRPr>
-          </a:p>
-        </p:txBody>
-      </p:sp>
-      <p:sp>
-        <p:nvSpPr>
-          <p:cNvPr id="4" name="Title 3"/>
-          <p:cNvSpPr>
-            <a:spLocks noGrp="1"/>
-          </p:cNvSpPr>
-          <p:nvPr>
-            <p:ph type="title"/>
-          </p:nvPr>
-        </p:nvSpPr>
-        <p:spPr/>
-        <p:txBody>
-          <a:bodyPr>
-            <a:noAutofit/>
-          </a:bodyPr>
-          <a:lstStyle/>
-          <a:p>
-            <a:r>
-              <a:rPr lang="en-US" sz="3200" noProof="1"/>
-              <a:t>Обратни референции за търсене на предишна група</a:t>
-            </a:r>
-          </a:p>
-        </p:txBody>
-      </p:sp>
-      <p:sp>
-        <p:nvSpPr>
-          <p:cNvPr id="24" name="Rectangle 23"/>
-          <p:cNvSpPr>
-            <a:spLocks noChangeArrowheads="1"/>
-          </p:cNvSpPr>
-          <p:nvPr/>
-        </p:nvSpPr>
-        <p:spPr bwMode="auto">
-          <a:xfrm>
-            <a:off x="660232" y="3540208"/>
-            <a:ext cx="4448237" cy="648828"/>
-          </a:xfrm>
-          <a:prstGeom prst="rect">
-            <a:avLst/>
-          </a:prstGeom>
-          <a:solidFill>
-            <a:schemeClr val="accent6">
-              <a:lumMod val="75000"/>
-              <a:alpha val="15000"/>
-            </a:schemeClr>
-          </a:solidFill>
-          <a:ln w="12700">
-            <a:solidFill>
-              <a:schemeClr val="tx1">
-                <a:lumMod val="50000"/>
-              </a:schemeClr>
-            </a:solidFill>
-          </a:ln>
-        </p:spPr>
-        <p:txBody>
-          <a:bodyPr vert="horz" wrap="square" lIns="143963" tIns="107972" rIns="143963" bIns="107972" rtlCol="0">
-            <a:spAutoFit/>
-          </a:bodyPr>
-          <a:lstStyle/>
-          <a:p>
-            <a:pPr defTabSz="1218072" latinLnBrk="1">
-              <a:spcBef>
-                <a:spcPts val="600"/>
-              </a:spcBef>
-              <a:spcAft>
-                <a:spcPts val="600"/>
-              </a:spcAft>
-            </a:pPr>
-            <a:r>
-              <a:rPr lang="en-US" sz="2799" b="1" noProof="1">
-                <a:latin typeface="Consolas" pitchFamily="49" charset="0"/>
-              </a:rPr>
-              <a:t>&lt;</a:t>
-            </a:r>
-            <a:r>
-              <a:rPr lang="en-US" sz="2799" b="1" noProof="1">
-                <a:solidFill>
-                  <a:schemeClr val="accent2"/>
-                </a:solidFill>
-                <a:latin typeface="Consolas" pitchFamily="49" charset="0"/>
-              </a:rPr>
-              <a:t>(\w+)</a:t>
-            </a:r>
-            <a:r>
-              <a:rPr lang="en-US" sz="2799" b="1" noProof="1">
-                <a:latin typeface="Consolas" pitchFamily="49" charset="0"/>
-              </a:rPr>
-              <a:t>[^&gt;]*&gt;.*?&lt;\/</a:t>
-            </a:r>
-            <a:r>
-              <a:rPr lang="en-US" sz="2799" b="1" noProof="1">
-                <a:solidFill>
-                  <a:schemeClr val="accent2"/>
-                </a:solidFill>
-                <a:latin typeface="Consolas" pitchFamily="49" charset="0"/>
-              </a:rPr>
-              <a:t>\1</a:t>
-            </a:r>
-            <a:r>
-              <a:rPr lang="en-US" sz="2799" b="1" noProof="1">
-                <a:latin typeface="Consolas" pitchFamily="49" charset="0"/>
-              </a:rPr>
-              <a:t>&gt;</a:t>
-            </a:r>
-          </a:p>
-        </p:txBody>
-      </p:sp>
-      <p:sp>
-        <p:nvSpPr>
-          <p:cNvPr id="19" name="Rectangle 18">
-            <a:extLst>
-              <a:ext uri="{FF2B5EF4-FFF2-40B4-BE49-F238E27FC236}">
-                <a16:creationId xmlns:a16="http://schemas.microsoft.com/office/drawing/2014/main" id="{A963B320-8E77-4DAD-B2E6-9F7DA54D60F5}"/>
-              </a:ext>
-            </a:extLst>
-          </p:cNvPr>
-          <p:cNvSpPr>
-            <a:spLocks noChangeArrowheads="1"/>
-          </p:cNvSpPr>
-          <p:nvPr/>
-        </p:nvSpPr>
-        <p:spPr bwMode="auto">
-          <a:xfrm>
-            <a:off x="566447" y="4562257"/>
-            <a:ext cx="8561966" cy="1795408"/>
-          </a:xfrm>
-          <a:prstGeom prst="rect">
-            <a:avLst/>
-          </a:prstGeom>
-          <a:solidFill>
-            <a:schemeClr val="accent6">
-              <a:lumMod val="75000"/>
-              <a:alpha val="15000"/>
-            </a:schemeClr>
-          </a:solidFill>
-          <a:ln w="12700">
-            <a:solidFill>
-              <a:schemeClr val="tx1">
-                <a:lumMod val="50000"/>
-              </a:schemeClr>
-            </a:solidFill>
-          </a:ln>
-        </p:spPr>
-        <p:txBody>
-          <a:bodyPr vert="horz" wrap="square" lIns="143963" tIns="107972" rIns="143963" bIns="107972" rtlCol="0" anchor="t">
-            <a:spAutoFit/>
-          </a:bodyPr>
-          <a:lstStyle/>
-          <a:p>
-            <a:pPr defTabSz="1218072" latinLnBrk="1">
-              <a:spcBef>
-                <a:spcPts val="600"/>
-              </a:spcBef>
-              <a:spcAft>
-                <a:spcPts val="600"/>
-              </a:spcAft>
-            </a:pPr>
-            <a:r>
-              <a:rPr lang="en-US" sz="2750" b="1" noProof="1">
-                <a:latin typeface="Consolas"/>
-              </a:rPr>
-              <a:t>&lt;</a:t>
-            </a:r>
-            <a:r>
-              <a:rPr lang="en-US" sz="2750" b="1" noProof="1">
-                <a:solidFill>
-                  <a:schemeClr val="accent2"/>
-                </a:solidFill>
-                <a:latin typeface="Consolas"/>
-              </a:rPr>
-              <a:t>b</a:t>
-            </a:r>
-            <a:r>
-              <a:rPr lang="en-US" sz="2750" b="1" noProof="1">
-                <a:latin typeface="Consolas"/>
-              </a:rPr>
-              <a:t>&gt;Regular Expressions&lt;/</a:t>
-            </a:r>
-            <a:r>
-              <a:rPr lang="en-US" sz="2750" b="1" noProof="1">
-                <a:solidFill>
-                  <a:schemeClr val="accent2"/>
-                </a:solidFill>
-                <a:latin typeface="Consolas"/>
-              </a:rPr>
-              <a:t>b</a:t>
-            </a:r>
-            <a:r>
-              <a:rPr lang="en-US" sz="2750" b="1" noProof="1">
-                <a:latin typeface="Consolas"/>
-              </a:rPr>
-              <a:t>&gt; are cool!</a:t>
-            </a:r>
-          </a:p>
-          <a:p>
-            <a:pPr defTabSz="1218072" latinLnBrk="1">
-              <a:spcBef>
-                <a:spcPts val="600"/>
-              </a:spcBef>
-              <a:spcAft>
-                <a:spcPts val="600"/>
-              </a:spcAft>
-            </a:pPr>
-            <a:r>
-              <a:rPr lang="en-US" sz="2750" b="1" noProof="1">
-                <a:latin typeface="Consolas"/>
-              </a:rPr>
-              <a:t>&lt;</a:t>
-            </a:r>
-            <a:r>
-              <a:rPr lang="en-US" sz="2750" b="1" noProof="1">
-                <a:solidFill>
-                  <a:schemeClr val="accent2"/>
-                </a:solidFill>
-                <a:latin typeface="Consolas"/>
-              </a:rPr>
-              <a:t>p</a:t>
-            </a:r>
-            <a:r>
-              <a:rPr lang="en-US" sz="2750" b="1" noProof="1">
-                <a:latin typeface="Consolas"/>
-              </a:rPr>
-              <a:t>&gt;I am a paragraph&lt;/</a:t>
-            </a:r>
-            <a:r>
-              <a:rPr lang="en-US" sz="2750" b="1" noProof="1">
-                <a:solidFill>
-                  <a:schemeClr val="accent2"/>
-                </a:solidFill>
-                <a:latin typeface="Consolas"/>
-              </a:rPr>
-              <a:t>p</a:t>
-            </a:r>
-            <a:r>
-              <a:rPr lang="en-US" sz="2750" b="1" noProof="1">
-                <a:latin typeface="Consolas"/>
-              </a:rPr>
-              <a:t>&gt; … some text after</a:t>
-            </a:r>
-          </a:p>
-          <a:p>
-            <a:pPr defTabSz="1218072" latinLnBrk="1">
-              <a:spcBef>
-                <a:spcPts val="600"/>
-              </a:spcBef>
-              <a:spcAft>
-                <a:spcPts val="600"/>
-              </a:spcAft>
-            </a:pPr>
-            <a:r>
-              <a:rPr lang="en-US" sz="2750" b="1" noProof="1">
-                <a:latin typeface="Consolas"/>
-              </a:rPr>
-              <a:t>Hello, &lt;</a:t>
-            </a:r>
-            <a:r>
-              <a:rPr lang="en-US" sz="2750" b="1" noProof="1">
-                <a:solidFill>
-                  <a:schemeClr val="accent2"/>
-                </a:solidFill>
-                <a:latin typeface="Consolas"/>
-              </a:rPr>
-              <a:t>div</a:t>
-            </a:r>
-            <a:r>
-              <a:rPr lang="en-US" sz="2750" b="1" noProof="1">
-                <a:latin typeface="Consolas"/>
-              </a:rPr>
-              <a:t>&gt;I am a&lt;code&gt;DIV&lt;/code&gt;&lt;/</a:t>
-            </a:r>
-            <a:r>
-              <a:rPr lang="en-US" sz="2750" b="1" noProof="1">
-                <a:solidFill>
-                  <a:schemeClr val="accent2"/>
-                </a:solidFill>
-                <a:latin typeface="Consolas"/>
-              </a:rPr>
-              <a:t>div</a:t>
-            </a:r>
-            <a:r>
-              <a:rPr lang="en-US" sz="2750" b="1" noProof="1">
-                <a:latin typeface="Consolas"/>
-              </a:rPr>
-              <a:t>&gt;!</a:t>
-            </a:r>
-          </a:p>
-        </p:txBody>
-      </p:sp>
-      <p:sp>
-        <p:nvSpPr>
-          <p:cNvPr id="7" name="Slide Number">
-            <a:extLst>
-              <a:ext uri="{FF2B5EF4-FFF2-40B4-BE49-F238E27FC236}">
-                <a16:creationId xmlns:a16="http://schemas.microsoft.com/office/drawing/2014/main" id="{B91F4C66-19EB-4893-A508-E4DFD2EB330D}"/>
-              </a:ext>
-            </a:extLst>
-          </p:cNvPr>
-          <p:cNvSpPr>
-            <a:spLocks noGrp="1"/>
-          </p:cNvSpPr>
-          <p:nvPr>
-            <p:ph type="sldNum" sz="quarter" idx="5"/>
-          </p:nvPr>
-        </p:nvSpPr>
-        <p:spPr>
-          <a:xfrm>
-            <a:off x="11753030" y="6507000"/>
-            <a:ext cx="367414" cy="297000"/>
-          </a:xfrm>
-          <a:prstGeom prst="rect">
-            <a:avLst/>
-          </a:prstGeom>
-        </p:spPr>
-        <p:txBody>
-          <a:bodyPr vert="horz" lIns="91440" tIns="45720" rIns="91440" bIns="45720" rtlCol="0" anchor="b"/>
-          <a:lstStyle>
-            <a:lvl1pPr algn="r">
-              <a:defRPr sz="1000"/>
-            </a:lvl1pPr>
-          </a:lstStyle>
-          <a:p>
-            <a:fld id="{2BF067CD-8E6B-4360-9AA8-C5DF2A48A6D1}" type="slidenum">
-              <a:rPr lang="en-US" noProof="0" smtClean="0"/>
-              <a:pPr/>
-              <a:t>24</a:t>
-            </a:fld>
-            <a:endParaRPr lang="en-US" noProof="0" dirty="0"/>
-          </a:p>
-        </p:txBody>
-      </p:sp>
-    </p:spTree>
-    <p:extLst>
-      <p:ext uri="{BB962C8B-B14F-4D97-AF65-F5344CB8AC3E}">
-        <p14:creationId xmlns:p14="http://schemas.microsoft.com/office/powerpoint/2010/main" val="3261869767"/>
-      </p:ext>
-    </p:extLst>
-  </p:cSld>
-  <p:clrMapOvr>
-    <a:masterClrMapping/>
-  </p:clrMapOvr>
-  <mc:AlternateContent xmlns:mc="http://schemas.openxmlformats.org/markup-compatibility/2006" xmlns:p14="http://schemas.microsoft.com/office/powerpoint/2010/main">
-    <mc:Choice Requires="p14">
-      <p:transition spd="slow" p14:dur="2000" advClick="0" advTm="5000"/>
-    </mc:Choice>
-    <mc:Fallback xmlns="">
-      <p:transition spd="slow" advClick="0" advTm="5000"/>
-    </mc:Fallback>
-  </mc:AlternateContent>
-  <p:timing>
-    <p:tnLst>
-      <p:par>
-        <p:cTn id="1" dur="indefinite" restart="never" nodeType="tmRoot">
-          <p:childTnLst>
-            <p:seq concurrent="1" nextAc="seek">
-              <p:cTn id="2" dur="indefinite" nodeType="mainSeq">
-                <p:childTnLst>
-                  <p:par>
-                    <p:cTn id="3" fill="hold">
-                      <p:stCondLst>
-                        <p:cond delay="indefinite"/>
-                      </p:stCondLst>
-                      <p:childTnLst>
-                        <p:par>
-                          <p:cTn id="4" fill="hold">
-                            <p:stCondLst>
-                              <p:cond delay="0"/>
-                            </p:stCondLst>
-                            <p:childTnLst>
-                              <p:par>
-                                <p:cTn id="5" presetID="1" presetClass="entr" presetSubtype="0" fill="hold" nodeType="clickEffect">
-                                  <p:stCondLst>
-                                    <p:cond delay="0"/>
-                                  </p:stCondLst>
-                                  <p:childTnLst>
-                                    <p:set>
-                                      <p:cBhvr>
-                                        <p:cTn id="6" dur="1" fill="hold">
-                                          <p:stCondLst>
-                                            <p:cond delay="0"/>
-                                          </p:stCondLst>
-                                        </p:cTn>
-                                        <p:tgtEl>
-                                          <p:spTgt spid="3">
-                                            <p:txEl>
-                                              <p:pRg st="1" end="1"/>
-                                            </p:txEl>
-                                          </p:spTgt>
-                                        </p:tgtEl>
-                                        <p:attrNameLst>
-                                          <p:attrName>style.visibility</p:attrName>
-                                        </p:attrNameLst>
-                                      </p:cBhvr>
-                                      <p:to>
-                                        <p:strVal val="visible"/>
-                                      </p:to>
-                                    </p:set>
-                                  </p:childTnLst>
-                                </p:cTn>
-                              </p:par>
-                            </p:childTnLst>
-                          </p:cTn>
-                        </p:par>
-                      </p:childTnLst>
-                    </p:cTn>
-                  </p:par>
                   <p:par>
                     <p:cTn id="7" fill="hold">
                       <p:stCondLst>
@@ -23370,7 +23339,7 @@
                             </p:stCondLst>
                             <p:childTnLst>
                               <p:par>
-                                <p:cTn id="9" presetID="1" presetClass="entr" presetSubtype="0" fill="hold" nodeType="clickEffect">
+                                <p:cTn id="9" presetID="1" presetClass="entr" presetSubtype="0" fill="hold" grpId="0" nodeType="clickEffect">
                                   <p:stCondLst>
                                     <p:cond delay="0"/>
                                   </p:stCondLst>
@@ -23383,11 +23352,7 @@
                                           </p:stCondLst>
                                         </p:cTn>
                                         <p:tgtEl>
-                                          <p:spTgt spid="3">
-                                            <p:txEl>
-                                              <p:pRg st="2" end="2"/>
-                                            </p:txEl>
-                                          </p:spTgt>
+                                          <p:spTgt spid="24"/>
                                         </p:tgtEl>
                                         <p:attrNameLst>
                                           <p:attrName>style.visibility</p:attrName>
@@ -23432,7 +23397,38 @@
                                           </p:stCondLst>
                                         </p:cTn>
                                         <p:tgtEl>
-                                          <p:spTgt spid="24"/>
+                                          <p:spTgt spid="19"/>
+                                        </p:tgtEl>
+                                        <p:attrNameLst>
+                                          <p:attrName>style.visibility</p:attrName>
+                                        </p:attrNameLst>
+                                      </p:cBhvr>
+                                      <p:to>
+                                        <p:strVal val="visible"/>
+                                      </p:to>
+                                    </p:set>
+                                  </p:childTnLst>
+                                </p:cTn>
+                              </p:par>
+                              <p:par>
+                                <p:cTn id="15" presetID="1" presetClass="entr" presetSubtype="0" fill="hold" nodeType="withEffect">
+                                  <p:stCondLst>
+                                    <p:cond delay="0"/>
+                                  </p:stCondLst>
+                                  <p:childTnLst>
+                                    <p:set>
+                                      <p:cBhvr>
+                                        <p:cTn id="16" dur="1" fill="hold">
+                                          <p:stCondLst>
+                                            <p:cond delay="0"/>
+                                          </p:stCondLst>
+                                        </p:cTn>
+                                        <p:tgtEl>
+                                          <p:spTgt spid="19">
+                                            <p:txEl>
+                                              <p:pRg st="0" end="0"/>
+                                            </p:txEl>
+                                          </p:spTgt>
                                         </p:tgtEl>
                                         <p:attrNameLst>
                                           <p:attrName>style.visibility</p:attrName>
@@ -23452,46 +23448,19 @@
                     </p:cTn>
                   </p:par>
                   <p:par>
-                    <p:cTn id="15" fill="hold">
+                    <p:cTn id="17" fill="hold">
                       <p:stCondLst>
                         <p:cond delay="indefinite"/>
                       </p:stCondLst>
                       <p:childTnLst>
                         <p:par>
-                          <p:cTn id="16" fill="hold">
+                          <p:cTn id="18" fill="hold">
                             <p:stCondLst>
                               <p:cond delay="0"/>
                             </p:stCondLst>
                             <p:childTnLst>
                               <p:par>
-                                <p:cTn id="17" presetID="1" presetClass="entr" presetSubtype="0" fill="hold" grpId="0" nodeType="clickEffect">
-                                  <p:stCondLst>
-                                    <p:cond delay="0"/>
-                                  </p:stCondLst>
-                                  <p:childTnLst>
-                                    <p:set>
-                                      <p:cBhvr>
-                                        <p:cTn id="18" dur="1" fill="hold">
-                                          <p:stCondLst>
-                                            <p:cond delay="0"/>
-                                          </p:stCondLst>
-                                        </p:cTn>
-                                        <p:tgtEl>
-                                          <p:spTgt spid="19"/>
-                                        </p:tgtEl>
-                                        <p:attrNameLst>
-                                          <p:attrName>style.visibility</p:attrName>
-                                        </p:attrNameLst>
-                                      </p:cBhvr>
-                                      <p:to>
-                                        <p:strVal val="visible"/>
-                                      </p:to>
-                                    </p:set>
-                                  </p:childTnLst>
-                                </p:cTn>
-                              </p:par>
-                              <p:par>
-                                <p:cTn id="19" presetID="1" presetClass="entr" presetSubtype="0" fill="hold" nodeType="withEffect">
+                                <p:cTn id="19" presetID="1" presetClass="entr" presetSubtype="0" fill="hold" nodeType="clickEffect">
                                   <p:stCondLst>
                                     <p:cond delay="0"/>
                                   </p:stCondLst>
@@ -23506,7 +23475,7 @@
                                         <p:tgtEl>
                                           <p:spTgt spid="19">
                                             <p:txEl>
-                                              <p:pRg st="0" end="0"/>
+                                              <p:pRg st="1" end="1"/>
                                             </p:txEl>
                                           </p:spTgt>
                                         </p:tgtEl>
@@ -23548,55 +23517,6 @@
                                     <p:set>
                                       <p:cBhvr>
                                         <p:cTn id="24" dur="1" fill="hold">
-                                          <p:stCondLst>
-                                            <p:cond delay="0"/>
-                                          </p:stCondLst>
-                                        </p:cTn>
-                                        <p:tgtEl>
-                                          <p:spTgt spid="19">
-                                            <p:txEl>
-                                              <p:pRg st="1" end="1"/>
-                                            </p:txEl>
-                                          </p:spTgt>
-                                        </p:tgtEl>
-                                        <p:attrNameLst>
-                                          <p:attrName>style.visibility</p:attrName>
-                                        </p:attrNameLst>
-                                      </p:cBhvr>
-                                      <p:to>
-                                        <p:strVal val="visible"/>
-                                      </p:to>
-                                    </p:set>
-                                  </p:childTnLst>
-                                </p:cTn>
-                              </p:par>
-                            </p:childTnLst>
-                          </p:cTn>
-                        </p:par>
-                      </p:childTnLst>
-                    </p:cTn>
-                  </p:par>
-                  <p:par>
-                    <p:cTn id="25" fill="hold">
-                      <p:stCondLst>
-                        <p:cond delay="indefinite"/>
-                      </p:stCondLst>
-                      <p:childTnLst>
-                        <p:par>
-                          <p:cTn id="26" fill="hold">
-                            <p:stCondLst>
-                              <p:cond delay="0"/>
-                            </p:stCondLst>
-                            <p:childTnLst>
-                              <p:par>
-                                <p:cTn id="27" presetID="1" presetClass="entr" presetSubtype="0" fill="hold" nodeType="clickEffect">
-                                  <p:stCondLst>
-                                    <p:cond delay="0"/>
-                                  </p:stCondLst>
-                                  <p:childTnLst>
-                                    <p:set>
-                                      <p:cBhvr>
-                                        <p:cTn id="28" dur="1" fill="hold">
                                           <p:stCondLst>
                                             <p:cond delay="0"/>
                                           </p:stCondLst>
@@ -23654,7 +23574,7 @@
 </p:sld>
 </file>
 
-<file path=ppt/slides/slide25.xml><?xml version="1.0" encoding="utf-8"?>
+<file path=ppt/slides/slide24.xml><?xml version="1.0" encoding="utf-8"?>
 <p:sld xmlns:a="http://schemas.openxmlformats.org/drawingml/2006/main" xmlns:r="http://schemas.openxmlformats.org/officeDocument/2006/relationships" xmlns:p="http://schemas.openxmlformats.org/presentationml/2006/main">
   <p:cSld>
     <p:spTree>
@@ -23673,6 +23593,43 @@
       </p:grpSpPr>
       <p:sp>
         <p:nvSpPr>
+          <p:cNvPr id="4" name="Subtitle 3">
+            <a:extLst>
+              <a:ext uri="{FF2B5EF4-FFF2-40B4-BE49-F238E27FC236}">
+                <a16:creationId xmlns:a16="http://schemas.microsoft.com/office/drawing/2014/main" id="{B564AB2F-3330-595B-63F5-F09E4FA51BCB}"/>
+              </a:ext>
+            </a:extLst>
+          </p:cNvPr>
+          <p:cNvSpPr>
+            <a:spLocks noGrp="1"/>
+          </p:cNvSpPr>
+          <p:nvPr>
+            <p:ph type="subTitle" sz="quarter" idx="11"/>
+          </p:nvPr>
+        </p:nvSpPr>
+        <p:spPr/>
+        <p:txBody>
+          <a:bodyPr/>
+          <a:lstStyle/>
+          <a:p>
+            <a:r>
+              <a:rPr lang="en-US" sz="4000" noProof="1">
+                <a:latin typeface="Consolas"/>
+                <a:cs typeface="Consolas" panose="020B0609020204030204" pitchFamily="49" charset="0"/>
+              </a:rPr>
+              <a:t>System.Text.RegularExpressions</a:t>
+            </a:r>
+            <a:r>
+              <a:rPr lang="en-US" sz="4000" noProof="1">
+                <a:cs typeface="Consolas" panose="020B0609020204030204" pitchFamily="49" charset="0"/>
+              </a:rPr>
+              <a:t> </a:t>
+            </a:r>
+          </a:p>
+        </p:txBody>
+      </p:sp>
+      <p:sp>
+        <p:nvSpPr>
           <p:cNvPr id="2" name="Заглавие 1">
             <a:extLst>
               <a:ext uri="{FF2B5EF4-FFF2-40B4-BE49-F238E27FC236}">
@@ -23689,8 +23646,8 @@
         </p:nvSpPr>
         <p:spPr>
           <a:xfrm>
-            <a:off x="392371" y="4704825"/>
-            <a:ext cx="11184521" cy="1565253"/>
+            <a:off x="615109" y="4704825"/>
+            <a:ext cx="10961783" cy="768084"/>
           </a:xfrm>
         </p:spPr>
         <p:txBody>
@@ -23698,11 +23655,14 @@
           <a:lstStyle/>
           <a:p>
             <a:r>
-              <a:rPr lang="en-GB" sz="5350" dirty="0">
-                <a:cs typeface="Arial"/>
-              </a:rPr>
-              <a:t>Използване на .NET вграден регекс клас</a:t>
-            </a:r>
+              <a:rPr lang="bg-BG" dirty="0"/>
+              <a:t>Регекс в </a:t>
+            </a:r>
+            <a:r>
+              <a:rPr lang="en-US" dirty="0"/>
+              <a:t>C#</a:t>
+            </a:r>
+            <a:endParaRPr lang="en-GB" dirty="0"/>
           </a:p>
         </p:txBody>
       </p:sp>
@@ -23752,7 +23712,7 @@
 </p:sld>
 </file>
 
-<file path=ppt/slides/slide26.xml><?xml version="1.0" encoding="utf-8"?>
+<file path=ppt/slides/slide25.xml><?xml version="1.0" encoding="utf-8"?>
 <p:sld xmlns:a="http://schemas.openxmlformats.org/drawingml/2006/main" xmlns:r="http://schemas.openxmlformats.org/officeDocument/2006/relationships" xmlns:p="http://schemas.openxmlformats.org/presentationml/2006/main">
   <p:cSld>
     <p:spTree>
@@ -24056,7 +24016,7 @@
             <a:fld id="{2BF067CD-8E6B-4360-9AA8-C5DF2A48A6D1}" type="slidenum">
               <a:rPr lang="en-US" noProof="0" smtClean="0"/>
               <a:pPr/>
-              <a:t>26</a:t>
+              <a:t>25</a:t>
             </a:fld>
             <a:endParaRPr lang="en-US" noProof="0" dirty="0"/>
           </a:p>
@@ -24101,7 +24061,7 @@
                             </p:stCondLst>
                             <p:childTnLst>
                               <p:par>
-                                <p:cTn id="5" presetID="1" presetClass="entr" presetSubtype="0" fill="hold" nodeType="clickEffect">
+                                <p:cTn id="5" presetID="1" presetClass="entr" presetSubtype="0" fill="hold" grpId="0" nodeType="clickEffect">
                                   <p:stCondLst>
                                     <p:cond delay="0"/>
                                   </p:stCondLst>
@@ -24109,55 +24069,6 @@
                                     <p:set>
                                       <p:cBhvr>
                                         <p:cTn id="6" dur="1" fill="hold">
-                                          <p:stCondLst>
-                                            <p:cond delay="0"/>
-                                          </p:stCondLst>
-                                        </p:cTn>
-                                        <p:tgtEl>
-                                          <p:spTgt spid="6">
-                                            <p:txEl>
-                                              <p:pRg st="1" end="1"/>
-                                            </p:txEl>
-                                          </p:spTgt>
-                                        </p:tgtEl>
-                                        <p:attrNameLst>
-                                          <p:attrName>style.visibility</p:attrName>
-                                        </p:attrNameLst>
-                                      </p:cBhvr>
-                                      <p:to>
-                                        <p:strVal val="visible"/>
-                                      </p:to>
-                                    </p:set>
-                                  </p:childTnLst>
-                                </p:cTn>
-                              </p:par>
-                            </p:childTnLst>
-                          </p:cTn>
-                        </p:par>
-                      </p:childTnLst>
-                    </p:cTn>
-                  </p:par>
-                  <p:par>
-                    <p:cTn id="7" fill="hold">
-                      <p:stCondLst>
-                        <p:cond delay="indefinite"/>
-                      </p:stCondLst>
-                      <p:childTnLst>
-                        <p:par>
-                          <p:cTn id="8" fill="hold">
-                            <p:stCondLst>
-                              <p:cond delay="0"/>
-                            </p:stCondLst>
-                            <p:childTnLst>
-                              <p:par>
-                                <p:cTn id="9" presetID="1" presetClass="entr" presetSubtype="0" fill="hold" grpId="0" nodeType="clickEffect">
-                                  <p:stCondLst>
-                                    <p:cond delay="0"/>
-                                  </p:stCondLst>
-                                  <p:childTnLst>
-                                    <p:set>
-                                      <p:cBhvr>
-                                        <p:cTn id="10" dur="1" fill="hold">
                                           <p:stCondLst>
                                             <p:cond delay="0"/>
                                           </p:stCondLst>
@@ -24177,14 +24088,14 @@
                                 </p:cTn>
                               </p:par>
                               <p:par>
-                                <p:cTn id="11" presetID="1" presetClass="entr" presetSubtype="0" fill="hold" nodeType="withEffect">
+                                <p:cTn id="7" presetID="1" presetClass="entr" presetSubtype="0" fill="hold" nodeType="withEffect">
                                   <p:stCondLst>
                                     <p:cond delay="0"/>
                                   </p:stCondLst>
                                   <p:childTnLst>
                                     <p:set>
                                       <p:cBhvr>
-                                        <p:cTn id="12" dur="1" fill="hold">
+                                        <p:cTn id="8" dur="1" fill="hold">
                                           <p:stCondLst>
                                             <p:cond delay="0"/>
                                           </p:stCondLst>
@@ -24214,19 +24125,81 @@
                     </p:cTn>
                   </p:par>
                   <p:par>
-                    <p:cTn id="13" fill="hold">
+                    <p:cTn id="9" fill="hold">
                       <p:stCondLst>
                         <p:cond delay="indefinite"/>
                       </p:stCondLst>
                       <p:childTnLst>
                         <p:par>
-                          <p:cTn id="14" fill="hold">
+                          <p:cTn id="10" fill="hold">
                             <p:stCondLst>
                               <p:cond delay="0"/>
                             </p:stCondLst>
                             <p:childTnLst>
                               <p:par>
-                                <p:cTn id="15" presetID="1" presetClass="entr" presetSubtype="0" fill="hold" nodeType="clickEffect">
+                                <p:cTn id="11" presetID="1" presetClass="entr" presetSubtype="0" fill="hold" nodeType="clickEffect">
+                                  <p:stCondLst>
+                                    <p:cond delay="0"/>
+                                  </p:stCondLst>
+                                  <p:childTnLst>
+                                    <p:set>
+                                      <p:cBhvr>
+                                        <p:cTn id="12" dur="1" fill="hold">
+                                          <p:stCondLst>
+                                            <p:cond delay="0"/>
+                                          </p:stCondLst>
+                                        </p:cTn>
+                                        <p:tgtEl>
+                                          <p:spTgt spid="5">
+                                            <p:txEl>
+                                              <p:pRg st="2" end="2"/>
+                                            </p:txEl>
+                                          </p:spTgt>
+                                        </p:tgtEl>
+                                        <p:attrNameLst>
+                                          <p:attrName>style.visibility</p:attrName>
+                                        </p:attrNameLst>
+                                      </p:cBhvr>
+                                      <p:to>
+                                        <p:strVal val="visible"/>
+                                      </p:to>
+                                    </p:set>
+                                  </p:childTnLst>
+                                </p:cTn>
+                              </p:par>
+                              <p:par>
+                                <p:cTn id="13" presetID="1" presetClass="entr" presetSubtype="0" fill="hold" nodeType="withEffect">
+                                  <p:stCondLst>
+                                    <p:cond delay="0"/>
+                                  </p:stCondLst>
+                                  <p:childTnLst>
+                                    <p:set>
+                                      <p:cBhvr>
+                                        <p:cTn id="14" dur="1" fill="hold">
+                                          <p:stCondLst>
+                                            <p:cond delay="0"/>
+                                          </p:stCondLst>
+                                        </p:cTn>
+                                        <p:tgtEl>
+                                          <p:spTgt spid="5">
+                                            <p:txEl>
+                                              <p:pRg st="3" end="3"/>
+                                            </p:txEl>
+                                          </p:spTgt>
+                                        </p:tgtEl>
+                                        <p:attrNameLst>
+                                          <p:attrName>style.visibility</p:attrName>
+                                        </p:attrNameLst>
+                                      </p:cBhvr>
+                                      <p:to>
+                                        <p:strVal val="visible"/>
+                                      </p:to>
+                                    </p:set>
+                                  </p:childTnLst>
+                                </p:cTn>
+                              </p:par>
+                              <p:par>
+                                <p:cTn id="15" presetID="1" presetClass="entr" presetSubtype="0" fill="hold" nodeType="withEffect">
                                   <p:stCondLst>
                                     <p:cond delay="0"/>
                                   </p:stCondLst>
@@ -24241,7 +24214,7 @@
                                         <p:tgtEl>
                                           <p:spTgt spid="5">
                                             <p:txEl>
-                                              <p:pRg st="2" end="2"/>
+                                              <p:pRg st="4" end="4"/>
                                             </p:txEl>
                                           </p:spTgt>
                                         </p:tgtEl>
@@ -24272,7 +24245,7 @@
                                         <p:tgtEl>
                                           <p:spTgt spid="5">
                                             <p:txEl>
-                                              <p:pRg st="3" end="3"/>
+                                              <p:pRg st="5" end="5"/>
                                             </p:txEl>
                                           </p:spTgt>
                                         </p:tgtEl>
@@ -24296,68 +24269,6 @@
                                     <p:set>
                                       <p:cBhvr>
                                         <p:cTn id="20" dur="1" fill="hold">
-                                          <p:stCondLst>
-                                            <p:cond delay="0"/>
-                                          </p:stCondLst>
-                                        </p:cTn>
-                                        <p:tgtEl>
-                                          <p:spTgt spid="5">
-                                            <p:txEl>
-                                              <p:pRg st="4" end="4"/>
-                                            </p:txEl>
-                                          </p:spTgt>
-                                        </p:tgtEl>
-                                        <p:attrNameLst>
-                                          <p:attrName>style.visibility</p:attrName>
-                                        </p:attrNameLst>
-                                      </p:cBhvr>
-                                      <p:to>
-                                        <p:strVal val="visible"/>
-                                      </p:to>
-                                    </p:set>
-                                  </p:childTnLst>
-                                </p:cTn>
-                              </p:par>
-                              <p:par>
-                                <p:cTn id="21" presetID="1" presetClass="entr" presetSubtype="0" fill="hold" nodeType="withEffect">
-                                  <p:stCondLst>
-                                    <p:cond delay="0"/>
-                                  </p:stCondLst>
-                                  <p:childTnLst>
-                                    <p:set>
-                                      <p:cBhvr>
-                                        <p:cTn id="22" dur="1" fill="hold">
-                                          <p:stCondLst>
-                                            <p:cond delay="0"/>
-                                          </p:stCondLst>
-                                        </p:cTn>
-                                        <p:tgtEl>
-                                          <p:spTgt spid="5">
-                                            <p:txEl>
-                                              <p:pRg st="5" end="5"/>
-                                            </p:txEl>
-                                          </p:spTgt>
-                                        </p:tgtEl>
-                                        <p:attrNameLst>
-                                          <p:attrName>style.visibility</p:attrName>
-                                        </p:attrNameLst>
-                                      </p:cBhvr>
-                                      <p:to>
-                                        <p:strVal val="visible"/>
-                                      </p:to>
-                                    </p:set>
-                                  </p:childTnLst>
-                                </p:cTn>
-                              </p:par>
-                              <p:par>
-                                <p:cTn id="23" presetID="1" presetClass="entr" presetSubtype="0" fill="hold" nodeType="withEffect">
-                                  <p:stCondLst>
-                                    <p:cond delay="0"/>
-                                  </p:stCondLst>
-                                  <p:childTnLst>
-                                    <p:set>
-                                      <p:cBhvr>
-                                        <p:cTn id="24" dur="1" fill="hold">
                                           <p:stCondLst>
                                             <p:cond delay="0"/>
                                           </p:stCondLst>
@@ -24414,7 +24325,7 @@
 </p:sld>
 </file>
 
-<file path=ppt/slides/slide27.xml><?xml version="1.0" encoding="utf-8"?>
+<file path=ppt/slides/slide26.xml><?xml version="1.0" encoding="utf-8"?>
 <p:sld xmlns:a="http://schemas.openxmlformats.org/drawingml/2006/main" xmlns:r="http://schemas.openxmlformats.org/officeDocument/2006/relationships" xmlns:p="http://schemas.openxmlformats.org/presentationml/2006/main">
   <p:cSld>
     <p:spTree>
@@ -24733,7 +24644,7 @@
             <a:fld id="{2BF067CD-8E6B-4360-9AA8-C5DF2A48A6D1}" type="slidenum">
               <a:rPr lang="en-US" noProof="0" smtClean="0"/>
               <a:pPr/>
-              <a:t>27</a:t>
+              <a:t>26</a:t>
             </a:fld>
             <a:endParaRPr lang="en-US" noProof="0" dirty="0"/>
           </a:p>
@@ -25029,7 +24940,7 @@
 </p:sld>
 </file>
 
-<file path=ppt/slides/slide28.xml><?xml version="1.0" encoding="utf-8"?>
+<file path=ppt/slides/slide27.xml><?xml version="1.0" encoding="utf-8"?>
 <p:sld xmlns:a="http://schemas.openxmlformats.org/drawingml/2006/main" xmlns:r="http://schemas.openxmlformats.org/officeDocument/2006/relationships" xmlns:p="http://schemas.openxmlformats.org/presentationml/2006/main">
   <p:cSld>
     <p:spTree>
@@ -25116,8 +25027,8 @@
           <a:lstStyle/>
           <a:p>
             <a:r>
-              <a:rPr lang="en-US" sz="3950" dirty="0"/>
-              <a:t>Проверяване за един ред</a:t>
+              <a:rPr lang="bg-BG" dirty="0"/>
+              <a:t>Проверка за съвпадения (1)</a:t>
             </a:r>
             <a:endParaRPr lang="en-US" dirty="0"/>
           </a:p>
@@ -25390,7 +25301,7 @@
             <a:fld id="{2BF067CD-8E6B-4360-9AA8-C5DF2A48A6D1}" type="slidenum">
               <a:rPr lang="en-US" noProof="0" smtClean="0"/>
               <a:pPr/>
-              <a:t>28</a:t>
+              <a:t>27</a:t>
             </a:fld>
             <a:endParaRPr lang="en-US" noProof="0" dirty="0"/>
           </a:p>
@@ -25779,7 +25690,7 @@
 </p:sld>
 </file>
 
-<file path=ppt/slides/slide29.xml><?xml version="1.0" encoding="utf-8"?>
+<file path=ppt/slides/slide28.xml><?xml version="1.0" encoding="utf-8"?>
 <p:sld xmlns:a="http://schemas.openxmlformats.org/drawingml/2006/main" xmlns:r="http://schemas.openxmlformats.org/officeDocument/2006/relationships" xmlns:p="http://schemas.openxmlformats.org/presentationml/2006/main">
   <p:cSld>
     <p:spTree>
@@ -25856,15 +25767,18 @@
         </p:nvSpPr>
         <p:spPr/>
         <p:txBody>
-          <a:bodyPr/>
+          <a:bodyPr>
+            <a:normAutofit/>
+          </a:bodyPr>
           <a:lstStyle/>
           <a:p>
             <a:r>
-              <a:rPr lang="en-US" sz="3950" dirty="0">
-                <a:cs typeface="Calibri"/>
-              </a:rPr>
-              <a:t>Проверяване за съвпадения</a:t>
-            </a:r>
+              <a:rPr lang="bg-BG" sz="4000" dirty="0"/>
+              <a:t>Проверка за съвпадения (2)</a:t>
+            </a:r>
+            <a:endParaRPr lang="en-US" sz="4000" dirty="0">
+              <a:cs typeface="Calibri"/>
+            </a:endParaRPr>
           </a:p>
         </p:txBody>
       </p:sp>
@@ -26212,7 +26126,7 @@
             <a:fld id="{2BF067CD-8E6B-4360-9AA8-C5DF2A48A6D1}" type="slidenum">
               <a:rPr lang="en-US" noProof="0" smtClean="0"/>
               <a:pPr/>
-              <a:t>29</a:t>
+              <a:t>28</a:t>
             </a:fld>
             <a:endParaRPr lang="en-US" noProof="0" dirty="0"/>
           </a:p>
@@ -26571,332 +26485,7 @@
 </p:sld>
 </file>
 
-<file path=ppt/slides/slide3.xml><?xml version="1.0" encoding="utf-8"?>
-<p:sld xmlns:a="http://schemas.openxmlformats.org/drawingml/2006/main" xmlns:r="http://schemas.openxmlformats.org/officeDocument/2006/relationships" xmlns:p="http://schemas.openxmlformats.org/presentationml/2006/main">
-  <p:cSld>
-    <p:spTree>
-      <p:nvGrpSpPr>
-        <p:cNvPr id="1" name=""/>
-        <p:cNvGrpSpPr/>
-        <p:nvPr/>
-      </p:nvGrpSpPr>
-      <p:grpSpPr>
-        <a:xfrm>
-          <a:off x="0" y="0"/>
-          <a:ext cx="0" cy="0"/>
-          <a:chOff x="0" y="0"/>
-          <a:chExt cx="0" cy="0"/>
-        </a:xfrm>
-      </p:grpSpPr>
-      <p:sp>
-        <p:nvSpPr>
-          <p:cNvPr id="2" name="Подзаглавие 1">
-            <a:extLst>
-              <a:ext uri="{FF2B5EF4-FFF2-40B4-BE49-F238E27FC236}">
-                <a16:creationId xmlns:a16="http://schemas.microsoft.com/office/drawing/2014/main" id="{14EB79E1-F70E-E4F5-9820-86F0EA7BF30F}"/>
-              </a:ext>
-            </a:extLst>
-          </p:cNvPr>
-          <p:cNvSpPr>
-            <a:spLocks noGrp="1"/>
-          </p:cNvSpPr>
-          <p:nvPr>
-            <p:ph type="subTitle" sz="quarter" idx="11"/>
-          </p:nvPr>
-        </p:nvSpPr>
-        <p:spPr/>
-        <p:txBody>
-          <a:bodyPr/>
-          <a:lstStyle/>
-          <a:p>
-            <a:r>
-              <a:rPr lang="bg-BG" sz="3950" dirty="0">
-                <a:cs typeface="Arial"/>
-              </a:rPr>
-              <a:t>Определение, примери и </a:t>
-            </a:r>
-            <a:r>
-              <a:rPr lang="bg-BG" sz="3950" dirty="0">
-                <a:ea typeface="+mn-lt"/>
-                <a:cs typeface="Arial"/>
-              </a:rPr>
-              <a:t>к</a:t>
-            </a:r>
-            <a:r>
-              <a:rPr lang="bg-BG" sz="3950" dirty="0">
-                <a:ea typeface="+mn-lt"/>
-                <a:cs typeface="+mn-lt"/>
-              </a:rPr>
-              <a:t>ласове на символи</a:t>
-            </a:r>
-            <a:endParaRPr lang="bg-BG" dirty="0"/>
-          </a:p>
-        </p:txBody>
-      </p:sp>
-      <p:sp>
-        <p:nvSpPr>
-          <p:cNvPr id="3" name="Заглавие 2">
-            <a:extLst>
-              <a:ext uri="{FF2B5EF4-FFF2-40B4-BE49-F238E27FC236}">
-                <a16:creationId xmlns:a16="http://schemas.microsoft.com/office/drawing/2014/main" id="{4263F84E-8578-C3EA-32A1-EF92AE0F9106}"/>
-              </a:ext>
-            </a:extLst>
-          </p:cNvPr>
-          <p:cNvSpPr>
-            <a:spLocks noGrp="1"/>
-          </p:cNvSpPr>
-          <p:nvPr>
-            <p:ph type="title" sz="quarter" idx="10"/>
-          </p:nvPr>
-        </p:nvSpPr>
-        <p:spPr/>
-        <p:txBody>
-          <a:bodyPr/>
-          <a:lstStyle/>
-          <a:p>
-            <a:r>
-              <a:rPr lang="en-US" sz="5350" dirty="0">
-                <a:ea typeface="+mj-lt"/>
-                <a:cs typeface="+mj-lt"/>
-              </a:rPr>
-              <a:t>Регулярен израз</a:t>
-            </a:r>
-            <a:endParaRPr lang="bg-BG" sz="5350" b="0" dirty="0">
-              <a:ea typeface="+mj-lt"/>
-              <a:cs typeface="+mj-lt"/>
-            </a:endParaRPr>
-          </a:p>
-        </p:txBody>
-      </p:sp>
-      <p:sp>
-        <p:nvSpPr>
-          <p:cNvPr id="5" name="Text Placeholder 4">
-            <a:extLst>
-              <a:ext uri="{FF2B5EF4-FFF2-40B4-BE49-F238E27FC236}">
-                <a16:creationId xmlns:a16="http://schemas.microsoft.com/office/drawing/2014/main" id="{0AEF80C1-F7EA-AC8F-73EB-0D0AD767D112}"/>
-              </a:ext>
-            </a:extLst>
-          </p:cNvPr>
-          <p:cNvSpPr txBox="1">
-            <a:spLocks/>
-          </p:cNvSpPr>
-          <p:nvPr/>
-        </p:nvSpPr>
-        <p:spPr>
-          <a:xfrm>
-            <a:off x="4574063" y="1724704"/>
-            <a:ext cx="3043877" cy="1980684"/>
-          </a:xfrm>
-          <a:prstGeom prst="rect">
-            <a:avLst/>
-          </a:prstGeom>
-        </p:spPr>
-        <p:txBody>
-          <a:bodyPr vert="horz" lIns="107972" tIns="35991" rIns="107972" bIns="35991" rtlCol="0" anchor="ctr">
-            <a:noAutofit/>
-          </a:bodyPr>
-          <a:lstStyle>
-            <a:lvl1pPr marL="0" indent="0" algn="ctr" defTabSz="1218438" rtl="0" eaLnBrk="1" latinLnBrk="1" hangingPunct="1">
-              <a:lnSpc>
-                <a:spcPct val="105000"/>
-              </a:lnSpc>
-              <a:spcBef>
-                <a:spcPts val="600"/>
-              </a:spcBef>
-              <a:spcAft>
-                <a:spcPts val="600"/>
-              </a:spcAft>
-              <a:buFont typeface="Wingdings" panose="05000000000000000000" pitchFamily="2" charset="2"/>
-              <a:buNone/>
-              <a:defRPr sz="3998" b="1" kern="1200" baseline="0">
-                <a:solidFill>
-                  <a:schemeClr val="tx1"/>
-                </a:solidFill>
-                <a:latin typeface="+mn-lt"/>
-                <a:ea typeface="+mn-ea"/>
-                <a:cs typeface="Arial" pitchFamily="34" charset="0"/>
-              </a:defRPr>
-            </a:lvl1pPr>
-            <a:lvl2pPr marL="989981" indent="-380762" algn="l" defTabSz="1218438" rtl="0" eaLnBrk="1" latinLnBrk="1" hangingPunct="1">
-              <a:lnSpc>
-                <a:spcPct val="105000"/>
-              </a:lnSpc>
-              <a:spcBef>
-                <a:spcPts val="600"/>
-              </a:spcBef>
-              <a:spcAft>
-                <a:spcPts val="600"/>
-              </a:spcAft>
-              <a:buFont typeface="Wingdings" panose="05000000000000000000" pitchFamily="2" charset="2"/>
-              <a:buChar char="§"/>
-              <a:defRPr sz="3198" kern="1200">
-                <a:solidFill>
-                  <a:schemeClr val="tx1"/>
-                </a:solidFill>
-                <a:latin typeface="+mn-lt"/>
-                <a:ea typeface="+mn-ea"/>
-                <a:cs typeface="+mn-cs"/>
-              </a:defRPr>
-            </a:lvl2pPr>
-            <a:lvl3pPr marL="1523048" indent="-304610" algn="l" defTabSz="1218438" rtl="0" eaLnBrk="1" latinLnBrk="1" hangingPunct="1">
-              <a:lnSpc>
-                <a:spcPct val="105000"/>
-              </a:lnSpc>
-              <a:spcBef>
-                <a:spcPts val="600"/>
-              </a:spcBef>
-              <a:spcAft>
-                <a:spcPts val="600"/>
-              </a:spcAft>
-              <a:buFont typeface="Wingdings" panose="05000000000000000000" pitchFamily="2" charset="2"/>
-              <a:buChar char="§"/>
-              <a:defRPr sz="2998" kern="1200">
-                <a:solidFill>
-                  <a:schemeClr val="tx1"/>
-                </a:solidFill>
-                <a:latin typeface="+mn-lt"/>
-                <a:ea typeface="+mn-ea"/>
-                <a:cs typeface="+mn-cs"/>
-              </a:defRPr>
-            </a:lvl3pPr>
-            <a:lvl4pPr marL="2132267" indent="-304610" algn="l" defTabSz="1218438" rtl="0" eaLnBrk="1" latinLnBrk="1" hangingPunct="1">
-              <a:lnSpc>
-                <a:spcPct val="105000"/>
-              </a:lnSpc>
-              <a:spcBef>
-                <a:spcPts val="600"/>
-              </a:spcBef>
-              <a:spcAft>
-                <a:spcPts val="600"/>
-              </a:spcAft>
-              <a:buFont typeface="Wingdings" panose="05000000000000000000" pitchFamily="2" charset="2"/>
-              <a:buChar char="§"/>
-              <a:defRPr sz="2798" kern="1200">
-                <a:solidFill>
-                  <a:schemeClr val="tx1"/>
-                </a:solidFill>
-                <a:latin typeface="+mn-lt"/>
-                <a:ea typeface="+mn-ea"/>
-                <a:cs typeface="+mn-cs"/>
-              </a:defRPr>
-            </a:lvl4pPr>
-            <a:lvl5pPr marL="2741485" indent="-304610" algn="l" defTabSz="1218438" rtl="0" eaLnBrk="1" latinLnBrk="1" hangingPunct="1">
-              <a:lnSpc>
-                <a:spcPct val="105000"/>
-              </a:lnSpc>
-              <a:spcBef>
-                <a:spcPts val="600"/>
-              </a:spcBef>
-              <a:spcAft>
-                <a:spcPts val="600"/>
-              </a:spcAft>
-              <a:buFont typeface="Wingdings" panose="05000000000000000000" pitchFamily="2" charset="2"/>
-              <a:buChar char="§"/>
-              <a:defRPr sz="2598" kern="1200">
-                <a:solidFill>
-                  <a:schemeClr val="tx1"/>
-                </a:solidFill>
-                <a:latin typeface="+mn-lt"/>
-                <a:ea typeface="+mn-ea"/>
-                <a:cs typeface="+mn-cs"/>
-              </a:defRPr>
-            </a:lvl5pPr>
-            <a:lvl6pPr marL="3350704" indent="-304610" algn="l" defTabSz="1218438" rtl="0" eaLnBrk="1" latinLnBrk="1" hangingPunct="1">
-              <a:spcBef>
-                <a:spcPct val="20000"/>
-              </a:spcBef>
-              <a:buFont typeface="Arial" pitchFamily="34" charset="0"/>
-              <a:buChar char="•"/>
-              <a:defRPr sz="2665" kern="1200">
-                <a:solidFill>
-                  <a:schemeClr val="tx1"/>
-                </a:solidFill>
-                <a:latin typeface="+mn-lt"/>
-                <a:ea typeface="+mn-ea"/>
-                <a:cs typeface="+mn-cs"/>
-              </a:defRPr>
-            </a:lvl6pPr>
-            <a:lvl7pPr marL="3959924" indent="-304610" algn="l" defTabSz="1218438" rtl="0" eaLnBrk="1" latinLnBrk="1" hangingPunct="1">
-              <a:spcBef>
-                <a:spcPct val="20000"/>
-              </a:spcBef>
-              <a:buFont typeface="Arial" pitchFamily="34" charset="0"/>
-              <a:buChar char="•"/>
-              <a:defRPr sz="2665" kern="1200">
-                <a:solidFill>
-                  <a:schemeClr val="tx1"/>
-                </a:solidFill>
-                <a:latin typeface="+mn-lt"/>
-                <a:ea typeface="+mn-ea"/>
-                <a:cs typeface="+mn-cs"/>
-              </a:defRPr>
-            </a:lvl7pPr>
-            <a:lvl8pPr marL="4569143" indent="-304610" algn="l" defTabSz="1218438" rtl="0" eaLnBrk="1" latinLnBrk="1" hangingPunct="1">
-              <a:spcBef>
-                <a:spcPct val="20000"/>
-              </a:spcBef>
-              <a:buFont typeface="Arial" pitchFamily="34" charset="0"/>
-              <a:buChar char="•"/>
-              <a:defRPr sz="2665" kern="1200">
-                <a:solidFill>
-                  <a:schemeClr val="tx1"/>
-                </a:solidFill>
-                <a:latin typeface="+mn-lt"/>
-                <a:ea typeface="+mn-ea"/>
-                <a:cs typeface="+mn-cs"/>
-              </a:defRPr>
-            </a:lvl8pPr>
-            <a:lvl9pPr marL="5178362" indent="-304610" algn="l" defTabSz="1218438" rtl="0" eaLnBrk="1" latinLnBrk="1" hangingPunct="1">
-              <a:spcBef>
-                <a:spcPct val="20000"/>
-              </a:spcBef>
-              <a:buFont typeface="Arial" pitchFamily="34" charset="0"/>
-              <a:buChar char="•"/>
-              <a:defRPr sz="2665" kern="1200">
-                <a:solidFill>
-                  <a:schemeClr val="tx1"/>
-                </a:solidFill>
-                <a:latin typeface="+mn-lt"/>
-                <a:ea typeface="+mn-ea"/>
-                <a:cs typeface="+mn-cs"/>
-              </a:defRPr>
-            </a:lvl9pPr>
-          </a:lstStyle>
-          <a:p>
-            <a:r>
-              <a:rPr lang="en-US" sz="6598" dirty="0">
-                <a:solidFill>
-                  <a:schemeClr val="bg2"/>
-                </a:solidFill>
-                <a:latin typeface="Consolas" panose="020B0609020204030204" pitchFamily="49" charset="0"/>
-              </a:rPr>
-              <a:t>[A-Z]</a:t>
-            </a:r>
-          </a:p>
-        </p:txBody>
-      </p:sp>
-    </p:spTree>
-    <p:extLst>
-      <p:ext uri="{BB962C8B-B14F-4D97-AF65-F5344CB8AC3E}">
-        <p14:creationId xmlns:p14="http://schemas.microsoft.com/office/powerpoint/2010/main" val="3440729030"/>
-      </p:ext>
-    </p:extLst>
-  </p:cSld>
-  <p:clrMapOvr>
-    <a:masterClrMapping/>
-  </p:clrMapOvr>
-  <mc:AlternateContent xmlns:mc="http://schemas.openxmlformats.org/markup-compatibility/2006" xmlns:p14="http://schemas.microsoft.com/office/powerpoint/2010/main">
-    <mc:Choice Requires="p14">
-      <p:transition spd="slow" p14:dur="2000" advClick="0" advTm="5000"/>
-    </mc:Choice>
-    <mc:Fallback xmlns="">
-      <p:transition spd="slow" advClick="0" advTm="5000"/>
-    </mc:Fallback>
-  </mc:AlternateContent>
-</p:sld>
-</file>
-
-<file path=ppt/slides/slide30.xml><?xml version="1.0" encoding="utf-8"?>
+<file path=ppt/slides/slide29.xml><?xml version="1.0" encoding="utf-8"?>
 <p:sld xmlns:a="http://schemas.openxmlformats.org/drawingml/2006/main" xmlns:r="http://schemas.openxmlformats.org/officeDocument/2006/relationships" xmlns:p="http://schemas.openxmlformats.org/presentationml/2006/main">
   <p:cSld>
     <p:spTree>
@@ -26945,9 +26534,19 @@
                 <a:solidFill>
                   <a:schemeClr val="bg1"/>
                 </a:solidFill>
+                <a:latin typeface="Consolas" panose="020B0609020204030204" pitchFamily="49" charset="0"/>
                 <a:cs typeface="Consolas" panose="020B0609020204030204" pitchFamily="49" charset="0"/>
               </a:rPr>
-              <a:t>Replace(string стар текст, string нов текст) </a:t>
+              <a:t>Replace</a:t>
+            </a:r>
+            <a:r>
+              <a:rPr lang="en-US" sz="3400" b="1" noProof="1">
+                <a:solidFill>
+                  <a:schemeClr val="bg1"/>
+                </a:solidFill>
+                <a:cs typeface="Consolas" panose="020B0609020204030204" pitchFamily="49" charset="0"/>
+              </a:rPr>
+              <a:t>(string стар текст, string нов текст) </a:t>
             </a:r>
             <a:r>
               <a:rPr lang="en-US" sz="3400" noProof="1">
@@ -27222,7 +26821,7 @@
             <a:fld id="{2BF067CD-8E6B-4360-9AA8-C5DF2A48A6D1}" type="slidenum">
               <a:rPr lang="en-US" noProof="0" smtClean="0"/>
               <a:pPr/>
-              <a:t>30</a:t>
+              <a:t>29</a:t>
             </a:fld>
             <a:endParaRPr lang="en-US" noProof="0" dirty="0"/>
           </a:p>
@@ -27439,7 +27038,346 @@
 </p:sld>
 </file>
 
-<file path=ppt/slides/slide31.xml><?xml version="1.0" encoding="utf-8"?>
+<file path=ppt/slides/slide3.xml><?xml version="1.0" encoding="utf-8"?>
+<p:sld xmlns:a="http://schemas.openxmlformats.org/drawingml/2006/main" xmlns:r="http://schemas.openxmlformats.org/officeDocument/2006/relationships" xmlns:p="http://schemas.openxmlformats.org/presentationml/2006/main">
+  <p:cSld>
+    <p:spTree>
+      <p:nvGrpSpPr>
+        <p:cNvPr id="1" name=""/>
+        <p:cNvGrpSpPr/>
+        <p:nvPr/>
+      </p:nvGrpSpPr>
+      <p:grpSpPr>
+        <a:xfrm>
+          <a:off x="0" y="0"/>
+          <a:ext cx="0" cy="0"/>
+          <a:chOff x="0" y="0"/>
+          <a:chExt cx="0" cy="0"/>
+        </a:xfrm>
+      </p:grpSpPr>
+      <p:sp>
+        <p:nvSpPr>
+          <p:cNvPr id="2" name="Подзаглавие 1">
+            <a:extLst>
+              <a:ext uri="{FF2B5EF4-FFF2-40B4-BE49-F238E27FC236}">
+                <a16:creationId xmlns:a16="http://schemas.microsoft.com/office/drawing/2014/main" id="{14EB79E1-F70E-E4F5-9820-86F0EA7BF30F}"/>
+              </a:ext>
+            </a:extLst>
+          </p:cNvPr>
+          <p:cNvSpPr>
+            <a:spLocks noGrp="1"/>
+          </p:cNvSpPr>
+          <p:nvPr>
+            <p:ph type="subTitle" sz="quarter" idx="11"/>
+          </p:nvPr>
+        </p:nvSpPr>
+        <p:spPr/>
+        <p:txBody>
+          <a:bodyPr/>
+          <a:lstStyle/>
+          <a:p>
+            <a:r>
+              <a:rPr lang="bg-BG" sz="3950" dirty="0">
+                <a:cs typeface="Arial"/>
+              </a:rPr>
+              <a:t>Определение, примери и </a:t>
+            </a:r>
+            <a:r>
+              <a:rPr lang="bg-BG" sz="3950" dirty="0">
+                <a:ea typeface="+mn-lt"/>
+                <a:cs typeface="Arial"/>
+              </a:rPr>
+              <a:t>к</a:t>
+            </a:r>
+            <a:r>
+              <a:rPr lang="bg-BG" sz="3950" dirty="0">
+                <a:ea typeface="+mn-lt"/>
+                <a:cs typeface="+mn-lt"/>
+              </a:rPr>
+              <a:t>ласове на символи</a:t>
+            </a:r>
+            <a:endParaRPr lang="bg-BG" dirty="0"/>
+          </a:p>
+        </p:txBody>
+      </p:sp>
+      <p:sp>
+        <p:nvSpPr>
+          <p:cNvPr id="3" name="Заглавие 2">
+            <a:extLst>
+              <a:ext uri="{FF2B5EF4-FFF2-40B4-BE49-F238E27FC236}">
+                <a16:creationId xmlns:a16="http://schemas.microsoft.com/office/drawing/2014/main" id="{4263F84E-8578-C3EA-32A1-EF92AE0F9106}"/>
+              </a:ext>
+            </a:extLst>
+          </p:cNvPr>
+          <p:cNvSpPr>
+            <a:spLocks noGrp="1"/>
+          </p:cNvSpPr>
+          <p:nvPr>
+            <p:ph type="title" sz="quarter" idx="10"/>
+          </p:nvPr>
+        </p:nvSpPr>
+        <p:spPr/>
+        <p:txBody>
+          <a:bodyPr/>
+          <a:lstStyle/>
+          <a:p>
+            <a:r>
+              <a:rPr lang="bg-BG" sz="5350" dirty="0">
+                <a:ea typeface="+mj-lt"/>
+                <a:cs typeface="+mj-lt"/>
+              </a:rPr>
+              <a:t>Регулярни</a:t>
+            </a:r>
+            <a:r>
+              <a:rPr lang="en-US" sz="5350" dirty="0">
+                <a:ea typeface="+mj-lt"/>
+                <a:cs typeface="+mj-lt"/>
+              </a:rPr>
+              <a:t> </a:t>
+            </a:r>
+            <a:r>
+              <a:rPr lang="bg-BG" sz="5350" dirty="0">
+                <a:ea typeface="+mj-lt"/>
+                <a:cs typeface="+mj-lt"/>
+              </a:rPr>
+              <a:t>изрази</a:t>
+            </a:r>
+            <a:endParaRPr lang="bg-BG" sz="5350" b="0" dirty="0">
+              <a:ea typeface="+mj-lt"/>
+              <a:cs typeface="+mj-lt"/>
+            </a:endParaRPr>
+          </a:p>
+        </p:txBody>
+      </p:sp>
+      <p:sp>
+        <p:nvSpPr>
+          <p:cNvPr id="5" name="Text Placeholder 4">
+            <a:extLst>
+              <a:ext uri="{FF2B5EF4-FFF2-40B4-BE49-F238E27FC236}">
+                <a16:creationId xmlns:a16="http://schemas.microsoft.com/office/drawing/2014/main" id="{0AEF80C1-F7EA-AC8F-73EB-0D0AD767D112}"/>
+              </a:ext>
+            </a:extLst>
+          </p:cNvPr>
+          <p:cNvSpPr txBox="1">
+            <a:spLocks/>
+          </p:cNvSpPr>
+          <p:nvPr/>
+        </p:nvSpPr>
+        <p:spPr>
+          <a:xfrm>
+            <a:off x="4574061" y="1677296"/>
+            <a:ext cx="3043877" cy="1980684"/>
+          </a:xfrm>
+          <a:prstGeom prst="rect">
+            <a:avLst/>
+          </a:prstGeom>
+        </p:spPr>
+        <p:txBody>
+          <a:bodyPr vert="horz" lIns="107972" tIns="35991" rIns="107972" bIns="35991" rtlCol="0" anchor="ctr">
+            <a:noAutofit/>
+          </a:bodyPr>
+          <a:lstStyle>
+            <a:lvl1pPr marL="0" indent="0" algn="ctr" defTabSz="1218438" rtl="0" eaLnBrk="1" latinLnBrk="1" hangingPunct="1">
+              <a:lnSpc>
+                <a:spcPct val="105000"/>
+              </a:lnSpc>
+              <a:spcBef>
+                <a:spcPts val="600"/>
+              </a:spcBef>
+              <a:spcAft>
+                <a:spcPts val="600"/>
+              </a:spcAft>
+              <a:buFont typeface="Wingdings" panose="05000000000000000000" pitchFamily="2" charset="2"/>
+              <a:buNone/>
+              <a:defRPr sz="3998" b="1" kern="1200" baseline="0">
+                <a:solidFill>
+                  <a:schemeClr val="tx1"/>
+                </a:solidFill>
+                <a:latin typeface="+mn-lt"/>
+                <a:ea typeface="+mn-ea"/>
+                <a:cs typeface="Arial" pitchFamily="34" charset="0"/>
+              </a:defRPr>
+            </a:lvl1pPr>
+            <a:lvl2pPr marL="989981" indent="-380762" algn="l" defTabSz="1218438" rtl="0" eaLnBrk="1" latinLnBrk="1" hangingPunct="1">
+              <a:lnSpc>
+                <a:spcPct val="105000"/>
+              </a:lnSpc>
+              <a:spcBef>
+                <a:spcPts val="600"/>
+              </a:spcBef>
+              <a:spcAft>
+                <a:spcPts val="600"/>
+              </a:spcAft>
+              <a:buFont typeface="Wingdings" panose="05000000000000000000" pitchFamily="2" charset="2"/>
+              <a:buChar char="§"/>
+              <a:defRPr sz="3198" kern="1200">
+                <a:solidFill>
+                  <a:schemeClr val="tx1"/>
+                </a:solidFill>
+                <a:latin typeface="+mn-lt"/>
+                <a:ea typeface="+mn-ea"/>
+                <a:cs typeface="+mn-cs"/>
+              </a:defRPr>
+            </a:lvl2pPr>
+            <a:lvl3pPr marL="1523048" indent="-304610" algn="l" defTabSz="1218438" rtl="0" eaLnBrk="1" latinLnBrk="1" hangingPunct="1">
+              <a:lnSpc>
+                <a:spcPct val="105000"/>
+              </a:lnSpc>
+              <a:spcBef>
+                <a:spcPts val="600"/>
+              </a:spcBef>
+              <a:spcAft>
+                <a:spcPts val="600"/>
+              </a:spcAft>
+              <a:buFont typeface="Wingdings" panose="05000000000000000000" pitchFamily="2" charset="2"/>
+              <a:buChar char="§"/>
+              <a:defRPr sz="2998" kern="1200">
+                <a:solidFill>
+                  <a:schemeClr val="tx1"/>
+                </a:solidFill>
+                <a:latin typeface="+mn-lt"/>
+                <a:ea typeface="+mn-ea"/>
+                <a:cs typeface="+mn-cs"/>
+              </a:defRPr>
+            </a:lvl3pPr>
+            <a:lvl4pPr marL="2132267" indent="-304610" algn="l" defTabSz="1218438" rtl="0" eaLnBrk="1" latinLnBrk="1" hangingPunct="1">
+              <a:lnSpc>
+                <a:spcPct val="105000"/>
+              </a:lnSpc>
+              <a:spcBef>
+                <a:spcPts val="600"/>
+              </a:spcBef>
+              <a:spcAft>
+                <a:spcPts val="600"/>
+              </a:spcAft>
+              <a:buFont typeface="Wingdings" panose="05000000000000000000" pitchFamily="2" charset="2"/>
+              <a:buChar char="§"/>
+              <a:defRPr sz="2798" kern="1200">
+                <a:solidFill>
+                  <a:schemeClr val="tx1"/>
+                </a:solidFill>
+                <a:latin typeface="+mn-lt"/>
+                <a:ea typeface="+mn-ea"/>
+                <a:cs typeface="+mn-cs"/>
+              </a:defRPr>
+            </a:lvl4pPr>
+            <a:lvl5pPr marL="2741485" indent="-304610" algn="l" defTabSz="1218438" rtl="0" eaLnBrk="1" latinLnBrk="1" hangingPunct="1">
+              <a:lnSpc>
+                <a:spcPct val="105000"/>
+              </a:lnSpc>
+              <a:spcBef>
+                <a:spcPts val="600"/>
+              </a:spcBef>
+              <a:spcAft>
+                <a:spcPts val="600"/>
+              </a:spcAft>
+              <a:buFont typeface="Wingdings" panose="05000000000000000000" pitchFamily="2" charset="2"/>
+              <a:buChar char="§"/>
+              <a:defRPr sz="2598" kern="1200">
+                <a:solidFill>
+                  <a:schemeClr val="tx1"/>
+                </a:solidFill>
+                <a:latin typeface="+mn-lt"/>
+                <a:ea typeface="+mn-ea"/>
+                <a:cs typeface="+mn-cs"/>
+              </a:defRPr>
+            </a:lvl5pPr>
+            <a:lvl6pPr marL="3350704" indent="-304610" algn="l" defTabSz="1218438" rtl="0" eaLnBrk="1" latinLnBrk="1" hangingPunct="1">
+              <a:spcBef>
+                <a:spcPct val="20000"/>
+              </a:spcBef>
+              <a:buFont typeface="Arial" pitchFamily="34" charset="0"/>
+              <a:buChar char="•"/>
+              <a:defRPr sz="2665" kern="1200">
+                <a:solidFill>
+                  <a:schemeClr val="tx1"/>
+                </a:solidFill>
+                <a:latin typeface="+mn-lt"/>
+                <a:ea typeface="+mn-ea"/>
+                <a:cs typeface="+mn-cs"/>
+              </a:defRPr>
+            </a:lvl6pPr>
+            <a:lvl7pPr marL="3959924" indent="-304610" algn="l" defTabSz="1218438" rtl="0" eaLnBrk="1" latinLnBrk="1" hangingPunct="1">
+              <a:spcBef>
+                <a:spcPct val="20000"/>
+              </a:spcBef>
+              <a:buFont typeface="Arial" pitchFamily="34" charset="0"/>
+              <a:buChar char="•"/>
+              <a:defRPr sz="2665" kern="1200">
+                <a:solidFill>
+                  <a:schemeClr val="tx1"/>
+                </a:solidFill>
+                <a:latin typeface="+mn-lt"/>
+                <a:ea typeface="+mn-ea"/>
+                <a:cs typeface="+mn-cs"/>
+              </a:defRPr>
+            </a:lvl7pPr>
+            <a:lvl8pPr marL="4569143" indent="-304610" algn="l" defTabSz="1218438" rtl="0" eaLnBrk="1" latinLnBrk="1" hangingPunct="1">
+              <a:spcBef>
+                <a:spcPct val="20000"/>
+              </a:spcBef>
+              <a:buFont typeface="Arial" pitchFamily="34" charset="0"/>
+              <a:buChar char="•"/>
+              <a:defRPr sz="2665" kern="1200">
+                <a:solidFill>
+                  <a:schemeClr val="tx1"/>
+                </a:solidFill>
+                <a:latin typeface="+mn-lt"/>
+                <a:ea typeface="+mn-ea"/>
+                <a:cs typeface="+mn-cs"/>
+              </a:defRPr>
+            </a:lvl8pPr>
+            <a:lvl9pPr marL="5178362" indent="-304610" algn="l" defTabSz="1218438" rtl="0" eaLnBrk="1" latinLnBrk="1" hangingPunct="1">
+              <a:spcBef>
+                <a:spcPct val="20000"/>
+              </a:spcBef>
+              <a:buFont typeface="Arial" pitchFamily="34" charset="0"/>
+              <a:buChar char="•"/>
+              <a:defRPr sz="2665" kern="1200">
+                <a:solidFill>
+                  <a:schemeClr val="tx1"/>
+                </a:solidFill>
+                <a:latin typeface="+mn-lt"/>
+                <a:ea typeface="+mn-ea"/>
+                <a:cs typeface="+mn-cs"/>
+              </a:defRPr>
+            </a:lvl9pPr>
+          </a:lstStyle>
+          <a:p>
+            <a:r>
+              <a:rPr lang="en-US" sz="8000" dirty="0">
+                <a:solidFill>
+                  <a:schemeClr val="bg2"/>
+                </a:solidFill>
+                <a:latin typeface="Consolas" panose="020B0609020204030204" pitchFamily="49" charset="0"/>
+              </a:rPr>
+              <a:t>[A-Z]</a:t>
+            </a:r>
+          </a:p>
+        </p:txBody>
+      </p:sp>
+    </p:spTree>
+    <p:extLst>
+      <p:ext uri="{BB962C8B-B14F-4D97-AF65-F5344CB8AC3E}">
+        <p14:creationId xmlns:p14="http://schemas.microsoft.com/office/powerpoint/2010/main" val="3440729030"/>
+      </p:ext>
+    </p:extLst>
+  </p:cSld>
+  <p:clrMapOvr>
+    <a:masterClrMapping/>
+  </p:clrMapOvr>
+  <mc:AlternateContent xmlns:mc="http://schemas.openxmlformats.org/markup-compatibility/2006" xmlns:p14="http://schemas.microsoft.com/office/powerpoint/2010/main">
+    <mc:Choice Requires="p14">
+      <p:transition spd="slow" p14:dur="2000" advClick="0" advTm="5000"/>
+    </mc:Choice>
+    <mc:Fallback xmlns="">
+      <p:transition spd="slow" advClick="0" advTm="5000"/>
+    </mc:Fallback>
+  </mc:AlternateContent>
+</p:sld>
+</file>
+
+<file path=ppt/slides/slide30.xml><?xml version="1.0" encoding="utf-8"?>
 <p:sld xmlns:a="http://schemas.openxmlformats.org/drawingml/2006/main" xmlns:r="http://schemas.openxmlformats.org/officeDocument/2006/relationships" xmlns:p="http://schemas.openxmlformats.org/presentationml/2006/main">
   <p:cSld>
     <p:spTree>
@@ -27483,8 +27421,18 @@
                 <a:solidFill>
                   <a:schemeClr val="bg1"/>
                 </a:solidFill>
-              </a:rPr>
-              <a:t>Split(string text) </a:t>
+                <a:latin typeface="Consolas" panose="020B0609020204030204" pitchFamily="49" charset="0"/>
+                <a:cs typeface="Consolas" panose="020B0609020204030204" pitchFamily="49" charset="0"/>
+              </a:rPr>
+              <a:t>Split</a:t>
+            </a:r>
+            <a:r>
+              <a:rPr lang="en-US" sz="3600" b="1" noProof="1">
+                <a:solidFill>
+                  <a:schemeClr val="bg1"/>
+                </a:solidFill>
+              </a:rPr>
+              <a:t>(string text) </a:t>
             </a:r>
             <a:r>
               <a:rPr lang="bg-BG" sz="3600" noProof="1"/>
@@ -27500,11 +27448,15 @@
             <a:pPr lvl="1" indent="-360045"/>
             <a:r>
               <a:rPr lang="en-US" sz="3400" noProof="1"/>
-              <a:t>Връща string[] </a:t>
-            </a:r>
-            <a:endParaRPr lang="en-US" sz="3400" noProof="1">
-              <a:cs typeface="Calibri"/>
-            </a:endParaRPr>
+              <a:t>Връща </a:t>
+            </a:r>
+            <a:r>
+              <a:rPr lang="en-US" sz="3400" noProof="1">
+                <a:latin typeface="Consolas" panose="020B0609020204030204" pitchFamily="49" charset="0"/>
+                <a:cs typeface="Consolas" panose="020B0609020204030204" pitchFamily="49" charset="0"/>
+              </a:rPr>
+              <a:t>string[] </a:t>
+            </a:r>
           </a:p>
         </p:txBody>
       </p:sp>
@@ -27722,7 +27674,7 @@
             <a:fld id="{2BF067CD-8E6B-4360-9AA8-C5DF2A48A6D1}" type="slidenum">
               <a:rPr lang="en-US" noProof="0" smtClean="0"/>
               <a:pPr/>
-              <a:t>31</a:t>
+              <a:t>30</a:t>
             </a:fld>
             <a:endParaRPr lang="en-US" noProof="0" dirty="0"/>
           </a:p>
@@ -28069,7 +28021,7 @@
 </p:sld>
 </file>
 
-<file path=ppt/slides/slide32.xml><?xml version="1.0" encoding="utf-8"?>
+<file path=ppt/slides/slide31.xml><?xml version="1.0" encoding="utf-8"?>
 <p:sld xmlns:a="http://schemas.openxmlformats.org/drawingml/2006/main" xmlns:r="http://schemas.openxmlformats.org/officeDocument/2006/relationships" xmlns:p="http://schemas.openxmlformats.org/presentationml/2006/main">
   <p:cSld>
     <p:spTree>
@@ -28132,7 +28084,15 @@
             <a:pPr lvl="1" indent="-360045"/>
             <a:r>
               <a:rPr lang="bg-BG" sz="3400" dirty="0"/>
-              <a:t>Напишете регекс, който т</a:t>
+              <a:t>Напишете </a:t>
+            </a:r>
+            <a:r>
+              <a:rPr lang="bg-BG" sz="3400" dirty="0" err="1"/>
+              <a:t>регекс</a:t>
+            </a:r>
+            <a:r>
+              <a:rPr lang="bg-BG" sz="3400" dirty="0"/>
+              <a:t>, който т</a:t>
             </a:r>
             <a:r>
               <a:rPr lang="en-US" sz="3400" dirty="0"/>
@@ -28429,7 +28389,7 @@
             <a:fld id="{2BF067CD-8E6B-4360-9AA8-C5DF2A48A6D1}" type="slidenum">
               <a:rPr lang="en-US" noProof="0" smtClean="0"/>
               <a:pPr/>
-              <a:t>32</a:t>
+              <a:t>31</a:t>
             </a:fld>
             <a:endParaRPr lang="en-US" noProof="0" dirty="0"/>
           </a:p>
@@ -28639,7 +28599,7 @@
 </p:sld>
 </file>
 
-<file path=ppt/slides/slide33.xml><?xml version="1.0" encoding="utf-8"?>
+<file path=ppt/slides/slide32.xml><?xml version="1.0" encoding="utf-8"?>
 <p:sld xmlns:a="http://schemas.openxmlformats.org/drawingml/2006/main" xmlns:r="http://schemas.openxmlformats.org/officeDocument/2006/relationships" xmlns:p="http://schemas.openxmlformats.org/presentationml/2006/main">
   <p:cSld>
     <p:spTree>
@@ -28865,7 +28825,21 @@
                 <a:ea typeface="+mn-lt"/>
                 <a:cs typeface="+mn-lt"/>
               </a:rPr>
-              <a:t>Тествайте решението в Judge</a:t>
+              <a:t>Тествайте решението с</a:t>
+            </a:r>
+            <a:r>
+              <a:rPr lang="bg-BG" sz="1800" dirty="0">
+                <a:ea typeface="+mn-lt"/>
+                <a:cs typeface="+mn-lt"/>
+              </a:rPr>
+              <a:t>и</a:t>
+            </a:r>
+            <a:r>
+              <a:rPr lang="en-US" sz="1800" dirty="0">
+                <a:ea typeface="+mn-lt"/>
+                <a:cs typeface="+mn-lt"/>
+              </a:rPr>
+              <a:t> в Judge</a:t>
             </a:r>
             <a:r>
               <a:rPr lang="en-US" sz="1799" dirty="0"/>
@@ -28917,7 +28891,7 @@
             <a:fld id="{2BF067CD-8E6B-4360-9AA8-C5DF2A48A6D1}" type="slidenum">
               <a:rPr lang="en-US" noProof="0" smtClean="0"/>
               <a:pPr/>
-              <a:t>33</a:t>
+              <a:t>32</a:t>
             </a:fld>
             <a:endParaRPr lang="en-US" noProof="0" dirty="0"/>
           </a:p>
@@ -29263,7 +29237,7 @@
 </p:sld>
 </file>
 
-<file path=ppt/slides/slide34.xml><?xml version="1.0" encoding="utf-8"?>
+<file path=ppt/slides/slide33.xml><?xml version="1.0" encoding="utf-8"?>
 <p:sld xmlns:a="http://schemas.openxmlformats.org/drawingml/2006/main" xmlns:r="http://schemas.openxmlformats.org/officeDocument/2006/relationships" xmlns:p="http://schemas.openxmlformats.org/presentationml/2006/main">
   <p:cSld>
     <p:spTree>
@@ -29310,17 +29284,25 @@
             <a:endParaRPr lang="bg-BG" dirty="0"/>
           </a:p>
           <a:p>
-            <a:pPr lvl="1" indent="-360045"/>
-            <a:r>
-              <a:rPr lang="en-US" sz="3400" noProof="1"/>
-              <a:t>Намерете всички дати със следния формат</a:t>
-            </a:r>
-            <a:r>
-              <a:rPr lang="en-US" sz="3400" dirty="0"/>
+            <a:pPr indent="-360045"/>
+            <a:r>
+              <a:rPr lang="en-US" sz="3600" noProof="1"/>
+              <a:t>Намерете </a:t>
+            </a:r>
+            <a:r>
+              <a:rPr lang="bg-BG" sz="3600" noProof="1"/>
+              <a:t>в него </a:t>
+            </a:r>
+            <a:r>
+              <a:rPr lang="en-US" sz="3600" noProof="1"/>
+              <a:t>всички дати със следния формат</a:t>
+            </a:r>
+            <a:r>
+              <a:rPr lang="en-US" sz="3600" dirty="0"/>
               <a:t> "</a:t>
             </a:r>
             <a:r>
-              <a:rPr lang="en-GB" sz="3400" b="1" noProof="1">
+              <a:rPr lang="en-GB" sz="3600" b="1" noProof="1">
                 <a:solidFill>
                   <a:schemeClr val="bg1"/>
                 </a:solidFill>
@@ -29328,7 +29310,7 @@
               <a:t>dd{</a:t>
             </a:r>
             <a:r>
-              <a:rPr lang="en-GB" sz="3400" b="1" noProof="1">
+              <a:rPr lang="en-GB" sz="3600" b="1" noProof="1">
                 <a:solidFill>
                   <a:schemeClr val="bg1"/>
                 </a:solidFill>
@@ -29338,7 +29320,7 @@
               <a:t>разделител</a:t>
             </a:r>
             <a:r>
-              <a:rPr lang="en-GB" sz="3400" b="1" noProof="1">
+              <a:rPr lang="en-GB" sz="3600" b="1" noProof="1">
                 <a:solidFill>
                   <a:schemeClr val="bg1"/>
                 </a:solidFill>
@@ -29346,7 +29328,7 @@
               <a:t>}MMM</a:t>
             </a:r>
             <a:r>
-              <a:rPr lang="en-GB" sz="3400" b="1" dirty="0">
+              <a:rPr lang="en-GB" sz="3600" b="1" dirty="0">
                 <a:solidFill>
                   <a:schemeClr val="bg1"/>
                 </a:solidFill>
@@ -29354,7 +29336,7 @@
               <a:t>{</a:t>
             </a:r>
             <a:r>
-              <a:rPr lang="en-GB" sz="3400" b="1" noProof="1">
+              <a:rPr lang="en-GB" sz="3600" b="1" noProof="1">
                 <a:solidFill>
                   <a:schemeClr val="bg1"/>
                 </a:solidFill>
@@ -29362,17 +29344,23 @@
               <a:t>разделител}yyyy</a:t>
             </a:r>
             <a:r>
-              <a:rPr lang="en-GB" sz="3400" b="1" dirty="0"/>
+              <a:rPr lang="en-GB" sz="3600" b="1" dirty="0"/>
               <a:t>"</a:t>
             </a:r>
             <a:r>
-              <a:rPr lang="en-US" sz="3400" dirty="0"/>
-              <a:t> и отпечатайте тяхната информация</a:t>
-            </a:r>
-            <a:endParaRPr lang="en-US" sz="3400" dirty="0">
-              <a:solidFill>
-                <a:schemeClr val="bg1"/>
-              </a:solidFill>
+              <a:rPr lang="en-US" sz="3600" dirty="0"/>
+              <a:t> </a:t>
+            </a:r>
+          </a:p>
+          <a:p>
+            <a:pPr indent="-360045"/>
+            <a:r>
+              <a:rPr lang="bg-BG" sz="3600" dirty="0">
+                <a:cs typeface="Calibri"/>
+              </a:rPr>
+              <a:t>Отпечатайте ги в следния формат:</a:t>
+            </a:r>
+            <a:endParaRPr lang="en-US" sz="3600" dirty="0">
               <a:cs typeface="Calibri"/>
             </a:endParaRPr>
           </a:p>
@@ -29607,7 +29595,7 @@
             <a:fld id="{2BF067CD-8E6B-4360-9AA8-C5DF2A48A6D1}" type="slidenum">
               <a:rPr lang="en-US" noProof="0" smtClean="0"/>
               <a:pPr/>
-              <a:t>34</a:t>
+              <a:t>33</a:t>
             </a:fld>
             <a:endParaRPr lang="en-US" noProof="0" dirty="0"/>
           </a:p>
@@ -29701,7 +29689,7 @@
                             </p:stCondLst>
                             <p:childTnLst>
                               <p:par>
-                                <p:cTn id="9" presetID="1" presetClass="entr" presetSubtype="0" fill="hold" grpId="0" nodeType="clickEffect">
+                                <p:cTn id="9" presetID="1" presetClass="entr" presetSubtype="0" fill="hold" nodeType="clickEffect">
                                   <p:stCondLst>
                                     <p:cond delay="0"/>
                                   </p:stCondLst>
@@ -29709,6 +29697,55 @@
                                     <p:set>
                                       <p:cBhvr>
                                         <p:cTn id="10" dur="1" fill="hold">
+                                          <p:stCondLst>
+                                            <p:cond delay="0"/>
+                                          </p:stCondLst>
+                                        </p:cTn>
+                                        <p:tgtEl>
+                                          <p:spTgt spid="3">
+                                            <p:txEl>
+                                              <p:pRg st="2" end="2"/>
+                                            </p:txEl>
+                                          </p:spTgt>
+                                        </p:tgtEl>
+                                        <p:attrNameLst>
+                                          <p:attrName>style.visibility</p:attrName>
+                                        </p:attrNameLst>
+                                      </p:cBhvr>
+                                      <p:to>
+                                        <p:strVal val="visible"/>
+                                      </p:to>
+                                    </p:set>
+                                  </p:childTnLst>
+                                </p:cTn>
+                              </p:par>
+                            </p:childTnLst>
+                          </p:cTn>
+                        </p:par>
+                      </p:childTnLst>
+                    </p:cTn>
+                  </p:par>
+                  <p:par>
+                    <p:cTn id="11" fill="hold">
+                      <p:stCondLst>
+                        <p:cond delay="indefinite"/>
+                      </p:stCondLst>
+                      <p:childTnLst>
+                        <p:par>
+                          <p:cTn id="12" fill="hold">
+                            <p:stCondLst>
+                              <p:cond delay="0"/>
+                            </p:stCondLst>
+                            <p:childTnLst>
+                              <p:par>
+                                <p:cTn id="13" presetID="1" presetClass="entr" presetSubtype="0" fill="hold" grpId="0" nodeType="clickEffect">
+                                  <p:stCondLst>
+                                    <p:cond delay="0"/>
+                                  </p:stCondLst>
+                                  <p:childTnLst>
+                                    <p:set>
+                                      <p:cBhvr>
+                                        <p:cTn id="14" dur="1" fill="hold">
                                           <p:stCondLst>
                                             <p:cond delay="0"/>
                                           </p:stCondLst>
@@ -29728,14 +29765,14 @@
                                 </p:cTn>
                               </p:par>
                               <p:par>
-                                <p:cTn id="11" presetID="1" presetClass="entr" presetSubtype="0" fill="hold" grpId="0" nodeType="withEffect">
+                                <p:cTn id="15" presetID="1" presetClass="entr" presetSubtype="0" fill="hold" grpId="0" nodeType="withEffect">
                                   <p:stCondLst>
                                     <p:cond delay="0"/>
                                   </p:stCondLst>
                                   <p:childTnLst>
                                     <p:set>
                                       <p:cBhvr>
-                                        <p:cTn id="12" dur="1" fill="hold">
+                                        <p:cTn id="16" dur="1" fill="hold">
                                           <p:stCondLst>
                                             <p:cond delay="0"/>
                                           </p:stCondLst>
@@ -29755,14 +29792,14 @@
                                 </p:cTn>
                               </p:par>
                               <p:par>
-                                <p:cTn id="13" presetID="1" presetClass="entr" presetSubtype="0" fill="hold" grpId="0" nodeType="withEffect">
+                                <p:cTn id="17" presetID="1" presetClass="entr" presetSubtype="0" fill="hold" grpId="0" nodeType="withEffect">
                                   <p:stCondLst>
                                     <p:cond delay="0"/>
                                   </p:stCondLst>
                                   <p:childTnLst>
                                     <p:set>
                                       <p:cBhvr>
-                                        <p:cTn id="14" dur="1" fill="hold">
+                                        <p:cTn id="18" dur="1" fill="hold">
                                           <p:stCondLst>
                                             <p:cond delay="0"/>
                                           </p:stCondLst>
@@ -29817,7 +29854,7 @@
 </p:sld>
 </file>
 
-<file path=ppt/slides/slide35.xml><?xml version="1.0" encoding="utf-8"?>
+<file path=ppt/slides/slide34.xml><?xml version="1.0" encoding="utf-8"?>
 <p:sld xmlns:a="http://schemas.openxmlformats.org/drawingml/2006/main" xmlns:r="http://schemas.openxmlformats.org/officeDocument/2006/relationships" xmlns:p="http://schemas.openxmlformats.org/presentationml/2006/main">
   <p:cSld>
     <p:spTree>
@@ -29846,21 +29883,27 @@
         </p:nvSpPr>
         <p:spPr/>
         <p:txBody>
-          <a:bodyPr/>
+          <a:bodyPr>
+            <a:normAutofit/>
+          </a:bodyPr>
           <a:lstStyle/>
           <a:p>
             <a:r>
-              <a:rPr lang="en-GB" sz="3950" dirty="0"/>
-              <a:t>Задача: </a:t>
-            </a:r>
-            <a:r>
-              <a:rPr lang="en-GB" sz="3950" dirty="0">
+              <a:rPr lang="bg-BG" sz="4000" dirty="0"/>
+              <a:t>Решение</a:t>
+            </a:r>
+            <a:r>
+              <a:rPr lang="en-GB" sz="4000" dirty="0"/>
+              <a:t>: </a:t>
+            </a:r>
+            <a:r>
+              <a:rPr lang="en-GB" sz="4000" dirty="0">
                 <a:ea typeface="+mj-lt"/>
                 <a:cs typeface="+mj-lt"/>
               </a:rPr>
               <a:t>Търсене на дата</a:t>
             </a:r>
-            <a:endParaRPr lang="en-US" dirty="0"/>
+            <a:endParaRPr lang="en-US" sz="4000" dirty="0"/>
           </a:p>
         </p:txBody>
       </p:sp>
@@ -30110,7 +30153,21 @@
                 <a:ea typeface="+mn-lt"/>
                 <a:cs typeface="+mn-lt"/>
               </a:rPr>
-              <a:t>Тествайте решението в Judge</a:t>
+              <a:t>Тествайте решението</a:t>
+            </a:r>
+            <a:r>
+              <a:rPr lang="bg-BG" sz="1800" dirty="0">
+                <a:ea typeface="+mn-lt"/>
+                <a:cs typeface="+mn-lt"/>
+              </a:rPr>
+              <a:t> си</a:t>
+            </a:r>
+            <a:r>
+              <a:rPr lang="en-US" sz="1800" dirty="0">
+                <a:ea typeface="+mn-lt"/>
+                <a:cs typeface="+mn-lt"/>
+              </a:rPr>
+              <a:t> в Judge</a:t>
             </a:r>
             <a:r>
               <a:rPr lang="en-US" sz="1799" dirty="0"/>
@@ -30162,7 +30219,7 @@
             <a:fld id="{2BF067CD-8E6B-4360-9AA8-C5DF2A48A6D1}" type="slidenum">
               <a:rPr lang="en-US" noProof="0" smtClean="0"/>
               <a:pPr/>
-              <a:t>35</a:t>
+              <a:t>34</a:t>
             </a:fld>
             <a:endParaRPr lang="en-US" noProof="0" dirty="0"/>
           </a:p>
@@ -30397,7 +30454,7 @@
 </p:sld>
 </file>
 
-<file path=ppt/slides/slide36.xml><?xml version="1.0" encoding="utf-8"?>
+<file path=ppt/slides/slide35.xml><?xml version="1.0" encoding="utf-8"?>
 <p:sld xmlns:a="http://schemas.openxmlformats.org/drawingml/2006/main" xmlns:r="http://schemas.openxmlformats.org/officeDocument/2006/relationships" xmlns:p="http://schemas.openxmlformats.org/presentationml/2006/main">
   <p:cSld>
     <p:spTree>
@@ -31331,7 +31388,7 @@
             <a:fld id="{2BF067CD-8E6B-4360-9AA8-C5DF2A48A6D1}" type="slidenum">
               <a:rPr lang="en-US" noProof="0" smtClean="0"/>
               <a:pPr/>
-              <a:t>36</a:t>
+              <a:t>35</a:t>
             </a:fld>
             <a:endParaRPr lang="en-US" noProof="0" dirty="0"/>
           </a:p>
@@ -31535,7 +31592,7 @@
 </p:sld>
 </file>
 
-<file path=ppt/slides/slide37.xml><?xml version="1.0" encoding="utf-8"?>
+<file path=ppt/slides/slide36.xml><?xml version="1.0" encoding="utf-8"?>
 <p:sld xmlns:a="http://schemas.openxmlformats.org/drawingml/2006/main" xmlns:r="http://schemas.openxmlformats.org/officeDocument/2006/relationships" xmlns:p="http://schemas.openxmlformats.org/presentationml/2006/main">
   <p:cSld>
     <p:spTree>
@@ -31606,7 +31663,7 @@
 </p:sld>
 </file>
 
-<file path=ppt/slides/slide38.xml><?xml version="1.0" encoding="utf-8"?>
+<file path=ppt/slides/slide37.xml><?xml version="1.0" encoding="utf-8"?>
 <p:sld xmlns:a="http://schemas.openxmlformats.org/drawingml/2006/main" xmlns:r="http://schemas.openxmlformats.org/officeDocument/2006/relationships" xmlns:p="http://schemas.openxmlformats.org/presentationml/2006/main">
   <p:cSld>
     <p:spTree>
@@ -31870,7 +31927,7 @@
             <a:fld id="{2BF067CD-8E6B-4360-9AA8-C5DF2A48A6D1}" type="slidenum">
               <a:rPr lang="en-US" noProof="0" smtClean="0"/>
               <a:pPr/>
-              <a:t>38</a:t>
+              <a:t>37</a:t>
             </a:fld>
             <a:endParaRPr lang="en-US" noProof="0" dirty="0"/>
           </a:p>
@@ -31926,69 +31983,35 @@
         </p:nvSpPr>
         <p:spPr>
           <a:xfrm>
-            <a:off x="1978100" y="1196406"/>
-            <a:ext cx="10213900" cy="5536006"/>
+            <a:off x="1956584" y="1196406"/>
+            <a:ext cx="10235416" cy="5536006"/>
           </a:xfrm>
         </p:spPr>
         <p:txBody>
           <a:bodyPr vert="horz" lIns="108000" tIns="36000" rIns="108000" bIns="36000" rtlCol="0" anchor="t">
-            <a:normAutofit fontScale="92500" lnSpcReduction="20000"/>
+            <a:normAutofit lnSpcReduction="10000"/>
           </a:bodyPr>
           <a:lstStyle/>
           <a:p>
-            <a:pPr marL="360045" indent="-360045">
+            <a:pPr indent="-360045">
               <a:buClr>
                 <a:schemeClr val="tx1"/>
               </a:buClr>
             </a:pPr>
             <a:r>
+              <a:rPr lang="bg-BG" sz="3600" dirty="0">
+                <a:cs typeface="Calibri"/>
+              </a:rPr>
+              <a:t>Съвпадение</a:t>
+            </a:r>
+            <a:r>
+              <a:rPr lang="en-US" sz="3600" dirty="0">
+                <a:cs typeface="Calibri"/>
+              </a:rPr>
+              <a:t> на текст по </a:t>
+            </a:r>
+            <a:r>
               <a:rPr lang="en-US" sz="3600" b="1" dirty="0">
-                <a:solidFill>
-                  <a:schemeClr val="bg1"/>
-                </a:solidFill>
-              </a:rPr>
-              <a:t>Регулярен</a:t>
-            </a:r>
-            <a:r>
-              <a:rPr lang="en-US" sz="3600" b="1" dirty="0">
-                <a:solidFill>
-                  <a:schemeClr val="bg1"/>
-                </a:solidFill>
-                <a:ea typeface="+mn-lt"/>
-                <a:cs typeface="+mn-lt"/>
-              </a:rPr>
-              <a:t> израз</a:t>
-            </a:r>
-            <a:r>
-              <a:rPr lang="en-US" sz="3600" b="1" dirty="0">
-                <a:solidFill>
-                  <a:schemeClr val="bg1"/>
-                </a:solidFill>
-              </a:rPr>
-              <a:t> </a:t>
-            </a:r>
-            <a:r>
-              <a:rPr lang="en-US" sz="3600" dirty="0"/>
-              <a:t>(регекс)</a:t>
-            </a:r>
-            <a:endParaRPr lang="bg-BG" sz="3600" dirty="0">
-              <a:cs typeface="Calibri"/>
-            </a:endParaRPr>
-          </a:p>
-          <a:p>
-            <a:pPr lvl="1" indent="-360045">
-              <a:buClr>
-                <a:schemeClr val="tx1"/>
-              </a:buClr>
-            </a:pPr>
-            <a:r>
-              <a:rPr lang="en-US" sz="3400" dirty="0">
-                <a:cs typeface="Calibri"/>
-              </a:rPr>
-              <a:t>Съвпадение на текст по </a:t>
-            </a:r>
-            <a:r>
-              <a:rPr lang="en-US" sz="3400" b="1" dirty="0">
                 <a:solidFill>
                   <a:schemeClr val="bg1"/>
                 </a:solidFill>
@@ -32008,7 +32031,15 @@
             </a:pPr>
             <a:r>
               <a:rPr lang="en-US" sz="3600" dirty="0"/>
-              <a:t>Моделите се дефинират чрез специален синтаксис, примерно като:</a:t>
+              <a:t>Моделите се дефинират чрез специален синтаксис, </a:t>
+            </a:r>
+            <a:r>
+              <a:rPr lang="bg-BG" sz="3600" dirty="0"/>
+              <a:t>например</a:t>
+            </a:r>
+            <a:r>
+              <a:rPr lang="en-US" sz="3600" dirty="0"/>
+              <a:t>:</a:t>
             </a:r>
             <a:endParaRPr lang="en-US" sz="3600" dirty="0">
               <a:cs typeface="Calibri"/>
@@ -32027,19 +32058,75 @@
                 </a:solidFill>
                 <a:latin typeface="Consolas"/>
               </a:rPr>
-              <a:t>[0-9]+ </a:t>
+              <a:t>[0-9]+</a:t>
+            </a:r>
+            <a:r>
+              <a:rPr lang="en-US" sz="3400" b="1" dirty="0">
+                <a:solidFill>
+                  <a:schemeClr val="bg1"/>
+                </a:solidFill>
+                <a:latin typeface="Calibri" panose="020F0502020204030204" pitchFamily="34" charset="0"/>
+                <a:cs typeface="Calibri" panose="020F0502020204030204" pitchFamily="34" charset="0"/>
+              </a:rPr>
+              <a:t> </a:t>
             </a:r>
             <a:r>
               <a:rPr lang="en-US" sz="3400" dirty="0">
+                <a:latin typeface="Calibri" panose="020F0502020204030204" pitchFamily="34" charset="0"/>
+                <a:cs typeface="Calibri" panose="020F0502020204030204" pitchFamily="34" charset="0"/>
+              </a:rPr>
+              <a:t>–</a:t>
+            </a:r>
+            <a:r>
+              <a:rPr lang="bg-BG" sz="3400" dirty="0">
+                <a:latin typeface="Calibri" panose="020F0502020204030204" pitchFamily="34" charset="0"/>
+                <a:cs typeface="Calibri" panose="020F0502020204030204" pitchFamily="34" charset="0"/>
+              </a:rPr>
+              <a:t> </a:t>
+            </a:r>
+            <a:r>
+              <a:rPr lang="bg-BG" sz="3400" dirty="0">
                 <a:solidFill>
                   <a:srgbClr val="234465"/>
                 </a:solidFill>
               </a:rPr>
-              <a:t>Шаблон, който търси последователност от числа</a:t>
-            </a:r>
-            <a:endParaRPr lang="en-US" sz="3400" dirty="0">
+              <a:t>шаблон</a:t>
+            </a:r>
+            <a:r>
+              <a:rPr lang="en-US" sz="3400" dirty="0">
+                <a:solidFill>
+                  <a:srgbClr val="234465"/>
+                </a:solidFill>
+              </a:rPr>
+              <a:t>, който </a:t>
+            </a:r>
+            <a:r>
+              <a:rPr lang="bg-BG" sz="3400" dirty="0">
+                <a:solidFill>
+                  <a:srgbClr val="234465"/>
+                </a:solidFill>
+              </a:rPr>
+              <a:t>търси </a:t>
+            </a:r>
+            <a:r>
+              <a:rPr lang="en-US" sz="3400" dirty="0">
+                <a:solidFill>
+                  <a:srgbClr val="234465"/>
+                </a:solidFill>
+              </a:rPr>
+              <a:t>последователност от </a:t>
+            </a:r>
+            <a:r>
+              <a:rPr lang="en-US" sz="3400" b="1" dirty="0">
+                <a:solidFill>
+                  <a:schemeClr val="bg1"/>
+                </a:solidFill>
+              </a:rPr>
+              <a:t>числа</a:t>
+            </a:r>
+            <a:endParaRPr lang="en-US" sz="3400" b="1" dirty="0">
               <a:solidFill>
-                <a:srgbClr val="234465"/>
+                <a:schemeClr val="bg1"/>
               </a:solidFill>
               <a:cs typeface="Calibri"/>
             </a:endParaRPr>
@@ -32060,35 +32147,69 @@
               <a:t>[A-Z][a-z]*</a:t>
             </a:r>
             <a:r>
-              <a:rPr lang="en-US" sz="3400" dirty="0">
-                <a:solidFill>
-                  <a:schemeClr val="bg1"/>
-                </a:solidFill>
-              </a:rPr>
+              <a:rPr lang="en-US" sz="3400" dirty="0"/>
               <a:t> </a:t>
+            </a:r>
+            <a:r>
+              <a:rPr lang="bg-BG" sz="3400" dirty="0"/>
+              <a:t>– </a:t>
+            </a:r>
+            <a:r>
+              <a:rPr lang="bg-BG" sz="3400" dirty="0">
+                <a:ea typeface="+mn-lt"/>
+                <a:cs typeface="+mn-lt"/>
+              </a:rPr>
+              <a:t>шаблон</a:t>
             </a:r>
             <a:r>
               <a:rPr lang="en-US" sz="3400" dirty="0">
                 <a:ea typeface="+mn-lt"/>
                 <a:cs typeface="+mn-lt"/>
               </a:rPr>
-              <a:t>Шаблон, който търси последователност от </a:t>
+              <a:t>, който търси последователност от </a:t>
+            </a:r>
+            <a:r>
+              <a:rPr lang="bg-BG" sz="3400" b="1" dirty="0">
+                <a:solidFill>
+                  <a:schemeClr val="bg1"/>
+                </a:solidFill>
+                <a:ea typeface="+mn-lt"/>
+                <a:cs typeface="+mn-lt"/>
+              </a:rPr>
+              <a:t>главни</a:t>
             </a:r>
             <a:r>
               <a:rPr lang="bg-BG" sz="3400" dirty="0">
                 <a:ea typeface="+mn-lt"/>
                 <a:cs typeface="+mn-lt"/>
               </a:rPr>
-              <a:t>главни и малки </a:t>
-            </a:r>
-            <a:r>
-              <a:rPr lang="en-US" sz="3400" dirty="0">
+              <a:t> и </a:t>
+            </a:r>
+            <a:r>
+              <a:rPr lang="bg-BG" sz="3400" b="1" dirty="0">
+                <a:solidFill>
+                  <a:schemeClr val="bg1"/>
+                </a:solidFill>
                 <a:ea typeface="+mn-lt"/>
                 <a:cs typeface="+mn-lt"/>
               </a:rPr>
+              <a:t>малки </a:t>
+            </a:r>
+            <a:r>
+              <a:rPr lang="en-US" sz="3400" b="1" dirty="0">
+                <a:solidFill>
+                  <a:schemeClr val="bg1"/>
+                </a:solidFill>
+                <a:ea typeface="+mn-lt"/>
+                <a:cs typeface="+mn-lt"/>
+              </a:rPr>
               <a:t>букви</a:t>
             </a:r>
-            <a:endParaRPr lang="en-US" sz="3600" dirty="0"/>
+            <a:endParaRPr lang="en-US" sz="3600" b="1" dirty="0">
+              <a:solidFill>
+                <a:schemeClr val="bg1"/>
+              </a:solidFill>
+            </a:endParaRPr>
           </a:p>
           <a:p>
             <a:pPr lvl="1" indent="-360045">
@@ -32350,33 +32471,15 @@
                                   </p:childTnLst>
                                 </p:cTn>
                               </p:par>
-                            </p:childTnLst>
-                          </p:cTn>
-                        </p:par>
-                      </p:childTnLst>
-                    </p:cTn>
-                  </p:par>
-                  <p:par>
-                    <p:cTn id="7" fill="hold">
-                      <p:stCondLst>
-                        <p:cond delay="indefinite"/>
-                      </p:stCondLst>
-                      <p:childTnLst>
-                        <p:par>
-                          <p:cTn id="8" fill="hold">
-                            <p:stCondLst>
-                              <p:cond delay="0"/>
-                            </p:stCondLst>
-                            <p:childTnLst>
                               <p:par>
-                                <p:cTn id="9" presetID="1" presetClass="entr" presetSubtype="0" fill="hold" nodeType="clickEffect">
+                                <p:cTn id="7" presetID="1" presetClass="entr" presetSubtype="0" fill="hold" nodeType="withEffect">
                                   <p:stCondLst>
                                     <p:cond delay="0"/>
                                   </p:stCondLst>
                                   <p:childTnLst>
                                     <p:set>
                                       <p:cBhvr>
-                                        <p:cTn id="10" dur="1" fill="hold">
+                                        <p:cTn id="8" dur="1" fill="hold">
                                           <p:stCondLst>
                                             <p:cond delay="0"/>
                                           </p:stCondLst>
@@ -32406,26 +32509,26 @@
                     </p:cTn>
                   </p:par>
                   <p:par>
-                    <p:cTn id="11" fill="hold">
+                    <p:cTn id="9" fill="hold">
                       <p:stCondLst>
                         <p:cond delay="indefinite"/>
                       </p:stCondLst>
                       <p:childTnLst>
                         <p:par>
-                          <p:cTn id="12" fill="hold">
+                          <p:cTn id="10" fill="hold">
                             <p:stCondLst>
                               <p:cond delay="0"/>
                             </p:stCondLst>
                             <p:childTnLst>
                               <p:par>
-                                <p:cTn id="13" presetID="1" presetClass="entr" presetSubtype="0" fill="hold" nodeType="clickEffect">
+                                <p:cTn id="11" presetID="1" presetClass="entr" presetSubtype="0" fill="hold" nodeType="clickEffect">
                                   <p:stCondLst>
                                     <p:cond delay="0"/>
                                   </p:stCondLst>
                                   <p:childTnLst>
                                     <p:set>
                                       <p:cBhvr>
-                                        <p:cTn id="14" dur="1" fill="hold">
+                                        <p:cTn id="12" dur="1" fill="hold">
                                           <p:stCondLst>
                                             <p:cond delay="0"/>
                                           </p:stCondLst>
@@ -32455,26 +32558,26 @@
                     </p:cTn>
                   </p:par>
                   <p:par>
-                    <p:cTn id="15" fill="hold">
+                    <p:cTn id="13" fill="hold">
                       <p:stCondLst>
                         <p:cond delay="indefinite"/>
                       </p:stCondLst>
                       <p:childTnLst>
                         <p:par>
-                          <p:cTn id="16" fill="hold">
+                          <p:cTn id="14" fill="hold">
                             <p:stCondLst>
                               <p:cond delay="0"/>
                             </p:stCondLst>
                             <p:childTnLst>
                               <p:par>
-                                <p:cTn id="17" presetID="1" presetClass="entr" presetSubtype="0" fill="hold" nodeType="clickEffect">
+                                <p:cTn id="15" presetID="1" presetClass="entr" presetSubtype="0" fill="hold" nodeType="clickEffect">
                                   <p:stCondLst>
                                     <p:cond delay="0"/>
                                   </p:stCondLst>
                                   <p:childTnLst>
                                     <p:set>
                                       <p:cBhvr>
-                                        <p:cTn id="18" dur="1" fill="hold">
+                                        <p:cTn id="16" dur="1" fill="hold">
                                           <p:stCondLst>
                                             <p:cond delay="0"/>
                                           </p:stCondLst>
@@ -32483,55 +32586,6 @@
                                           <p:spTgt spid="3">
                                             <p:txEl>
                                               <p:pRg st="4" end="4"/>
-                                            </p:txEl>
-                                          </p:spTgt>
-                                        </p:tgtEl>
-                                        <p:attrNameLst>
-                                          <p:attrName>style.visibility</p:attrName>
-                                        </p:attrNameLst>
-                                      </p:cBhvr>
-                                      <p:to>
-                                        <p:strVal val="visible"/>
-                                      </p:to>
-                                    </p:set>
-                                  </p:childTnLst>
-                                </p:cTn>
-                              </p:par>
-                            </p:childTnLst>
-                          </p:cTn>
-                        </p:par>
-                      </p:childTnLst>
-                    </p:cTn>
-                  </p:par>
-                  <p:par>
-                    <p:cTn id="19" fill="hold">
-                      <p:stCondLst>
-                        <p:cond delay="indefinite"/>
-                      </p:stCondLst>
-                      <p:childTnLst>
-                        <p:par>
-                          <p:cTn id="20" fill="hold">
-                            <p:stCondLst>
-                              <p:cond delay="0"/>
-                            </p:stCondLst>
-                            <p:childTnLst>
-                              <p:par>
-                                <p:cTn id="21" presetID="1" presetClass="entr" presetSubtype="0" fill="hold" nodeType="clickEffect">
-                                  <p:stCondLst>
-                                    <p:cond delay="0"/>
-                                  </p:stCondLst>
-                                  <p:childTnLst>
-                                    <p:set>
-                                      <p:cBhvr>
-                                        <p:cTn id="22" dur="1" fill="hold">
-                                          <p:stCondLst>
-                                            <p:cond delay="0"/>
-                                          </p:stCondLst>
-                                        </p:cTn>
-                                        <p:tgtEl>
-                                          <p:spTgt spid="3">
-                                            <p:txEl>
-                                              <p:pRg st="5" end="5"/>
                                             </p:txEl>
                                           </p:spTgt>
                                         </p:tgtEl>
@@ -32764,50 +32818,18 @@
           </a:bodyPr>
           <a:lstStyle/>
           <a:p>
-            <a:pPr marL="360045" indent="-360045">
-              <a:buClr>
-                <a:schemeClr val="tx1"/>
-              </a:buClr>
-            </a:pPr>
-            <a:r>
-              <a:rPr lang="en-US" sz="3350" b="1" dirty="0">
-                <a:solidFill>
-                  <a:schemeClr val="bg1"/>
-                </a:solidFill>
-              </a:rPr>
-              <a:t>Регулярният израз </a:t>
-            </a:r>
+            <a:pPr marL="360045" indent="-360045"/>
             <a:r>
               <a:rPr lang="en-US" sz="3350" dirty="0"/>
-              <a:t>(регекс) се </a:t>
-            </a:r>
-            <a:r>
-              <a:rPr lang="en-US" sz="3350" dirty="0">
-                <a:solidFill>
-                  <a:srgbClr val="234465"/>
-                </a:solidFill>
-              </a:rPr>
-              <a:t>описва като </a:t>
-            </a:r>
-            <a:r>
-              <a:rPr lang="en-US" sz="3350" b="1" dirty="0">
-                <a:solidFill>
-                  <a:schemeClr val="bg1"/>
-                </a:solidFill>
-              </a:rPr>
-              <a:t>търсене чрез шаблон</a:t>
-            </a:r>
-            <a:endParaRPr lang="bg-BG" sz="3350" dirty="0">
-              <a:solidFill>
-                <a:schemeClr val="bg1"/>
-              </a:solidFill>
-            </a:endParaRPr>
-          </a:p>
-          <a:p>
-            <a:pPr marL="360045" indent="-360045"/>
+              <a:t>Използваме </a:t>
+            </a:r>
+            <a:r>
+              <a:rPr lang="bg-BG" sz="3350" dirty="0"/>
+              <a:t>регулярните изрази</a:t>
+            </a:r>
             <a:r>
               <a:rPr lang="en-US" sz="3350" dirty="0"/>
-              <a:t>Използваме го за </a:t>
+              <a:t> за </a:t>
             </a:r>
             <a:r>
               <a:rPr lang="en-US" sz="3350" b="1" dirty="0">
@@ -32856,6 +32878,10 @@
             <a:r>
               <a:rPr lang="en-US" sz="3350" dirty="0"/>
               <a:t> на данни от текст чрез шаблон</a:t>
+            </a:r>
+            <a:r>
+              <a:rPr lang="bg-BG" sz="3350" dirty="0"/>
+              <a:t>:</a:t>
             </a:r>
             <a:endParaRPr lang="en-US" sz="3350" dirty="0">
               <a:cs typeface="Calibri"/>
@@ -32887,17 +32913,18 @@
           <a:lstStyle/>
           <a:p>
             <a:r>
+              <a:rPr lang="bg-BG" sz="3950" dirty="0"/>
+              <a:t>Регулярни изрази </a:t>
+            </a:r>
+            <a:r>
               <a:rPr lang="en-US" sz="3950" dirty="0"/>
-              <a:t>Регулярен израз – </a:t>
+              <a:t>– </a:t>
             </a:r>
             <a:r>
               <a:rPr lang="bg-BG" sz="3950" dirty="0"/>
-              <a:t>п</a:t>
-            </a:r>
-            <a:r>
-              <a:rPr lang="en-US" sz="3950" dirty="0"/>
-              <a:t>римери</a:t>
-            </a:r>
+              <a:t>Примери</a:t>
+            </a:r>
+            <a:endParaRPr lang="en-US" sz="3950" dirty="0"/>
           </a:p>
         </p:txBody>
       </p:sp>
@@ -32911,7 +32938,7 @@
         </p:nvSpPr>
         <p:spPr bwMode="auto">
           <a:xfrm>
-            <a:off x="3182109" y="3662667"/>
+            <a:off x="3218611" y="2844377"/>
             <a:ext cx="5751602" cy="584623"/>
           </a:xfrm>
           <a:prstGeom prst="rect">
@@ -33009,7 +33036,7 @@
         </p:nvSpPr>
         <p:spPr bwMode="auto">
           <a:xfrm>
-            <a:off x="4673168" y="4453337"/>
+            <a:off x="4704918" y="3868983"/>
             <a:ext cx="2778988" cy="584623"/>
           </a:xfrm>
           <a:prstGeom prst="rect">
@@ -33101,7 +33128,7 @@
         </p:nvSpPr>
         <p:spPr bwMode="auto">
           <a:xfrm>
-            <a:off x="4704918" y="5224508"/>
+            <a:off x="4704918" y="4893589"/>
             <a:ext cx="2778988" cy="584623"/>
           </a:xfrm>
           <a:prstGeom prst="rect">
@@ -33193,7 +33220,7 @@
         </p:nvSpPr>
         <p:spPr bwMode="auto">
           <a:xfrm>
-            <a:off x="3763380" y="6021795"/>
+            <a:off x="3799881" y="5918196"/>
             <a:ext cx="4589061" cy="584623"/>
           </a:xfrm>
           <a:prstGeom prst="rect">
@@ -33362,7 +33389,7 @@
                             </p:stCondLst>
                             <p:childTnLst>
                               <p:par>
-                                <p:cTn id="5" presetID="1" presetClass="entr" presetSubtype="0" fill="hold" nodeType="clickEffect">
+                                <p:cTn id="5" presetID="1" presetClass="entr" presetSubtype="0" fill="hold" grpId="0" nodeType="clickEffect">
                                   <p:stCondLst>
                                     <p:cond delay="0"/>
                                   </p:stCondLst>
@@ -33375,11 +33402,7 @@
                                           </p:stCondLst>
                                         </p:cTn>
                                         <p:tgtEl>
-                                          <p:spTgt spid="3">
-                                            <p:txEl>
-                                              <p:pRg st="1" end="1"/>
-                                            </p:txEl>
-                                          </p:spTgt>
+                                          <p:spTgt spid="5"/>
                                         </p:tgtEl>
                                         <p:attrNameLst>
                                           <p:attrName>style.visibility</p:attrName>
@@ -33424,7 +33447,7 @@
                                           </p:stCondLst>
                                         </p:cTn>
                                         <p:tgtEl>
-                                          <p:spTgt spid="5"/>
+                                          <p:spTgt spid="6"/>
                                         </p:tgtEl>
                                         <p:attrNameLst>
                                           <p:attrName>style.visibility</p:attrName>
@@ -33469,7 +33492,7 @@
                                           </p:stCondLst>
                                         </p:cTn>
                                         <p:tgtEl>
-                                          <p:spTgt spid="6"/>
+                                          <p:spTgt spid="7"/>
                                         </p:tgtEl>
                                         <p:attrNameLst>
                                           <p:attrName>style.visibility</p:attrName>
@@ -33509,51 +33532,6 @@
                                     <p:set>
                                       <p:cBhvr>
                                         <p:cTn id="18" dur="1" fill="hold">
-                                          <p:stCondLst>
-                                            <p:cond delay="0"/>
-                                          </p:stCondLst>
-                                        </p:cTn>
-                                        <p:tgtEl>
-                                          <p:spTgt spid="7"/>
-                                        </p:tgtEl>
-                                        <p:attrNameLst>
-                                          <p:attrName>style.visibility</p:attrName>
-                                        </p:attrNameLst>
-                                      </p:cBhvr>
-                                      <p:to>
-                                        <p:strVal val="visible"/>
-                                      </p:to>
-                                    </p:set>
-                                  </p:childTnLst>
-                                </p:cTn>
-                              </p:par>
-                            </p:childTnLst>
-                          </p:cTn>
-                        </p:par>
-                      </p:childTnLst>
-                    </p:cTn>
-                  </p:par>
-                  <p:par>
-                    <p:cTn id="19" fill="hold">
-                      <p:stCondLst>
-                        <p:cond delay="indefinite"/>
-                      </p:stCondLst>
-                      <p:childTnLst>
-                        <p:par>
-                          <p:cTn id="20" fill="hold">
-                            <p:stCondLst>
-                              <p:cond delay="0"/>
-                            </p:stCondLst>
-                            <p:childTnLst>
-                              <p:par>
-                                <p:cTn id="21" presetID="1" presetClass="entr" presetSubtype="0" fill="hold" grpId="0" nodeType="clickEffect">
-                                  <p:stCondLst>
-                                    <p:cond delay="0"/>
-                                  </p:stCondLst>
-                                  <p:childTnLst>
-                                    <p:set>
-                                      <p:cBhvr>
-                                        <p:cTn id="22" dur="1" fill="hold">
                                           <p:stCondLst>
                                             <p:cond delay="0"/>
                                           </p:stCondLst>
@@ -33704,11 +33682,28 @@
                 <a:ea typeface="+mn-lt"/>
                 <a:cs typeface="+mn-lt"/>
               </a:rPr>
-              <a:t>са специални символи, които позволяват да се открият определени символи.</a:t>
-            </a:r>
-          </a:p>
-          <a:p>
-            <a:pPr marL="360045" indent="-360045">
+              <a:t>== специални знаци, които позволяват да се открият </a:t>
+            </a:r>
+            <a:r>
+              <a:rPr lang="bg-BG" sz="3350" b="1" dirty="0">
+                <a:solidFill>
+                  <a:schemeClr val="bg1"/>
+                </a:solidFill>
+                <a:ea typeface="+mn-lt"/>
+                <a:cs typeface="+mn-lt"/>
+              </a:rPr>
+              <a:t>множество символи</a:t>
+            </a:r>
+            <a:r>
+              <a:rPr lang="bg-BG" sz="3350" dirty="0">
+                <a:ea typeface="+mn-lt"/>
+                <a:cs typeface="+mn-lt"/>
+              </a:rPr>
+              <a:t>:</a:t>
+            </a:r>
+          </a:p>
+          <a:p>
+            <a:pPr marL="802957" lvl="1" indent="-360045">
               <a:spcBef>
                 <a:spcPts val="2000"/>
               </a:spcBef>
@@ -33717,7 +33712,7 @@
               </a:buClr>
             </a:pPr>
             <a:r>
-              <a:rPr lang="bg-BG" sz="3350" b="1" dirty="0">
+              <a:rPr lang="bg-BG" sz="3150" b="1" dirty="0">
                 <a:solidFill>
                   <a:schemeClr val="bg1"/>
                 </a:solidFill>
@@ -33727,20 +33722,20 @@
               <a:t>[nvj]</a:t>
             </a:r>
             <a:r>
-              <a:rPr lang="bg-BG" sz="3350" dirty="0">
+              <a:rPr lang="bg-BG" sz="3150" dirty="0">
                 <a:ea typeface="+mn-lt"/>
                 <a:cs typeface="+mn-lt"/>
               </a:rPr>
               <a:t> - търси съвпадения за</a:t>
             </a:r>
             <a:r>
-              <a:rPr lang="bg-BG" sz="3350" dirty="0">
+              <a:rPr lang="bg-BG" sz="3150" dirty="0">
                 <a:cs typeface="Calibri"/>
               </a:rPr>
               <a:t> символите </a:t>
             </a:r>
             <a:r>
-              <a:rPr lang="bg-BG" sz="3350" b="1" dirty="0">
+              <a:rPr lang="bg-BG" sz="3150" b="1" dirty="0">
                 <a:solidFill>
                   <a:schemeClr val="tx2">
                     <a:lumMod val="75000"/>
@@ -33752,14 +33747,14 @@
               <a:t>n</a:t>
             </a:r>
             <a:r>
-              <a:rPr lang="bg-BG" sz="3350" dirty="0">
+              <a:rPr lang="bg-BG" sz="3150" dirty="0">
                 <a:ea typeface="+mn-lt"/>
                 <a:cs typeface="+mn-lt"/>
               </a:rPr>
               <a:t>, </a:t>
             </a:r>
             <a:r>
-              <a:rPr lang="bg-BG" sz="3350" b="1" dirty="0">
+              <a:rPr lang="bg-BG" sz="3150" b="1" dirty="0">
                 <a:solidFill>
                   <a:schemeClr val="tx2">
                     <a:lumMod val="75000"/>
@@ -33771,14 +33766,14 @@
               <a:t>v</a:t>
             </a:r>
             <a:r>
-              <a:rPr lang="bg-BG" sz="3350" dirty="0">
+              <a:rPr lang="bg-BG" sz="3150" dirty="0">
                 <a:ea typeface="+mn-lt"/>
                 <a:cs typeface="+mn-lt"/>
               </a:rPr>
               <a:t> и </a:t>
             </a:r>
             <a:r>
-              <a:rPr lang="bg-BG" sz="3350" b="1" dirty="0">
+              <a:rPr lang="bg-BG" sz="3150" b="1" dirty="0">
                 <a:solidFill>
                   <a:schemeClr val="tx2">
                     <a:lumMod val="75000"/>
@@ -33789,7 +33784,7 @@
               </a:rPr>
               <a:t>j</a:t>
             </a:r>
-            <a:endParaRPr lang="bg-BG" sz="3350" dirty="0">
+            <a:endParaRPr lang="bg-BG" sz="3150" dirty="0">
               <a:solidFill>
                 <a:schemeClr val="tx2">
                   <a:lumMod val="75000"/>
@@ -33800,10 +33795,10 @@
             </a:endParaRPr>
           </a:p>
           <a:p>
-            <a:pPr marL="0" indent="0">
+            <a:pPr marL="442912" lvl="1" indent="0">
               <a:buNone/>
             </a:pPr>
-            <a:endParaRPr lang="bg-BG" sz="3200" b="1" noProof="1">
+            <a:endParaRPr lang="bg-BG" sz="3000" b="1" noProof="1">
               <a:solidFill>
                 <a:schemeClr val="bg1"/>
               </a:solidFill>
@@ -33812,7 +33807,7 @@
             </a:endParaRPr>
           </a:p>
           <a:p>
-            <a:pPr marL="360045" indent="-360045">
+            <a:pPr marL="802957" lvl="1" indent="-360045">
               <a:spcBef>
                 <a:spcPts val="3500"/>
               </a:spcBef>
@@ -33821,7 +33816,7 @@
               </a:buClr>
             </a:pPr>
             <a:r>
-              <a:rPr lang="bg-BG" sz="3200" b="1" noProof="1">
+              <a:rPr lang="bg-BG" sz="3000" b="1" noProof="1">
                 <a:solidFill>
                   <a:schemeClr val="bg1"/>
                 </a:solidFill>
@@ -33831,7 +33826,7 @@
               <a:t>[^abc]</a:t>
             </a:r>
             <a:r>
-              <a:rPr lang="bg-BG" sz="3200" noProof="1">
+              <a:rPr lang="bg-BG" sz="3000" noProof="1">
                 <a:solidFill>
                   <a:schemeClr val="bg1"/>
                 </a:solidFill>
@@ -33839,11 +33834,11 @@
               <a:t> </a:t>
             </a:r>
             <a:r>
-              <a:rPr lang="bg-BG" sz="3200" noProof="1"/>
+              <a:rPr lang="bg-BG" sz="3000" noProof="1"/>
               <a:t>– търси съвпадения, който са </a:t>
             </a:r>
             <a:r>
-              <a:rPr lang="bg-BG" sz="3200" b="1" noProof="1">
+              <a:rPr lang="bg-BG" sz="3000" b="1" noProof="1">
                 <a:solidFill>
                   <a:schemeClr val="bg1"/>
                 </a:solidFill>
@@ -33851,11 +33846,11 @@
               <a:t>различни от</a:t>
             </a:r>
             <a:r>
-              <a:rPr lang="bg-BG" sz="3200" noProof="1"/>
+              <a:rPr lang="bg-BG" sz="3000" noProof="1"/>
               <a:t> </a:t>
             </a:r>
             <a:r>
-              <a:rPr lang="bg-BG" sz="3200" b="1" noProof="1">
+              <a:rPr lang="bg-BG" sz="3000" b="1" noProof="1">
                 <a:solidFill>
                   <a:schemeClr val="tx2">
                     <a:lumMod val="75000"/>
@@ -33867,11 +33862,11 @@
               <a:t>a</a:t>
             </a:r>
             <a:r>
-              <a:rPr lang="bg-BG" sz="3200" noProof="1"/>
+              <a:rPr lang="bg-BG" sz="3000" noProof="1"/>
               <a:t>, </a:t>
             </a:r>
             <a:r>
-              <a:rPr lang="bg-BG" sz="3200" b="1" noProof="1">
+              <a:rPr lang="bg-BG" sz="3000" b="1" noProof="1">
                 <a:solidFill>
                   <a:schemeClr val="tx2">
                     <a:lumMod val="75000"/>
@@ -33883,11 +33878,11 @@
               <a:t>b</a:t>
             </a:r>
             <a:r>
-              <a:rPr lang="bg-BG" sz="3200" noProof="1"/>
+              <a:rPr lang="bg-BG" sz="3000" noProof="1"/>
               <a:t> и </a:t>
             </a:r>
             <a:r>
-              <a:rPr lang="bg-BG" sz="3200" b="1" noProof="1">
+              <a:rPr lang="bg-BG" sz="3000" b="1" noProof="1">
                 <a:solidFill>
                   <a:schemeClr val="tx2">
                     <a:lumMod val="75000"/>
@@ -33897,7 +33892,7 @@
               </a:rPr>
               <a:t>c</a:t>
             </a:r>
-            <a:endParaRPr lang="bg-BG" sz="3200" b="1" noProof="1">
+            <a:endParaRPr lang="bg-BG" sz="3000" b="1" noProof="1">
               <a:solidFill>
                 <a:schemeClr val="tx2">
                   <a:lumMod val="75000"/>
@@ -33933,14 +33928,16 @@
         </p:nvSpPr>
         <p:spPr/>
         <p:txBody>
-          <a:bodyPr/>
+          <a:bodyPr>
+            <a:normAutofit/>
+          </a:bodyPr>
           <a:lstStyle/>
           <a:p>
             <a:r>
-              <a:rPr lang="bg-BG" sz="3950" dirty="0">
+              <a:rPr lang="bg-BG" sz="4000" dirty="0">
                 <a:cs typeface="Calibri"/>
               </a:rPr>
-              <a:t>Какво са класови символи</a:t>
+              <a:t>Какво са класови символи?</a:t>
             </a:r>
           </a:p>
         </p:txBody>
@@ -33961,7 +33958,7 @@
         </p:nvSpPr>
         <p:spPr bwMode="auto">
           <a:xfrm>
-            <a:off x="2602866" y="3233377"/>
+            <a:off x="3011656" y="3233377"/>
             <a:ext cx="3275747" cy="648828"/>
           </a:xfrm>
           <a:prstGeom prst="rect">
@@ -34151,7 +34148,7 @@
         </p:nvSpPr>
         <p:spPr bwMode="auto">
           <a:xfrm>
-            <a:off x="2602866" y="5357843"/>
+            <a:off x="3011656" y="5357843"/>
             <a:ext cx="1699767" cy="648828"/>
           </a:xfrm>
           <a:prstGeom prst="rect">
@@ -34647,9 +34644,7 @@
             <a:r>
               <a:rPr lang="en-US" sz="3400" b="1" noProof="1">
                 <a:solidFill>
-                  <a:schemeClr val="tx2">
-                    <a:lumMod val="75000"/>
-                  </a:schemeClr>
+                  <a:schemeClr val="bg1"/>
                 </a:solidFill>
                 <a:latin typeface="Consolas"/>
                 <a:cs typeface="Calibri"/>
@@ -34663,9 +34658,7 @@
             <a:r>
               <a:rPr lang="en-US" sz="3400" b="1" noProof="1">
                 <a:solidFill>
-                  <a:schemeClr val="tx2">
-                    <a:lumMod val="75000"/>
-                  </a:schemeClr>
+                  <a:schemeClr val="bg1"/>
                 </a:solidFill>
                 <a:latin typeface="Consolas"/>
                 <a:cs typeface="Consolas" panose="020B0609020204030204" pitchFamily="49" charset="0"/>
@@ -34691,8 +34684,16 @@
           <a:lstStyle/>
           <a:p>
             <a:r>
+              <a:rPr lang="bg-BG" sz="3950" dirty="0"/>
+              <a:t>Класови символи –</a:t>
+            </a:r>
+            <a:r>
               <a:rPr lang="en-US" sz="3950" dirty="0"/>
-              <a:t>Класови символи: примери</a:t>
+              <a:t> </a:t>
+            </a:r>
+            <a:r>
+              <a:rPr lang="bg-BG" sz="3950" dirty="0"/>
+              <a:t>Примери</a:t>
             </a:r>
             <a:endParaRPr lang="en-US" dirty="0"/>
           </a:p>
@@ -34935,7 +34936,7 @@
                                         <p:tgtEl>
                                           <p:spTgt spid="3">
                                             <p:txEl>
-                                              <p:pRg st="0" end="0"/>
+                                              <p:pRg st="2" end="2"/>
                                             </p:txEl>
                                           </p:spTgt>
                                         </p:tgtEl>
@@ -34959,82 +34960,6 @@
                                     <p:set>
                                       <p:cBhvr>
                                         <p:cTn id="8" dur="1" fill="hold">
-                                          <p:stCondLst>
-                                            <p:cond delay="0"/>
-                                          </p:stCondLst>
-                                        </p:cTn>
-                                        <p:tgtEl>
-                                          <p:spTgt spid="9"/>
-                                        </p:tgtEl>
-                                        <p:attrNameLst>
-                                          <p:attrName>style.visibility</p:attrName>
-                                        </p:attrNameLst>
-                                      </p:cBhvr>
-                                      <p:to>
-                                        <p:strVal val="visible"/>
-                                      </p:to>
-                                    </p:set>
-                                  </p:childTnLst>
-                                </p:cTn>
-                              </p:par>
-                            </p:childTnLst>
-                          </p:cTn>
-                        </p:par>
-                      </p:childTnLst>
-                    </p:cTn>
-                  </p:par>
-                  <p:par>
-                    <p:cTn id="9" fill="hold">
-                      <p:stCondLst>
-                        <p:cond delay="indefinite"/>
-                      </p:stCondLst>
-                      <p:childTnLst>
-                        <p:par>
-                          <p:cTn id="10" fill="hold">
-                            <p:stCondLst>
-                              <p:cond delay="0"/>
-                            </p:stCondLst>
-                            <p:childTnLst>
-                              <p:par>
-                                <p:cTn id="11" presetID="1" presetClass="entr" presetSubtype="0" fill="hold" nodeType="clickEffect">
-                                  <p:stCondLst>
-                                    <p:cond delay="0"/>
-                                  </p:stCondLst>
-                                  <p:childTnLst>
-                                    <p:set>
-                                      <p:cBhvr>
-                                        <p:cTn id="12" dur="1" fill="hold">
-                                          <p:stCondLst>
-                                            <p:cond delay="0"/>
-                                          </p:stCondLst>
-                                        </p:cTn>
-                                        <p:tgtEl>
-                                          <p:spTgt spid="3">
-                                            <p:txEl>
-                                              <p:pRg st="2" end="2"/>
-                                            </p:txEl>
-                                          </p:spTgt>
-                                        </p:tgtEl>
-                                        <p:attrNameLst>
-                                          <p:attrName>style.visibility</p:attrName>
-                                        </p:attrNameLst>
-                                      </p:cBhvr>
-                                      <p:to>
-                                        <p:strVal val="visible"/>
-                                      </p:to>
-                                    </p:set>
-                                  </p:childTnLst>
-                                </p:cTn>
-                              </p:par>
-                              <p:par>
-                                <p:cTn id="13" presetID="1" presetClass="entr" presetSubtype="0" fill="hold" grpId="0" nodeType="withEffect">
-                                  <p:stCondLst>
-                                    <p:cond delay="0"/>
-                                  </p:stCondLst>
-                                  <p:childTnLst>
-                                    <p:set>
-                                      <p:cBhvr>
-                                        <p:cTn id="14" dur="1" fill="hold">
                                           <p:stCondLst>
                                             <p:cond delay="0"/>
                                           </p:stCondLst>
@@ -35081,7 +35006,6 @@
       </p:par>
     </p:tnLst>
     <p:bldLst>
-      <p:bldP spid="9" grpId="0" animBg="1"/>
       <p:bldP spid="7" grpId="0" animBg="1"/>
     </p:bldLst>
   </p:timing>
@@ -35151,7 +35075,12 @@
             <p:ph type="body" sz="quarter" idx="10"/>
           </p:nvPr>
         </p:nvSpPr>
-        <p:spPr/>
+        <p:spPr>
+          <a:xfrm>
+            <a:off x="2113424" y="1210661"/>
+            <a:ext cx="10107261" cy="5546589"/>
+          </a:xfrm>
+        </p:spPr>
         <p:txBody>
           <a:bodyPr vert="horz" lIns="108000" tIns="36000" rIns="108000" bIns="36000" rtlCol="0" anchor="t">
             <a:normAutofit/>
@@ -35164,14 +35093,52 @@
               </a:buClr>
             </a:pPr>
             <a:r>
-              <a:rPr lang="bg-BG" sz="3350" b="1" dirty="0">
+              <a:rPr lang="bg-BG" sz="3400" b="1" dirty="0">
                 <a:solidFill>
                   <a:schemeClr val="bg1"/>
                 </a:solidFill>
                 <a:ea typeface="+mn-lt"/>
                 <a:cs typeface="+mn-lt"/>
               </a:rPr>
-              <a:t>Предефинираните класове</a:t>
+              <a:t>Класови символи</a:t>
+            </a:r>
+            <a:r>
+              <a:rPr lang="bg-BG" sz="3400" dirty="0">
+                <a:ea typeface="+mn-lt"/>
+                <a:cs typeface="+mn-lt"/>
+              </a:rPr>
+              <a:t>, които се използват за намиране на определени </a:t>
+            </a:r>
+            <a:r>
+              <a:rPr lang="bg-BG" sz="3400" b="1" dirty="0">
+                <a:solidFill>
+                  <a:schemeClr val="bg1"/>
+                </a:solidFill>
+                <a:ea typeface="+mn-lt"/>
+                <a:cs typeface="+mn-lt"/>
+              </a:rPr>
+              <a:t>групи от символи </a:t>
+            </a:r>
+            <a:r>
+              <a:rPr lang="bg-BG" sz="3400" dirty="0">
+                <a:ea typeface="+mn-lt"/>
+                <a:cs typeface="+mn-lt"/>
+              </a:rPr>
+              <a:t>в текста</a:t>
+            </a:r>
+          </a:p>
+          <a:p>
+            <a:pPr marL="360045" indent="-360045">
+              <a:buClr>
+                <a:schemeClr val="tx1"/>
+              </a:buClr>
+            </a:pPr>
+            <a:r>
+              <a:rPr lang="bg-BG" sz="3400" dirty="0">
+                <a:ea typeface="+mn-lt"/>
+                <a:cs typeface="+mn-lt"/>
+              </a:rPr>
+              <a:t>Примери:</a:t>
             </a:r>
           </a:p>
           <a:p>
@@ -35181,22 +35148,16 @@
               </a:buClr>
             </a:pPr>
             <a:r>
-              <a:rPr lang="bg-BG" sz="3150" b="1" dirty="0">
-                <a:solidFill>
-                  <a:schemeClr val="bg1"/>
-                </a:solidFill>
+              <a:rPr lang="en-US" sz="3150" dirty="0">
                 <a:ea typeface="+mn-lt"/>
                 <a:cs typeface="+mn-lt"/>
               </a:rPr>
-              <a:t>Класови символи</a:t>
-            </a:r>
-            <a:r>
-              <a:rPr lang="bg-BG" sz="3150" dirty="0">
-                <a:ea typeface="+mn-lt"/>
-                <a:cs typeface="+mn-lt"/>
-              </a:rPr>
-              <a:t>, които се използват за намиране на определени символи в текста</a:t>
-            </a:r>
+              <a:t>\w, \W</a:t>
+            </a:r>
+            <a:endParaRPr lang="bg-BG" sz="3150" dirty="0">
+              <a:ea typeface="+mn-lt"/>
+              <a:cs typeface="+mn-lt"/>
+            </a:endParaRPr>
           </a:p>
           <a:p>
             <a:pPr marL="802957" lvl="1" indent="-360045">
@@ -35205,81 +35166,49 @@
               </a:buClr>
             </a:pPr>
             <a:r>
-              <a:rPr lang="bg-BG" sz="3150" dirty="0">
+              <a:rPr lang="en-US" sz="3150" dirty="0">
                 <a:ea typeface="+mn-lt"/>
                 <a:cs typeface="+mn-lt"/>
               </a:rPr>
-              <a:t>Примери:</a:t>
-            </a:r>
-          </a:p>
-          <a:p>
-            <a:pPr marL="1255395" lvl="2" indent="-360045">
+              <a:t>\s, \S</a:t>
+            </a:r>
+            <a:endParaRPr lang="bg-BG" sz="3150" dirty="0">
+              <a:ea typeface="+mn-lt"/>
+              <a:cs typeface="+mn-lt"/>
+            </a:endParaRPr>
+          </a:p>
+          <a:p>
+            <a:pPr marL="802957" lvl="1" indent="-360045">
               <a:buClr>
                 <a:schemeClr val="tx1"/>
               </a:buClr>
             </a:pPr>
             <a:r>
-              <a:rPr lang="en-US" sz="2950" dirty="0">
+              <a:rPr lang="en-US" sz="3150" dirty="0">
                 <a:ea typeface="+mn-lt"/>
                 <a:cs typeface="+mn-lt"/>
               </a:rPr>
-              <a:t>\w, \W</a:t>
-            </a:r>
-            <a:endParaRPr lang="bg-BG" sz="2950" dirty="0">
+              <a:t>\b</a:t>
+            </a:r>
+            <a:endParaRPr lang="bg-BG" sz="3150" dirty="0">
               <a:ea typeface="+mn-lt"/>
               <a:cs typeface="+mn-lt"/>
             </a:endParaRPr>
           </a:p>
           <a:p>
-            <a:pPr marL="1255395" lvl="2" indent="-360045">
+            <a:pPr marL="802957" lvl="1" indent="-360045">
               <a:buClr>
                 <a:schemeClr val="tx1"/>
               </a:buClr>
             </a:pPr>
             <a:r>
-              <a:rPr lang="en-US" sz="2950" dirty="0">
+              <a:rPr lang="en-US" sz="3150" dirty="0">
                 <a:ea typeface="+mn-lt"/>
                 <a:cs typeface="+mn-lt"/>
               </a:rPr>
-              <a:t>\s, \S</a:t>
-            </a:r>
-            <a:endParaRPr lang="bg-BG" sz="2950" dirty="0">
-              <a:ea typeface="+mn-lt"/>
-              <a:cs typeface="+mn-lt"/>
-            </a:endParaRPr>
-          </a:p>
-          <a:p>
-            <a:pPr marL="1255395" lvl="2" indent="-360045">
-              <a:buClr>
-                <a:schemeClr val="tx1"/>
-              </a:buClr>
-            </a:pPr>
-            <a:r>
-              <a:rPr lang="en-US" sz="2950" dirty="0">
-                <a:ea typeface="+mn-lt"/>
-                <a:cs typeface="+mn-lt"/>
-              </a:rPr>
-              <a:t>\b</a:t>
-            </a:r>
-            <a:endParaRPr lang="bg-BG" sz="2950" dirty="0">
-              <a:ea typeface="+mn-lt"/>
-              <a:cs typeface="+mn-lt"/>
-            </a:endParaRPr>
-          </a:p>
-          <a:p>
-            <a:pPr marL="1255395" lvl="2" indent="-360045">
-              <a:buClr>
-                <a:schemeClr val="tx1"/>
-              </a:buClr>
-            </a:pPr>
-            <a:r>
-              <a:rPr lang="en-US" sz="2950" dirty="0">
-                <a:ea typeface="+mn-lt"/>
-                <a:cs typeface="+mn-lt"/>
-              </a:rPr>
               <a:t>\d, \D</a:t>
             </a:r>
-            <a:endParaRPr lang="bg-BG" sz="2950" dirty="0">
+            <a:endParaRPr lang="bg-BG" sz="3150" dirty="0">
               <a:ea typeface="+mn-lt"/>
               <a:cs typeface="+mn-lt"/>
             </a:endParaRPr>
@@ -35311,14 +35240,7 @@
               <a:rPr lang="bg-BG" sz="3950" dirty="0">
                 <a:cs typeface="Calibri"/>
               </a:rPr>
-              <a:t>Какво са п</a:t>
-            </a:r>
-            <a:r>
-              <a:rPr lang="en-GB" sz="3950" dirty="0">
-                <a:ea typeface="+mj-lt"/>
-                <a:cs typeface="+mj-lt"/>
-              </a:rPr>
-              <a:t>редефинирани класове</a:t>
+              <a:t>Предефинирани класове</a:t>
             </a:r>
             <a:endParaRPr lang="bg-BG" sz="3950" b="0" dirty="0">
               <a:cs typeface="Calibri"/>
@@ -35395,33 +35317,15 @@
                                   </p:childTnLst>
                                 </p:cTn>
                               </p:par>
-                            </p:childTnLst>
-                          </p:cTn>
-                        </p:par>
-                      </p:childTnLst>
-                    </p:cTn>
-                  </p:par>
-                  <p:par>
-                    <p:cTn id="7" fill="hold">
-                      <p:stCondLst>
-                        <p:cond delay="indefinite"/>
-                      </p:stCondLst>
-                      <p:childTnLst>
-                        <p:par>
-                          <p:cTn id="8" fill="hold">
-                            <p:stCondLst>
-                              <p:cond delay="0"/>
-                            </p:stCondLst>
-                            <p:childTnLst>
                               <p:par>
-                                <p:cTn id="9" presetID="1" presetClass="entr" presetSubtype="0" fill="hold" nodeType="clickEffect">
+                                <p:cTn id="7" presetID="1" presetClass="entr" presetSubtype="0" fill="hold" nodeType="withEffect">
                                   <p:stCondLst>
                                     <p:cond delay="0"/>
                                   </p:stCondLst>
                                   <p:childTnLst>
                                     <p:set>
                                       <p:cBhvr>
-                                        <p:cTn id="10" dur="1" fill="hold">
+                                        <p:cTn id="8" dur="1" fill="hold">
                                           <p:stCondLst>
                                             <p:cond delay="0"/>
                                           </p:stCondLst>
@@ -35451,26 +35355,26 @@
                     </p:cTn>
                   </p:par>
                   <p:par>
-                    <p:cTn id="11" fill="hold">
+                    <p:cTn id="9" fill="hold">
                       <p:stCondLst>
                         <p:cond delay="indefinite"/>
                       </p:stCondLst>
                       <p:childTnLst>
                         <p:par>
-                          <p:cTn id="12" fill="hold">
+                          <p:cTn id="10" fill="hold">
                             <p:stCondLst>
                               <p:cond delay="0"/>
                             </p:stCondLst>
                             <p:childTnLst>
                               <p:par>
-                                <p:cTn id="13" presetID="1" presetClass="entr" presetSubtype="0" fill="hold" nodeType="clickEffect">
+                                <p:cTn id="11" presetID="1" presetClass="entr" presetSubtype="0" fill="hold" nodeType="clickEffect">
                                   <p:stCondLst>
                                     <p:cond delay="0"/>
                                   </p:stCondLst>
                                   <p:childTnLst>
                                     <p:set>
                                       <p:cBhvr>
-                                        <p:cTn id="14" dur="1" fill="hold">
+                                        <p:cTn id="12" dur="1" fill="hold">
                                           <p:stCondLst>
                                             <p:cond delay="0"/>
                                           </p:stCondLst>
@@ -35500,26 +35404,26 @@
                     </p:cTn>
                   </p:par>
                   <p:par>
-                    <p:cTn id="15" fill="hold">
+                    <p:cTn id="13" fill="hold">
                       <p:stCondLst>
                         <p:cond delay="indefinite"/>
                       </p:stCondLst>
                       <p:childTnLst>
                         <p:par>
-                          <p:cTn id="16" fill="hold">
+                          <p:cTn id="14" fill="hold">
                             <p:stCondLst>
                               <p:cond delay="0"/>
                             </p:stCondLst>
                             <p:childTnLst>
                               <p:par>
-                                <p:cTn id="17" presetID="1" presetClass="entr" presetSubtype="0" fill="hold" nodeType="clickEffect">
+                                <p:cTn id="15" presetID="1" presetClass="entr" presetSubtype="0" fill="hold" nodeType="clickEffect">
                                   <p:stCondLst>
                                     <p:cond delay="0"/>
                                   </p:stCondLst>
                                   <p:childTnLst>
                                     <p:set>
                                       <p:cBhvr>
-                                        <p:cTn id="18" dur="1" fill="hold">
+                                        <p:cTn id="16" dur="1" fill="hold">
                                           <p:stCondLst>
                                             <p:cond delay="0"/>
                                           </p:stCondLst>
@@ -35549,26 +35453,26 @@
                     </p:cTn>
                   </p:par>
                   <p:par>
-                    <p:cTn id="19" fill="hold">
+                    <p:cTn id="17" fill="hold">
                       <p:stCondLst>
                         <p:cond delay="indefinite"/>
                       </p:stCondLst>
                       <p:childTnLst>
                         <p:par>
-                          <p:cTn id="20" fill="hold">
+                          <p:cTn id="18" fill="hold">
                             <p:stCondLst>
                               <p:cond delay="0"/>
                             </p:stCondLst>
                             <p:childTnLst>
                               <p:par>
-                                <p:cTn id="21" presetID="1" presetClass="entr" presetSubtype="0" fill="hold" nodeType="clickEffect">
+                                <p:cTn id="19" presetID="1" presetClass="entr" presetSubtype="0" fill="hold" nodeType="clickEffect">
                                   <p:stCondLst>
                                     <p:cond delay="0"/>
                                   </p:stCondLst>
                                   <p:childTnLst>
                                     <p:set>
                                       <p:cBhvr>
-                                        <p:cTn id="22" dur="1" fill="hold">
+                                        <p:cTn id="20" dur="1" fill="hold">
                                           <p:stCondLst>
                                             <p:cond delay="0"/>
                                           </p:stCondLst>
@@ -35577,55 +35481,6 @@
                                           <p:spTgt spid="3">
                                             <p:txEl>
                                               <p:pRg st="5" end="5"/>
-                                            </p:txEl>
-                                          </p:spTgt>
-                                        </p:tgtEl>
-                                        <p:attrNameLst>
-                                          <p:attrName>style.visibility</p:attrName>
-                                        </p:attrNameLst>
-                                      </p:cBhvr>
-                                      <p:to>
-                                        <p:strVal val="visible"/>
-                                      </p:to>
-                                    </p:set>
-                                  </p:childTnLst>
-                                </p:cTn>
-                              </p:par>
-                            </p:childTnLst>
-                          </p:cTn>
-                        </p:par>
-                      </p:childTnLst>
-                    </p:cTn>
-                  </p:par>
-                  <p:par>
-                    <p:cTn id="23" fill="hold">
-                      <p:stCondLst>
-                        <p:cond delay="indefinite"/>
-                      </p:stCondLst>
-                      <p:childTnLst>
-                        <p:par>
-                          <p:cTn id="24" fill="hold">
-                            <p:stCondLst>
-                              <p:cond delay="0"/>
-                            </p:stCondLst>
-                            <p:childTnLst>
-                              <p:par>
-                                <p:cTn id="25" presetID="1" presetClass="entr" presetSubtype="0" fill="hold" nodeType="clickEffect">
-                                  <p:stCondLst>
-                                    <p:cond delay="0"/>
-                                  </p:stCondLst>
-                                  <p:childTnLst>
-                                    <p:set>
-                                      <p:cBhvr>
-                                        <p:cTn id="26" dur="1" fill="hold">
-                                          <p:stCondLst>
-                                            <p:cond delay="0"/>
-                                          </p:stCondLst>
-                                        </p:cTn>
-                                        <p:tgtEl>
-                                          <p:spTgt spid="3">
-                                            <p:txEl>
-                                              <p:pRg st="6" end="6"/>
                                             </p:txEl>
                                           </p:spTgt>
                                         </p:tgtEl>

--- a/Courses/Software-Sciences/Module-2-DS-and-Algo/08.1-Regular-Expressions-Basics/08.1-Regular-Expressions-Basics.pptx
+++ b/Courses/Software-Sciences/Module-2-DS-and-Algo/08.1-Regular-Expressions-Basics/08.1-Regular-Expressions-Basics.pptx
@@ -46,8 +46,8 @@
     <p:sldId id="562" r:id="rId34"/>
     <p:sldId id="563" r:id="rId35"/>
     <p:sldId id="349" r:id="rId36"/>
-    <p:sldId id="573" r:id="rId37"/>
-    <p:sldId id="574" r:id="rId38"/>
+    <p:sldId id="504" r:id="rId37"/>
+    <p:sldId id="505" r:id="rId38"/>
   </p:sldIdLst>
   <p:sldSz cx="12192000" cy="6858000"/>
   <p:notesSz cx="6858000" cy="9144000"/>
@@ -149,13 +149,13 @@
   <p:extLst>
     <p:ext uri="{521415D9-36F7-43E2-AB2F-B90AF26B5E84}">
       <p14:sectionLst xmlns:p14="http://schemas.microsoft.com/office/powerpoint/2010/main">
-        <p14:section name="Начало" id="{89869A69-6CD5-41F2-98B4-B8003C7F3993}">
+        <p14:section name="Начало" id="{1A7FF257-DF80-4DFE-9AF0-240A5D72F181}">
           <p14:sldIdLst>
             <p14:sldId id="402"/>
             <p14:sldId id="491"/>
           </p14:sldIdLst>
         </p14:section>
-        <p14:section name="Регулярен израз" id="{6242180B-BA8B-4B32-8A69-937E6FA546DF}">
+        <p14:section name="Регулярен израз" id="{8B3393B8-FE56-454A-92E7-017BD7E64CE4}">
           <p14:sldIdLst>
             <p14:sldId id="571"/>
             <p14:sldId id="468"/>
@@ -167,7 +167,7 @@
             <p14:sldId id="536"/>
           </p14:sldIdLst>
         </p14:section>
-        <p14:section name="Quantifier-и и групи" id="{9D4AFA2F-12AD-47EC-A46E-118A42FE28A3}">
+        <p14:section name="Quantifier-и и групи" id="{11780D82-5E1C-4F00-A6CF-0F71EBE8F704}">
           <p14:sldIdLst>
             <p14:sldId id="546"/>
             <p14:sldId id="577"/>
@@ -181,14 +181,14 @@
             <p14:sldId id="570"/>
           </p14:sldIdLst>
         </p14:section>
-        <p14:section name="Обратни референции" id="{2FC7EE92-71ED-415B-9CEE-4531FF063618}">
+        <p14:section name="Обратни референции" id="{458553B7-D717-48FC-B1FB-879F784A364E}">
           <p14:sldIdLst>
             <p14:sldId id="535"/>
             <p14:sldId id="579"/>
             <p14:sldId id="479"/>
           </p14:sldIdLst>
         </p14:section>
-        <p14:section name="Регулярни изрази в C#" id="{B796D4E2-4AF8-924E-B9C0-1168217DD12E}">
+        <p14:section name="Регулярни изрази в C#" id="{F843C36F-5A76-48F9-8AB7-1461D9A01F5D}">
           <p14:sldIdLst>
             <p14:sldId id="551"/>
             <p14:sldId id="552"/>
@@ -203,11 +203,11 @@
             <p14:sldId id="563"/>
           </p14:sldIdLst>
         </p14:section>
-        <p14:section name="Обобщение" id="{222D52D5-457B-425B-B0A1-4297E03B80A3}">
+        <p14:section name="Обобщение" id="{7442C692-910E-496C-84A2-0C0F31F0E922}">
           <p14:sldIdLst>
             <p14:sldId id="349"/>
-            <p14:sldId id="573"/>
-            <p14:sldId id="574"/>
+            <p14:sldId id="504"/>
+            <p14:sldId id="505"/>
           </p14:sldIdLst>
         </p14:section>
       </p14:sectionLst>
@@ -231,21 +231,6 @@
     </p:ext>
   </p:extLst>
 </p:presentation>
-</file>
-
-<file path=ppt/revisionInfo.xml><?xml version="1.0" encoding="utf-8"?>
-<p1510:revInfo xmlns:a="http://schemas.openxmlformats.org/drawingml/2006/main" xmlns:r="http://schemas.openxmlformats.org/officeDocument/2006/relationships" xmlns:p1510="http://schemas.microsoft.com/office/powerpoint/2015/10/main">
-  <p1510:revLst>
-    <p1510:client id="{15F7F4E7-0FB2-C7DA-A1CA-2B04D3D718DD}" v="261" dt="2023-02-09T18:32:45.841"/>
-    <p1510:client id="{17C65F9E-712E-8C95-D37E-ED196ADFFC42}" v="332" dt="2023-02-15T20:50:48.879"/>
-    <p1510:client id="{2B43FD71-6224-EA17-38C6-FC808A712E15}" v="644" dt="2023-02-02T20:22:34.163"/>
-    <p1510:client id="{B27D90A8-4B51-0129-B5CC-68A7E17CD54E}" v="61" dt="2023-02-07T20:46:25.318"/>
-    <p1510:client id="{C1947081-0DA1-A3B4-1681-C0D4F33ABC40}" v="112" dt="2023-02-08T19:37:08.891"/>
-    <p1510:client id="{CB68C0B6-54F7-3853-F68E-D91CE9BF7059}" v="1068" dt="2023-02-06T16:00:21.987"/>
-    <p1510:client id="{D9FBF6CD-C8B0-E3D3-A465-8A5C938EB64A}" v="29" dt="2023-02-14T18:51:51.294"/>
-    <p1510:client id="{F0B3F74A-CEDF-DBEE-6AA7-25381B5806CB}" v="169" dt="2023-02-09T17:16:57.339"/>
-  </p1510:revLst>
-</p1510:revInfo>
 </file>
 
 <file path=ppt/handoutMasters/handoutMaster1.xml><?xml version="1.0" encoding="utf-8"?>
@@ -303,7 +288,7 @@
             </a:lvl1pPr>
           </a:lstStyle>
           <a:p>
-            <a:endParaRPr lang="bg-BG" dirty="0"/>
+            <a:endParaRPr lang="bg-BG"/>
           </a:p>
         </p:txBody>
       </p:sp>
@@ -342,9 +327,9 @@
           <a:p>
             <a:fld id="{4E087215-0C8F-4762-A664-737A353EC9A4}" type="datetimeFigureOut">
               <a:rPr lang="bg-BG" smtClean="0"/>
-              <a:t>19.08.23 г.</a:t>
+              <a:t>17.9.2023 г.</a:t>
             </a:fld>
-            <a:endParaRPr lang="bg-BG" dirty="0"/>
+            <a:endParaRPr lang="bg-BG"/>
           </a:p>
         </p:txBody>
       </p:sp>
@@ -366,8 +351,8 @@
         </p:nvSpPr>
         <p:spPr>
           <a:xfrm>
-            <a:off x="-1" y="8847000"/>
-            <a:ext cx="6443999" cy="297000"/>
+            <a:off x="-1" y="8892000"/>
+            <a:ext cx="6443999" cy="252000"/>
           </a:xfrm>
           <a:prstGeom prst="rect">
             <a:avLst/>
@@ -382,19 +367,24 @@
           </a:lstStyle>
           <a:p>
             <a:r>
-              <a:rPr lang="en-US" sz="1100" dirty="0"/>
-              <a:t>© SoftUni – </a:t>
-            </a:r>
-            <a:r>
-              <a:rPr lang="en-US" sz="1100" u="sng" dirty="0">
+              <a:rPr lang="bg-BG" sz="1100" dirty="0"/>
+              <a:t>Работна група </a:t>
+            </a:r>
+            <a:r>
+              <a:rPr lang="ru-RU" sz="1100" dirty="0"/>
+              <a:t>"Образование по програмиране и ИТ</a:t>
+            </a:r>
+            <a:r>
+              <a:rPr lang="bg-BG" sz="1100" dirty="0"/>
+              <a:t>", с подкрепата на </a:t>
+            </a:r>
+            <a:r>
+              <a:rPr lang="en-US" sz="1100" dirty="0">
                 <a:hlinkClick r:id="rId2"/>
               </a:rPr>
-              <a:t>https://softuni.org</a:t>
-            </a:r>
-            <a:r>
-              <a:rPr lang="en-US" sz="1100" dirty="0"/>
-              <a:t>. Copyrighted document. Unauthorized copy or reproduction is not permitted.</a:t>
-            </a:r>
+              <a:t>SoftUni</a:t>
+            </a:r>
+            <a:endParaRPr lang="en-US" sz="1100" dirty="0"/>
           </a:p>
         </p:txBody>
       </p:sp>
@@ -416,8 +406,8 @@
         </p:nvSpPr>
         <p:spPr>
           <a:xfrm>
-            <a:off x="6443999" y="8847000"/>
-            <a:ext cx="412413" cy="297000"/>
+            <a:off x="6443999" y="8892000"/>
+            <a:ext cx="412413" cy="252000"/>
           </a:xfrm>
           <a:prstGeom prst="rect">
             <a:avLst/>
@@ -500,7 +490,7 @@
             </a:lvl1pPr>
           </a:lstStyle>
           <a:p>
-            <a:endParaRPr lang="en-US" dirty="0"/>
+            <a:endParaRPr lang="en-US"/>
           </a:p>
         </p:txBody>
       </p:sp>
@@ -533,9 +523,9 @@
           <a:p>
             <a:fld id="{72D84649-876A-46C9-8472-14CB09C070D8}" type="datetimeFigureOut">
               <a:rPr lang="en-US" smtClean="0"/>
-              <a:t>8/19/23</a:t>
+              <a:t>9/17/2023</a:t>
             </a:fld>
-            <a:endParaRPr lang="en-US" dirty="0"/>
+            <a:endParaRPr lang="en-US"/>
           </a:p>
         </p:txBody>
       </p:sp>
@@ -568,7 +558,7 @@
           <a:bodyPr vert="horz" lIns="91440" tIns="45720" rIns="91440" bIns="45720" rtlCol="0" anchor="ctr"/>
           <a:lstStyle/>
           <a:p>
-            <a:endParaRPr lang="en-US" dirty="0"/>
+            <a:endParaRPr lang="en-US"/>
           </a:p>
         </p:txBody>
       </p:sp>
@@ -643,8 +633,8 @@
         </p:nvSpPr>
         <p:spPr>
           <a:xfrm>
-            <a:off x="6488999" y="8847000"/>
-            <a:ext cx="367414" cy="297000"/>
+            <a:off x="6488999" y="8892000"/>
+            <a:ext cx="367414" cy="252000"/>
           </a:xfrm>
           <a:prstGeom prst="rect">
             <a:avLst/>
@@ -684,8 +674,8 @@
         </p:nvSpPr>
         <p:spPr>
           <a:xfrm>
-            <a:off x="-1" y="8847000"/>
-            <a:ext cx="6488999" cy="297000"/>
+            <a:off x="-1" y="8892000"/>
+            <a:ext cx="6488999" cy="252000"/>
           </a:xfrm>
           <a:prstGeom prst="rect">
             <a:avLst/>
@@ -700,19 +690,24 @@
           </a:lstStyle>
           <a:p>
             <a:r>
-              <a:rPr lang="en-US" dirty="0"/>
-              <a:t>© SoftUni – </a:t>
-            </a:r>
-            <a:r>
-              <a:rPr lang="en-US" u="sng" dirty="0">
+              <a:rPr lang="bg-BG" sz="1100" dirty="0"/>
+              <a:t>Работна група </a:t>
+            </a:r>
+            <a:r>
+              <a:rPr lang="bg-BG" dirty="0"/>
+              <a:t>"Образование по програмиране и ИТ"</a:t>
+            </a:r>
+            <a:r>
+              <a:rPr lang="bg-BG" sz="1100" dirty="0"/>
+              <a:t>, с подкрепата на </a:t>
+            </a:r>
+            <a:r>
+              <a:rPr lang="en-US" sz="1100" dirty="0">
                 <a:hlinkClick r:id="rId2"/>
               </a:rPr>
-              <a:t>https://softuni.org</a:t>
-            </a:r>
-            <a:r>
-              <a:rPr lang="en-US" dirty="0"/>
-              <a:t>. Copyrighted document. Unauthorized copy or reproduction is not permitted.</a:t>
-            </a:r>
+              <a:t>SoftUni</a:t>
+            </a:r>
+            <a:endParaRPr lang="en-US" sz="1100" dirty="0"/>
           </a:p>
         </p:txBody>
       </p:sp>
@@ -894,10 +889,10 @@
       </p:sp>
       <p:sp>
         <p:nvSpPr>
-          <p:cNvPr id="7" name="Footer Placeholder 7">
+          <p:cNvPr id="4" name="Footer Placeholder 7">
             <a:extLst>
               <a:ext uri="{FF2B5EF4-FFF2-40B4-BE49-F238E27FC236}">
-                <a16:creationId xmlns:a16="http://schemas.microsoft.com/office/drawing/2014/main" id="{DBA3BCA5-48EE-4F91-9E22-AB79B2794DA2}"/>
+                <a16:creationId xmlns:a16="http://schemas.microsoft.com/office/drawing/2014/main" id="{A85E662F-A928-7A39-5C18-9D4808A3F368}"/>
               </a:ext>
             </a:extLst>
           </p:cNvPr>
@@ -910,8 +905,8 @@
         </p:nvSpPr>
         <p:spPr>
           <a:xfrm>
-            <a:off x="-1" y="8847000"/>
-            <a:ext cx="6488999" cy="297000"/>
+            <a:off x="-1" y="8892000"/>
+            <a:ext cx="6488999" cy="252000"/>
           </a:xfrm>
           <a:prstGeom prst="rect">
             <a:avLst/>
@@ -926,26 +921,31 @@
           </a:lstStyle>
           <a:p>
             <a:r>
-              <a:rPr lang="en-US" dirty="0"/>
-              <a:t>© SoftUni – </a:t>
-            </a:r>
-            <a:r>
-              <a:rPr lang="en-US" u="sng" dirty="0">
+              <a:rPr lang="bg-BG" sz="1100" dirty="0"/>
+              <a:t>Работна група </a:t>
+            </a:r>
+            <a:r>
+              <a:rPr lang="bg-BG" dirty="0"/>
+              <a:t>"Образование по програмиране и ИТ"</a:t>
+            </a:r>
+            <a:r>
+              <a:rPr lang="bg-BG" sz="1100" dirty="0"/>
+              <a:t>, с подкрепата на </a:t>
+            </a:r>
+            <a:r>
+              <a:rPr lang="en-US" sz="1100" dirty="0">
                 <a:hlinkClick r:id="rId3"/>
               </a:rPr>
-              <a:t>https://softuni.org</a:t>
-            </a:r>
-            <a:r>
-              <a:rPr lang="en-US" dirty="0"/>
-              <a:t>. Copyrighted document. Unauthorized copy or reproduction is not permitted.</a:t>
-            </a:r>
+              <a:t>SoftUni</a:t>
+            </a:r>
+            <a:endParaRPr lang="en-US" sz="1100" dirty="0"/>
           </a:p>
         </p:txBody>
       </p:sp>
     </p:spTree>
     <p:extLst>
       <p:ext uri="{BB962C8B-B14F-4D97-AF65-F5344CB8AC3E}">
-        <p14:creationId xmlns:p14="http://schemas.microsoft.com/office/powerpoint/2010/main" val="857072658"/>
+        <p14:creationId xmlns:p14="http://schemas.microsoft.com/office/powerpoint/2010/main" val="643036296"/>
       </p:ext>
     </p:extLst>
   </p:cSld>
@@ -1028,7 +1028,13 @@
       </p:sp>
       <p:sp>
         <p:nvSpPr>
-          <p:cNvPr id="5" name="Footer Placeholder 4"/>
+          <p:cNvPr id="6" name="Footer Placeholder 7">
+            <a:extLst>
+              <a:ext uri="{FF2B5EF4-FFF2-40B4-BE49-F238E27FC236}">
+                <a16:creationId xmlns:a16="http://schemas.microsoft.com/office/drawing/2014/main" id="{71587512-DFAB-A12E-3BB4-E6B42776B18F}"/>
+              </a:ext>
+            </a:extLst>
+          </p:cNvPr>
           <p:cNvSpPr>
             <a:spLocks noGrp="1"/>
           </p:cNvSpPr>
@@ -1036,32 +1042,49 @@
             <p:ph type="ftr" sz="quarter" idx="4"/>
           </p:nvPr>
         </p:nvSpPr>
-        <p:spPr/>
+        <p:spPr>
+          <a:xfrm>
+            <a:off x="-1" y="8892000"/>
+            <a:ext cx="6488999" cy="252000"/>
+          </a:xfrm>
+          <a:prstGeom prst="rect">
+            <a:avLst/>
+          </a:prstGeom>
+        </p:spPr>
         <p:txBody>
-          <a:bodyPr/>
-          <a:lstStyle/>
-          <a:p>
-            <a:r>
-              <a:rPr lang="en-US" dirty="0"/>
-              <a:t>© SoftUni – </a:t>
-            </a:r>
-            <a:r>
-              <a:rPr lang="en-US" u="sng" dirty="0">
+          <a:bodyPr vert="horz" lIns="91440" tIns="45720" rIns="91440" bIns="45720" rtlCol="0" anchor="b"/>
+          <a:lstStyle>
+            <a:lvl1pPr algn="l">
+              <a:defRPr sz="1100"/>
+            </a:lvl1pPr>
+          </a:lstStyle>
+          <a:p>
+            <a:r>
+              <a:rPr lang="bg-BG" sz="1100" dirty="0"/>
+              <a:t>Работна група </a:t>
+            </a:r>
+            <a:r>
+              <a:rPr lang="bg-BG" dirty="0"/>
+              <a:t>"Образование по програмиране и ИТ"</a:t>
+            </a:r>
+            <a:r>
+              <a:rPr lang="bg-BG" sz="1100" dirty="0"/>
+              <a:t>, с подкрепата на </a:t>
+            </a:r>
+            <a:r>
+              <a:rPr lang="en-US" sz="1100" dirty="0">
                 <a:hlinkClick r:id="rId3"/>
               </a:rPr>
-              <a:t>https://softuni.org</a:t>
-            </a:r>
-            <a:r>
-              <a:rPr lang="en-US" dirty="0"/>
-              <a:t>. Copyrighted document. Unauthorized copy or reproduction is not permitted.</a:t>
-            </a:r>
+              <a:t>SoftUni</a:t>
+            </a:r>
+            <a:endParaRPr lang="en-US" sz="1100" dirty="0"/>
           </a:p>
         </p:txBody>
       </p:sp>
     </p:spTree>
     <p:extLst>
       <p:ext uri="{BB962C8B-B14F-4D97-AF65-F5344CB8AC3E}">
-        <p14:creationId xmlns:p14="http://schemas.microsoft.com/office/powerpoint/2010/main" val="1146374170"/>
+        <p14:creationId xmlns:p14="http://schemas.microsoft.com/office/powerpoint/2010/main" val="2234145190"/>
       </p:ext>
     </p:extLst>
   </p:cSld>
@@ -1153,10 +1176,10 @@
       </p:sp>
       <p:sp>
         <p:nvSpPr>
-          <p:cNvPr id="7" name="Footer Placeholder 7">
+          <p:cNvPr id="4" name="Footer Placeholder 7">
             <a:extLst>
               <a:ext uri="{FF2B5EF4-FFF2-40B4-BE49-F238E27FC236}">
-                <a16:creationId xmlns:a16="http://schemas.microsoft.com/office/drawing/2014/main" id="{80D99698-98B2-40B6-B95F-E9484653BB1C}"/>
+                <a16:creationId xmlns:a16="http://schemas.microsoft.com/office/drawing/2014/main" id="{3234AAE7-02FD-0E79-2711-E66953A42A9D}"/>
               </a:ext>
             </a:extLst>
           </p:cNvPr>
@@ -1169,8 +1192,8 @@
         </p:nvSpPr>
         <p:spPr>
           <a:xfrm>
-            <a:off x="-1" y="8847000"/>
-            <a:ext cx="6488999" cy="297000"/>
+            <a:off x="-1" y="8892000"/>
+            <a:ext cx="6488999" cy="252000"/>
           </a:xfrm>
           <a:prstGeom prst="rect">
             <a:avLst/>
@@ -1185,26 +1208,31 @@
           </a:lstStyle>
           <a:p>
             <a:r>
-              <a:rPr lang="en-US" dirty="0"/>
-              <a:t>© SoftUni – </a:t>
-            </a:r>
-            <a:r>
-              <a:rPr lang="en-US" u="sng" dirty="0">
+              <a:rPr lang="bg-BG" sz="1100" dirty="0"/>
+              <a:t>Работна група </a:t>
+            </a:r>
+            <a:r>
+              <a:rPr lang="bg-BG" dirty="0"/>
+              <a:t>"Образование по програмиране и ИТ"</a:t>
+            </a:r>
+            <a:r>
+              <a:rPr lang="bg-BG" sz="1100" dirty="0"/>
+              <a:t>, с подкрепата на </a:t>
+            </a:r>
+            <a:r>
+              <a:rPr lang="en-US" sz="1100" dirty="0">
                 <a:hlinkClick r:id="rId3"/>
               </a:rPr>
-              <a:t>https://softuni.org</a:t>
-            </a:r>
-            <a:r>
-              <a:rPr lang="en-US" dirty="0"/>
-              <a:t>. Copyrighted document. Unauthorized copy or reproduction is not permitted.</a:t>
-            </a:r>
+              <a:t>SoftUni</a:t>
+            </a:r>
+            <a:endParaRPr lang="en-US" sz="1100" dirty="0"/>
           </a:p>
         </p:txBody>
       </p:sp>
     </p:spTree>
     <p:extLst>
       <p:ext uri="{BB962C8B-B14F-4D97-AF65-F5344CB8AC3E}">
-        <p14:creationId xmlns:p14="http://schemas.microsoft.com/office/powerpoint/2010/main" val="603171813"/>
+        <p14:creationId xmlns:p14="http://schemas.microsoft.com/office/powerpoint/2010/main" val="3122514749"/>
       </p:ext>
     </p:extLst>
   </p:cSld>
@@ -1288,10 +1316,10 @@
       </p:sp>
       <p:sp>
         <p:nvSpPr>
-          <p:cNvPr id="6" name="Footer Placeholder 7">
+          <p:cNvPr id="4" name="Footer Placeholder 7">
             <a:extLst>
               <a:ext uri="{FF2B5EF4-FFF2-40B4-BE49-F238E27FC236}">
-                <a16:creationId xmlns:a16="http://schemas.microsoft.com/office/drawing/2014/main" id="{2DAFC48F-E8F3-4544-9AC5-0DD32FB9B96A}"/>
+                <a16:creationId xmlns:a16="http://schemas.microsoft.com/office/drawing/2014/main" id="{445D132E-11DD-DFD9-951F-4E145FE370BB}"/>
               </a:ext>
             </a:extLst>
           </p:cNvPr>
@@ -1304,8 +1332,8 @@
         </p:nvSpPr>
         <p:spPr>
           <a:xfrm>
-            <a:off x="-1" y="8847000"/>
-            <a:ext cx="6488999" cy="297000"/>
+            <a:off x="-1" y="8892000"/>
+            <a:ext cx="6488999" cy="252000"/>
           </a:xfrm>
           <a:prstGeom prst="rect">
             <a:avLst/>
@@ -1320,26 +1348,31 @@
           </a:lstStyle>
           <a:p>
             <a:r>
-              <a:rPr lang="en-US" dirty="0"/>
-              <a:t>© SoftUni – </a:t>
-            </a:r>
-            <a:r>
-              <a:rPr lang="en-US" u="sng" dirty="0">
+              <a:rPr lang="bg-BG" sz="1100" dirty="0"/>
+              <a:t>Работна група </a:t>
+            </a:r>
+            <a:r>
+              <a:rPr lang="bg-BG" dirty="0"/>
+              <a:t>"Образование по програмиране и ИТ"</a:t>
+            </a:r>
+            <a:r>
+              <a:rPr lang="bg-BG" sz="1100" dirty="0"/>
+              <a:t>, с подкрепата на </a:t>
+            </a:r>
+            <a:r>
+              <a:rPr lang="en-US" sz="1100" dirty="0">
                 <a:hlinkClick r:id="rId3"/>
               </a:rPr>
-              <a:t>https://softuni.org</a:t>
-            </a:r>
-            <a:r>
-              <a:rPr lang="en-US" dirty="0"/>
-              <a:t>. Copyrighted document. Unauthorized copy or reproduction is not permitted.</a:t>
-            </a:r>
+              <a:t>SoftUni</a:t>
+            </a:r>
+            <a:endParaRPr lang="en-US" sz="1100" dirty="0"/>
           </a:p>
         </p:txBody>
       </p:sp>
     </p:spTree>
     <p:extLst>
       <p:ext uri="{BB962C8B-B14F-4D97-AF65-F5344CB8AC3E}">
-        <p14:creationId xmlns:p14="http://schemas.microsoft.com/office/powerpoint/2010/main" val="1462438434"/>
+        <p14:creationId xmlns:p14="http://schemas.microsoft.com/office/powerpoint/2010/main" val="3741674207"/>
       </p:ext>
     </p:extLst>
   </p:cSld>
@@ -1423,10 +1456,10 @@
       </p:sp>
       <p:sp>
         <p:nvSpPr>
-          <p:cNvPr id="6" name="Footer Placeholder 7">
+          <p:cNvPr id="4" name="Footer Placeholder 7">
             <a:extLst>
               <a:ext uri="{FF2B5EF4-FFF2-40B4-BE49-F238E27FC236}">
-                <a16:creationId xmlns:a16="http://schemas.microsoft.com/office/drawing/2014/main" id="{F66055C1-F960-4070-B03F-32780A35BF75}"/>
+                <a16:creationId xmlns:a16="http://schemas.microsoft.com/office/drawing/2014/main" id="{BCB30228-A97C-A471-9EF6-ABF2C26833AA}"/>
               </a:ext>
             </a:extLst>
           </p:cNvPr>
@@ -1439,8 +1472,8 @@
         </p:nvSpPr>
         <p:spPr>
           <a:xfrm>
-            <a:off x="-1" y="8847000"/>
-            <a:ext cx="6488999" cy="297000"/>
+            <a:off x="-1" y="8892000"/>
+            <a:ext cx="6488999" cy="252000"/>
           </a:xfrm>
           <a:prstGeom prst="rect">
             <a:avLst/>
@@ -1455,26 +1488,31 @@
           </a:lstStyle>
           <a:p>
             <a:r>
-              <a:rPr lang="en-US" dirty="0"/>
-              <a:t>© SoftUni – </a:t>
-            </a:r>
-            <a:r>
-              <a:rPr lang="en-US" u="sng" dirty="0">
+              <a:rPr lang="bg-BG" sz="1100" dirty="0"/>
+              <a:t>Работна група </a:t>
+            </a:r>
+            <a:r>
+              <a:rPr lang="bg-BG" dirty="0"/>
+              <a:t>"Образование по програмиране и ИТ"</a:t>
+            </a:r>
+            <a:r>
+              <a:rPr lang="bg-BG" sz="1100" dirty="0"/>
+              <a:t>, с подкрепата на </a:t>
+            </a:r>
+            <a:r>
+              <a:rPr lang="en-US" sz="1100" dirty="0">
                 <a:hlinkClick r:id="rId3"/>
               </a:rPr>
-              <a:t>https://softuni.org</a:t>
-            </a:r>
-            <a:r>
-              <a:rPr lang="en-US" dirty="0"/>
-              <a:t>. Copyrighted document. Unauthorized copy or reproduction is not permitted.</a:t>
-            </a:r>
+              <a:t>SoftUni</a:t>
+            </a:r>
+            <a:endParaRPr lang="en-US" sz="1100" dirty="0"/>
           </a:p>
         </p:txBody>
       </p:sp>
     </p:spTree>
     <p:extLst>
       <p:ext uri="{BB962C8B-B14F-4D97-AF65-F5344CB8AC3E}">
-        <p14:creationId xmlns:p14="http://schemas.microsoft.com/office/powerpoint/2010/main" val="1094409252"/>
+        <p14:creationId xmlns:p14="http://schemas.microsoft.com/office/powerpoint/2010/main" val="501095121"/>
       </p:ext>
     </p:extLst>
   </p:cSld>
@@ -1558,10 +1596,10 @@
       </p:sp>
       <p:sp>
         <p:nvSpPr>
-          <p:cNvPr id="6" name="Footer Placeholder 7">
+          <p:cNvPr id="4" name="Footer Placeholder 7">
             <a:extLst>
               <a:ext uri="{FF2B5EF4-FFF2-40B4-BE49-F238E27FC236}">
-                <a16:creationId xmlns:a16="http://schemas.microsoft.com/office/drawing/2014/main" id="{C1E5074E-FF59-4728-8F20-53B2A13FAB13}"/>
+                <a16:creationId xmlns:a16="http://schemas.microsoft.com/office/drawing/2014/main" id="{2516E436-01E7-1115-CF06-57231EF73BCA}"/>
               </a:ext>
             </a:extLst>
           </p:cNvPr>
@@ -1574,8 +1612,8 @@
         </p:nvSpPr>
         <p:spPr>
           <a:xfrm>
-            <a:off x="-1" y="8847000"/>
-            <a:ext cx="6488999" cy="297000"/>
+            <a:off x="-1" y="8892000"/>
+            <a:ext cx="6488999" cy="252000"/>
           </a:xfrm>
           <a:prstGeom prst="rect">
             <a:avLst/>
@@ -1590,26 +1628,31 @@
           </a:lstStyle>
           <a:p>
             <a:r>
-              <a:rPr lang="en-US" dirty="0"/>
-              <a:t>© SoftUni – </a:t>
-            </a:r>
-            <a:r>
-              <a:rPr lang="en-US" u="sng" dirty="0">
+              <a:rPr lang="bg-BG" sz="1100" dirty="0"/>
+              <a:t>Работна група </a:t>
+            </a:r>
+            <a:r>
+              <a:rPr lang="bg-BG" dirty="0"/>
+              <a:t>"Образование по програмиране и ИТ"</a:t>
+            </a:r>
+            <a:r>
+              <a:rPr lang="bg-BG" sz="1100" dirty="0"/>
+              <a:t>, с подкрепата на </a:t>
+            </a:r>
+            <a:r>
+              <a:rPr lang="en-US" sz="1100" dirty="0">
                 <a:hlinkClick r:id="rId3"/>
               </a:rPr>
-              <a:t>https://softuni.org</a:t>
-            </a:r>
-            <a:r>
-              <a:rPr lang="en-US" dirty="0"/>
-              <a:t>. Copyrighted document. Unauthorized copy or reproduction is not permitted.</a:t>
-            </a:r>
+              <a:t>SoftUni</a:t>
+            </a:r>
+            <a:endParaRPr lang="en-US" sz="1100" dirty="0"/>
           </a:p>
         </p:txBody>
       </p:sp>
     </p:spTree>
     <p:extLst>
       <p:ext uri="{BB962C8B-B14F-4D97-AF65-F5344CB8AC3E}">
-        <p14:creationId xmlns:p14="http://schemas.microsoft.com/office/powerpoint/2010/main" val="450134541"/>
+        <p14:creationId xmlns:p14="http://schemas.microsoft.com/office/powerpoint/2010/main" val="875617572"/>
       </p:ext>
     </p:extLst>
   </p:cSld>
@@ -1799,10 +1842,10 @@
       </p:sp>
       <p:sp>
         <p:nvSpPr>
-          <p:cNvPr id="6" name="Footer Placeholder 7">
+          <p:cNvPr id="5" name="Footer Placeholder 7">
             <a:extLst>
               <a:ext uri="{FF2B5EF4-FFF2-40B4-BE49-F238E27FC236}">
-                <a16:creationId xmlns:a16="http://schemas.microsoft.com/office/drawing/2014/main" id="{9CFE5E97-8D68-4134-8407-17031A0C4EE4}"/>
+                <a16:creationId xmlns:a16="http://schemas.microsoft.com/office/drawing/2014/main" id="{9097A053-7891-44F3-D667-E2AB624D9EAA}"/>
               </a:ext>
             </a:extLst>
           </p:cNvPr>
@@ -1815,8 +1858,8 @@
         </p:nvSpPr>
         <p:spPr>
           <a:xfrm>
-            <a:off x="-1" y="8847000"/>
-            <a:ext cx="6488999" cy="297000"/>
+            <a:off x="-1" y="8892000"/>
+            <a:ext cx="6488999" cy="252000"/>
           </a:xfrm>
           <a:prstGeom prst="rect">
             <a:avLst/>
@@ -1831,26 +1874,31 @@
           </a:lstStyle>
           <a:p>
             <a:r>
-              <a:rPr lang="en-US" dirty="0"/>
-              <a:t>© SoftUni – </a:t>
-            </a:r>
-            <a:r>
-              <a:rPr lang="en-US" u="sng" dirty="0">
+              <a:rPr lang="bg-BG" sz="1100" dirty="0"/>
+              <a:t>Работна група </a:t>
+            </a:r>
+            <a:r>
+              <a:rPr lang="bg-BG" dirty="0"/>
+              <a:t>"Образование по програмиране и ИТ"</a:t>
+            </a:r>
+            <a:r>
+              <a:rPr lang="bg-BG" sz="1100" dirty="0"/>
+              <a:t>, с подкрепата на </a:t>
+            </a:r>
+            <a:r>
+              <a:rPr lang="en-US" sz="1100" dirty="0">
                 <a:hlinkClick r:id="rId3"/>
               </a:rPr>
-              <a:t>https://softuni.org</a:t>
-            </a:r>
-            <a:r>
-              <a:rPr lang="en-US" dirty="0"/>
-              <a:t>. Copyrighted document. Unauthorized copy or reproduction is not permitted.</a:t>
-            </a:r>
+              <a:t>SoftUni</a:t>
+            </a:r>
+            <a:endParaRPr lang="en-US" sz="1100" dirty="0"/>
           </a:p>
         </p:txBody>
       </p:sp>
     </p:spTree>
     <p:extLst>
       <p:ext uri="{BB962C8B-B14F-4D97-AF65-F5344CB8AC3E}">
-        <p14:creationId xmlns:p14="http://schemas.microsoft.com/office/powerpoint/2010/main" val="93676303"/>
+        <p14:creationId xmlns:p14="http://schemas.microsoft.com/office/powerpoint/2010/main" val="3730736208"/>
       </p:ext>
     </p:extLst>
   </p:cSld>
@@ -1904,7 +1952,7 @@
           <a:bodyPr/>
           <a:lstStyle/>
           <a:p>
-            <a:endParaRPr lang="en-US" dirty="0"/>
+            <a:endParaRPr lang="en-US"/>
           </a:p>
         </p:txBody>
       </p:sp>
@@ -2040,10 +2088,10 @@
       </p:sp>
       <p:sp>
         <p:nvSpPr>
-          <p:cNvPr id="7" name="Footer Placeholder 7">
+          <p:cNvPr id="5" name="Footer Placeholder 7">
             <a:extLst>
               <a:ext uri="{FF2B5EF4-FFF2-40B4-BE49-F238E27FC236}">
-                <a16:creationId xmlns:a16="http://schemas.microsoft.com/office/drawing/2014/main" id="{6440DE1F-FF39-450B-9BB2-FD91A9B92021}"/>
+                <a16:creationId xmlns:a16="http://schemas.microsoft.com/office/drawing/2014/main" id="{5535ED3A-D7CA-94BE-3196-DBDE37B90D42}"/>
               </a:ext>
             </a:extLst>
           </p:cNvPr>
@@ -2056,8 +2104,8 @@
         </p:nvSpPr>
         <p:spPr>
           <a:xfrm>
-            <a:off x="-1" y="8847000"/>
-            <a:ext cx="6488999" cy="297000"/>
+            <a:off x="-1" y="8892000"/>
+            <a:ext cx="6488999" cy="252000"/>
           </a:xfrm>
           <a:prstGeom prst="rect">
             <a:avLst/>
@@ -2072,26 +2120,31 @@
           </a:lstStyle>
           <a:p>
             <a:r>
-              <a:rPr lang="en-US" dirty="0"/>
-              <a:t>© SoftUni – </a:t>
-            </a:r>
-            <a:r>
-              <a:rPr lang="en-US" u="sng" dirty="0">
+              <a:rPr lang="bg-BG" sz="1100" dirty="0"/>
+              <a:t>Работна група </a:t>
+            </a:r>
+            <a:r>
+              <a:rPr lang="bg-BG" dirty="0"/>
+              <a:t>"Образование по програмиране и ИТ"</a:t>
+            </a:r>
+            <a:r>
+              <a:rPr lang="bg-BG" sz="1100" dirty="0"/>
+              <a:t>, с подкрепата на </a:t>
+            </a:r>
+            <a:r>
+              <a:rPr lang="en-US" sz="1100" dirty="0">
                 <a:hlinkClick r:id="rId3"/>
               </a:rPr>
-              <a:t>https://softuni.org</a:t>
-            </a:r>
-            <a:r>
-              <a:rPr lang="en-US" dirty="0"/>
-              <a:t>. Copyrighted document. Unauthorized copy or reproduction is not permitted.</a:t>
-            </a:r>
+              <a:t>SoftUni</a:t>
+            </a:r>
+            <a:endParaRPr lang="en-US" sz="1100" dirty="0"/>
           </a:p>
         </p:txBody>
       </p:sp>
     </p:spTree>
     <p:extLst>
       <p:ext uri="{BB962C8B-B14F-4D97-AF65-F5344CB8AC3E}">
-        <p14:creationId xmlns:p14="http://schemas.microsoft.com/office/powerpoint/2010/main" val="2767550425"/>
+        <p14:creationId xmlns:p14="http://schemas.microsoft.com/office/powerpoint/2010/main" val="4085323310"/>
       </p:ext>
     </p:extLst>
   </p:cSld>
@@ -2102,7 +2155,7 @@
 </file>
 
 <file path=ppt/slideLayouts/slideLayout1.xml><?xml version="1.0" encoding="utf-8"?>
-<p:sldLayout xmlns:a="http://schemas.openxmlformats.org/drawingml/2006/main" xmlns:r="http://schemas.openxmlformats.org/officeDocument/2006/relationships" xmlns:p="http://schemas.openxmlformats.org/presentationml/2006/main" preserve="1">
+<p:sldLayout xmlns:a="http://schemas.openxmlformats.org/drawingml/2006/main" xmlns:r="http://schemas.openxmlformats.org/officeDocument/2006/relationships" xmlns:p="http://schemas.openxmlformats.org/presentationml/2006/main" preserve="1" userDrawn="1">
   <p:cSld name="Presentation Title Slide">
     <p:spTree>
       <p:nvGrpSpPr>
@@ -2128,7 +2181,7 @@
             </a:extLst>
           </p:cNvPr>
           <p:cNvSpPr/>
-          <p:nvPr/>
+          <p:nvPr userDrawn="1"/>
         </p:nvSpPr>
         <p:spPr>
           <a:xfrm>
@@ -2182,7 +2235,7 @@
               <a:tabLst/>
               <a:defRPr/>
             </a:pPr>
-            <a:endParaRPr kumimoji="0" lang="en-US" altLang="ko-KR" sz="2398" b="0" i="0" u="none" strike="noStrike" kern="1200" cap="none" spc="0" normalizeH="0" baseline="0" noProof="0" dirty="0">
+            <a:endParaRPr kumimoji="0" lang="en-US" altLang="ko-KR" sz="2398" b="0" i="0" u="none" strike="noStrike" kern="1200" cap="none" spc="0" normalizeH="0" baseline="0" noProof="0">
               <a:ln>
                 <a:noFill/>
               </a:ln>
@@ -2199,55 +2252,139 @@
           </a:p>
         </p:txBody>
       </p:sp>
-      <p:pic>
-        <p:nvPicPr>
-          <p:cNvPr id="14" name="Picture Logo SoftUni" descr="SoftUni logo">
+      <p:sp>
+        <p:nvSpPr>
+          <p:cNvPr id="33" name="Picture Placeholder Title Image">
             <a:extLst>
               <a:ext uri="{FF2B5EF4-FFF2-40B4-BE49-F238E27FC236}">
-                <a16:creationId xmlns:a16="http://schemas.microsoft.com/office/drawing/2014/main" id="{C4D6B2A2-DFF0-4712-BFEC-6676BEC99FEC}"/>
+                <a16:creationId xmlns:a16="http://schemas.microsoft.com/office/drawing/2014/main" id="{A04D819A-89E2-4714-8C56-1838BF467EF7}"/>
               </a:ext>
             </a:extLst>
           </p:cNvPr>
-          <p:cNvPicPr>
-            <a:picLocks noChangeAspect="1"/>
-          </p:cNvPicPr>
-          <p:nvPr userDrawn="1"/>
-        </p:nvPicPr>
-        <p:blipFill>
-          <a:blip r:embed="rId2">
-            <a:clrChange>
-              <a:clrFrom>
-                <a:srgbClr val="FFFFFF"/>
-              </a:clrFrom>
-              <a:clrTo>
-                <a:srgbClr val="FFFFFF">
-                  <a:alpha val="0"/>
-                </a:srgbClr>
-              </a:clrTo>
-            </a:clrChange>
+          <p:cNvSpPr>
+            <a:spLocks noGrp="1"/>
+          </p:cNvSpPr>
+          <p:nvPr>
+            <p:ph type="pic" sz="quarter" idx="10"/>
+          </p:nvPr>
+        </p:nvSpPr>
+        <p:spPr>
+          <a:xfrm>
+            <a:off x="6390123" y="3400017"/>
+            <a:ext cx="5248260" cy="2188983"/>
+          </a:xfrm>
+        </p:spPr>
+        <p:txBody>
+          <a:bodyPr/>
+          <a:lstStyle>
+            <a:lvl1pPr marL="0" indent="0" algn="ctr" latinLnBrk="0">
+              <a:buNone/>
+              <a:defRPr>
+                <a:solidFill>
+                  <a:schemeClr val="bg1"/>
+                </a:solidFill>
+              </a:defRPr>
+            </a:lvl1pPr>
+          </a:lstStyle>
+          <a:p>
+            <a:r>
+              <a:rPr lang="en-US" noProof="0" dirty="0"/>
+              <a:t>Click icon to add picture</a:t>
+            </a:r>
+          </a:p>
+        </p:txBody>
+      </p:sp>
+      <p:sp>
+        <p:nvSpPr>
+          <p:cNvPr id="10" name="Company Web Site">
             <a:extLst>
-              <a:ext uri="{28A0092B-C50C-407E-A947-70E740481C1C}">
-                <a14:useLocalDpi xmlns:a14="http://schemas.microsoft.com/office/drawing/2010/main" val="0"/>
+              <a:ext uri="{FF2B5EF4-FFF2-40B4-BE49-F238E27FC236}">
+                <a16:creationId xmlns:a16="http://schemas.microsoft.com/office/drawing/2014/main" id="{0B99B1EE-62FA-4AA4-920C-D444D6C0B778}"/>
               </a:ext>
             </a:extLst>
-          </a:blip>
-          <a:stretch>
-            <a:fillRect/>
-          </a:stretch>
-        </p:blipFill>
+          </p:cNvPr>
+          <p:cNvSpPr>
+            <a:spLocks noGrp="1"/>
+          </p:cNvSpPr>
+          <p:nvPr>
+            <p:ph type="body" sz="quarter" idx="22" hasCustomPrompt="1"/>
+          </p:nvPr>
+        </p:nvSpPr>
         <p:spPr>
           <a:xfrm>
-            <a:off x="4324460" y="5184000"/>
-            <a:ext cx="3751540" cy="1297655"/>
+            <a:off x="6390120" y="6086106"/>
+            <a:ext cx="5248260" cy="341313"/>
           </a:xfrm>
-          <a:prstGeom prst="rect">
-            <a:avLst/>
-          </a:prstGeom>
         </p:spPr>
-      </p:pic>
+        <p:txBody>
+          <a:bodyPr lIns="36000" rIns="36000" anchor="ctr" anchorCtr="0">
+            <a:noAutofit/>
+          </a:bodyPr>
+          <a:lstStyle>
+            <a:lvl1pPr marL="0" indent="0" algn="r">
+              <a:buNone/>
+              <a:defRPr sz="1800"/>
+            </a:lvl1pPr>
+          </a:lstStyle>
+          <a:p>
+            <a:pPr lvl="0"/>
+            <a:r>
+              <a:rPr lang="en-US" dirty="0"/>
+              <a:t>https://softuni.foundation  </a:t>
+            </a:r>
+          </a:p>
+        </p:txBody>
+      </p:sp>
       <p:sp>
         <p:nvSpPr>
-          <p:cNvPr id="31" name="Text Placeholder Company Site">
+          <p:cNvPr id="6" name="Company Name">
+            <a:extLst>
+              <a:ext uri="{FF2B5EF4-FFF2-40B4-BE49-F238E27FC236}">
+                <a16:creationId xmlns:a16="http://schemas.microsoft.com/office/drawing/2014/main" id="{2A76510A-0BAE-A827-E77C-BE88E38F52AA}"/>
+              </a:ext>
+            </a:extLst>
+          </p:cNvPr>
+          <p:cNvSpPr>
+            <a:spLocks noGrp="1"/>
+          </p:cNvSpPr>
+          <p:nvPr>
+            <p:ph type="body" sz="quarter" idx="21" hasCustomPrompt="1"/>
+          </p:nvPr>
+        </p:nvSpPr>
+        <p:spPr>
+          <a:xfrm>
+            <a:off x="6390122" y="5698189"/>
+            <a:ext cx="5248260" cy="374236"/>
+          </a:xfrm>
+        </p:spPr>
+        <p:txBody>
+          <a:bodyPr lIns="36000" rIns="36000" anchor="ctr" anchorCtr="0">
+            <a:normAutofit/>
+          </a:bodyPr>
+          <a:lstStyle>
+            <a:lvl1pPr marL="0" indent="0" algn="r">
+              <a:buNone/>
+              <a:defRPr sz="2000" b="1">
+                <a:solidFill>
+                  <a:schemeClr val="tx1">
+                    <a:lumMod val="75000"/>
+                  </a:schemeClr>
+                </a:solidFill>
+              </a:defRPr>
+            </a:lvl1pPr>
+          </a:lstStyle>
+          <a:p>
+            <a:pPr lvl="0"/>
+            <a:r>
+              <a:rPr lang="en-US" dirty="0"/>
+              <a:t>SoftUni Foundation</a:t>
+            </a:r>
+          </a:p>
+        </p:txBody>
+      </p:sp>
+      <p:sp>
+        <p:nvSpPr>
+          <p:cNvPr id="31" name="Author Position">
             <a:extLst>
               <a:ext uri="{FF2B5EF4-FFF2-40B4-BE49-F238E27FC236}">
                 <a16:creationId xmlns:a16="http://schemas.microsoft.com/office/drawing/2014/main" id="{3E6B87B7-9D33-4EBB-BD4F-C0436BA3FD72}"/>
@@ -2263,274 +2400,8 @@
         </p:nvSpPr>
         <p:spPr bwMode="auto">
           <a:xfrm>
-            <a:off x="8708505" y="6130863"/>
-            <a:ext cx="2951518" cy="341556"/>
-          </a:xfrm>
-          <a:prstGeom prst="rect">
-            <a:avLst/>
-          </a:prstGeom>
-          <a:noFill/>
-          <a:effectLst/>
-        </p:spPr>
-        <p:txBody>
-          <a:bodyPr wrap="square" lIns="36000" tIns="36000" rIns="36000" bIns="36000" rtlCol="0" anchor="ctr" anchorCtr="0">
-            <a:noAutofit/>
-          </a:bodyPr>
-          <a:lstStyle>
-            <a:lvl1pPr marL="0" indent="0" algn="r" rtl="0" fontAlgn="base" latinLnBrk="0">
-              <a:spcBef>
-                <a:spcPct val="0"/>
-              </a:spcBef>
-              <a:spcAft>
-                <a:spcPct val="0"/>
-              </a:spcAft>
-              <a:buNone/>
-              <a:defRPr lang="en-US" sz="1798" b="1" kern="1200" dirty="0" smtClean="0">
-                <a:solidFill>
-                  <a:schemeClr val="tx1">
-                    <a:lumMod val="75000"/>
-                  </a:schemeClr>
-                </a:solidFill>
-                <a:effectLst/>
-                <a:latin typeface="+mn-lt"/>
-                <a:ea typeface="+mn-ea"/>
-                <a:cs typeface="+mn-cs"/>
-              </a:defRPr>
-            </a:lvl1pPr>
-          </a:lstStyle>
-          <a:p>
-            <a:pPr lvl="0"/>
-            <a:r>
-              <a:rPr lang="en-US" noProof="0"/>
-              <a:t>Company Web Site</a:t>
-            </a:r>
-          </a:p>
-        </p:txBody>
-      </p:sp>
-      <p:sp>
-        <p:nvSpPr>
-          <p:cNvPr id="30" name="Text Placeholder Company Name">
-            <a:extLst>
-              <a:ext uri="{FF2B5EF4-FFF2-40B4-BE49-F238E27FC236}">
-                <a16:creationId xmlns:a16="http://schemas.microsoft.com/office/drawing/2014/main" id="{2EA92DCA-4DB5-4D03-ACD3-A6A296592D0C}"/>
-              </a:ext>
-            </a:extLst>
-          </p:cNvPr>
-          <p:cNvSpPr>
-            <a:spLocks noGrp="1"/>
-          </p:cNvSpPr>
-          <p:nvPr>
-            <p:ph type="body" sz="quarter" idx="17" hasCustomPrompt="1"/>
-          </p:nvPr>
-        </p:nvSpPr>
-        <p:spPr bwMode="auto">
-          <a:xfrm>
-            <a:off x="8708505" y="5756628"/>
-            <a:ext cx="2951518" cy="367080"/>
-          </a:xfrm>
-          <a:prstGeom prst="rect">
-            <a:avLst/>
-          </a:prstGeom>
-          <a:noFill/>
-          <a:effectLst/>
-        </p:spPr>
-        <p:txBody>
-          <a:bodyPr wrap="square" lIns="36000" tIns="36000" rIns="36000" bIns="36000" rtlCol="0" anchor="ctr" anchorCtr="0">
-            <a:noAutofit/>
-          </a:bodyPr>
-          <a:lstStyle>
-            <a:lvl1pPr marL="0" indent="0" algn="r" rtl="0" fontAlgn="base" latinLnBrk="0">
-              <a:spcBef>
-                <a:spcPct val="0"/>
-              </a:spcBef>
-              <a:spcAft>
-                <a:spcPct val="0"/>
-              </a:spcAft>
-              <a:buNone/>
-              <a:defRPr lang="en-US" sz="1998" b="1" kern="1200" dirty="0" smtClean="0">
-                <a:solidFill>
-                  <a:schemeClr val="tx1">
-                    <a:lumMod val="75000"/>
-                  </a:schemeClr>
-                </a:solidFill>
-                <a:effectLst/>
-                <a:latin typeface="+mn-lt"/>
-                <a:ea typeface="+mn-ea"/>
-                <a:cs typeface="+mn-cs"/>
-              </a:defRPr>
-            </a:lvl1pPr>
-          </a:lstStyle>
-          <a:p>
-            <a:pPr lvl="0"/>
-            <a:r>
-              <a:rPr lang="en-US" noProof="0"/>
-              <a:t>Company Name</a:t>
-            </a:r>
-          </a:p>
-        </p:txBody>
-      </p:sp>
-      <p:pic>
-        <p:nvPicPr>
-          <p:cNvPr id="35" name="Picture SoftUni Mascot" descr="SoftUni mascot">
-            <a:extLst>
-              <a:ext uri="{FF2B5EF4-FFF2-40B4-BE49-F238E27FC236}">
-                <a16:creationId xmlns:a16="http://schemas.microsoft.com/office/drawing/2014/main" id="{951E7DA9-C5F0-43D9-B013-3BDF9EEF029D}"/>
-              </a:ext>
-            </a:extLst>
-          </p:cNvPr>
-          <p:cNvPicPr>
-            <a:picLocks noChangeAspect="1"/>
-          </p:cNvPicPr>
-          <p:nvPr/>
-        </p:nvPicPr>
-        <p:blipFill rotWithShape="1">
-          <a:blip r:embed="rId3" cstate="print">
-            <a:extLst>
-              <a:ext uri="{28A0092B-C50C-407E-A947-70E740481C1C}">
-                <a14:useLocalDpi xmlns:a14="http://schemas.microsoft.com/office/drawing/2010/main" val="0"/>
-              </a:ext>
-            </a:extLst>
-          </a:blip>
-          <a:srcRect/>
-          <a:stretch/>
-        </p:blipFill>
-        <p:spPr>
-          <a:xfrm flipH="1">
-            <a:off x="8848924" y="2609644"/>
-            <a:ext cx="2788893" cy="3018284"/>
-          </a:xfrm>
-          <a:prstGeom prst="rect">
-            <a:avLst/>
-          </a:prstGeom>
-        </p:spPr>
-      </p:pic>
-      <p:pic>
-        <p:nvPicPr>
-          <p:cNvPr id="22" name="Picture Logo Software University" descr="Software University logo">
-            <a:hlinkClick r:id="rId4"/>
-            <a:extLst>
-              <a:ext uri="{FF2B5EF4-FFF2-40B4-BE49-F238E27FC236}">
-                <a16:creationId xmlns:a16="http://schemas.microsoft.com/office/drawing/2014/main" id="{F2315EB3-3FE4-4D3B-921E-5F209CEC13CB}"/>
-              </a:ext>
-            </a:extLst>
-          </p:cNvPr>
-          <p:cNvPicPr>
-            <a:picLocks noChangeAspect="1"/>
-          </p:cNvPicPr>
-          <p:nvPr userDrawn="1"/>
-        </p:nvPicPr>
-        <p:blipFill>
-          <a:blip r:embed="rId5">
-            <a:clrChange>
-              <a:clrFrom>
-                <a:srgbClr val="FFFFFF"/>
-              </a:clrFrom>
-              <a:clrTo>
-                <a:srgbClr val="FFFFFF">
-                  <a:alpha val="0"/>
-                </a:srgbClr>
-              </a:clrTo>
-            </a:clrChange>
-            <a:extLst>
-              <a:ext uri="{28A0092B-C50C-407E-A947-70E740481C1C}">
-                <a14:useLocalDpi xmlns:a14="http://schemas.microsoft.com/office/drawing/2010/main" val="0"/>
-              </a:ext>
-            </a:extLst>
-          </a:blip>
-          <a:stretch>
-            <a:fillRect/>
-          </a:stretch>
-        </p:blipFill>
-        <p:spPr>
-          <a:xfrm>
-            <a:off x="507944" y="5918567"/>
-            <a:ext cx="1830305" cy="628159"/>
-          </a:xfrm>
-          <a:prstGeom prst="rect">
-            <a:avLst/>
-          </a:prstGeom>
-        </p:spPr>
-      </p:pic>
-      <p:sp>
-        <p:nvSpPr>
-          <p:cNvPr id="40" name="Text Placeholder Author Position">
-            <a:extLst>
-              <a:ext uri="{FF2B5EF4-FFF2-40B4-BE49-F238E27FC236}">
-                <a16:creationId xmlns:a16="http://schemas.microsoft.com/office/drawing/2014/main" id="{CD940256-851E-46C8-8BFB-A5ECA6C7DA07}"/>
-              </a:ext>
-            </a:extLst>
-          </p:cNvPr>
-          <p:cNvSpPr>
-            <a:spLocks noGrp="1"/>
-          </p:cNvSpPr>
-          <p:nvPr>
-            <p:ph type="body" sz="quarter" idx="20" hasCustomPrompt="1"/>
-          </p:nvPr>
-        </p:nvSpPr>
-        <p:spPr bwMode="auto">
-          <a:xfrm>
-            <a:off x="553082" y="5344180"/>
-            <a:ext cx="2980696" cy="444793"/>
-          </a:xfrm>
-          <a:prstGeom prst="rect">
-            <a:avLst/>
-          </a:prstGeom>
-          <a:noFill/>
-          <a:effectLst/>
-        </p:spPr>
-        <p:txBody>
-          <a:bodyPr wrap="square" lIns="36000" tIns="36000" rIns="36000" bIns="36000" rtlCol="0" anchor="ctr" anchorCtr="0">
-            <a:spAutoFit/>
-          </a:bodyPr>
-          <a:lstStyle>
-            <a:lvl1pPr marL="0" indent="0" algn="l" rtl="0" fontAlgn="base" latinLnBrk="0">
-              <a:spcBef>
-                <a:spcPct val="0"/>
-              </a:spcBef>
-              <a:spcAft>
-                <a:spcPct val="0"/>
-              </a:spcAft>
-              <a:buNone/>
-              <a:defRPr lang="en-US" sz="2398" b="1" kern="1200" dirty="0" smtClean="0">
-                <a:solidFill>
-                  <a:schemeClr val="tx1"/>
-                </a:solidFill>
-                <a:effectLst/>
-                <a:latin typeface="+mn-lt"/>
-                <a:ea typeface="+mn-ea"/>
-                <a:cs typeface="+mn-cs"/>
-              </a:defRPr>
-            </a:lvl1pPr>
-          </a:lstStyle>
-          <a:p>
-            <a:pPr lvl="0"/>
-            <a:r>
-              <a:rPr lang="en-US" noProof="0"/>
-              <a:t>Position</a:t>
-            </a:r>
-          </a:p>
-        </p:txBody>
-      </p:sp>
-      <p:sp>
-        <p:nvSpPr>
-          <p:cNvPr id="36" name="Text Placeholder Author Name">
-            <a:extLst>
-              <a:ext uri="{FF2B5EF4-FFF2-40B4-BE49-F238E27FC236}">
-                <a16:creationId xmlns:a16="http://schemas.microsoft.com/office/drawing/2014/main" id="{3B21F47B-DE1F-442D-A2B7-6866F8786704}"/>
-              </a:ext>
-            </a:extLst>
-          </p:cNvPr>
-          <p:cNvSpPr>
-            <a:spLocks noGrp="1"/>
-          </p:cNvSpPr>
-          <p:nvPr>
-            <p:ph type="body" sz="quarter" idx="19" hasCustomPrompt="1"/>
-          </p:nvPr>
-        </p:nvSpPr>
-        <p:spPr bwMode="auto">
-          <a:xfrm>
-            <a:off x="553082" y="4851838"/>
-            <a:ext cx="2980696" cy="454398"/>
+            <a:off x="534045" y="6085863"/>
+            <a:ext cx="4751953" cy="341556"/>
           </a:xfrm>
           <a:prstGeom prst="rect">
             <a:avLst/>
@@ -2551,9 +2422,11 @@
                 <a:spcPct val="0"/>
               </a:spcAft>
               <a:buNone/>
-              <a:defRPr lang="en-US" sz="2798" b="1" kern="1200" dirty="0" smtClean="0">
-                <a:solidFill>
-                  <a:schemeClr val="tx1"/>
+              <a:defRPr lang="en-US" sz="1800" b="0" kern="1200" dirty="0" smtClean="0">
+                <a:solidFill>
+                  <a:schemeClr val="tx1">
+                    <a:lumMod val="75000"/>
+                  </a:schemeClr>
                 </a:solidFill>
                 <a:effectLst/>
                 <a:latin typeface="+mn-lt"/>
@@ -2565,18 +2438,18 @@
           <a:p>
             <a:pPr lvl="0"/>
             <a:r>
-              <a:rPr lang="en-US" noProof="0"/>
-              <a:t>Author Name</a:t>
+              <a:rPr lang="en-US" noProof="0" dirty="0"/>
+              <a:t>URL</a:t>
             </a:r>
           </a:p>
         </p:txBody>
       </p:sp>
       <p:sp>
         <p:nvSpPr>
-          <p:cNvPr id="33" name="Picture Placeholder Title Image">
+          <p:cNvPr id="30" name="Author Name">
             <a:extLst>
               <a:ext uri="{FF2B5EF4-FFF2-40B4-BE49-F238E27FC236}">
-                <a16:creationId xmlns:a16="http://schemas.microsoft.com/office/drawing/2014/main" id="{A04D819A-89E2-4714-8C56-1838BF467EF7}"/>
+                <a16:creationId xmlns:a16="http://schemas.microsoft.com/office/drawing/2014/main" id="{2EA92DCA-4DB5-4D03-ACD3-A6A296592D0C}"/>
               </a:ext>
             </a:extLst>
           </p:cNvPr>
@@ -2584,31 +2457,51 @@
             <a:spLocks noGrp="1"/>
           </p:cNvSpPr>
           <p:nvPr>
-            <p:ph type="pic" sz="quarter" idx="10"/>
+            <p:ph type="body" sz="quarter" idx="17" hasCustomPrompt="1"/>
           </p:nvPr>
         </p:nvSpPr>
-        <p:spPr>
+        <p:spPr bwMode="auto">
           <a:xfrm>
-            <a:off x="553082" y="2740913"/>
-            <a:ext cx="4642919" cy="1936503"/>
+            <a:off x="534046" y="5251106"/>
+            <a:ext cx="4751954" cy="724904"/>
           </a:xfrm>
+          <a:prstGeom prst="rect">
+            <a:avLst/>
+          </a:prstGeom>
+          <a:noFill/>
+          <a:effectLst/>
         </p:spPr>
         <p:txBody>
-          <a:bodyPr/>
+          <a:bodyPr wrap="square" lIns="36000" tIns="36000" rIns="36000" bIns="36000" rtlCol="0" anchor="ctr" anchorCtr="0">
+            <a:noAutofit/>
+          </a:bodyPr>
           <a:lstStyle>
-            <a:lvl1pPr marL="0" indent="0" algn="ctr" latinLnBrk="0">
+            <a:lvl1pPr marL="0" indent="0" algn="l" rtl="0" fontAlgn="base" latinLnBrk="0">
+              <a:spcBef>
+                <a:spcPct val="0"/>
+              </a:spcBef>
+              <a:spcAft>
+                <a:spcPct val="0"/>
+              </a:spcAft>
               <a:buNone/>
-              <a:defRPr>
-                <a:solidFill>
-                  <a:schemeClr val="bg1"/>
-                </a:solidFill>
+              <a:defRPr lang="en-US" sz="2000" b="1" kern="1200" dirty="0" smtClean="0">
+                <a:solidFill>
+                  <a:schemeClr val="tx1">
+                    <a:lumMod val="75000"/>
+                  </a:schemeClr>
+                </a:solidFill>
+                <a:effectLst/>
+                <a:latin typeface="+mn-lt"/>
+                <a:ea typeface="+mn-ea"/>
+                <a:cs typeface="+mn-cs"/>
               </a:defRPr>
             </a:lvl1pPr>
           </a:lstStyle>
           <a:p>
+            <a:pPr lvl="0"/>
             <a:r>
               <a:rPr lang="en-US" noProof="0" dirty="0"/>
-              <a:t>Click icon to add picture</a:t>
+              <a:t>Authors</a:t>
             </a:r>
           </a:p>
         </p:txBody>
@@ -2631,8 +2524,8 @@
         </p:nvSpPr>
         <p:spPr>
           <a:xfrm>
-            <a:off x="554182" y="1258272"/>
-            <a:ext cx="11083636" cy="1315728"/>
+            <a:off x="554746" y="1402942"/>
+            <a:ext cx="11083636" cy="1306057"/>
           </a:xfrm>
         </p:spPr>
         <p:txBody>
@@ -2642,7 +2535,7 @@
           <a:lstStyle>
             <a:lvl1pPr marL="0" indent="0" algn="ctr" latinLnBrk="0">
               <a:buNone/>
-              <a:defRPr sz="3598">
+              <a:defRPr sz="3600">
                 <a:solidFill>
                   <a:schemeClr val="tx1"/>
                 </a:solidFill>
@@ -2651,7 +2544,7 @@
           </a:lstStyle>
           <a:p>
             <a:r>
-              <a:rPr lang="en-US" noProof="0"/>
+              <a:rPr lang="en-US" noProof="0" dirty="0"/>
               <a:t>Presentation Subtitle</a:t>
             </a:r>
           </a:p>
@@ -2675,29 +2568,115 @@
         </p:nvSpPr>
         <p:spPr>
           <a:xfrm>
-            <a:off x="554182" y="321502"/>
-            <a:ext cx="11083636" cy="882654"/>
+            <a:off x="554746" y="321501"/>
+            <a:ext cx="11083636" cy="971589"/>
           </a:xfrm>
         </p:spPr>
         <p:txBody>
-          <a:bodyPr/>
+          <a:bodyPr>
+            <a:normAutofit/>
+          </a:bodyPr>
           <a:lstStyle>
             <a:lvl1pPr algn="ctr" latinLnBrk="0">
-              <a:defRPr sz="4798"/>
+              <a:defRPr sz="5400"/>
             </a:lvl1pPr>
           </a:lstStyle>
           <a:p>
             <a:r>
-              <a:rPr lang="en-US" noProof="0"/>
+              <a:rPr lang="en-US" noProof="0" dirty="0"/>
               <a:t>Presentation Title</a:t>
             </a:r>
           </a:p>
         </p:txBody>
       </p:sp>
+      <p:pic>
+        <p:nvPicPr>
+          <p:cNvPr id="4" name="Picture 3">
+            <a:extLst>
+              <a:ext uri="{FF2B5EF4-FFF2-40B4-BE49-F238E27FC236}">
+                <a16:creationId xmlns:a16="http://schemas.microsoft.com/office/drawing/2014/main" id="{324D0DB3-F60A-469B-7831-209CB666CCE4}"/>
+              </a:ext>
+            </a:extLst>
+          </p:cNvPr>
+          <p:cNvPicPr>
+            <a:picLocks noChangeAspect="1"/>
+          </p:cNvPicPr>
+          <p:nvPr userDrawn="1"/>
+        </p:nvPicPr>
+        <p:blipFill>
+          <a:blip r:embed="rId2" cstate="print">
+            <a:extLst>
+              <a:ext uri="{28A0092B-C50C-407E-A947-70E740481C1C}">
+                <a14:useLocalDpi xmlns:a14="http://schemas.microsoft.com/office/drawing/2010/main" val="0"/>
+              </a:ext>
+            </a:extLst>
+          </a:blip>
+          <a:stretch>
+            <a:fillRect/>
+          </a:stretch>
+        </p:blipFill>
+        <p:spPr>
+          <a:xfrm>
+            <a:off x="536549" y="4325954"/>
+            <a:ext cx="2538082" cy="633046"/>
+          </a:xfrm>
+          <a:prstGeom prst="rect">
+            <a:avLst/>
+          </a:prstGeom>
+        </p:spPr>
+      </p:pic>
+      <p:pic>
+        <p:nvPicPr>
+          <p:cNvPr id="5" name="Picture 4" title="CC-BY-NC-SA License">
+            <a:hlinkClick r:id="rId3" tooltip="This work is licensed under the &quot;Creative Commons Attribution-NonCommercial-ShareAlike 4.0 International&quot; license"/>
+            <a:extLst>
+              <a:ext uri="{FF2B5EF4-FFF2-40B4-BE49-F238E27FC236}">
+                <a16:creationId xmlns:a16="http://schemas.microsoft.com/office/drawing/2014/main" id="{2D40731C-0303-A69D-63FD-E048A73CA59F}"/>
+              </a:ext>
+            </a:extLst>
+          </p:cNvPr>
+          <p:cNvPicPr>
+            <a:picLocks noChangeAspect="1" noChangeArrowheads="1"/>
+          </p:cNvPicPr>
+          <p:nvPr userDrawn="1"/>
+        </p:nvPicPr>
+        <p:blipFill>
+          <a:blip r:embed="rId4">
+            <a:extLst>
+              <a:ext uri="{28A0092B-C50C-407E-A947-70E740481C1C}">
+                <a14:useLocalDpi xmlns:a14="http://schemas.microsoft.com/office/drawing/2010/main"/>
+              </a:ext>
+            </a:extLst>
+          </a:blip>
+          <a:srcRect/>
+          <a:stretch>
+            <a:fillRect/>
+          </a:stretch>
+        </p:blipFill>
+        <p:spPr bwMode="auto">
+          <a:xfrm>
+            <a:off x="3402682" y="4321352"/>
+            <a:ext cx="1809336" cy="633045"/>
+          </a:xfrm>
+          <a:prstGeom prst="roundRect">
+            <a:avLst>
+              <a:gd name="adj" fmla="val 3940"/>
+            </a:avLst>
+          </a:prstGeom>
+          <a:solidFill>
+            <a:srgbClr val="231F20">
+              <a:alpha val="50000"/>
+            </a:srgbClr>
+          </a:solidFill>
+          <a:ln>
+            <a:noFill/>
+          </a:ln>
+        </p:spPr>
+      </p:pic>
     </p:spTree>
     <p:extLst>
       <p:ext uri="{BB962C8B-B14F-4D97-AF65-F5344CB8AC3E}">
-        <p14:creationId xmlns:p14="http://schemas.microsoft.com/office/powerpoint/2010/main" val="970179299"/>
+        <p14:creationId xmlns:p14="http://schemas.microsoft.com/office/powerpoint/2010/main" val="370654144"/>
       </p:ext>
     </p:extLst>
   </p:cSld>
@@ -2811,7 +2790,7 @@
               <a:tabLst/>
               <a:defRPr/>
             </a:pPr>
-            <a:endParaRPr kumimoji="0" lang="en-US" altLang="ko-KR" sz="2398" b="0" i="0" u="none" strike="noStrike" kern="1200" cap="none" spc="0" normalizeH="0" baseline="0" noProof="0" dirty="0">
+            <a:endParaRPr kumimoji="0" lang="en-US" altLang="ko-KR" sz="2398" b="0" i="0" u="none" strike="noStrike" kern="1200" cap="none" spc="0" normalizeH="0" baseline="0" noProof="0">
               <a:ln>
                 <a:noFill/>
               </a:ln>
@@ -2934,7 +2913,7 @@
               <a:tabLst/>
               <a:defRPr/>
             </a:pPr>
-            <a:endParaRPr kumimoji="0" lang="en-US" altLang="ko-KR" sz="2398" b="0" i="0" u="none" strike="noStrike" kern="1200" cap="none" spc="0" normalizeH="0" baseline="0" noProof="0" dirty="0">
+            <a:endParaRPr kumimoji="0" lang="en-US" altLang="ko-KR" sz="2398" b="0" i="0" u="none" strike="noStrike" kern="1200" cap="none" spc="0" normalizeH="0" baseline="0" noProof="0">
               <a:ln>
                 <a:noFill/>
               </a:ln>
@@ -2951,42 +2930,6 @@
           </a:p>
         </p:txBody>
       </p:sp>
-      <p:pic>
-        <p:nvPicPr>
-          <p:cNvPr id="12" name="Logo Software University Down" descr="Software University logo">
-            <a:extLst>
-              <a:ext uri="{FF2B5EF4-FFF2-40B4-BE49-F238E27FC236}">
-                <a16:creationId xmlns:a16="http://schemas.microsoft.com/office/drawing/2014/main" id="{7028D2F0-1E67-414B-A93D-D3F8F131A132}"/>
-              </a:ext>
-            </a:extLst>
-          </p:cNvPr>
-          <p:cNvPicPr>
-            <a:picLocks noChangeAspect="1"/>
-          </p:cNvPicPr>
-          <p:nvPr/>
-        </p:nvPicPr>
-        <p:blipFill>
-          <a:blip r:embed="rId2" cstate="print">
-            <a:extLst>
-              <a:ext uri="{28A0092B-C50C-407E-A947-70E740481C1C}">
-                <a14:useLocalDpi xmlns:a14="http://schemas.microsoft.com/office/drawing/2010/main" val="0"/>
-              </a:ext>
-            </a:extLst>
-          </a:blip>
-          <a:stretch>
-            <a:fillRect/>
-          </a:stretch>
-        </p:blipFill>
-        <p:spPr>
-          <a:xfrm>
-            <a:off x="5616551" y="5206773"/>
-            <a:ext cx="958900" cy="1184869"/>
-          </a:xfrm>
-          <a:prstGeom prst="rect">
-            <a:avLst/>
-          </a:prstGeom>
-        </p:spPr>
-      </p:pic>
       <p:sp>
         <p:nvSpPr>
           <p:cNvPr id="10" name="Text Placeholder Right">
@@ -3031,35 +2974,35 @@
           <a:p>
             <a:pPr lvl="0"/>
             <a:r>
-              <a:rPr lang="en-US" noProof="0"/>
+              <a:rPr lang="en-US" noProof="0" dirty="0"/>
               <a:t>Edit Master text styles</a:t>
             </a:r>
           </a:p>
           <a:p>
             <a:pPr lvl="1"/>
             <a:r>
-              <a:rPr lang="en-US" noProof="0"/>
+              <a:rPr lang="en-US" noProof="0" dirty="0"/>
               <a:t>Second level</a:t>
             </a:r>
           </a:p>
           <a:p>
             <a:pPr lvl="2"/>
             <a:r>
-              <a:rPr lang="en-US" noProof="0"/>
+              <a:rPr lang="en-US" noProof="0" dirty="0"/>
               <a:t>Third level</a:t>
             </a:r>
           </a:p>
           <a:p>
             <a:pPr lvl="3"/>
             <a:r>
-              <a:rPr lang="en-US" noProof="0"/>
+              <a:rPr lang="en-US" noProof="0" dirty="0"/>
               <a:t>Fourth level</a:t>
             </a:r>
           </a:p>
           <a:p>
             <a:pPr lvl="4"/>
             <a:r>
-              <a:rPr lang="en-US" noProof="0"/>
+              <a:rPr lang="en-US" noProof="0" dirty="0"/>
               <a:t>Fifth level</a:t>
             </a:r>
           </a:p>
@@ -3109,35 +3052,35 @@
           <a:p>
             <a:pPr lvl="0"/>
             <a:r>
-              <a:rPr lang="en-US" noProof="0"/>
+              <a:rPr lang="en-US" noProof="0" dirty="0"/>
               <a:t>Edit Master text styles</a:t>
             </a:r>
           </a:p>
           <a:p>
             <a:pPr lvl="1"/>
             <a:r>
-              <a:rPr lang="en-US" noProof="0"/>
+              <a:rPr lang="en-US" noProof="0" dirty="0"/>
               <a:t>Second level</a:t>
             </a:r>
           </a:p>
           <a:p>
             <a:pPr lvl="2"/>
             <a:r>
-              <a:rPr lang="en-US" noProof="0"/>
+              <a:rPr lang="en-US" noProof="0" dirty="0"/>
               <a:t>Third level</a:t>
             </a:r>
           </a:p>
           <a:p>
             <a:pPr lvl="3"/>
             <a:r>
-              <a:rPr lang="en-US" noProof="0"/>
+              <a:rPr lang="en-US" noProof="0" dirty="0"/>
               <a:t>Fourth level</a:t>
             </a:r>
           </a:p>
           <a:p>
             <a:pPr lvl="4"/>
             <a:r>
-              <a:rPr lang="en-US" noProof="0"/>
+              <a:rPr lang="en-US" noProof="0" dirty="0"/>
               <a:t>Fifth level</a:t>
             </a:r>
           </a:p>
@@ -3207,7 +3150,7 @@
               <a:tabLst/>
               <a:defRPr/>
             </a:pPr>
-            <a:endParaRPr kumimoji="0" lang="en-US" altLang="ko-KR" sz="2398" b="0" i="0" u="none" strike="noStrike" kern="1200" cap="none" spc="0" normalizeH="0" baseline="0" noProof="0" dirty="0">
+            <a:endParaRPr kumimoji="0" lang="en-US" altLang="ko-KR" sz="2398" b="0" i="0" u="none" strike="noStrike" kern="1200" cap="none" spc="0" normalizeH="0" baseline="0" noProof="0">
               <a:ln>
                 <a:noFill/>
               </a:ln>
@@ -3224,42 +3167,6 @@
           </a:p>
         </p:txBody>
       </p:sp>
-      <p:pic>
-        <p:nvPicPr>
-          <p:cNvPr id="14" name="Logo Software University" descr="Software University logo">
-            <a:extLst>
-              <a:ext uri="{FF2B5EF4-FFF2-40B4-BE49-F238E27FC236}">
-                <a16:creationId xmlns:a16="http://schemas.microsoft.com/office/drawing/2014/main" id="{19A67BB9-D880-4EAD-B90E-89C4219BFC0B}"/>
-              </a:ext>
-            </a:extLst>
-          </p:cNvPr>
-          <p:cNvPicPr>
-            <a:picLocks noChangeAspect="1"/>
-          </p:cNvPicPr>
-          <p:nvPr userDrawn="1"/>
-        </p:nvPicPr>
-        <p:blipFill>
-          <a:blip r:embed="rId3">
-            <a:extLst>
-              <a:ext uri="{28A0092B-C50C-407E-A947-70E740481C1C}">
-                <a14:useLocalDpi xmlns:a14="http://schemas.microsoft.com/office/drawing/2010/main" val="0"/>
-              </a:ext>
-            </a:extLst>
-          </a:blip>
-          <a:stretch>
-            <a:fillRect/>
-          </a:stretch>
-        </p:blipFill>
-        <p:spPr>
-          <a:xfrm>
-            <a:off x="10067957" y="253936"/>
-            <a:ext cx="1915704" cy="559235"/>
-          </a:xfrm>
-          <a:prstGeom prst="rect">
-            <a:avLst/>
-          </a:prstGeom>
-        </p:spPr>
-      </p:pic>
       <p:sp>
         <p:nvSpPr>
           <p:cNvPr id="15" name="Slide Title">
@@ -3278,8 +3185,8 @@
         </p:nvSpPr>
         <p:spPr>
           <a:xfrm>
-            <a:off x="190406" y="100750"/>
-            <a:ext cx="9715594" cy="882654"/>
+            <a:off x="190405" y="100750"/>
+            <a:ext cx="10270595" cy="882654"/>
           </a:xfrm>
         </p:spPr>
         <p:txBody>
@@ -3295,12 +3202,78 @@
           </a:lstStyle>
           <a:p>
             <a:r>
-              <a:rPr lang="en-US" noProof="0"/>
+              <a:rPr lang="en-US" noProof="0" dirty="0"/>
               <a:t>Slide Title</a:t>
             </a:r>
           </a:p>
         </p:txBody>
       </p:sp>
+      <p:pic>
+        <p:nvPicPr>
+          <p:cNvPr id="8" name="Picture 7">
+            <a:extLst>
+              <a:ext uri="{FF2B5EF4-FFF2-40B4-BE49-F238E27FC236}">
+                <a16:creationId xmlns:a16="http://schemas.microsoft.com/office/drawing/2014/main" id="{2C9792D8-D354-4699-B7D6-B8CB7F77594F}"/>
+              </a:ext>
+            </a:extLst>
+          </p:cNvPr>
+          <p:cNvPicPr>
+            <a:picLocks noChangeAspect="1"/>
+          </p:cNvPicPr>
+          <p:nvPr userDrawn="1"/>
+        </p:nvPicPr>
+        <p:blipFill>
+          <a:blip r:embed="rId2"/>
+          <a:stretch>
+            <a:fillRect/>
+          </a:stretch>
+        </p:blipFill>
+        <p:spPr>
+          <a:xfrm>
+            <a:off x="5398753" y="5340443"/>
+            <a:ext cx="1334859" cy="982867"/>
+          </a:xfrm>
+          <a:prstGeom prst="rect">
+            <a:avLst/>
+          </a:prstGeom>
+        </p:spPr>
+      </p:pic>
+      <p:pic>
+        <p:nvPicPr>
+          <p:cNvPr id="3" name="Picture 2">
+            <a:extLst>
+              <a:ext uri="{FF2B5EF4-FFF2-40B4-BE49-F238E27FC236}">
+                <a16:creationId xmlns:a16="http://schemas.microsoft.com/office/drawing/2014/main" id="{B6351E19-25DA-EAD2-9FBE-358B6135D728}"/>
+              </a:ext>
+            </a:extLst>
+          </p:cNvPr>
+          <p:cNvPicPr>
+            <a:picLocks noChangeAspect="1"/>
+          </p:cNvPicPr>
+          <p:nvPr userDrawn="1"/>
+        </p:nvPicPr>
+        <p:blipFill>
+          <a:blip r:embed="rId3" cstate="print">
+            <a:extLst>
+              <a:ext uri="{28A0092B-C50C-407E-A947-70E740481C1C}">
+                <a14:useLocalDpi xmlns:a14="http://schemas.microsoft.com/office/drawing/2010/main" val="0"/>
+              </a:ext>
+            </a:extLst>
+          </a:blip>
+          <a:stretch>
+            <a:fillRect/>
+          </a:stretch>
+        </p:blipFill>
+        <p:spPr>
+          <a:xfrm>
+            <a:off x="10553573" y="368999"/>
+            <a:ext cx="1443361" cy="360001"/>
+          </a:xfrm>
+          <a:prstGeom prst="rect">
+            <a:avLst/>
+          </a:prstGeom>
+        </p:spPr>
+      </p:pic>
     </p:spTree>
     <p:extLst>
       <p:ext uri="{BB962C8B-B14F-4D97-AF65-F5344CB8AC3E}">
@@ -3393,7 +3366,7 @@
               <a:pPr/>
               <a:t>‹#›</a:t>
             </a:fld>
-            <a:endParaRPr lang="en-US" noProof="0" dirty="0"/>
+            <a:endParaRPr lang="en-US" noProof="0"/>
           </a:p>
         </p:txBody>
       </p:sp>
@@ -3547,7 +3520,7 @@
           </a:lstStyle>
           <a:p>
             <a:r>
-              <a:rPr lang="en-US" altLang="ko-KR" noProof="0" dirty="0"/>
+              <a:rPr lang="en-US" altLang="ko-KR" noProof="0"/>
               <a:t>Your Picture Here</a:t>
             </a:r>
           </a:p>
@@ -3611,7 +3584,7 @@
               <a:tabLst/>
               <a:defRPr/>
             </a:pPr>
-            <a:endParaRPr kumimoji="0" lang="en-US" altLang="ko-KR" sz="2398" b="0" i="0" u="none" strike="noStrike" kern="1200" cap="none" spc="0" normalizeH="0" baseline="0" noProof="0" dirty="0">
+            <a:endParaRPr kumimoji="0" lang="en-US" altLang="ko-KR" sz="2398" b="0" i="0" u="none" strike="noStrike" kern="1200" cap="none" spc="0" normalizeH="0" baseline="0" noProof="0">
               <a:ln>
                 <a:noFill/>
               </a:ln>
@@ -3686,7 +3659,7 @@
               <a:tabLst/>
               <a:defRPr/>
             </a:pPr>
-            <a:endParaRPr kumimoji="0" lang="en-US" altLang="ko-KR" sz="2398" b="0" i="0" u="none" strike="noStrike" kern="1200" cap="none" spc="0" normalizeH="0" baseline="0" noProof="0" dirty="0">
+            <a:endParaRPr kumimoji="0" lang="en-US" altLang="ko-KR" sz="2398" b="0" i="0" u="none" strike="noStrike" kern="1200" cap="none" spc="0" normalizeH="0" baseline="0" noProof="0">
               <a:ln>
                 <a:noFill/>
               </a:ln>
@@ -3767,7 +3740,7 @@
               <a:tabLst/>
               <a:defRPr/>
             </a:pPr>
-            <a:endParaRPr kumimoji="0" lang="en-US" altLang="ko-KR" sz="2398" b="0" i="0" u="none" strike="noStrike" kern="1200" cap="none" spc="0" normalizeH="0" baseline="0" noProof="0" dirty="0">
+            <a:endParaRPr kumimoji="0" lang="en-US" altLang="ko-KR" sz="2398" b="0" i="0" u="none" strike="noStrike" kern="1200" cap="none" spc="0" normalizeH="0" baseline="0" noProof="0">
               <a:ln>
                 <a:noFill/>
               </a:ln>
@@ -3848,7 +3821,7 @@
               <a:tabLst/>
               <a:defRPr/>
             </a:pPr>
-            <a:endParaRPr kumimoji="0" lang="en-US" altLang="ko-KR" sz="2398" b="0" i="0" u="none" strike="noStrike" kern="1200" cap="none" spc="0" normalizeH="0" baseline="0" noProof="0" dirty="0">
+            <a:endParaRPr kumimoji="0" lang="en-US" altLang="ko-KR" sz="2398" b="0" i="0" u="none" strike="noStrike" kern="1200" cap="none" spc="0" normalizeH="0" baseline="0" noProof="0">
               <a:ln>
                 <a:noFill/>
               </a:ln>
@@ -3865,42 +3838,6 @@
           </a:p>
         </p:txBody>
       </p:sp>
-      <p:pic>
-        <p:nvPicPr>
-          <p:cNvPr id="12" name="Logo Software University" descr="Software University logo">
-            <a:extLst>
-              <a:ext uri="{FF2B5EF4-FFF2-40B4-BE49-F238E27FC236}">
-                <a16:creationId xmlns:a16="http://schemas.microsoft.com/office/drawing/2014/main" id="{233CBB95-791E-4630-B3D9-FADFCE7BCF52}"/>
-              </a:ext>
-            </a:extLst>
-          </p:cNvPr>
-          <p:cNvPicPr>
-            <a:picLocks noChangeAspect="1"/>
-          </p:cNvPicPr>
-          <p:nvPr userDrawn="1"/>
-        </p:nvPicPr>
-        <p:blipFill>
-          <a:blip r:embed="rId2">
-            <a:extLst>
-              <a:ext uri="{28A0092B-C50C-407E-A947-70E740481C1C}">
-                <a14:useLocalDpi xmlns:a14="http://schemas.microsoft.com/office/drawing/2010/main" val="0"/>
-              </a:ext>
-            </a:extLst>
-          </a:blip>
-          <a:stretch>
-            <a:fillRect/>
-          </a:stretch>
-        </p:blipFill>
-        <p:spPr>
-          <a:xfrm>
-            <a:off x="10067957" y="253936"/>
-            <a:ext cx="1915704" cy="559235"/>
-          </a:xfrm>
-          <a:prstGeom prst="rect">
-            <a:avLst/>
-          </a:prstGeom>
-        </p:spPr>
-      </p:pic>
       <p:sp>
         <p:nvSpPr>
           <p:cNvPr id="13" name="Slide Title">
@@ -3920,7 +3857,7 @@
         <p:spPr>
           <a:xfrm>
             <a:off x="190406" y="100750"/>
-            <a:ext cx="9715594" cy="882654"/>
+            <a:ext cx="10270594" cy="882654"/>
           </a:xfrm>
         </p:spPr>
         <p:txBody>
@@ -3936,12 +3873,48 @@
           </a:lstStyle>
           <a:p>
             <a:r>
-              <a:rPr lang="en-US" noProof="0"/>
+              <a:rPr lang="en-US" noProof="0" dirty="0"/>
               <a:t>Slide Title</a:t>
             </a:r>
           </a:p>
         </p:txBody>
       </p:sp>
+      <p:pic>
+        <p:nvPicPr>
+          <p:cNvPr id="4" name="Picture 3">
+            <a:extLst>
+              <a:ext uri="{FF2B5EF4-FFF2-40B4-BE49-F238E27FC236}">
+                <a16:creationId xmlns:a16="http://schemas.microsoft.com/office/drawing/2014/main" id="{42F3DB3E-BDAA-8201-9A01-2F52640A84CA}"/>
+              </a:ext>
+            </a:extLst>
+          </p:cNvPr>
+          <p:cNvPicPr>
+            <a:picLocks noChangeAspect="1"/>
+          </p:cNvPicPr>
+          <p:nvPr userDrawn="1"/>
+        </p:nvPicPr>
+        <p:blipFill>
+          <a:blip r:embed="rId2" cstate="print">
+            <a:extLst>
+              <a:ext uri="{28A0092B-C50C-407E-A947-70E740481C1C}">
+                <a14:useLocalDpi xmlns:a14="http://schemas.microsoft.com/office/drawing/2010/main" val="0"/>
+              </a:ext>
+            </a:extLst>
+          </a:blip>
+          <a:stretch>
+            <a:fillRect/>
+          </a:stretch>
+        </p:blipFill>
+        <p:spPr>
+          <a:xfrm>
+            <a:off x="10553573" y="368999"/>
+            <a:ext cx="1443361" cy="360001"/>
+          </a:xfrm>
+          <a:prstGeom prst="rect">
+            <a:avLst/>
+          </a:prstGeom>
+        </p:spPr>
+      </p:pic>
     </p:spTree>
     <p:extLst>
       <p:ext uri="{BB962C8B-B14F-4D97-AF65-F5344CB8AC3E}">
@@ -4052,7 +4025,7 @@
               <a:tabLst/>
               <a:defRPr/>
             </a:pPr>
-            <a:endParaRPr kumimoji="0" lang="en-US" altLang="ko-KR" sz="2398" b="0" i="0" u="none" strike="noStrike" kern="1200" cap="none" spc="0" normalizeH="0" baseline="0" noProof="0" dirty="0">
+            <a:endParaRPr kumimoji="0" lang="en-US" altLang="ko-KR" sz="2398" b="0" i="0" u="none" strike="noStrike" kern="1200" cap="none" spc="0" normalizeH="0" baseline="0" noProof="0">
               <a:ln>
                 <a:noFill/>
               </a:ln>
@@ -4071,714 +4044,10 @@
       </p:sp>
       <p:sp>
         <p:nvSpPr>
-          <p:cNvPr id="53" name="Rectangle Bottom Copyright">
+          <p:cNvPr id="3" name="Title 2">
             <a:extLst>
               <a:ext uri="{FF2B5EF4-FFF2-40B4-BE49-F238E27FC236}">
-                <a16:creationId xmlns:a16="http://schemas.microsoft.com/office/drawing/2014/main" id="{B07FB7FB-DA6C-4F5D-B068-357F0FCE27D8}"/>
-              </a:ext>
-            </a:extLst>
-          </p:cNvPr>
-          <p:cNvSpPr/>
-          <p:nvPr userDrawn="1"/>
-        </p:nvSpPr>
-        <p:spPr>
-          <a:xfrm>
-            <a:off x="111000" y="6454758"/>
-            <a:ext cx="11970000" cy="258449"/>
-          </a:xfrm>
-          <a:prstGeom prst="rect">
-            <a:avLst/>
-          </a:prstGeom>
-        </p:spPr>
-        <p:txBody>
-          <a:bodyPr wrap="square">
-            <a:noAutofit/>
-          </a:bodyPr>
-          <a:lstStyle/>
-          <a:p>
-            <a:pPr algn="ctr">
-              <a:lnSpc>
-                <a:spcPct val="100000"/>
-              </a:lnSpc>
-              <a:spcBef>
-                <a:spcPts val="0"/>
-              </a:spcBef>
-              <a:spcAft>
-                <a:spcPts val="0"/>
-              </a:spcAft>
-            </a:pPr>
-            <a:r>
-              <a:rPr lang="en-US" sz="1600" noProof="0" dirty="0">
-                <a:solidFill>
-                  <a:schemeClr val="bg2"/>
-                </a:solidFill>
-                <a:effectLst/>
-                <a:latin typeface="Calibri" panose="020F0502020204030204" pitchFamily="34" charset="0"/>
-                <a:ea typeface="Calibri" panose="020F0502020204030204" pitchFamily="34" charset="0"/>
-                <a:cs typeface="Arial" panose="020B0604020202020204" pitchFamily="34" charset="0"/>
-              </a:rPr>
-              <a:t>© SoftUni – </a:t>
-            </a:r>
-            <a:r>
-              <a:rPr lang="en-US" sz="1600" u="sng" noProof="0" dirty="0">
-                <a:solidFill>
-                  <a:schemeClr val="bg2"/>
-                </a:solidFill>
-                <a:effectLst/>
-                <a:latin typeface="Calibri" panose="020F0502020204030204" pitchFamily="34" charset="0"/>
-                <a:ea typeface="Calibri" panose="020F0502020204030204" pitchFamily="34" charset="0"/>
-                <a:cs typeface="Arial" panose="020B0604020202020204" pitchFamily="34" charset="0"/>
-                <a:hlinkClick r:id="rId2">
-                  <a:extLst>
-                    <a:ext uri="{A12FA001-AC4F-418D-AE19-62706E023703}">
-                      <ahyp:hlinkClr xmlns:ahyp="http://schemas.microsoft.com/office/drawing/2018/hyperlinkcolor" val="tx"/>
-                    </a:ext>
-                  </a:extLst>
-                </a:hlinkClick>
-              </a:rPr>
-              <a:t>https://softuni.org</a:t>
-            </a:r>
-            <a:r>
-              <a:rPr lang="en-US" sz="1600" noProof="0" dirty="0">
-                <a:solidFill>
-                  <a:schemeClr val="bg2"/>
-                </a:solidFill>
-                <a:effectLst/>
-                <a:latin typeface="Calibri" panose="020F0502020204030204" pitchFamily="34" charset="0"/>
-                <a:ea typeface="Calibri" panose="020F0502020204030204" pitchFamily="34" charset="0"/>
-                <a:cs typeface="Arial" panose="020B0604020202020204" pitchFamily="34" charset="0"/>
-              </a:rPr>
-              <a:t>. Copyrighted document. Unauthorized copy, reproduction or use is not permitted.</a:t>
-            </a:r>
-            <a:endParaRPr lang="en-US" sz="2400" noProof="0" dirty="0">
-              <a:solidFill>
-                <a:schemeClr val="bg2"/>
-              </a:solidFill>
-              <a:effectLst/>
-              <a:latin typeface="Calibri" panose="020F0502020204030204" pitchFamily="34" charset="0"/>
-              <a:ea typeface="Calibri" panose="020F0502020204030204" pitchFamily="34" charset="0"/>
-              <a:cs typeface="Arial" panose="020B0604020202020204" pitchFamily="34" charset="0"/>
-            </a:endParaRPr>
-          </a:p>
-        </p:txBody>
-      </p:sp>
-      <p:pic>
-        <p:nvPicPr>
-          <p:cNvPr id="26" name="Picture SoftUni Mascot" descr="SoftUni mascot with open hand">
-            <a:extLst>
-              <a:ext uri="{FF2B5EF4-FFF2-40B4-BE49-F238E27FC236}">
-                <a16:creationId xmlns:a16="http://schemas.microsoft.com/office/drawing/2014/main" id="{247CFF3C-C4FA-493D-8505-DF469F4D36A4}"/>
-              </a:ext>
-            </a:extLst>
-          </p:cNvPr>
-          <p:cNvPicPr>
-            <a:picLocks noChangeAspect="1"/>
-          </p:cNvPicPr>
-          <p:nvPr/>
-        </p:nvPicPr>
-        <p:blipFill>
-          <a:blip r:embed="rId3" cstate="print">
-            <a:extLst>
-              <a:ext uri="{28A0092B-C50C-407E-A947-70E740481C1C}">
-                <a14:useLocalDpi xmlns:a14="http://schemas.microsoft.com/office/drawing/2010/main" val="0"/>
-              </a:ext>
-            </a:extLst>
-          </a:blip>
-          <a:stretch>
-            <a:fillRect/>
-          </a:stretch>
-        </p:blipFill>
-        <p:spPr>
-          <a:xfrm>
-            <a:off x="642586" y="2898830"/>
-            <a:ext cx="2451608" cy="2959741"/>
-          </a:xfrm>
-          <a:prstGeom prst="rect">
-            <a:avLst/>
-          </a:prstGeom>
-        </p:spPr>
-      </p:pic>
-      <p:grpSp>
-        <p:nvGrpSpPr>
-          <p:cNvPr id="2" name="Group SoftUni Brands">
-            <a:extLst>
-              <a:ext uri="{FF2B5EF4-FFF2-40B4-BE49-F238E27FC236}">
-                <a16:creationId xmlns:a16="http://schemas.microsoft.com/office/drawing/2014/main" id="{418FAE34-C1F8-46C7-A4AE-F270D1E70F25}"/>
-              </a:ext>
-            </a:extLst>
-          </p:cNvPr>
-          <p:cNvGrpSpPr/>
-          <p:nvPr userDrawn="1"/>
-        </p:nvGrpSpPr>
-        <p:grpSpPr>
-          <a:xfrm>
-            <a:off x="3332216" y="1702473"/>
-            <a:ext cx="8314909" cy="3543782"/>
-            <a:chOff x="3332216" y="1702473"/>
-            <a:chExt cx="8314909" cy="3543782"/>
-          </a:xfrm>
-        </p:grpSpPr>
-        <p:pic>
-          <p:nvPicPr>
-            <p:cNvPr id="24" name="Picture SoftUni Kids Logo" descr="SoftUni Kids logo">
-              <a:extLst>
-                <a:ext uri="{FF2B5EF4-FFF2-40B4-BE49-F238E27FC236}">
-                  <a16:creationId xmlns:a16="http://schemas.microsoft.com/office/drawing/2014/main" id="{B0812936-74B6-4265-8C08-AEDC8C798702}"/>
-                </a:ext>
-              </a:extLst>
-            </p:cNvPr>
-            <p:cNvPicPr>
-              <a:picLocks noChangeAspect="1"/>
-            </p:cNvPicPr>
-            <p:nvPr/>
-          </p:nvPicPr>
-          <p:blipFill>
-            <a:blip r:embed="rId4" cstate="print">
-              <a:extLst>
-                <a:ext uri="{28A0092B-C50C-407E-A947-70E740481C1C}">
-                  <a14:useLocalDpi xmlns:a14="http://schemas.microsoft.com/office/drawing/2010/main" val="0"/>
-                </a:ext>
-              </a:extLst>
-            </a:blip>
-            <a:stretch>
-              <a:fillRect/>
-            </a:stretch>
-          </p:blipFill>
-          <p:spPr>
-            <a:xfrm>
-              <a:off x="10516883" y="3776294"/>
-              <a:ext cx="1130242" cy="1389256"/>
-            </a:xfrm>
-            <a:prstGeom prst="rect">
-              <a:avLst/>
-            </a:prstGeom>
-          </p:spPr>
-        </p:pic>
-        <p:pic>
-          <p:nvPicPr>
-            <p:cNvPr id="23" name="Picture SoftUni Foundation Logo" descr="SoftUni Foundation logo">
-              <a:extLst>
-                <a:ext uri="{FF2B5EF4-FFF2-40B4-BE49-F238E27FC236}">
-                  <a16:creationId xmlns:a16="http://schemas.microsoft.com/office/drawing/2014/main" id="{6643F71A-2013-433A-8322-FBAAED3162D8}"/>
-                </a:ext>
-              </a:extLst>
-            </p:cNvPr>
-            <p:cNvPicPr>
-              <a:picLocks noChangeAspect="1"/>
-            </p:cNvPicPr>
-            <p:nvPr userDrawn="1"/>
-          </p:nvPicPr>
-          <p:blipFill>
-            <a:blip r:embed="rId5" cstate="print">
-              <a:extLst>
-                <a:ext uri="{28A0092B-C50C-407E-A947-70E740481C1C}">
-                  <a14:useLocalDpi xmlns:a14="http://schemas.microsoft.com/office/drawing/2010/main" val="0"/>
-                </a:ext>
-              </a:extLst>
-            </a:blip>
-            <a:stretch>
-              <a:fillRect/>
-            </a:stretch>
-          </p:blipFill>
-          <p:spPr>
-            <a:xfrm>
-              <a:off x="9053913" y="3788231"/>
-              <a:ext cx="1166400" cy="1350756"/>
-            </a:xfrm>
-            <a:prstGeom prst="rect">
-              <a:avLst/>
-            </a:prstGeom>
-          </p:spPr>
-        </p:pic>
-        <p:pic>
-          <p:nvPicPr>
-            <p:cNvPr id="22" name="Picture SoftUni Digital Logo" descr="SoftUni Digital logo">
-              <a:extLst>
-                <a:ext uri="{FF2B5EF4-FFF2-40B4-BE49-F238E27FC236}">
-                  <a16:creationId xmlns:a16="http://schemas.microsoft.com/office/drawing/2014/main" id="{0A83D66F-855B-463B-920B-BF239B01A206}"/>
-                </a:ext>
-              </a:extLst>
-            </p:cNvPr>
-            <p:cNvPicPr>
-              <a:picLocks noChangeAspect="1"/>
-            </p:cNvPicPr>
-            <p:nvPr userDrawn="1"/>
-          </p:nvPicPr>
-          <p:blipFill>
-            <a:blip r:embed="rId6" cstate="print">
-              <a:extLst>
-                <a:ext uri="{28A0092B-C50C-407E-A947-70E740481C1C}">
-                  <a14:useLocalDpi xmlns:a14="http://schemas.microsoft.com/office/drawing/2010/main" val="0"/>
-                </a:ext>
-              </a:extLst>
-            </a:blip>
-            <a:stretch>
-              <a:fillRect/>
-            </a:stretch>
-          </p:blipFill>
-          <p:spPr>
-            <a:xfrm>
-              <a:off x="7657695" y="3789000"/>
-              <a:ext cx="1084614" cy="1457255"/>
-            </a:xfrm>
-            <a:prstGeom prst="rect">
-              <a:avLst/>
-            </a:prstGeom>
-          </p:spPr>
-        </p:pic>
-        <p:pic>
-          <p:nvPicPr>
-            <p:cNvPr id="21" name="Picture SoftUni Creative Logo" descr="SoftUni Creative logo">
-              <a:extLst>
-                <a:ext uri="{FF2B5EF4-FFF2-40B4-BE49-F238E27FC236}">
-                  <a16:creationId xmlns:a16="http://schemas.microsoft.com/office/drawing/2014/main" id="{EA755AAE-BA08-481C-9224-0061170EE4B8}"/>
-                </a:ext>
-              </a:extLst>
-            </p:cNvPr>
-            <p:cNvPicPr>
-              <a:picLocks noChangeAspect="1"/>
-            </p:cNvPicPr>
-            <p:nvPr/>
-          </p:nvPicPr>
-          <p:blipFill>
-            <a:blip r:embed="rId7" cstate="print">
-              <a:extLst>
-                <a:ext uri="{28A0092B-C50C-407E-A947-70E740481C1C}">
-                  <a14:useLocalDpi xmlns:a14="http://schemas.microsoft.com/office/drawing/2010/main" val="0"/>
-                </a:ext>
-              </a:extLst>
-            </a:blip>
-            <a:stretch>
-              <a:fillRect/>
-            </a:stretch>
-          </p:blipFill>
-          <p:spPr>
-            <a:xfrm>
-              <a:off x="6173913" y="3776293"/>
-              <a:ext cx="1166400" cy="1389257"/>
-            </a:xfrm>
-            <a:prstGeom prst="rect">
-              <a:avLst/>
-            </a:prstGeom>
-          </p:spPr>
-        </p:pic>
-        <p:pic>
-          <p:nvPicPr>
-            <p:cNvPr id="20" name="Picture SoftUni Svetlina Logo" descr="SoftUni Svetlina logo">
-              <a:extLst>
-                <a:ext uri="{FF2B5EF4-FFF2-40B4-BE49-F238E27FC236}">
-                  <a16:creationId xmlns:a16="http://schemas.microsoft.com/office/drawing/2014/main" id="{827D15FD-4C66-4B85-98E6-7826AA8F61C6}"/>
-                </a:ext>
-              </a:extLst>
-            </p:cNvPr>
-            <p:cNvPicPr>
-              <a:picLocks noChangeAspect="1"/>
-            </p:cNvPicPr>
-            <p:nvPr/>
-          </p:nvPicPr>
-          <p:blipFill>
-            <a:blip r:embed="rId8">
-              <a:extLst>
-                <a:ext uri="{28A0092B-C50C-407E-A947-70E740481C1C}">
-                  <a14:useLocalDpi xmlns:a14="http://schemas.microsoft.com/office/drawing/2010/main" val="0"/>
-                </a:ext>
-              </a:extLst>
-            </a:blip>
-            <a:stretch>
-              <a:fillRect/>
-            </a:stretch>
-          </p:blipFill>
-          <p:spPr>
-            <a:xfrm>
-              <a:off x="4735029" y="3776293"/>
-              <a:ext cx="1166400" cy="1402229"/>
-            </a:xfrm>
-            <a:prstGeom prst="rect">
-              <a:avLst/>
-            </a:prstGeom>
-          </p:spPr>
-        </p:pic>
-        <p:pic>
-          <p:nvPicPr>
-            <p:cNvPr id="25" name="Picture Software University Logo" descr="Software University logo">
-              <a:extLst>
-                <a:ext uri="{FF2B5EF4-FFF2-40B4-BE49-F238E27FC236}">
-                  <a16:creationId xmlns:a16="http://schemas.microsoft.com/office/drawing/2014/main" id="{C74C190C-5856-41B9-8819-AE8DE0E10980}"/>
-                </a:ext>
-              </a:extLst>
-            </p:cNvPr>
-            <p:cNvPicPr>
-              <a:picLocks noChangeAspect="1"/>
-            </p:cNvPicPr>
-            <p:nvPr/>
-          </p:nvPicPr>
-          <p:blipFill>
-            <a:blip r:embed="rId9" cstate="print">
-              <a:extLst>
-                <a:ext uri="{28A0092B-C50C-407E-A947-70E740481C1C}">
-                  <a14:useLocalDpi xmlns:a14="http://schemas.microsoft.com/office/drawing/2010/main" val="0"/>
-                </a:ext>
-              </a:extLst>
-            </a:blip>
-            <a:stretch>
-              <a:fillRect/>
-            </a:stretch>
-          </p:blipFill>
-          <p:spPr>
-            <a:xfrm>
-              <a:off x="3332216" y="3776295"/>
-              <a:ext cx="1164654" cy="1440000"/>
-            </a:xfrm>
-            <a:prstGeom prst="rect">
-              <a:avLst/>
-            </a:prstGeom>
-          </p:spPr>
-        </p:pic>
-        <p:cxnSp>
-          <p:nvCxnSpPr>
-            <p:cNvPr id="33" name="Straight Connector 6">
-              <a:extLst>
-                <a:ext uri="{FF2B5EF4-FFF2-40B4-BE49-F238E27FC236}">
-                  <a16:creationId xmlns:a16="http://schemas.microsoft.com/office/drawing/2014/main" id="{5C63D1E8-4A92-4691-8A24-A2FC7E8008E5}"/>
-                </a:ext>
-              </a:extLst>
-            </p:cNvPr>
-            <p:cNvCxnSpPr>
-              <a:cxnSpLocks/>
-            </p:cNvCxnSpPr>
-            <p:nvPr userDrawn="1"/>
-          </p:nvCxnSpPr>
-          <p:spPr>
-            <a:xfrm>
-              <a:off x="11077113" y="3335565"/>
-              <a:ext cx="0" cy="236220"/>
-            </a:xfrm>
-            <a:prstGeom prst="line">
-              <a:avLst/>
-            </a:prstGeom>
-            <a:ln w="25400"/>
-          </p:spPr>
-          <p:style>
-            <a:lnRef idx="1">
-              <a:schemeClr val="accent1"/>
-            </a:lnRef>
-            <a:fillRef idx="0">
-              <a:schemeClr val="accent1"/>
-            </a:fillRef>
-            <a:effectRef idx="0">
-              <a:schemeClr val="accent1"/>
-            </a:effectRef>
-            <a:fontRef idx="minor">
-              <a:schemeClr val="tx1"/>
-            </a:fontRef>
-          </p:style>
-        </p:cxnSp>
-        <p:cxnSp>
-          <p:nvCxnSpPr>
-            <p:cNvPr id="32" name="Straight Connector 5">
-              <a:extLst>
-                <a:ext uri="{FF2B5EF4-FFF2-40B4-BE49-F238E27FC236}">
-                  <a16:creationId xmlns:a16="http://schemas.microsoft.com/office/drawing/2014/main" id="{6E91D320-3732-40B8-864D-142D0A277ED1}"/>
-                </a:ext>
-              </a:extLst>
-            </p:cNvPr>
-            <p:cNvCxnSpPr>
-              <a:cxnSpLocks/>
-            </p:cNvCxnSpPr>
-            <p:nvPr userDrawn="1"/>
-          </p:nvCxnSpPr>
-          <p:spPr>
-            <a:xfrm>
-              <a:off x="9637113" y="3329215"/>
-              <a:ext cx="0" cy="236220"/>
-            </a:xfrm>
-            <a:prstGeom prst="line">
-              <a:avLst/>
-            </a:prstGeom>
-            <a:ln w="25400"/>
-          </p:spPr>
-          <p:style>
-            <a:lnRef idx="1">
-              <a:schemeClr val="accent1"/>
-            </a:lnRef>
-            <a:fillRef idx="0">
-              <a:schemeClr val="accent1"/>
-            </a:fillRef>
-            <a:effectRef idx="0">
-              <a:schemeClr val="accent1"/>
-            </a:effectRef>
-            <a:fontRef idx="minor">
-              <a:schemeClr val="tx1"/>
-            </a:fontRef>
-          </p:style>
-        </p:cxnSp>
-        <p:cxnSp>
-          <p:nvCxnSpPr>
-            <p:cNvPr id="31" name="Straight Connector 4">
-              <a:extLst>
-                <a:ext uri="{FF2B5EF4-FFF2-40B4-BE49-F238E27FC236}">
-                  <a16:creationId xmlns:a16="http://schemas.microsoft.com/office/drawing/2014/main" id="{299ABE09-E33C-46B7-A80D-7BF4A6956211}"/>
-                </a:ext>
-              </a:extLst>
-            </p:cNvPr>
-            <p:cNvCxnSpPr/>
-            <p:nvPr userDrawn="1"/>
-          </p:nvCxnSpPr>
-          <p:spPr>
-            <a:xfrm>
-              <a:off x="8197113" y="3329215"/>
-              <a:ext cx="0" cy="236220"/>
-            </a:xfrm>
-            <a:prstGeom prst="line">
-              <a:avLst/>
-            </a:prstGeom>
-            <a:ln w="25400"/>
-          </p:spPr>
-          <p:style>
-            <a:lnRef idx="1">
-              <a:schemeClr val="accent1"/>
-            </a:lnRef>
-            <a:fillRef idx="0">
-              <a:schemeClr val="accent1"/>
-            </a:fillRef>
-            <a:effectRef idx="0">
-              <a:schemeClr val="accent1"/>
-            </a:effectRef>
-            <a:fontRef idx="minor">
-              <a:schemeClr val="tx1"/>
-            </a:fontRef>
-          </p:style>
-        </p:cxnSp>
-        <p:cxnSp>
-          <p:nvCxnSpPr>
-            <p:cNvPr id="30" name="Straight Connector 3">
-              <a:extLst>
-                <a:ext uri="{FF2B5EF4-FFF2-40B4-BE49-F238E27FC236}">
-                  <a16:creationId xmlns:a16="http://schemas.microsoft.com/office/drawing/2014/main" id="{93DDBF37-0764-47AA-94E3-9A44F3ED8FB5}"/>
-                </a:ext>
-              </a:extLst>
-            </p:cNvPr>
-            <p:cNvCxnSpPr/>
-            <p:nvPr userDrawn="1"/>
-          </p:nvCxnSpPr>
-          <p:spPr>
-            <a:xfrm>
-              <a:off x="6757113" y="3329215"/>
-              <a:ext cx="0" cy="236220"/>
-            </a:xfrm>
-            <a:prstGeom prst="line">
-              <a:avLst/>
-            </a:prstGeom>
-            <a:ln w="25400"/>
-          </p:spPr>
-          <p:style>
-            <a:lnRef idx="1">
-              <a:schemeClr val="accent1"/>
-            </a:lnRef>
-            <a:fillRef idx="0">
-              <a:schemeClr val="accent1"/>
-            </a:fillRef>
-            <a:effectRef idx="0">
-              <a:schemeClr val="accent1"/>
-            </a:effectRef>
-            <a:fontRef idx="minor">
-              <a:schemeClr val="tx1"/>
-            </a:fontRef>
-          </p:style>
-        </p:cxnSp>
-        <p:cxnSp>
-          <p:nvCxnSpPr>
-            <p:cNvPr id="29" name="Straight Connector 2">
-              <a:extLst>
-                <a:ext uri="{FF2B5EF4-FFF2-40B4-BE49-F238E27FC236}">
-                  <a16:creationId xmlns:a16="http://schemas.microsoft.com/office/drawing/2014/main" id="{72BFE2F3-0845-4E5B-9375-E9D4027DD675}"/>
-                </a:ext>
-              </a:extLst>
-            </p:cNvPr>
-            <p:cNvCxnSpPr/>
-            <p:nvPr userDrawn="1"/>
-          </p:nvCxnSpPr>
-          <p:spPr>
-            <a:xfrm>
-              <a:off x="5309913" y="3335565"/>
-              <a:ext cx="0" cy="236220"/>
-            </a:xfrm>
-            <a:prstGeom prst="line">
-              <a:avLst/>
-            </a:prstGeom>
-            <a:ln w="25400"/>
-          </p:spPr>
-          <p:style>
-            <a:lnRef idx="1">
-              <a:schemeClr val="accent1"/>
-            </a:lnRef>
-            <a:fillRef idx="0">
-              <a:schemeClr val="accent1"/>
-            </a:fillRef>
-            <a:effectRef idx="0">
-              <a:schemeClr val="accent1"/>
-            </a:effectRef>
-            <a:fontRef idx="minor">
-              <a:schemeClr val="tx1"/>
-            </a:fontRef>
-          </p:style>
-        </p:cxnSp>
-        <p:cxnSp>
-          <p:nvCxnSpPr>
-            <p:cNvPr id="28" name="Straight Connector 1">
-              <a:extLst>
-                <a:ext uri="{FF2B5EF4-FFF2-40B4-BE49-F238E27FC236}">
-                  <a16:creationId xmlns:a16="http://schemas.microsoft.com/office/drawing/2014/main" id="{D4E5982E-3110-47E1-A5BB-91B7BECC3093}"/>
-                </a:ext>
-              </a:extLst>
-            </p:cNvPr>
-            <p:cNvCxnSpPr/>
-            <p:nvPr userDrawn="1"/>
-          </p:nvCxnSpPr>
-          <p:spPr>
-            <a:xfrm>
-              <a:off x="3915327" y="3335565"/>
-              <a:ext cx="0" cy="236220"/>
-            </a:xfrm>
-            <a:prstGeom prst="line">
-              <a:avLst/>
-            </a:prstGeom>
-            <a:ln w="25400"/>
-          </p:spPr>
-          <p:style>
-            <a:lnRef idx="1">
-              <a:schemeClr val="accent1"/>
-            </a:lnRef>
-            <a:fillRef idx="0">
-              <a:schemeClr val="accent1"/>
-            </a:fillRef>
-            <a:effectRef idx="0">
-              <a:schemeClr val="accent1"/>
-            </a:effectRef>
-            <a:fontRef idx="minor">
-              <a:schemeClr val="tx1"/>
-            </a:fontRef>
-          </p:style>
-        </p:cxnSp>
-        <p:cxnSp>
-          <p:nvCxnSpPr>
-            <p:cNvPr id="27" name="Straight Connector Horizontal">
-              <a:extLst>
-                <a:ext uri="{FF2B5EF4-FFF2-40B4-BE49-F238E27FC236}">
-                  <a16:creationId xmlns:a16="http://schemas.microsoft.com/office/drawing/2014/main" id="{5F62FB7C-BD6E-4383-98C1-2CF30F34CAFD}"/>
-                </a:ext>
-              </a:extLst>
-            </p:cNvPr>
-            <p:cNvCxnSpPr>
-              <a:cxnSpLocks/>
-            </p:cNvCxnSpPr>
-            <p:nvPr userDrawn="1"/>
-          </p:nvCxnSpPr>
-          <p:spPr>
-            <a:xfrm>
-              <a:off x="3915327" y="3335565"/>
-              <a:ext cx="7161786" cy="0"/>
-            </a:xfrm>
-            <a:prstGeom prst="line">
-              <a:avLst/>
-            </a:prstGeom>
-            <a:ln w="25400"/>
-          </p:spPr>
-          <p:style>
-            <a:lnRef idx="1">
-              <a:schemeClr val="accent1"/>
-            </a:lnRef>
-            <a:fillRef idx="0">
-              <a:schemeClr val="accent1"/>
-            </a:fillRef>
-            <a:effectRef idx="0">
-              <a:schemeClr val="accent1"/>
-            </a:effectRef>
-            <a:fontRef idx="minor">
-              <a:schemeClr val="tx1"/>
-            </a:fontRef>
-          </p:style>
-        </p:cxnSp>
-        <p:cxnSp>
-          <p:nvCxnSpPr>
-            <p:cNvPr id="34" name="Straight Connector 0">
-              <a:extLst>
-                <a:ext uri="{FF2B5EF4-FFF2-40B4-BE49-F238E27FC236}">
-                  <a16:creationId xmlns:a16="http://schemas.microsoft.com/office/drawing/2014/main" id="{C84A0FE1-723D-4682-8682-77BAD950EE15}"/>
-                </a:ext>
-              </a:extLst>
-            </p:cNvPr>
-            <p:cNvCxnSpPr/>
-            <p:nvPr userDrawn="1"/>
-          </p:nvCxnSpPr>
-          <p:spPr>
-            <a:xfrm>
-              <a:off x="7496220" y="3092995"/>
-              <a:ext cx="0" cy="236220"/>
-            </a:xfrm>
-            <a:prstGeom prst="line">
-              <a:avLst/>
-            </a:prstGeom>
-            <a:ln w="25400"/>
-          </p:spPr>
-          <p:style>
-            <a:lnRef idx="1">
-              <a:schemeClr val="accent1"/>
-            </a:lnRef>
-            <a:fillRef idx="0">
-              <a:schemeClr val="accent1"/>
-            </a:fillRef>
-            <a:effectRef idx="0">
-              <a:schemeClr val="accent1"/>
-            </a:effectRef>
-            <a:fontRef idx="minor">
-              <a:schemeClr val="tx1"/>
-            </a:fontRef>
-          </p:style>
-        </p:cxnSp>
-        <p:pic>
-          <p:nvPicPr>
-            <p:cNvPr id="18" name="Picture SoftUni Logo" descr="SoftUni logo">
-              <a:extLst>
-                <a:ext uri="{FF2B5EF4-FFF2-40B4-BE49-F238E27FC236}">
-                  <a16:creationId xmlns:a16="http://schemas.microsoft.com/office/drawing/2014/main" id="{A0675455-B7FA-4569-A5FD-A3B0F20B2A26}"/>
-                </a:ext>
-              </a:extLst>
-            </p:cNvPr>
-            <p:cNvPicPr>
-              <a:picLocks noChangeAspect="1"/>
-            </p:cNvPicPr>
-            <p:nvPr/>
-          </p:nvPicPr>
-          <p:blipFill>
-            <a:blip r:embed="rId10" cstate="print">
-              <a:extLst>
-                <a:ext uri="{28A0092B-C50C-407E-A947-70E740481C1C}">
-                  <a14:useLocalDpi xmlns:a14="http://schemas.microsoft.com/office/drawing/2010/main" val="0"/>
-                </a:ext>
-              </a:extLst>
-            </a:blip>
-            <a:stretch>
-              <a:fillRect/>
-            </a:stretch>
-          </p:blipFill>
-          <p:spPr>
-            <a:xfrm>
-              <a:off x="6896770" y="1702473"/>
-              <a:ext cx="1198901" cy="1198901"/>
-            </a:xfrm>
-            <a:prstGeom prst="rect">
-              <a:avLst/>
-            </a:prstGeom>
-          </p:spPr>
-        </p:pic>
-      </p:grpSp>
-      <p:sp>
-        <p:nvSpPr>
-          <p:cNvPr id="19" name="Slide Title">
-            <a:extLst>
-              <a:ext uri="{FF2B5EF4-FFF2-40B4-BE49-F238E27FC236}">
-                <a16:creationId xmlns:a16="http://schemas.microsoft.com/office/drawing/2014/main" id="{7CFDBB16-985C-4CC7-B6DB-B81B36037922}"/>
+                <a16:creationId xmlns:a16="http://schemas.microsoft.com/office/drawing/2014/main" id="{3107753B-8639-4399-B782-EE5377184D2E}"/>
               </a:ext>
             </a:extLst>
           </p:cNvPr>
@@ -4786,142 +4055,33 @@
             <a:spLocks noGrp="1"/>
           </p:cNvSpPr>
           <p:nvPr>
-            <p:ph type="title"/>
+            <p:ph type="title" hasCustomPrompt="1"/>
           </p:nvPr>
         </p:nvSpPr>
         <p:spPr>
           <a:xfrm>
-            <a:off x="809628" y="703244"/>
-            <a:ext cx="5916372" cy="1033303"/>
+            <a:off x="726988" y="1461842"/>
+            <a:ext cx="10731663" cy="3047158"/>
           </a:xfrm>
-          <a:prstGeom prst="rect">
-            <a:avLst/>
-          </a:prstGeom>
         </p:spPr>
         <p:txBody>
-          <a:bodyPr wrap="none" lIns="0" tIns="0" rIns="0" bIns="0" anchor="ctr" anchorCtr="0">
-            <a:noAutofit/>
-            <a:scene3d>
-              <a:camera prst="orthographicFront"/>
-              <a:lightRig rig="soft" dir="t">
-                <a:rot lat="0" lon="0" rev="10800000"/>
-              </a:lightRig>
-            </a:scene3d>
-            <a:sp3d>
-              <a:bevelT w="27940" h="12700"/>
-              <a:contourClr>
-                <a:srgbClr val="DDDDDD"/>
-              </a:contourClr>
-            </a:sp3d>
+          <a:bodyPr>
+            <a:normAutofit/>
           </a:bodyPr>
-          <a:lstStyle/>
-          <a:p>
-            <a:pPr marL="0" marR="0" lvl="0" indent="0" algn="l" defTabSz="913852" rtl="0" eaLnBrk="0" fontAlgn="auto" latinLnBrk="0" hangingPunct="0">
-              <a:lnSpc>
-                <a:spcPct val="100000"/>
-              </a:lnSpc>
-              <a:spcBef>
-                <a:spcPts val="0"/>
-              </a:spcBef>
-              <a:spcAft>
-                <a:spcPts val="0"/>
-              </a:spcAft>
-              <a:buClr>
-                <a:srgbClr val="67748E">
-                  <a:lumMod val="40000"/>
-                  <a:lumOff val="60000"/>
-                </a:srgbClr>
-              </a:buClr>
-              <a:buSzPct val="70000"/>
-              <a:buFont typeface="Wingdings 2" pitchFamily="18" charset="2"/>
-              <a:buNone/>
-              <a:tabLst/>
-              <a:defRPr/>
-            </a:pPr>
-            <a:r>
-              <a:rPr kumimoji="0" lang="en-US" sz="8797" b="1" i="0" u="none" strike="noStrike" kern="1200" cap="none" spc="0" normalizeH="0" baseline="0" noProof="0">
-                <a:ln>
-                  <a:noFill/>
-                </a:ln>
-                <a:solidFill>
-                  <a:srgbClr val="234465"/>
-                </a:solidFill>
-                <a:effectLst/>
-                <a:uLnTx/>
-                <a:uFillTx/>
-                <a:latin typeface="Calibri" panose="020F0502020204030204"/>
-                <a:ea typeface="+mn-ea"/>
-                <a:cs typeface="+mn-cs"/>
-              </a:rPr>
-              <a:t>Questions?</a:t>
-            </a:r>
-            <a:endParaRPr kumimoji="0" lang="en-US" sz="8797" b="1" i="0" u="none" strike="noStrike" kern="1200" cap="none" spc="150" normalizeH="0" baseline="0" noProof="0">
-              <a:ln w="11430"/>
-              <a:solidFill>
-                <a:srgbClr val="234465"/>
-              </a:solidFill>
-              <a:effectLst>
-                <a:outerShdw blurRad="25400" algn="tl" rotWithShape="0">
-                  <a:srgbClr val="000000">
-                    <a:alpha val="43000"/>
-                  </a:srgbClr>
-                </a:outerShdw>
-              </a:effectLst>
-              <a:uLnTx/>
-              <a:uFillTx/>
-              <a:latin typeface="Calibri" panose="020F0502020204030204"/>
-              <a:ea typeface="+mn-ea"/>
-              <a:cs typeface="+mn-cs"/>
-            </a:endParaRPr>
+          <a:lstStyle>
+            <a:lvl1pPr algn="ctr">
+              <a:defRPr sz="13800"/>
+            </a:lvl1pPr>
+          </a:lstStyle>
+          <a:p>
+            <a:r>
+              <a:rPr lang="bg-BG" dirty="0"/>
+              <a:t>Въпроси?</a:t>
+            </a:r>
+            <a:endParaRPr lang="en-US" dirty="0"/>
           </a:p>
         </p:txBody>
       </p:sp>
-      <p:pic>
-        <p:nvPicPr>
-          <p:cNvPr id="36" name="Logo Software University" descr="Software University logo">
-            <a:extLst>
-              <a:ext uri="{FF2B5EF4-FFF2-40B4-BE49-F238E27FC236}">
-                <a16:creationId xmlns:a16="http://schemas.microsoft.com/office/drawing/2014/main" id="{67FC4D2E-913D-432A-B658-F0D82839FA5E}"/>
-              </a:ext>
-            </a:extLst>
-          </p:cNvPr>
-          <p:cNvPicPr>
-            <a:picLocks noChangeAspect="1"/>
-          </p:cNvPicPr>
-          <p:nvPr userDrawn="1"/>
-        </p:nvPicPr>
-        <p:blipFill>
-          <a:blip r:embed="rId11">
-            <a:clrChange>
-              <a:clrFrom>
-                <a:srgbClr val="FFFFFF"/>
-              </a:clrFrom>
-              <a:clrTo>
-                <a:srgbClr val="FFFFFF">
-                  <a:alpha val="0"/>
-                </a:srgbClr>
-              </a:clrTo>
-            </a:clrChange>
-            <a:extLst>
-              <a:ext uri="{28A0092B-C50C-407E-A947-70E740481C1C}">
-                <a14:useLocalDpi xmlns:a14="http://schemas.microsoft.com/office/drawing/2010/main" val="0"/>
-              </a:ext>
-            </a:extLst>
-          </a:blip>
-          <a:stretch>
-            <a:fillRect/>
-          </a:stretch>
-        </p:blipFill>
-        <p:spPr>
-          <a:xfrm>
-            <a:off x="10008761" y="190267"/>
-            <a:ext cx="2013336" cy="690975"/>
-          </a:xfrm>
-          <a:prstGeom prst="rect">
-            <a:avLst/>
-          </a:prstGeom>
-        </p:spPr>
-      </p:pic>
     </p:spTree>
     <p:extLst>
       <p:ext uri="{BB962C8B-B14F-4D97-AF65-F5344CB8AC3E}">
@@ -4956,528 +4116,6 @@
       </p15:sldGuideLst>
     </p:ext>
   </p:extLst>
-</p:sldLayout>
-</file>
-
-<file path=ppt/slideLayouts/slideLayout13.xml><?xml version="1.0" encoding="utf-8"?>
-<p:sldLayout xmlns:a="http://schemas.openxmlformats.org/drawingml/2006/main" xmlns:r="http://schemas.openxmlformats.org/officeDocument/2006/relationships" xmlns:p="http://schemas.openxmlformats.org/presentationml/2006/main" preserve="1" userDrawn="1">
-  <p:cSld name="About Slide">
-    <p:spTree>
-      <p:nvGrpSpPr>
-        <p:cNvPr id="1" name=""/>
-        <p:cNvGrpSpPr/>
-        <p:nvPr/>
-      </p:nvGrpSpPr>
-      <p:grpSpPr>
-        <a:xfrm>
-          <a:off x="0" y="0"/>
-          <a:ext cx="0" cy="0"/>
-          <a:chOff x="0" y="0"/>
-          <a:chExt cx="0" cy="0"/>
-        </a:xfrm>
-      </p:grpSpPr>
-      <p:sp>
-        <p:nvSpPr>
-          <p:cNvPr id="13" name="Slide Number">
-            <a:extLst>
-              <a:ext uri="{FF2B5EF4-FFF2-40B4-BE49-F238E27FC236}">
-                <a16:creationId xmlns:a16="http://schemas.microsoft.com/office/drawing/2014/main" id="{5B8761D8-B42F-4A70-A0CE-682CEB2AE31B}"/>
-              </a:ext>
-            </a:extLst>
-          </p:cNvPr>
-          <p:cNvSpPr>
-            <a:spLocks noGrp="1"/>
-          </p:cNvSpPr>
-          <p:nvPr>
-            <p:ph type="sldNum" sz="quarter" idx="4"/>
-          </p:nvPr>
-        </p:nvSpPr>
-        <p:spPr>
-          <a:xfrm>
-            <a:off x="11753030" y="6507000"/>
-            <a:ext cx="367414" cy="297000"/>
-          </a:xfrm>
-          <a:prstGeom prst="rect">
-            <a:avLst/>
-          </a:prstGeom>
-        </p:spPr>
-        <p:txBody>
-          <a:bodyPr vert="horz" lIns="91440" tIns="45720" rIns="91440" bIns="45720" rtlCol="0" anchor="b"/>
-          <a:lstStyle>
-            <a:lvl1pPr algn="r">
-              <a:defRPr sz="1000"/>
-            </a:lvl1pPr>
-          </a:lstStyle>
-          <a:p>
-            <a:fld id="{2BF067CD-8E6B-4360-9AA8-C5DF2A48A6D1}" type="slidenum">
-              <a:rPr lang="en-US" noProof="0" smtClean="0"/>
-              <a:pPr/>
-              <a:t>‹#›</a:t>
-            </a:fld>
-            <a:endParaRPr lang="en-US" noProof="0" dirty="0"/>
-          </a:p>
-        </p:txBody>
-      </p:sp>
-      <p:pic>
-        <p:nvPicPr>
-          <p:cNvPr id="19" name="Picture Forum" descr="Forum icon">
-            <a:hlinkClick r:id="rId2" tooltip="Software University Discussion Forum"/>
-            <a:extLst>
-              <a:ext uri="{FF2B5EF4-FFF2-40B4-BE49-F238E27FC236}">
-                <a16:creationId xmlns:a16="http://schemas.microsoft.com/office/drawing/2014/main" id="{98C579AD-FAF5-4B28-9B52-5457F1E90061}"/>
-              </a:ext>
-            </a:extLst>
-          </p:cNvPr>
-          <p:cNvPicPr>
-            <a:picLocks noChangeAspect="1"/>
-          </p:cNvPicPr>
-          <p:nvPr userDrawn="1"/>
-        </p:nvPicPr>
-        <p:blipFill>
-          <a:blip r:embed="rId3" cstate="print">
-            <a:extLst>
-              <a:ext uri="{28A0092B-C50C-407E-A947-70E740481C1C}">
-                <a14:useLocalDpi xmlns:a14="http://schemas.microsoft.com/office/drawing/2010/main"/>
-              </a:ext>
-            </a:extLst>
-          </a:blip>
-          <a:stretch>
-            <a:fillRect/>
-          </a:stretch>
-        </p:blipFill>
-        <p:spPr>
-          <a:xfrm>
-            <a:off x="10524350" y="5249556"/>
-            <a:ext cx="970156" cy="965726"/>
-          </a:xfrm>
-          <a:prstGeom prst="rect">
-            <a:avLst/>
-          </a:prstGeom>
-        </p:spPr>
-      </p:pic>
-      <p:pic>
-        <p:nvPicPr>
-          <p:cNvPr id="17" name="Picture Logo FB" descr="Facebook logo">
-            <a:hlinkClick r:id="rId4" tooltip="Software University @ Facebook"/>
-            <a:extLst>
-              <a:ext uri="{FF2B5EF4-FFF2-40B4-BE49-F238E27FC236}">
-                <a16:creationId xmlns:a16="http://schemas.microsoft.com/office/drawing/2014/main" id="{6B2C510E-5EF2-49F6-B926-2BD74CD3C7F8}"/>
-              </a:ext>
-            </a:extLst>
-          </p:cNvPr>
-          <p:cNvPicPr>
-            <a:picLocks noChangeAspect="1" noChangeArrowheads="1"/>
-          </p:cNvPicPr>
-          <p:nvPr userDrawn="1"/>
-        </p:nvPicPr>
-        <p:blipFill rotWithShape="1">
-          <a:blip r:embed="rId5" cstate="print">
-            <a:extLst>
-              <a:ext uri="{28A0092B-C50C-407E-A947-70E740481C1C}">
-                <a14:useLocalDpi xmlns:a14="http://schemas.microsoft.com/office/drawing/2010/main"/>
-              </a:ext>
-            </a:extLst>
-          </a:blip>
-          <a:srcRect/>
-          <a:stretch/>
-        </p:blipFill>
-        <p:spPr bwMode="auto">
-          <a:xfrm>
-            <a:off x="10507451" y="3689937"/>
-            <a:ext cx="1003954" cy="1017562"/>
-          </a:xfrm>
-          <a:prstGeom prst="rect">
-            <a:avLst/>
-          </a:prstGeom>
-          <a:noFill/>
-          <a:extLst>
-            <a:ext uri="{909E8E84-426E-40DD-AFC4-6F175D3DCCD1}">
-              <a14:hiddenFill xmlns:a14="http://schemas.microsoft.com/office/drawing/2010/main">
-                <a:solidFill>
-                  <a:srgbClr val="FFFFFF"/>
-                </a:solidFill>
-              </a14:hiddenFill>
-            </a:ext>
-          </a:extLst>
-        </p:spPr>
-      </p:pic>
-      <p:pic>
-        <p:nvPicPr>
-          <p:cNvPr id="20" name="Picture Logo SoftUni Right" descr="Software University logo">
-            <a:hlinkClick r:id="rId6"/>
-            <a:extLst>
-              <a:ext uri="{FF2B5EF4-FFF2-40B4-BE49-F238E27FC236}">
-                <a16:creationId xmlns:a16="http://schemas.microsoft.com/office/drawing/2014/main" id="{F4604840-E810-44B7-9FF1-3B28CD68B758}"/>
-              </a:ext>
-            </a:extLst>
-          </p:cNvPr>
-          <p:cNvPicPr>
-            <a:picLocks noChangeAspect="1"/>
-          </p:cNvPicPr>
-          <p:nvPr userDrawn="1"/>
-        </p:nvPicPr>
-        <p:blipFill>
-          <a:blip r:embed="rId7">
-            <a:extLst>
-              <a:ext uri="{28A0092B-C50C-407E-A947-70E740481C1C}">
-                <a14:useLocalDpi xmlns:a14="http://schemas.microsoft.com/office/drawing/2010/main" val="0"/>
-              </a:ext>
-            </a:extLst>
-          </a:blip>
-          <a:stretch>
-            <a:fillRect/>
-          </a:stretch>
-        </p:blipFill>
-        <p:spPr>
-          <a:xfrm>
-            <a:off x="10413401" y="1674000"/>
-            <a:ext cx="1192055" cy="1473880"/>
-          </a:xfrm>
-          <a:prstGeom prst="rect">
-            <a:avLst/>
-          </a:prstGeom>
-        </p:spPr>
-      </p:pic>
-      <p:pic>
-        <p:nvPicPr>
-          <p:cNvPr id="16" name="Picture SoftUni Mascot" descr="SoftUni mascot">
-            <a:hlinkClick r:id="rId8"/>
-            <a:extLst>
-              <a:ext uri="{FF2B5EF4-FFF2-40B4-BE49-F238E27FC236}">
-                <a16:creationId xmlns:a16="http://schemas.microsoft.com/office/drawing/2014/main" id="{07C965FA-A87E-4824-AFA8-C67AF548A76A}"/>
-              </a:ext>
-            </a:extLst>
-          </p:cNvPr>
-          <p:cNvPicPr>
-            <a:picLocks noChangeAspect="1"/>
-          </p:cNvPicPr>
-          <p:nvPr/>
-        </p:nvPicPr>
-        <p:blipFill>
-          <a:blip r:embed="rId9">
-            <a:extLst>
-              <a:ext uri="{28A0092B-C50C-407E-A947-70E740481C1C}">
-                <a14:useLocalDpi xmlns:a14="http://schemas.microsoft.com/office/drawing/2010/main" val="0"/>
-              </a:ext>
-            </a:extLst>
-          </a:blip>
-          <a:srcRect/>
-          <a:stretch/>
-        </p:blipFill>
-        <p:spPr>
-          <a:xfrm>
-            <a:off x="7181957" y="2584289"/>
-            <a:ext cx="2732955" cy="3630993"/>
-          </a:xfrm>
-          <a:prstGeom prst="rect">
-            <a:avLst/>
-          </a:prstGeom>
-        </p:spPr>
-      </p:pic>
-      <p:sp>
-        <p:nvSpPr>
-          <p:cNvPr id="12" name="Slide Body Text">
-            <a:extLst>
-              <a:ext uri="{FF2B5EF4-FFF2-40B4-BE49-F238E27FC236}">
-                <a16:creationId xmlns:a16="http://schemas.microsoft.com/office/drawing/2014/main" id="{0C1F9416-8B6E-46DE-973C-777785E27A26}"/>
-              </a:ext>
-            </a:extLst>
-          </p:cNvPr>
-          <p:cNvSpPr>
-            <a:spLocks noGrp="1"/>
-          </p:cNvSpPr>
-          <p:nvPr>
-            <p:ph idx="4294967295" hasCustomPrompt="1"/>
-          </p:nvPr>
-        </p:nvSpPr>
-        <p:spPr>
-          <a:xfrm>
-            <a:off x="152410" y="1186307"/>
-            <a:ext cx="8688590" cy="5496127"/>
-          </a:xfrm>
-        </p:spPr>
-        <p:txBody>
-          <a:bodyPr wrap="square">
-            <a:noAutofit/>
-          </a:bodyPr>
-          <a:lstStyle>
-            <a:lvl1pPr latinLnBrk="0">
-              <a:buClr>
-                <a:schemeClr val="tx1"/>
-              </a:buClr>
-              <a:defRPr sz="2798"/>
-            </a:lvl1pPr>
-            <a:lvl2pPr marL="989981" marR="0" indent="-380762" algn="l" defTabSz="1218438" rtl="0" eaLnBrk="1" fontAlgn="auto" latinLnBrk="1" hangingPunct="1">
-              <a:lnSpc>
-                <a:spcPct val="100000"/>
-              </a:lnSpc>
-              <a:spcBef>
-                <a:spcPts val="600"/>
-              </a:spcBef>
-              <a:spcAft>
-                <a:spcPts val="600"/>
-              </a:spcAft>
-              <a:buClrTx/>
-              <a:buSzTx/>
-              <a:buFont typeface="Wingdings" panose="05000000000000000000" pitchFamily="2" charset="2"/>
-              <a:buChar char="§"/>
-              <a:tabLst>
-                <a:tab pos="282405" algn="l"/>
-              </a:tabLst>
-              <a:defRPr sz="2800"/>
-            </a:lvl2pPr>
-            <a:lvl3pPr>
-              <a:buClr>
-                <a:schemeClr val="tx1"/>
-              </a:buClr>
-              <a:defRPr/>
-            </a:lvl3pPr>
-          </a:lstStyle>
-          <a:p>
-            <a:r>
-              <a:rPr lang="en-US" sz="3000" noProof="0"/>
-              <a:t>Software University – High-Quality Education, Profession and Job for Software Developers</a:t>
-            </a:r>
-          </a:p>
-          <a:p>
-            <a:pPr lvl="1"/>
-            <a:r>
-              <a:rPr lang="en-US" noProof="1">
-                <a:hlinkClick r:id="rId8"/>
-              </a:rPr>
-              <a:t>softuni.bg</a:t>
-            </a:r>
-            <a:r>
-              <a:rPr lang="en-US" noProof="1"/>
-              <a:t> </a:t>
-            </a:r>
-          </a:p>
-          <a:p>
-            <a:r>
-              <a:rPr lang="en-US" sz="3000" noProof="0"/>
-              <a:t>Software University Foundation</a:t>
-            </a:r>
-          </a:p>
-          <a:p>
-            <a:pPr lvl="1"/>
-            <a:r>
-              <a:rPr lang="en-US" noProof="1">
-                <a:hlinkClick r:id="rId10"/>
-              </a:rPr>
-              <a:t>softuni.foundation</a:t>
-            </a:r>
-            <a:endParaRPr lang="en-US" noProof="1"/>
-          </a:p>
-          <a:p>
-            <a:r>
-              <a:rPr lang="en-US" sz="3000" noProof="0"/>
-              <a:t>Software University @ Facebook</a:t>
-            </a:r>
-          </a:p>
-          <a:p>
-            <a:pPr lvl="1"/>
-            <a:r>
-              <a:rPr lang="en-US" noProof="1">
-                <a:hlinkClick r:id="rId4"/>
-              </a:rPr>
-              <a:t>facebook.com/SoftwareUniversity</a:t>
-            </a:r>
-            <a:endParaRPr lang="en-US" noProof="1"/>
-          </a:p>
-          <a:p>
-            <a:r>
-              <a:rPr lang="en-US" sz="3000" noProof="0"/>
-              <a:t>Software University Forums</a:t>
-            </a:r>
-          </a:p>
-          <a:p>
-            <a:pPr lvl="1"/>
-            <a:r>
-              <a:rPr lang="en-US" noProof="1">
-                <a:hlinkClick r:id="rId2"/>
-              </a:rPr>
-              <a:t>forum.softuni.bg</a:t>
-            </a:r>
-            <a:endParaRPr lang="en-US" noProof="1"/>
-          </a:p>
-        </p:txBody>
-      </p:sp>
-      <p:sp>
-        <p:nvSpPr>
-          <p:cNvPr id="10" name="Rectangle Top">
-            <a:extLst>
-              <a:ext uri="{FF2B5EF4-FFF2-40B4-BE49-F238E27FC236}">
-                <a16:creationId xmlns:a16="http://schemas.microsoft.com/office/drawing/2014/main" id="{86646B95-5E3B-4DE8-9118-031C2C296D8C}"/>
-              </a:ext>
-            </a:extLst>
-          </p:cNvPr>
-          <p:cNvSpPr/>
-          <p:nvPr userDrawn="1"/>
-        </p:nvSpPr>
-        <p:spPr>
-          <a:xfrm>
-            <a:off x="0" y="0"/>
-            <a:ext cx="12195176" cy="1095376"/>
-          </a:xfrm>
-          <a:prstGeom prst="rect">
-            <a:avLst/>
-          </a:prstGeom>
-          <a:solidFill>
-            <a:schemeClr val="tx2"/>
-          </a:solidFill>
-          <a:ln>
-            <a:noFill/>
-          </a:ln>
-        </p:spPr>
-        <p:style>
-          <a:lnRef idx="2">
-            <a:schemeClr val="accent1">
-              <a:shade val="50000"/>
-            </a:schemeClr>
-          </a:lnRef>
-          <a:fillRef idx="1">
-            <a:schemeClr val="accent1"/>
-          </a:fillRef>
-          <a:effectRef idx="0">
-            <a:schemeClr val="accent1"/>
-          </a:effectRef>
-          <a:fontRef idx="minor">
-            <a:schemeClr val="lt1"/>
-          </a:fontRef>
-        </p:style>
-        <p:txBody>
-          <a:bodyPr rtlCol="0" anchor="ctr"/>
-          <a:lstStyle/>
-          <a:p>
-            <a:pPr marL="0" marR="0" lvl="0" indent="0" algn="ctr" defTabSz="913852" rtl="0" eaLnBrk="1" fontAlgn="auto" latinLnBrk="0" hangingPunct="1">
-              <a:lnSpc>
-                <a:spcPct val="100000"/>
-              </a:lnSpc>
-              <a:spcBef>
-                <a:spcPts val="0"/>
-              </a:spcBef>
-              <a:spcAft>
-                <a:spcPts val="0"/>
-              </a:spcAft>
-              <a:buClrTx/>
-              <a:buSzTx/>
-              <a:buFontTx/>
-              <a:buNone/>
-              <a:tabLst/>
-              <a:defRPr/>
-            </a:pPr>
-            <a:endParaRPr kumimoji="0" lang="en-US" altLang="ko-KR" sz="2398" b="0" i="0" u="none" strike="noStrike" kern="1200" cap="none" spc="0" normalizeH="0" baseline="0" noProof="0" dirty="0">
-              <a:ln>
-                <a:noFill/>
-              </a:ln>
-              <a:solidFill>
-                <a:srgbClr val="F7C86D"/>
-              </a:solidFill>
-              <a:effectLst/>
-              <a:uLnTx/>
-              <a:uFillTx/>
-              <a:latin typeface="Calibri" panose="020F0502020204030204"/>
-              <a:ea typeface="맑은 고딕" panose="020B0503020000020004" pitchFamily="34" charset="-127"/>
-              <a:cs typeface="+mn-cs"/>
-            </a:endParaRPr>
-          </a:p>
-        </p:txBody>
-      </p:sp>
-      <p:pic>
-        <p:nvPicPr>
-          <p:cNvPr id="11" name="Logo Software University" descr="Software University logo">
-            <a:extLst>
-              <a:ext uri="{FF2B5EF4-FFF2-40B4-BE49-F238E27FC236}">
-                <a16:creationId xmlns:a16="http://schemas.microsoft.com/office/drawing/2014/main" id="{58AB1944-B146-4E89-B2D9-426EB610F319}"/>
-              </a:ext>
-            </a:extLst>
-          </p:cNvPr>
-          <p:cNvPicPr>
-            <a:picLocks noChangeAspect="1"/>
-          </p:cNvPicPr>
-          <p:nvPr userDrawn="1"/>
-        </p:nvPicPr>
-        <p:blipFill>
-          <a:blip r:embed="rId11">
-            <a:extLst>
-              <a:ext uri="{28A0092B-C50C-407E-A947-70E740481C1C}">
-                <a14:useLocalDpi xmlns:a14="http://schemas.microsoft.com/office/drawing/2010/main" val="0"/>
-              </a:ext>
-            </a:extLst>
-          </a:blip>
-          <a:stretch>
-            <a:fillRect/>
-          </a:stretch>
-        </p:blipFill>
-        <p:spPr>
-          <a:xfrm>
-            <a:off x="10067957" y="253936"/>
-            <a:ext cx="1915704" cy="559235"/>
-          </a:xfrm>
-          <a:prstGeom prst="rect">
-            <a:avLst/>
-          </a:prstGeom>
-        </p:spPr>
-      </p:pic>
-      <p:sp>
-        <p:nvSpPr>
-          <p:cNvPr id="18" name="Slide Title">
-            <a:extLst>
-              <a:ext uri="{FF2B5EF4-FFF2-40B4-BE49-F238E27FC236}">
-                <a16:creationId xmlns:a16="http://schemas.microsoft.com/office/drawing/2014/main" id="{AE87ED9C-76E1-4D85-9B06-3AF44AABB668}"/>
-              </a:ext>
-            </a:extLst>
-          </p:cNvPr>
-          <p:cNvSpPr>
-            <a:spLocks noGrp="1"/>
-          </p:cNvSpPr>
-          <p:nvPr>
-            <p:ph type="title" hasCustomPrompt="1"/>
-          </p:nvPr>
-        </p:nvSpPr>
-        <p:spPr>
-          <a:xfrm>
-            <a:off x="172286" y="108873"/>
-            <a:ext cx="9742626" cy="882654"/>
-          </a:xfrm>
-        </p:spPr>
-        <p:txBody>
-          <a:bodyPr/>
-          <a:lstStyle>
-            <a:lvl1pPr latinLnBrk="0">
-              <a:defRPr>
-                <a:solidFill>
-                  <a:schemeClr val="bg2"/>
-                </a:solidFill>
-              </a:defRPr>
-            </a:lvl1pPr>
-          </a:lstStyle>
-          <a:p>
-            <a:r>
-              <a:rPr lang="en-US" noProof="0"/>
-              <a:t>Trainings @ Software University (SoftUni)</a:t>
-            </a:r>
-          </a:p>
-        </p:txBody>
-      </p:sp>
-    </p:spTree>
-    <p:extLst>
-      <p:ext uri="{BB962C8B-B14F-4D97-AF65-F5344CB8AC3E}">
-        <p14:creationId xmlns:p14="http://schemas.microsoft.com/office/powerpoint/2010/main" val="2196466322"/>
-      </p:ext>
-    </p:extLst>
-  </p:cSld>
-  <p:clrMapOvr>
-    <a:masterClrMapping/>
-  </p:clrMapOvr>
-  <mc:AlternateContent xmlns:mc="http://schemas.openxmlformats.org/markup-compatibility/2006" xmlns:p14="http://schemas.microsoft.com/office/powerpoint/2010/main">
-    <mc:Choice Requires="p14">
-      <p:transition spd="slow" p14:dur="2000" advClick="0" advTm="5000"/>
-    </mc:Choice>
-    <mc:Fallback xmlns="">
-      <p:transition spd="slow" advClick="0" advTm="5000"/>
-    </mc:Fallback>
-  </mc:AlternateContent>
 </p:sldLayout>
 </file>
 
@@ -5558,7 +4196,7 @@
               <a:tabLst/>
               <a:defRPr/>
             </a:pPr>
-            <a:endParaRPr kumimoji="0" lang="en-US" altLang="ko-KR" sz="2398" b="0" i="0" u="none" strike="noStrike" kern="1200" cap="none" spc="0" normalizeH="0" baseline="0" noProof="0" dirty="0">
+            <a:endParaRPr kumimoji="0" lang="en-US" altLang="ko-KR" sz="2398" b="0" i="0" u="none" strike="noStrike" kern="1200" cap="none" spc="0" normalizeH="0" baseline="0" noProof="0">
               <a:ln>
                 <a:noFill/>
               </a:ln>
@@ -5613,7 +4251,7 @@
           <a:p>
             <a:pPr lvl="0"/>
             <a:r>
-              <a:rPr lang="en-US" noProof="0"/>
+              <a:rPr lang="en-US" noProof="0" dirty="0"/>
               <a:t>Click to Edit Section Subtitle</a:t>
             </a:r>
           </a:p>
@@ -5657,10 +4295,10 @@
           <a:p>
             <a:pPr lvl="0"/>
             <a:r>
-              <a:rPr lang="en-US" noProof="0"/>
+              <a:rPr lang="en-US" noProof="0" dirty="0"/>
               <a:t>Click to Edit Section Title</a:t>
             </a:r>
-            <a:endParaRPr lang="en-US" altLang="ko-KR" noProof="0"/>
+            <a:endParaRPr lang="en-US" altLang="ko-KR" noProof="0" dirty="0"/>
           </a:p>
         </p:txBody>
       </p:sp>
@@ -5788,35 +4426,35 @@
           <a:p>
             <a:pPr lvl="0"/>
             <a:r>
-              <a:rPr lang="en-US" noProof="0"/>
+              <a:rPr lang="en-US" noProof="0" dirty="0"/>
               <a:t>Edit Master text styles</a:t>
             </a:r>
           </a:p>
           <a:p>
             <a:pPr lvl="1"/>
             <a:r>
-              <a:rPr lang="en-US" noProof="0"/>
+              <a:rPr lang="en-US" noProof="0" dirty="0"/>
               <a:t>Second level</a:t>
             </a:r>
           </a:p>
           <a:p>
             <a:pPr lvl="2"/>
             <a:r>
-              <a:rPr lang="en-US" noProof="0"/>
+              <a:rPr lang="en-US" noProof="0" dirty="0"/>
               <a:t>Third level</a:t>
             </a:r>
           </a:p>
           <a:p>
             <a:pPr lvl="3"/>
             <a:r>
-              <a:rPr lang="en-US" noProof="0"/>
+              <a:rPr lang="en-US" noProof="0" dirty="0"/>
               <a:t>Fourth level</a:t>
             </a:r>
           </a:p>
           <a:p>
             <a:pPr lvl="4"/>
             <a:r>
-              <a:rPr lang="en-US" noProof="0"/>
+              <a:rPr lang="en-US" noProof="0" dirty="0"/>
               <a:t>Fifth level</a:t>
             </a:r>
           </a:p>
@@ -5886,7 +4524,7 @@
               <a:tabLst/>
               <a:defRPr/>
             </a:pPr>
-            <a:endParaRPr kumimoji="0" lang="en-US" altLang="ko-KR" sz="2398" b="0" i="0" u="none" strike="noStrike" kern="1200" cap="none" spc="0" normalizeH="0" baseline="0" noProof="0" dirty="0">
+            <a:endParaRPr kumimoji="0" lang="en-US" altLang="ko-KR" sz="2398" b="0" i="0" u="none" strike="noStrike" kern="1200" cap="none" spc="0" normalizeH="0" baseline="0" noProof="0">
               <a:ln>
                 <a:noFill/>
               </a:ln>
@@ -5903,42 +4541,6 @@
           </a:p>
         </p:txBody>
       </p:sp>
-      <p:pic>
-        <p:nvPicPr>
-          <p:cNvPr id="12" name="Logo Software University" descr="Software University logo">
-            <a:extLst>
-              <a:ext uri="{FF2B5EF4-FFF2-40B4-BE49-F238E27FC236}">
-                <a16:creationId xmlns:a16="http://schemas.microsoft.com/office/drawing/2014/main" id="{B1D3B425-B9BF-43ED-9DEC-C05002FBA22F}"/>
-              </a:ext>
-            </a:extLst>
-          </p:cNvPr>
-          <p:cNvPicPr>
-            <a:picLocks noChangeAspect="1"/>
-          </p:cNvPicPr>
-          <p:nvPr userDrawn="1"/>
-        </p:nvPicPr>
-        <p:blipFill>
-          <a:blip r:embed="rId2">
-            <a:extLst>
-              <a:ext uri="{28A0092B-C50C-407E-A947-70E740481C1C}">
-                <a14:useLocalDpi xmlns:a14="http://schemas.microsoft.com/office/drawing/2010/main" val="0"/>
-              </a:ext>
-            </a:extLst>
-          </a:blip>
-          <a:stretch>
-            <a:fillRect/>
-          </a:stretch>
-        </p:blipFill>
-        <p:spPr>
-          <a:xfrm>
-            <a:off x="10067957" y="253936"/>
-            <a:ext cx="1915704" cy="559235"/>
-          </a:xfrm>
-          <a:prstGeom prst="rect">
-            <a:avLst/>
-          </a:prstGeom>
-        </p:spPr>
-      </p:pic>
       <p:sp>
         <p:nvSpPr>
           <p:cNvPr id="6" name="Slide Title">
@@ -5958,7 +4560,7 @@
         <p:spPr>
           <a:xfrm>
             <a:off x="190406" y="100750"/>
-            <a:ext cx="9715594" cy="882654"/>
+            <a:ext cx="10270594" cy="882654"/>
           </a:xfrm>
         </p:spPr>
         <p:txBody>
@@ -5974,12 +4576,48 @@
           </a:lstStyle>
           <a:p>
             <a:r>
-              <a:rPr lang="en-US" noProof="0"/>
+              <a:rPr lang="en-US" noProof="0" dirty="0"/>
               <a:t>Slide Title</a:t>
             </a:r>
           </a:p>
         </p:txBody>
       </p:sp>
+      <p:pic>
+        <p:nvPicPr>
+          <p:cNvPr id="4" name="Picture 3">
+            <a:extLst>
+              <a:ext uri="{FF2B5EF4-FFF2-40B4-BE49-F238E27FC236}">
+                <a16:creationId xmlns:a16="http://schemas.microsoft.com/office/drawing/2014/main" id="{4B9A1D0F-F579-6A3C-C698-4E2E7F1AB265}"/>
+              </a:ext>
+            </a:extLst>
+          </p:cNvPr>
+          <p:cNvPicPr>
+            <a:picLocks noChangeAspect="1"/>
+          </p:cNvPicPr>
+          <p:nvPr userDrawn="1"/>
+        </p:nvPicPr>
+        <p:blipFill>
+          <a:blip r:embed="rId2" cstate="print">
+            <a:extLst>
+              <a:ext uri="{28A0092B-C50C-407E-A947-70E740481C1C}">
+                <a14:useLocalDpi xmlns:a14="http://schemas.microsoft.com/office/drawing/2010/main" val="0"/>
+              </a:ext>
+            </a:extLst>
+          </a:blip>
+          <a:stretch>
+            <a:fillRect/>
+          </a:stretch>
+        </p:blipFill>
+        <p:spPr>
+          <a:xfrm>
+            <a:off x="10553573" y="368999"/>
+            <a:ext cx="1443361" cy="360001"/>
+          </a:xfrm>
+          <a:prstGeom prst="rect">
+            <a:avLst/>
+          </a:prstGeom>
+        </p:spPr>
+      </p:pic>
     </p:spTree>
     <p:extLst>
       <p:ext uri="{BB962C8B-B14F-4D97-AF65-F5344CB8AC3E}">
@@ -6002,371 +4640,6 @@
 </file>
 
 <file path=ppt/slideLayouts/slideLayout4.xml><?xml version="1.0" encoding="utf-8"?>
-<p:sldLayout xmlns:a="http://schemas.openxmlformats.org/drawingml/2006/main" xmlns:r="http://schemas.openxmlformats.org/officeDocument/2006/relationships" xmlns:p="http://schemas.openxmlformats.org/presentationml/2006/main" preserve="1" userDrawn="1">
-  <p:cSld name="Table of Contents">
-    <p:spTree>
-      <p:nvGrpSpPr>
-        <p:cNvPr id="1" name=""/>
-        <p:cNvGrpSpPr/>
-        <p:nvPr/>
-      </p:nvGrpSpPr>
-      <p:grpSpPr>
-        <a:xfrm>
-          <a:off x="0" y="0"/>
-          <a:ext cx="0" cy="0"/>
-          <a:chOff x="0" y="0"/>
-          <a:chExt cx="0" cy="0"/>
-        </a:xfrm>
-      </p:grpSpPr>
-      <p:sp>
-        <p:nvSpPr>
-          <p:cNvPr id="10" name="Slide Number">
-            <a:extLst>
-              <a:ext uri="{FF2B5EF4-FFF2-40B4-BE49-F238E27FC236}">
-                <a16:creationId xmlns:a16="http://schemas.microsoft.com/office/drawing/2014/main" id="{39DDE17E-5472-41F3-AF5F-54DFF10DC63C}"/>
-              </a:ext>
-            </a:extLst>
-          </p:cNvPr>
-          <p:cNvSpPr>
-            <a:spLocks noGrp="1"/>
-          </p:cNvSpPr>
-          <p:nvPr>
-            <p:ph type="sldNum" sz="quarter" idx="4"/>
-          </p:nvPr>
-        </p:nvSpPr>
-        <p:spPr>
-          <a:xfrm>
-            <a:off x="11753030" y="6507000"/>
-            <a:ext cx="367414" cy="297000"/>
-          </a:xfrm>
-          <a:prstGeom prst="rect">
-            <a:avLst/>
-          </a:prstGeom>
-        </p:spPr>
-        <p:txBody>
-          <a:bodyPr vert="horz" lIns="91440" tIns="45720" rIns="91440" bIns="45720" rtlCol="0" anchor="b"/>
-          <a:lstStyle>
-            <a:lvl1pPr algn="r">
-              <a:defRPr sz="1000"/>
-            </a:lvl1pPr>
-          </a:lstStyle>
-          <a:p>
-            <a:fld id="{2BF067CD-8E6B-4360-9AA8-C5DF2A48A6D1}" type="slidenum">
-              <a:rPr lang="en-US" noProof="0" smtClean="0"/>
-              <a:pPr/>
-              <a:t>‹#›</a:t>
-            </a:fld>
-            <a:endParaRPr lang="en-US" noProof="0" dirty="0"/>
-          </a:p>
-        </p:txBody>
-      </p:sp>
-      <p:pic>
-        <p:nvPicPr>
-          <p:cNvPr id="9" name="Picture SoftUni Mascot" descr="SoftUni mascot with laptop">
-            <a:extLst>
-              <a:ext uri="{FF2B5EF4-FFF2-40B4-BE49-F238E27FC236}">
-                <a16:creationId xmlns:a16="http://schemas.microsoft.com/office/drawing/2014/main" id="{DC4365F6-D2C1-47B4-8477-38FD2C7711AA}"/>
-              </a:ext>
-            </a:extLst>
-          </p:cNvPr>
-          <p:cNvPicPr>
-            <a:picLocks noChangeAspect="1"/>
-          </p:cNvPicPr>
-          <p:nvPr/>
-        </p:nvPicPr>
-        <p:blipFill>
-          <a:blip r:embed="rId2" cstate="print">
-            <a:extLst>
-              <a:ext uri="{28A0092B-C50C-407E-A947-70E740481C1C}">
-                <a14:useLocalDpi xmlns:a14="http://schemas.microsoft.com/office/drawing/2010/main" val="0"/>
-              </a:ext>
-            </a:extLst>
-          </a:blip>
-          <a:stretch>
-            <a:fillRect/>
-          </a:stretch>
-        </p:blipFill>
-        <p:spPr>
-          <a:xfrm flipH="1">
-            <a:off x="9516000" y="3408496"/>
-            <a:ext cx="2251057" cy="3044431"/>
-          </a:xfrm>
-          <a:prstGeom prst="rect">
-            <a:avLst/>
-          </a:prstGeom>
-        </p:spPr>
-      </p:pic>
-      <p:sp>
-        <p:nvSpPr>
-          <p:cNvPr id="23" name="Slide Body Text">
-            <a:extLst>
-              <a:ext uri="{FF2B5EF4-FFF2-40B4-BE49-F238E27FC236}">
-                <a16:creationId xmlns:a16="http://schemas.microsoft.com/office/drawing/2014/main" id="{889D93F4-ABFA-46BF-8E5D-FE6562ACB20F}"/>
-              </a:ext>
-            </a:extLst>
-          </p:cNvPr>
-          <p:cNvSpPr>
-            <a:spLocks noGrp="1"/>
-          </p:cNvSpPr>
-          <p:nvPr>
-            <p:ph type="body" sz="quarter" idx="13" hasCustomPrompt="1"/>
-          </p:nvPr>
-        </p:nvSpPr>
-        <p:spPr>
-          <a:xfrm>
-            <a:off x="196766" y="1371604"/>
-            <a:ext cx="9049234" cy="5207396"/>
-          </a:xfrm>
-        </p:spPr>
-        <p:txBody>
-          <a:bodyPr>
-            <a:normAutofit/>
-          </a:bodyPr>
-          <a:lstStyle>
-            <a:lvl1pPr marL="514042" indent="-514042" latinLnBrk="0">
-              <a:buFont typeface="+mj-lt"/>
-              <a:buAutoNum type="arabicPeriod"/>
-              <a:defRPr sz="3600">
-                <a:solidFill>
-                  <a:schemeClr val="tx1"/>
-                </a:solidFill>
-              </a:defRPr>
-            </a:lvl1pPr>
-            <a:lvl2pPr>
-              <a:defRPr sz="3400"/>
-            </a:lvl2pPr>
-          </a:lstStyle>
-          <a:p>
-            <a:pPr lvl="0"/>
-            <a:r>
-              <a:rPr lang="en-US" noProof="0"/>
-              <a:t>…</a:t>
-            </a:r>
-          </a:p>
-          <a:p>
-            <a:pPr lvl="1"/>
-            <a:r>
-              <a:rPr lang="en-US" noProof="0"/>
-              <a:t>…</a:t>
-            </a:r>
-          </a:p>
-          <a:p>
-            <a:pPr lvl="1"/>
-            <a:r>
-              <a:rPr lang="en-US" noProof="0"/>
-              <a:t>…</a:t>
-            </a:r>
-          </a:p>
-          <a:p>
-            <a:pPr lvl="0"/>
-            <a:r>
-              <a:rPr lang="en-US" noProof="0"/>
-              <a:t>…</a:t>
-            </a:r>
-          </a:p>
-          <a:p>
-            <a:pPr lvl="1"/>
-            <a:r>
-              <a:rPr lang="en-US" noProof="0"/>
-              <a:t>…</a:t>
-            </a:r>
-          </a:p>
-          <a:p>
-            <a:pPr lvl="1"/>
-            <a:r>
-              <a:rPr lang="en-US" noProof="0"/>
-              <a:t>…</a:t>
-            </a:r>
-          </a:p>
-          <a:p>
-            <a:pPr lvl="0"/>
-            <a:r>
-              <a:rPr lang="en-US" noProof="0"/>
-              <a:t>…</a:t>
-            </a:r>
-          </a:p>
-        </p:txBody>
-      </p:sp>
-      <p:sp>
-        <p:nvSpPr>
-          <p:cNvPr id="8" name="Rectangle Top">
-            <a:extLst>
-              <a:ext uri="{FF2B5EF4-FFF2-40B4-BE49-F238E27FC236}">
-                <a16:creationId xmlns:a16="http://schemas.microsoft.com/office/drawing/2014/main" id="{930E0800-9260-4369-8330-8264DD33C5CE}"/>
-              </a:ext>
-            </a:extLst>
-          </p:cNvPr>
-          <p:cNvSpPr/>
-          <p:nvPr userDrawn="1"/>
-        </p:nvSpPr>
-        <p:spPr>
-          <a:xfrm>
-            <a:off x="0" y="0"/>
-            <a:ext cx="12196800" cy="1095376"/>
-          </a:xfrm>
-          <a:prstGeom prst="rect">
-            <a:avLst/>
-          </a:prstGeom>
-          <a:solidFill>
-            <a:schemeClr val="tx2"/>
-          </a:solidFill>
-          <a:ln>
-            <a:noFill/>
-          </a:ln>
-        </p:spPr>
-        <p:style>
-          <a:lnRef idx="2">
-            <a:schemeClr val="accent1">
-              <a:shade val="50000"/>
-            </a:schemeClr>
-          </a:lnRef>
-          <a:fillRef idx="1">
-            <a:schemeClr val="accent1"/>
-          </a:fillRef>
-          <a:effectRef idx="0">
-            <a:schemeClr val="accent1"/>
-          </a:effectRef>
-          <a:fontRef idx="minor">
-            <a:schemeClr val="lt1"/>
-          </a:fontRef>
-        </p:style>
-        <p:txBody>
-          <a:bodyPr rtlCol="0" anchor="ctr"/>
-          <a:lstStyle/>
-          <a:p>
-            <a:pPr marL="0" marR="0" lvl="0" indent="0" algn="ctr" defTabSz="913852" rtl="0" eaLnBrk="1" fontAlgn="auto" latinLnBrk="0" hangingPunct="1">
-              <a:lnSpc>
-                <a:spcPct val="100000"/>
-              </a:lnSpc>
-              <a:spcBef>
-                <a:spcPts val="0"/>
-              </a:spcBef>
-              <a:spcAft>
-                <a:spcPts val="0"/>
-              </a:spcAft>
-              <a:buClrTx/>
-              <a:buSzTx/>
-              <a:buFontTx/>
-              <a:buNone/>
-              <a:tabLst/>
-              <a:defRPr/>
-            </a:pPr>
-            <a:endParaRPr kumimoji="0" lang="en-US" altLang="ko-KR" sz="2398" b="0" i="0" u="none" strike="noStrike" kern="1200" cap="none" spc="0" normalizeH="0" baseline="0" noProof="0" dirty="0">
-              <a:ln>
-                <a:noFill/>
-              </a:ln>
-              <a:solidFill>
-                <a:srgbClr val="F7C86D"/>
-              </a:solidFill>
-              <a:effectLst/>
-              <a:uLnTx/>
-              <a:uFillTx/>
-              <a:latin typeface="Calibri" panose="020F0502020204030204"/>
-              <a:ea typeface="맑은 고딕" panose="020B0503020000020004" pitchFamily="34" charset="-127"/>
-              <a:cs typeface="+mn-cs"/>
-            </a:endParaRPr>
-          </a:p>
-        </p:txBody>
-      </p:sp>
-      <p:pic>
-        <p:nvPicPr>
-          <p:cNvPr id="11" name="Logo Software University" descr="Software University logo">
-            <a:extLst>
-              <a:ext uri="{FF2B5EF4-FFF2-40B4-BE49-F238E27FC236}">
-                <a16:creationId xmlns:a16="http://schemas.microsoft.com/office/drawing/2014/main" id="{14F779A7-4A91-448B-BEFA-956C70A1C22F}"/>
-              </a:ext>
-            </a:extLst>
-          </p:cNvPr>
-          <p:cNvPicPr>
-            <a:picLocks noChangeAspect="1"/>
-          </p:cNvPicPr>
-          <p:nvPr userDrawn="1"/>
-        </p:nvPicPr>
-        <p:blipFill>
-          <a:blip r:embed="rId3">
-            <a:extLst>
-              <a:ext uri="{28A0092B-C50C-407E-A947-70E740481C1C}">
-                <a14:useLocalDpi xmlns:a14="http://schemas.microsoft.com/office/drawing/2010/main" val="0"/>
-              </a:ext>
-            </a:extLst>
-          </a:blip>
-          <a:stretch>
-            <a:fillRect/>
-          </a:stretch>
-        </p:blipFill>
-        <p:spPr>
-          <a:xfrm>
-            <a:off x="10067957" y="253936"/>
-            <a:ext cx="1915704" cy="559235"/>
-          </a:xfrm>
-          <a:prstGeom prst="rect">
-            <a:avLst/>
-          </a:prstGeom>
-        </p:spPr>
-      </p:pic>
-      <p:sp>
-        <p:nvSpPr>
-          <p:cNvPr id="13" name="Slide Title">
-            <a:extLst>
-              <a:ext uri="{FF2B5EF4-FFF2-40B4-BE49-F238E27FC236}">
-                <a16:creationId xmlns:a16="http://schemas.microsoft.com/office/drawing/2014/main" id="{357D7BE1-6358-42CC-94F3-7BCDD91DCB6D}"/>
-              </a:ext>
-            </a:extLst>
-          </p:cNvPr>
-          <p:cNvSpPr>
-            <a:spLocks noGrp="1"/>
-          </p:cNvSpPr>
-          <p:nvPr>
-            <p:ph type="title" hasCustomPrompt="1"/>
-          </p:nvPr>
-        </p:nvSpPr>
-        <p:spPr>
-          <a:xfrm>
-            <a:off x="190406" y="100750"/>
-            <a:ext cx="9715594" cy="882654"/>
-          </a:xfrm>
-        </p:spPr>
-        <p:txBody>
-          <a:bodyPr/>
-          <a:lstStyle>
-            <a:lvl1pPr latinLnBrk="0">
-              <a:defRPr>
-                <a:solidFill>
-                  <a:schemeClr val="bg2"/>
-                </a:solidFill>
-              </a:defRPr>
-            </a:lvl1pPr>
-          </a:lstStyle>
-          <a:p>
-            <a:r>
-              <a:rPr lang="en-US" noProof="0"/>
-              <a:t>Table of Contents</a:t>
-            </a:r>
-          </a:p>
-        </p:txBody>
-      </p:sp>
-    </p:spTree>
-    <p:extLst>
-      <p:ext uri="{BB962C8B-B14F-4D97-AF65-F5344CB8AC3E}">
-        <p14:creationId xmlns:p14="http://schemas.microsoft.com/office/powerpoint/2010/main" val="1028724482"/>
-      </p:ext>
-    </p:extLst>
-  </p:cSld>
-  <p:clrMapOvr>
-    <a:masterClrMapping/>
-  </p:clrMapOvr>
-  <mc:AlternateContent xmlns:mc="http://schemas.openxmlformats.org/markup-compatibility/2006" xmlns:p14="http://schemas.microsoft.com/office/powerpoint/2010/main">
-    <mc:Choice Requires="p14">
-      <p:transition spd="slow" p14:dur="2000" advClick="0" advTm="5000"/>
-    </mc:Choice>
-    <mc:Fallback xmlns="">
-      <p:transition spd="slow" advClick="0" advTm="5000"/>
-    </mc:Fallback>
-  </mc:AlternateContent>
-</p:sldLayout>
-</file>
-
-<file path=ppt/slideLayouts/slideLayout5.xml><?xml version="1.0" encoding="utf-8"?>
 <p:sldLayout xmlns:a="http://schemas.openxmlformats.org/drawingml/2006/main" xmlns:r="http://schemas.openxmlformats.org/officeDocument/2006/relationships" xmlns:p="http://schemas.openxmlformats.org/presentationml/2006/main" preserve="1" userDrawn="1">
   <p:cSld name="Important Concept">
     <p:spTree>
@@ -6603,86 +4876,40 @@
           <a:p>
             <a:pPr lvl="0"/>
             <a:r>
-              <a:rPr lang="en-US" noProof="0"/>
+              <a:rPr lang="en-US" noProof="0" dirty="0"/>
               <a:t>Edit Master text styles</a:t>
             </a:r>
           </a:p>
           <a:p>
             <a:pPr lvl="1"/>
             <a:r>
-              <a:rPr lang="en-US" noProof="0"/>
+              <a:rPr lang="en-US" noProof="0" dirty="0"/>
               <a:t>Second level</a:t>
             </a:r>
           </a:p>
           <a:p>
             <a:pPr lvl="2"/>
             <a:r>
-              <a:rPr lang="en-US" noProof="0"/>
+              <a:rPr lang="en-US" noProof="0" dirty="0"/>
               <a:t>Third level</a:t>
             </a:r>
           </a:p>
           <a:p>
             <a:pPr lvl="3"/>
             <a:r>
-              <a:rPr lang="en-US" noProof="0"/>
+              <a:rPr lang="en-US" noProof="0" dirty="0"/>
               <a:t>Fourth level</a:t>
             </a:r>
           </a:p>
           <a:p>
             <a:pPr lvl="4"/>
             <a:r>
-              <a:rPr lang="en-US" noProof="0"/>
+              <a:rPr lang="en-US" noProof="0" dirty="0"/>
               <a:t>Fifth level</a:t>
             </a:r>
           </a:p>
         </p:txBody>
       </p:sp>
-      <p:pic>
-        <p:nvPicPr>
-          <p:cNvPr id="3" name="Logo Software University" descr="Software University logo">
-            <a:extLst>
-              <a:ext uri="{FF2B5EF4-FFF2-40B4-BE49-F238E27FC236}">
-                <a16:creationId xmlns:a16="http://schemas.microsoft.com/office/drawing/2014/main" id="{5573C101-930B-47AC-967A-A64513DFFDEE}"/>
-              </a:ext>
-            </a:extLst>
-          </p:cNvPr>
-          <p:cNvPicPr>
-            <a:picLocks noChangeAspect="1"/>
-          </p:cNvPicPr>
-          <p:nvPr userDrawn="1"/>
-        </p:nvPicPr>
-        <p:blipFill>
-          <a:blip r:embed="rId3">
-            <a:clrChange>
-              <a:clrFrom>
-                <a:srgbClr val="FFFFFF"/>
-              </a:clrFrom>
-              <a:clrTo>
-                <a:srgbClr val="FFFFFF">
-                  <a:alpha val="0"/>
-                </a:srgbClr>
-              </a:clrTo>
-            </a:clrChange>
-            <a:extLst>
-              <a:ext uri="{28A0092B-C50C-407E-A947-70E740481C1C}">
-                <a14:useLocalDpi xmlns:a14="http://schemas.microsoft.com/office/drawing/2010/main" val="0"/>
-              </a:ext>
-            </a:extLst>
-          </a:blip>
-          <a:stretch>
-            <a:fillRect/>
-          </a:stretch>
-        </p:blipFill>
-        <p:spPr>
-          <a:xfrm>
-            <a:off x="10008761" y="190267"/>
-            <a:ext cx="2013336" cy="690975"/>
-          </a:xfrm>
-          <a:prstGeom prst="rect">
-            <a:avLst/>
-          </a:prstGeom>
-        </p:spPr>
-      </p:pic>
       <p:sp>
         <p:nvSpPr>
           <p:cNvPr id="8" name="Slide Title">
@@ -6701,8 +4928,8 @@
         </p:nvSpPr>
         <p:spPr>
           <a:xfrm>
-            <a:off x="1296957" y="100750"/>
-            <a:ext cx="8625520" cy="882654"/>
+            <a:off x="1296956" y="100750"/>
+            <a:ext cx="9164044" cy="882654"/>
           </a:xfrm>
         </p:spPr>
         <p:txBody>
@@ -6714,12 +4941,48 @@
           </a:lstStyle>
           <a:p>
             <a:r>
-              <a:rPr lang="en-US" noProof="0"/>
+              <a:rPr lang="en-US" noProof="0" dirty="0"/>
               <a:t>Slide Title</a:t>
             </a:r>
           </a:p>
         </p:txBody>
       </p:sp>
+      <p:pic>
+        <p:nvPicPr>
+          <p:cNvPr id="2" name="Picture 1">
+            <a:extLst>
+              <a:ext uri="{FF2B5EF4-FFF2-40B4-BE49-F238E27FC236}">
+                <a16:creationId xmlns:a16="http://schemas.microsoft.com/office/drawing/2014/main" id="{78CA5371-2597-CF8F-1859-226395807433}"/>
+              </a:ext>
+            </a:extLst>
+          </p:cNvPr>
+          <p:cNvPicPr>
+            <a:picLocks noChangeAspect="1"/>
+          </p:cNvPicPr>
+          <p:nvPr userDrawn="1"/>
+        </p:nvPicPr>
+        <p:blipFill>
+          <a:blip r:embed="rId3" cstate="print">
+            <a:extLst>
+              <a:ext uri="{28A0092B-C50C-407E-A947-70E740481C1C}">
+                <a14:useLocalDpi xmlns:a14="http://schemas.microsoft.com/office/drawing/2010/main" val="0"/>
+              </a:ext>
+            </a:extLst>
+          </a:blip>
+          <a:stretch>
+            <a:fillRect/>
+          </a:stretch>
+        </p:blipFill>
+        <p:spPr>
+          <a:xfrm>
+            <a:off x="10551877" y="362077"/>
+            <a:ext cx="1443357" cy="360000"/>
+          </a:xfrm>
+          <a:prstGeom prst="rect">
+            <a:avLst/>
+          </a:prstGeom>
+        </p:spPr>
+      </p:pic>
     </p:spTree>
     <p:extLst>
       <p:ext uri="{BB962C8B-B14F-4D97-AF65-F5344CB8AC3E}">
@@ -6741,7 +5004,7 @@
 </p:sldLayout>
 </file>
 
-<file path=ppt/slideLayouts/slideLayout6.xml><?xml version="1.0" encoding="utf-8"?>
+<file path=ppt/slideLayouts/slideLayout5.xml><?xml version="1.0" encoding="utf-8"?>
 <p:sldLayout xmlns:a="http://schemas.openxmlformats.org/drawingml/2006/main" xmlns:r="http://schemas.openxmlformats.org/officeDocument/2006/relationships" xmlns:p="http://schemas.openxmlformats.org/presentationml/2006/main" preserve="1">
   <p:cSld name="Important Example">
     <p:spTree>
@@ -6984,86 +5247,40 @@
           <a:p>
             <a:pPr lvl="0"/>
             <a:r>
-              <a:rPr lang="en-US" noProof="0"/>
+              <a:rPr lang="en-US" noProof="0" dirty="0"/>
               <a:t>Edit Master text styles</a:t>
             </a:r>
           </a:p>
           <a:p>
             <a:pPr lvl="1"/>
             <a:r>
-              <a:rPr lang="en-US" noProof="0"/>
+              <a:rPr lang="en-US" noProof="0" dirty="0"/>
               <a:t>Second level</a:t>
             </a:r>
           </a:p>
           <a:p>
             <a:pPr lvl="2"/>
             <a:r>
-              <a:rPr lang="en-US" noProof="0"/>
+              <a:rPr lang="en-US" noProof="0" dirty="0"/>
               <a:t>Third level</a:t>
             </a:r>
           </a:p>
           <a:p>
             <a:pPr lvl="3"/>
             <a:r>
-              <a:rPr lang="en-US" noProof="0"/>
+              <a:rPr lang="en-US" noProof="0" dirty="0"/>
               <a:t>Fourth level</a:t>
             </a:r>
           </a:p>
           <a:p>
             <a:pPr lvl="4"/>
             <a:r>
-              <a:rPr lang="en-US" noProof="0"/>
+              <a:rPr lang="en-US" noProof="0" dirty="0"/>
               <a:t>Fifth level</a:t>
             </a:r>
           </a:p>
         </p:txBody>
       </p:sp>
-      <p:pic>
-        <p:nvPicPr>
-          <p:cNvPr id="16" name="Logo Software University" descr="Software University logo">
-            <a:extLst>
-              <a:ext uri="{FF2B5EF4-FFF2-40B4-BE49-F238E27FC236}">
-                <a16:creationId xmlns:a16="http://schemas.microsoft.com/office/drawing/2014/main" id="{EFEBB553-EACE-4B4F-8B4F-7629FDD910A4}"/>
-              </a:ext>
-            </a:extLst>
-          </p:cNvPr>
-          <p:cNvPicPr>
-            <a:picLocks noChangeAspect="1"/>
-          </p:cNvPicPr>
-          <p:nvPr userDrawn="1"/>
-        </p:nvPicPr>
-        <p:blipFill>
-          <a:blip r:embed="rId3">
-            <a:clrChange>
-              <a:clrFrom>
-                <a:srgbClr val="FFFFFF"/>
-              </a:clrFrom>
-              <a:clrTo>
-                <a:srgbClr val="FFFFFF">
-                  <a:alpha val="0"/>
-                </a:srgbClr>
-              </a:clrTo>
-            </a:clrChange>
-            <a:extLst>
-              <a:ext uri="{28A0092B-C50C-407E-A947-70E740481C1C}">
-                <a14:useLocalDpi xmlns:a14="http://schemas.microsoft.com/office/drawing/2010/main" val="0"/>
-              </a:ext>
-            </a:extLst>
-          </a:blip>
-          <a:stretch>
-            <a:fillRect/>
-          </a:stretch>
-        </p:blipFill>
-        <p:spPr>
-          <a:xfrm>
-            <a:off x="10008761" y="190267"/>
-            <a:ext cx="2013336" cy="690975"/>
-          </a:xfrm>
-          <a:prstGeom prst="rect">
-            <a:avLst/>
-          </a:prstGeom>
-        </p:spPr>
-      </p:pic>
       <p:sp>
         <p:nvSpPr>
           <p:cNvPr id="13" name="Slide Title">
@@ -7082,8 +5299,8 @@
         </p:nvSpPr>
         <p:spPr>
           <a:xfrm>
-            <a:off x="1296957" y="100750"/>
-            <a:ext cx="8625520" cy="882654"/>
+            <a:off x="1296956" y="100750"/>
+            <a:ext cx="9164044" cy="882654"/>
           </a:xfrm>
         </p:spPr>
         <p:txBody>
@@ -7095,12 +5312,48 @@
           </a:lstStyle>
           <a:p>
             <a:r>
-              <a:rPr lang="en-US" noProof="0"/>
+              <a:rPr lang="en-US" noProof="0" dirty="0"/>
               <a:t>Slide Title</a:t>
             </a:r>
           </a:p>
         </p:txBody>
       </p:sp>
+      <p:pic>
+        <p:nvPicPr>
+          <p:cNvPr id="2" name="Picture 1">
+            <a:extLst>
+              <a:ext uri="{FF2B5EF4-FFF2-40B4-BE49-F238E27FC236}">
+                <a16:creationId xmlns:a16="http://schemas.microsoft.com/office/drawing/2014/main" id="{A37AF1B9-D67A-246A-86B6-E28F19C52390}"/>
+              </a:ext>
+            </a:extLst>
+          </p:cNvPr>
+          <p:cNvPicPr>
+            <a:picLocks noChangeAspect="1"/>
+          </p:cNvPicPr>
+          <p:nvPr userDrawn="1"/>
+        </p:nvPicPr>
+        <p:blipFill>
+          <a:blip r:embed="rId3" cstate="print">
+            <a:extLst>
+              <a:ext uri="{28A0092B-C50C-407E-A947-70E740481C1C}">
+                <a14:useLocalDpi xmlns:a14="http://schemas.microsoft.com/office/drawing/2010/main" val="0"/>
+              </a:ext>
+            </a:extLst>
+          </a:blip>
+          <a:stretch>
+            <a:fillRect/>
+          </a:stretch>
+        </p:blipFill>
+        <p:spPr>
+          <a:xfrm>
+            <a:off x="10551877" y="362077"/>
+            <a:ext cx="1443357" cy="360000"/>
+          </a:xfrm>
+          <a:prstGeom prst="rect">
+            <a:avLst/>
+          </a:prstGeom>
+        </p:spPr>
+      </p:pic>
     </p:spTree>
     <p:extLst>
       <p:ext uri="{BB962C8B-B14F-4D97-AF65-F5344CB8AC3E}">
@@ -7122,7 +5375,7 @@
 </p:sldLayout>
 </file>
 
-<file path=ppt/slideLayouts/slideLayout7.xml><?xml version="1.0" encoding="utf-8"?>
+<file path=ppt/slideLayouts/slideLayout6.xml><?xml version="1.0" encoding="utf-8"?>
 <p:sldLayout xmlns:a="http://schemas.openxmlformats.org/drawingml/2006/main" xmlns:r="http://schemas.openxmlformats.org/officeDocument/2006/relationships" xmlns:p="http://schemas.openxmlformats.org/presentationml/2006/main" preserve="1" userDrawn="1">
   <p:cSld name="Blank Slide">
     <p:spTree>
@@ -7365,35 +5618,35 @@
           <a:p>
             <a:pPr lvl="0"/>
             <a:r>
-              <a:rPr lang="en-US" noProof="0"/>
+              <a:rPr lang="en-US" noProof="0" dirty="0"/>
               <a:t>Edit Master text styles</a:t>
             </a:r>
           </a:p>
           <a:p>
             <a:pPr lvl="1"/>
             <a:r>
-              <a:rPr lang="en-US" noProof="0"/>
+              <a:rPr lang="en-US" noProof="0" dirty="0"/>
               <a:t>Second level</a:t>
             </a:r>
           </a:p>
           <a:p>
             <a:pPr lvl="2"/>
             <a:r>
-              <a:rPr lang="en-US" noProof="0"/>
+              <a:rPr lang="en-US" noProof="0" dirty="0"/>
               <a:t>Third level</a:t>
             </a:r>
           </a:p>
           <a:p>
             <a:pPr lvl="3"/>
             <a:r>
-              <a:rPr lang="en-US" noProof="0"/>
+              <a:rPr lang="en-US" noProof="0" dirty="0"/>
               <a:t>Fourth level</a:t>
             </a:r>
           </a:p>
           <a:p>
             <a:pPr lvl="4"/>
             <a:r>
-              <a:rPr lang="en-US" noProof="0"/>
+              <a:rPr lang="en-US" noProof="0" dirty="0"/>
               <a:t>Fifth level</a:t>
             </a:r>
           </a:p>
@@ -7417,8 +5670,8 @@
         </p:nvSpPr>
         <p:spPr>
           <a:xfrm>
-            <a:off x="585176" y="100750"/>
-            <a:ext cx="11410061" cy="882654"/>
+            <a:off x="585177" y="100750"/>
+            <a:ext cx="9875824" cy="882654"/>
           </a:xfrm>
         </p:spPr>
         <p:txBody>
@@ -7430,12 +5683,48 @@
           </a:lstStyle>
           <a:p>
             <a:r>
-              <a:rPr lang="en-US" noProof="0"/>
+              <a:rPr lang="en-US" noProof="0" dirty="0"/>
               <a:t>Slide Title</a:t>
             </a:r>
           </a:p>
         </p:txBody>
       </p:sp>
+      <p:pic>
+        <p:nvPicPr>
+          <p:cNvPr id="2" name="Picture 1">
+            <a:extLst>
+              <a:ext uri="{FF2B5EF4-FFF2-40B4-BE49-F238E27FC236}">
+                <a16:creationId xmlns:a16="http://schemas.microsoft.com/office/drawing/2014/main" id="{9C2C375B-43BF-D1DD-F160-1500A111885C}"/>
+              </a:ext>
+            </a:extLst>
+          </p:cNvPr>
+          <p:cNvPicPr>
+            <a:picLocks noChangeAspect="1"/>
+          </p:cNvPicPr>
+          <p:nvPr userDrawn="1"/>
+        </p:nvPicPr>
+        <p:blipFill>
+          <a:blip r:embed="rId3" cstate="print">
+            <a:extLst>
+              <a:ext uri="{28A0092B-C50C-407E-A947-70E740481C1C}">
+                <a14:useLocalDpi xmlns:a14="http://schemas.microsoft.com/office/drawing/2010/main" val="0"/>
+              </a:ext>
+            </a:extLst>
+          </a:blip>
+          <a:stretch>
+            <a:fillRect/>
+          </a:stretch>
+        </p:blipFill>
+        <p:spPr>
+          <a:xfrm>
+            <a:off x="10551877" y="362077"/>
+            <a:ext cx="1443357" cy="360000"/>
+          </a:xfrm>
+          <a:prstGeom prst="rect">
+            <a:avLst/>
+          </a:prstGeom>
+        </p:spPr>
+      </p:pic>
     </p:spTree>
     <p:extLst>
       <p:ext uri="{BB962C8B-B14F-4D97-AF65-F5344CB8AC3E}">
@@ -7457,7 +5746,7 @@
 </p:sldLayout>
 </file>
 
-<file path=ppt/slideLayouts/slideLayout8.xml><?xml version="1.0" encoding="utf-8"?>
+<file path=ppt/slideLayouts/slideLayout7.xml><?xml version="1.0" encoding="utf-8"?>
 <p:sldLayout xmlns:a="http://schemas.openxmlformats.org/drawingml/2006/main" xmlns:r="http://schemas.openxmlformats.org/officeDocument/2006/relationships" xmlns:p="http://schemas.openxmlformats.org/presentationml/2006/main" preserve="1" userDrawn="1">
   <p:cSld name="Source Code Example">
     <p:spTree>
@@ -7512,7 +5801,7 @@
               <a:pPr/>
               <a:t>‹#›</a:t>
             </a:fld>
-            <a:endParaRPr lang="en-US" noProof="0" dirty="0"/>
+            <a:endParaRPr lang="en-US" noProof="0"/>
           </a:p>
         </p:txBody>
       </p:sp>
@@ -7530,7 +5819,7 @@
         </p:nvSpPr>
         <p:spPr>
           <a:xfrm>
-            <a:off x="0" y="0"/>
+            <a:off x="0" y="1311"/>
             <a:ext cx="12196800" cy="1095376"/>
           </a:xfrm>
           <a:prstGeom prst="rect">
@@ -7597,48 +5886,12 @@
           </a:p>
         </p:txBody>
       </p:sp>
-      <p:pic>
-        <p:nvPicPr>
-          <p:cNvPr id="10" name="Logo Software University" descr="Software University logo">
+      <p:sp>
+        <p:nvSpPr>
+          <p:cNvPr id="12" name="Slide Body Text">
             <a:extLst>
               <a:ext uri="{FF2B5EF4-FFF2-40B4-BE49-F238E27FC236}">
-                <a16:creationId xmlns:a16="http://schemas.microsoft.com/office/drawing/2014/main" id="{8C01D7AF-7CBD-46E1-99F3-8EB60E838D91}"/>
-              </a:ext>
-            </a:extLst>
-          </p:cNvPr>
-          <p:cNvPicPr>
-            <a:picLocks noChangeAspect="1"/>
-          </p:cNvPicPr>
-          <p:nvPr userDrawn="1"/>
-        </p:nvPicPr>
-        <p:blipFill>
-          <a:blip r:embed="rId2">
-            <a:extLst>
-              <a:ext uri="{28A0092B-C50C-407E-A947-70E740481C1C}">
-                <a14:useLocalDpi xmlns:a14="http://schemas.microsoft.com/office/drawing/2010/main" val="0"/>
-              </a:ext>
-            </a:extLst>
-          </a:blip>
-          <a:stretch>
-            <a:fillRect/>
-          </a:stretch>
-        </p:blipFill>
-        <p:spPr>
-          <a:xfrm>
-            <a:off x="10067957" y="253936"/>
-            <a:ext cx="1915704" cy="559235"/>
-          </a:xfrm>
-          <a:prstGeom prst="rect">
-            <a:avLst/>
-          </a:prstGeom>
-        </p:spPr>
-      </p:pic>
-      <p:sp>
-        <p:nvSpPr>
-          <p:cNvPr id="17" name="Slide Body Text">
-            <a:extLst>
-              <a:ext uri="{FF2B5EF4-FFF2-40B4-BE49-F238E27FC236}">
-                <a16:creationId xmlns:a16="http://schemas.microsoft.com/office/drawing/2014/main" id="{1E60575F-8475-4C78-97A7-27D7891D2770}"/>
+                <a16:creationId xmlns:a16="http://schemas.microsoft.com/office/drawing/2014/main" id="{B608ED73-CE88-49E4-8BFC-DBD6E9AE6B10}"/>
               </a:ext>
             </a:extLst>
           </p:cNvPr>
@@ -7646,38 +5899,58 @@
             <a:spLocks noGrp="1"/>
           </p:cNvSpPr>
           <p:nvPr>
-            <p:ph type="body" sz="quarter" idx="12" hasCustomPrompt="1"/>
+            <p:ph type="body" sz="quarter" idx="10" hasCustomPrompt="1"/>
           </p:nvPr>
         </p:nvSpPr>
         <p:spPr>
           <a:xfrm>
-            <a:off x="190402" y="1196125"/>
-            <a:ext cx="11818096" cy="5528766"/>
+            <a:off x="190406" y="1206668"/>
+            <a:ext cx="11804831" cy="5550582"/>
           </a:xfrm>
         </p:spPr>
         <p:txBody>
           <a:bodyPr/>
           <a:lstStyle>
             <a:lvl1pPr latinLnBrk="0">
-              <a:defRPr/>
+              <a:defRPr>
+                <a:solidFill>
+                  <a:schemeClr val="tx1"/>
+                </a:solidFill>
+              </a:defRPr>
             </a:lvl1pPr>
             <a:lvl2pPr latinLnBrk="0">
-              <a:defRPr/>
+              <a:defRPr>
+                <a:solidFill>
+                  <a:schemeClr val="tx1"/>
+                </a:solidFill>
+              </a:defRPr>
             </a:lvl2pPr>
             <a:lvl3pPr latinLnBrk="0">
-              <a:defRPr/>
+              <a:defRPr>
+                <a:solidFill>
+                  <a:schemeClr val="tx1"/>
+                </a:solidFill>
+              </a:defRPr>
             </a:lvl3pPr>
             <a:lvl4pPr latinLnBrk="0">
-              <a:defRPr/>
+              <a:defRPr>
+                <a:solidFill>
+                  <a:schemeClr val="tx1"/>
+                </a:solidFill>
+              </a:defRPr>
             </a:lvl4pPr>
             <a:lvl5pPr latinLnBrk="0">
-              <a:defRPr/>
+              <a:defRPr>
+                <a:solidFill>
+                  <a:schemeClr val="tx1"/>
+                </a:solidFill>
+              </a:defRPr>
             </a:lvl5pPr>
           </a:lstStyle>
           <a:p>
             <a:pPr lvl="0"/>
             <a:r>
-              <a:rPr lang="en-US" noProof="0"/>
+              <a:rPr lang="en-US" noProof="0" dirty="0"/>
               <a:t>This is a code example</a:t>
             </a:r>
           </a:p>
@@ -7685,10 +5958,10 @@
       </p:sp>
       <p:sp>
         <p:nvSpPr>
-          <p:cNvPr id="15" name="Code Box">
+          <p:cNvPr id="4" name="Code Box">
             <a:extLst>
               <a:ext uri="{FF2B5EF4-FFF2-40B4-BE49-F238E27FC236}">
-                <a16:creationId xmlns:a16="http://schemas.microsoft.com/office/drawing/2014/main" id="{29C63EC2-5578-406B-8C2A-23FDE6C14C82}"/>
+                <a16:creationId xmlns:a16="http://schemas.microsoft.com/office/drawing/2014/main" id="{F4E021E9-D6DB-4272-8C9F-CEF4940FDC10}"/>
               </a:ext>
             </a:extLst>
           </p:cNvPr>
@@ -7702,7 +5975,7 @@
         <p:spPr>
           <a:xfrm>
             <a:off x="674683" y="2034000"/>
-            <a:ext cx="10836275" cy="2318684"/>
+            <a:ext cx="10836275" cy="2237893"/>
           </a:xfrm>
           <a:solidFill>
             <a:schemeClr val="accent6">
@@ -7724,15 +5997,6 @@
           </a:bodyPr>
           <a:lstStyle>
             <a:lvl1pPr>
-              <a:lnSpc>
-                <a:spcPct val="110000"/>
-              </a:lnSpc>
-              <a:spcBef>
-                <a:spcPts val="0"/>
-              </a:spcBef>
-              <a:spcAft>
-                <a:spcPts val="0"/>
-              </a:spcAft>
               <a:buNone/>
               <a:defRPr lang="en-US" sz="2800" b="1" smtClean="0">
                 <a:latin typeface="Consolas" pitchFamily="49" charset="0"/>
@@ -7827,8 +6091,8 @@
         </p:nvSpPr>
         <p:spPr>
           <a:xfrm>
-            <a:off x="190406" y="100750"/>
-            <a:ext cx="9715594" cy="882654"/>
+            <a:off x="190405" y="100750"/>
+            <a:ext cx="10239658" cy="882654"/>
           </a:xfrm>
         </p:spPr>
         <p:txBody>
@@ -7844,12 +6108,48 @@
           </a:lstStyle>
           <a:p>
             <a:r>
-              <a:rPr lang="en-US" noProof="0"/>
+              <a:rPr lang="en-US" noProof="0" dirty="0"/>
               <a:t>Slide Title</a:t>
             </a:r>
           </a:p>
         </p:txBody>
       </p:sp>
+      <p:pic>
+        <p:nvPicPr>
+          <p:cNvPr id="3" name="Picture 2">
+            <a:extLst>
+              <a:ext uri="{FF2B5EF4-FFF2-40B4-BE49-F238E27FC236}">
+                <a16:creationId xmlns:a16="http://schemas.microsoft.com/office/drawing/2014/main" id="{4B69A4E8-9221-8F79-65B4-BF9AA7F87DD7}"/>
+              </a:ext>
+            </a:extLst>
+          </p:cNvPr>
+          <p:cNvPicPr>
+            <a:picLocks noChangeAspect="1"/>
+          </p:cNvPicPr>
+          <p:nvPr userDrawn="1"/>
+        </p:nvPicPr>
+        <p:blipFill>
+          <a:blip r:embed="rId2" cstate="print">
+            <a:extLst>
+              <a:ext uri="{28A0092B-C50C-407E-A947-70E740481C1C}">
+                <a14:useLocalDpi xmlns:a14="http://schemas.microsoft.com/office/drawing/2010/main" val="0"/>
+              </a:ext>
+            </a:extLst>
+          </a:blip>
+          <a:stretch>
+            <a:fillRect/>
+          </a:stretch>
+        </p:blipFill>
+        <p:spPr>
+          <a:xfrm>
+            <a:off x="10553573" y="368999"/>
+            <a:ext cx="1443361" cy="360001"/>
+          </a:xfrm>
+          <a:prstGeom prst="rect">
+            <a:avLst/>
+          </a:prstGeom>
+        </p:spPr>
+      </p:pic>
     </p:spTree>
     <p:extLst>
       <p:ext uri="{BB962C8B-B14F-4D97-AF65-F5344CB8AC3E}">
@@ -7871,7 +6171,7 @@
 </p:sldLayout>
 </file>
 
-<file path=ppt/slideLayouts/slideLayout9.xml><?xml version="1.0" encoding="utf-8"?>
+<file path=ppt/slideLayouts/slideLayout8.xml><?xml version="1.0" encoding="utf-8"?>
 <p:sldLayout xmlns:a="http://schemas.openxmlformats.org/drawingml/2006/main" xmlns:r="http://schemas.openxmlformats.org/officeDocument/2006/relationships" xmlns:p="http://schemas.openxmlformats.org/presentationml/2006/main" preserve="1">
   <p:cSld name="Demo Slide">
     <p:spTree>
@@ -7948,7 +6248,7 @@
               <a:tabLst/>
               <a:defRPr/>
             </a:pPr>
-            <a:endParaRPr kumimoji="0" lang="en-US" altLang="ko-KR" sz="2398" b="0" i="0" u="none" strike="noStrike" kern="1200" cap="none" spc="0" normalizeH="0" baseline="0" noProof="0" dirty="0">
+            <a:endParaRPr kumimoji="0" lang="en-US" altLang="ko-KR" sz="2398" b="0" i="0" u="none" strike="noStrike" kern="1200" cap="none" spc="0" normalizeH="0" baseline="0" noProof="0">
               <a:ln>
                 <a:noFill/>
               </a:ln>
@@ -8003,7 +6303,7 @@
           <a:p>
             <a:pPr lvl="0"/>
             <a:r>
-              <a:rPr lang="en-US" noProof="0"/>
+              <a:rPr lang="en-US" noProof="0" dirty="0"/>
               <a:t>Click to Edit Section Subtitle</a:t>
             </a:r>
           </a:p>
@@ -8047,10 +6347,10 @@
           <a:p>
             <a:pPr lvl="0"/>
             <a:r>
-              <a:rPr lang="en-US" noProof="0"/>
+              <a:rPr lang="en-US" noProof="0" dirty="0"/>
               <a:t>Click to Edit Section Title</a:t>
             </a:r>
-            <a:endParaRPr lang="en-US" altLang="ko-KR" noProof="0"/>
+            <a:endParaRPr lang="en-US" altLang="ko-KR" noProof="0" dirty="0"/>
           </a:p>
         </p:txBody>
       </p:sp>
@@ -8058,6 +6358,335 @@
     <p:extLst>
       <p:ext uri="{BB962C8B-B14F-4D97-AF65-F5344CB8AC3E}">
         <p14:creationId xmlns:p14="http://schemas.microsoft.com/office/powerpoint/2010/main" val="2423919747"/>
+      </p:ext>
+    </p:extLst>
+  </p:cSld>
+  <p:clrMapOvr>
+    <a:masterClrMapping/>
+  </p:clrMapOvr>
+  <mc:AlternateContent xmlns:mc="http://schemas.openxmlformats.org/markup-compatibility/2006" xmlns:p14="http://schemas.microsoft.com/office/powerpoint/2010/main">
+    <mc:Choice Requires="p14">
+      <p:transition spd="slow" p14:dur="2000" advClick="0" advTm="5000"/>
+    </mc:Choice>
+    <mc:Fallback xmlns="">
+      <p:transition spd="slow" advClick="0" advTm="5000"/>
+    </mc:Fallback>
+  </mc:AlternateContent>
+</p:sldLayout>
+</file>
+
+<file path=ppt/slideLayouts/slideLayout9.xml><?xml version="1.0" encoding="utf-8"?>
+<p:sldLayout xmlns:a="http://schemas.openxmlformats.org/drawingml/2006/main" xmlns:r="http://schemas.openxmlformats.org/officeDocument/2006/relationships" xmlns:p="http://schemas.openxmlformats.org/presentationml/2006/main" preserve="1" userDrawn="1">
+  <p:cSld name="Table of Contents">
+    <p:spTree>
+      <p:nvGrpSpPr>
+        <p:cNvPr id="1" name=""/>
+        <p:cNvGrpSpPr/>
+        <p:nvPr/>
+      </p:nvGrpSpPr>
+      <p:grpSpPr>
+        <a:xfrm>
+          <a:off x="0" y="0"/>
+          <a:ext cx="0" cy="0"/>
+          <a:chOff x="0" y="0"/>
+          <a:chExt cx="0" cy="0"/>
+        </a:xfrm>
+      </p:grpSpPr>
+      <p:sp>
+        <p:nvSpPr>
+          <p:cNvPr id="10" name="Slide Number">
+            <a:extLst>
+              <a:ext uri="{FF2B5EF4-FFF2-40B4-BE49-F238E27FC236}">
+                <a16:creationId xmlns:a16="http://schemas.microsoft.com/office/drawing/2014/main" id="{39DDE17E-5472-41F3-AF5F-54DFF10DC63C}"/>
+              </a:ext>
+            </a:extLst>
+          </p:cNvPr>
+          <p:cNvSpPr>
+            <a:spLocks noGrp="1"/>
+          </p:cNvSpPr>
+          <p:nvPr>
+            <p:ph type="sldNum" sz="quarter" idx="4"/>
+          </p:nvPr>
+        </p:nvSpPr>
+        <p:spPr>
+          <a:xfrm>
+            <a:off x="11753030" y="6507000"/>
+            <a:ext cx="367414" cy="297000"/>
+          </a:xfrm>
+          <a:prstGeom prst="rect">
+            <a:avLst/>
+          </a:prstGeom>
+        </p:spPr>
+        <p:txBody>
+          <a:bodyPr vert="horz" lIns="91440" tIns="45720" rIns="91440" bIns="45720" rtlCol="0" anchor="b"/>
+          <a:lstStyle>
+            <a:lvl1pPr algn="r">
+              <a:defRPr sz="1000"/>
+            </a:lvl1pPr>
+          </a:lstStyle>
+          <a:p>
+            <a:fld id="{2BF067CD-8E6B-4360-9AA8-C5DF2A48A6D1}" type="slidenum">
+              <a:rPr lang="en-US" noProof="0" smtClean="0"/>
+              <a:pPr/>
+              <a:t>‹#›</a:t>
+            </a:fld>
+            <a:endParaRPr lang="en-US" noProof="0"/>
+          </a:p>
+        </p:txBody>
+      </p:sp>
+      <p:sp>
+        <p:nvSpPr>
+          <p:cNvPr id="23" name="Slide Body Text">
+            <a:extLst>
+              <a:ext uri="{FF2B5EF4-FFF2-40B4-BE49-F238E27FC236}">
+                <a16:creationId xmlns:a16="http://schemas.microsoft.com/office/drawing/2014/main" id="{889D93F4-ABFA-46BF-8E5D-FE6562ACB20F}"/>
+              </a:ext>
+            </a:extLst>
+          </p:cNvPr>
+          <p:cNvSpPr>
+            <a:spLocks noGrp="1"/>
+          </p:cNvSpPr>
+          <p:nvPr>
+            <p:ph type="body" sz="quarter" idx="13" hasCustomPrompt="1"/>
+          </p:nvPr>
+        </p:nvSpPr>
+        <p:spPr>
+          <a:xfrm>
+            <a:off x="196766" y="1371604"/>
+            <a:ext cx="11781606" cy="5207396"/>
+          </a:xfrm>
+        </p:spPr>
+        <p:txBody>
+          <a:bodyPr>
+            <a:normAutofit/>
+          </a:bodyPr>
+          <a:lstStyle>
+            <a:lvl1pPr marL="514042" indent="-514042" latinLnBrk="0">
+              <a:buFont typeface="+mj-lt"/>
+              <a:buAutoNum type="arabicPeriod"/>
+              <a:defRPr sz="3600">
+                <a:solidFill>
+                  <a:schemeClr val="tx1"/>
+                </a:solidFill>
+              </a:defRPr>
+            </a:lvl1pPr>
+            <a:lvl2pPr>
+              <a:defRPr sz="3400"/>
+            </a:lvl2pPr>
+          </a:lstStyle>
+          <a:p>
+            <a:pPr lvl="0"/>
+            <a:r>
+              <a:rPr lang="en-US" noProof="0" dirty="0"/>
+              <a:t>…</a:t>
+            </a:r>
+          </a:p>
+          <a:p>
+            <a:pPr lvl="1"/>
+            <a:r>
+              <a:rPr lang="en-US" noProof="0" dirty="0"/>
+              <a:t>…</a:t>
+            </a:r>
+          </a:p>
+          <a:p>
+            <a:pPr lvl="1"/>
+            <a:r>
+              <a:rPr lang="en-US" noProof="0" dirty="0"/>
+              <a:t>…</a:t>
+            </a:r>
+          </a:p>
+          <a:p>
+            <a:pPr lvl="0"/>
+            <a:r>
+              <a:rPr lang="en-US" noProof="0" dirty="0"/>
+              <a:t>…</a:t>
+            </a:r>
+          </a:p>
+          <a:p>
+            <a:pPr lvl="1"/>
+            <a:r>
+              <a:rPr lang="en-US" noProof="0" dirty="0"/>
+              <a:t>…</a:t>
+            </a:r>
+          </a:p>
+          <a:p>
+            <a:pPr lvl="1"/>
+            <a:r>
+              <a:rPr lang="en-US" noProof="0" dirty="0"/>
+              <a:t>…</a:t>
+            </a:r>
+          </a:p>
+          <a:p>
+            <a:pPr lvl="0"/>
+            <a:r>
+              <a:rPr lang="en-US" noProof="0" dirty="0"/>
+              <a:t>…</a:t>
+            </a:r>
+          </a:p>
+        </p:txBody>
+      </p:sp>
+      <p:sp>
+        <p:nvSpPr>
+          <p:cNvPr id="8" name="Rectangle Top">
+            <a:extLst>
+              <a:ext uri="{FF2B5EF4-FFF2-40B4-BE49-F238E27FC236}">
+                <a16:creationId xmlns:a16="http://schemas.microsoft.com/office/drawing/2014/main" id="{930E0800-9260-4369-8330-8264DD33C5CE}"/>
+              </a:ext>
+            </a:extLst>
+          </p:cNvPr>
+          <p:cNvSpPr/>
+          <p:nvPr userDrawn="1"/>
+        </p:nvSpPr>
+        <p:spPr>
+          <a:xfrm>
+            <a:off x="0" y="0"/>
+            <a:ext cx="12196800" cy="1095376"/>
+          </a:xfrm>
+          <a:prstGeom prst="rect">
+            <a:avLst/>
+          </a:prstGeom>
+          <a:solidFill>
+            <a:schemeClr val="tx2"/>
+          </a:solidFill>
+          <a:ln>
+            <a:noFill/>
+          </a:ln>
+        </p:spPr>
+        <p:style>
+          <a:lnRef idx="2">
+            <a:schemeClr val="accent1">
+              <a:shade val="50000"/>
+            </a:schemeClr>
+          </a:lnRef>
+          <a:fillRef idx="1">
+            <a:schemeClr val="accent1"/>
+          </a:fillRef>
+          <a:effectRef idx="0">
+            <a:schemeClr val="accent1"/>
+          </a:effectRef>
+          <a:fontRef idx="minor">
+            <a:schemeClr val="lt1"/>
+          </a:fontRef>
+        </p:style>
+        <p:txBody>
+          <a:bodyPr rtlCol="0" anchor="ctr"/>
+          <a:lstStyle/>
+          <a:p>
+            <a:pPr marL="0" marR="0" lvl="0" indent="0" algn="ctr" defTabSz="913852" rtl="0" eaLnBrk="1" fontAlgn="auto" latinLnBrk="0" hangingPunct="1">
+              <a:lnSpc>
+                <a:spcPct val="100000"/>
+              </a:lnSpc>
+              <a:spcBef>
+                <a:spcPts val="0"/>
+              </a:spcBef>
+              <a:spcAft>
+                <a:spcPts val="0"/>
+              </a:spcAft>
+              <a:buClrTx/>
+              <a:buSzTx/>
+              <a:buFontTx/>
+              <a:buNone/>
+              <a:tabLst/>
+              <a:defRPr/>
+            </a:pPr>
+            <a:endParaRPr kumimoji="0" lang="en-US" altLang="ko-KR" sz="2398" b="0" i="0" u="none" strike="noStrike" kern="1200" cap="none" spc="0" normalizeH="0" baseline="0" noProof="0">
+              <a:ln>
+                <a:noFill/>
+              </a:ln>
+              <a:solidFill>
+                <a:srgbClr val="F7C86D"/>
+              </a:solidFill>
+              <a:effectLst/>
+              <a:uLnTx/>
+              <a:uFillTx/>
+              <a:latin typeface="Calibri" panose="020F0502020204030204"/>
+              <a:ea typeface="맑은 고딕" panose="020B0503020000020004" pitchFamily="34" charset="-127"/>
+              <a:cs typeface="+mn-cs"/>
+            </a:endParaRPr>
+          </a:p>
+        </p:txBody>
+      </p:sp>
+      <p:sp>
+        <p:nvSpPr>
+          <p:cNvPr id="13" name="Slide Title">
+            <a:extLst>
+              <a:ext uri="{FF2B5EF4-FFF2-40B4-BE49-F238E27FC236}">
+                <a16:creationId xmlns:a16="http://schemas.microsoft.com/office/drawing/2014/main" id="{357D7BE1-6358-42CC-94F3-7BCDD91DCB6D}"/>
+              </a:ext>
+            </a:extLst>
+          </p:cNvPr>
+          <p:cNvSpPr>
+            <a:spLocks noGrp="1"/>
+          </p:cNvSpPr>
+          <p:nvPr>
+            <p:ph type="title" hasCustomPrompt="1"/>
+          </p:nvPr>
+        </p:nvSpPr>
+        <p:spPr>
+          <a:xfrm>
+            <a:off x="190406" y="100750"/>
+            <a:ext cx="10270594" cy="882654"/>
+          </a:xfrm>
+        </p:spPr>
+        <p:txBody>
+          <a:bodyPr/>
+          <a:lstStyle>
+            <a:lvl1pPr latinLnBrk="0">
+              <a:defRPr>
+                <a:solidFill>
+                  <a:schemeClr val="bg2"/>
+                </a:solidFill>
+              </a:defRPr>
+            </a:lvl1pPr>
+          </a:lstStyle>
+          <a:p>
+            <a:r>
+              <a:rPr lang="en-US" noProof="0" dirty="0"/>
+              <a:t>Table of Contents</a:t>
+            </a:r>
+          </a:p>
+        </p:txBody>
+      </p:sp>
+      <p:pic>
+        <p:nvPicPr>
+          <p:cNvPr id="3" name="Picture 2">
+            <a:extLst>
+              <a:ext uri="{FF2B5EF4-FFF2-40B4-BE49-F238E27FC236}">
+                <a16:creationId xmlns:a16="http://schemas.microsoft.com/office/drawing/2014/main" id="{4FD808AB-EC49-1578-0005-D58D2A365AA1}"/>
+              </a:ext>
+            </a:extLst>
+          </p:cNvPr>
+          <p:cNvPicPr>
+            <a:picLocks noChangeAspect="1"/>
+          </p:cNvPicPr>
+          <p:nvPr userDrawn="1"/>
+        </p:nvPicPr>
+        <p:blipFill>
+          <a:blip r:embed="rId2" cstate="print">
+            <a:extLst>
+              <a:ext uri="{28A0092B-C50C-407E-A947-70E740481C1C}">
+                <a14:useLocalDpi xmlns:a14="http://schemas.microsoft.com/office/drawing/2010/main" val="0"/>
+              </a:ext>
+            </a:extLst>
+          </a:blip>
+          <a:stretch>
+            <a:fillRect/>
+          </a:stretch>
+        </p:blipFill>
+        <p:spPr>
+          <a:xfrm>
+            <a:off x="10553573" y="368999"/>
+            <a:ext cx="1443361" cy="360001"/>
+          </a:xfrm>
+          <a:prstGeom prst="rect">
+            <a:avLst/>
+          </a:prstGeom>
+        </p:spPr>
+      </p:pic>
+    </p:spTree>
+    <p:extLst>
+      <p:ext uri="{BB962C8B-B14F-4D97-AF65-F5344CB8AC3E}">
+        <p14:creationId xmlns:p14="http://schemas.microsoft.com/office/powerpoint/2010/main" val="1028724482"/>
       </p:ext>
     </p:extLst>
   </p:cSld>
@@ -8100,35 +6729,6 @@
           <a:chExt cx="0" cy="0"/>
         </a:xfrm>
       </p:grpSpPr>
-      <p:pic>
-        <p:nvPicPr>
-          <p:cNvPr id="4" name="Picture Background" descr="SoftUni Background">
-            <a:extLst>
-              <a:ext uri="{FF2B5EF4-FFF2-40B4-BE49-F238E27FC236}">
-                <a16:creationId xmlns:a16="http://schemas.microsoft.com/office/drawing/2014/main" id="{5BE90A63-DDD9-4B3B-A234-DF69B9BC812F}"/>
-              </a:ext>
-            </a:extLst>
-          </p:cNvPr>
-          <p:cNvPicPr>
-            <a:picLocks noChangeAspect="1"/>
-          </p:cNvPicPr>
-          <p:nvPr userDrawn="1"/>
-        </p:nvPicPr>
-        <p:blipFill rotWithShape="1">
-          <a:blip r:embed="rId15"/>
-          <a:srcRect b="1672"/>
-          <a:stretch/>
-        </p:blipFill>
-        <p:spPr>
-          <a:xfrm>
-            <a:off x="0" y="1"/>
-            <a:ext cx="12192000" cy="6857999"/>
-          </a:xfrm>
-          <a:prstGeom prst="rect">
-            <a:avLst/>
-          </a:prstGeom>
-        </p:spPr>
-      </p:pic>
       <p:sp>
         <p:nvSpPr>
           <p:cNvPr id="11" name="Slide Body Text">
@@ -8162,38 +6762,38 @@
           <a:p>
             <a:pPr lvl="0"/>
             <a:r>
-              <a:rPr lang="en-US"/>
+              <a:rPr lang="en-US" dirty="0"/>
               <a:t>First Level</a:t>
             </a:r>
           </a:p>
           <a:p>
             <a:pPr lvl="1"/>
             <a:r>
-              <a:rPr lang="en-US"/>
+              <a:rPr lang="en-US" dirty="0"/>
               <a:t>Second Level</a:t>
             </a:r>
           </a:p>
           <a:p>
             <a:pPr lvl="2"/>
             <a:r>
-              <a:rPr lang="en-US"/>
+              <a:rPr lang="en-US" dirty="0"/>
               <a:t>Third Level</a:t>
             </a:r>
           </a:p>
           <a:p>
             <a:pPr lvl="3"/>
             <a:r>
-              <a:rPr lang="en-US"/>
+              <a:rPr lang="en-US" dirty="0"/>
               <a:t>Fourth Level</a:t>
             </a:r>
           </a:p>
           <a:p>
             <a:pPr lvl="4"/>
             <a:r>
-              <a:rPr lang="en-US"/>
+              <a:rPr lang="en-US" dirty="0"/>
               <a:t>Fifth Level</a:t>
             </a:r>
-            <a:endParaRPr/>
+            <a:endParaRPr dirty="0"/>
           </a:p>
         </p:txBody>
       </p:sp>
@@ -8229,10 +6829,10 @@
           <a:lstStyle/>
           <a:p>
             <a:r>
-              <a:rPr lang="en-US"/>
+              <a:rPr lang="en-US" dirty="0"/>
               <a:t>Click to Edit Master Title Style</a:t>
             </a:r>
-            <a:endParaRPr/>
+            <a:endParaRPr dirty="0"/>
           </a:p>
         </p:txBody>
       </p:sp>
@@ -8245,19 +6845,18 @@
   </p:cSld>
   <p:clrMap bg1="lt1" tx1="dk1" bg2="lt2" tx2="dk2" accent1="accent1" accent2="accent2" accent3="accent3" accent4="accent4" accent5="accent5" accent6="accent6" hlink="hlink" folHlink="folHlink"/>
   <p:sldLayoutIdLst>
-    <p:sldLayoutId id="2147483676" r:id="rId1"/>
+    <p:sldLayoutId id="2147483691" r:id="rId1"/>
     <p:sldLayoutId id="2147483689" r:id="rId2"/>
     <p:sldLayoutId id="2147483681" r:id="rId3"/>
-    <p:sldLayoutId id="2147483677" r:id="rId4"/>
-    <p:sldLayoutId id="2147483679" r:id="rId5"/>
-    <p:sldLayoutId id="2147483680" r:id="rId6"/>
-    <p:sldLayoutId id="2147483688" r:id="rId7"/>
-    <p:sldLayoutId id="2147483684" r:id="rId8"/>
-    <p:sldLayoutId id="2147483690" r:id="rId9"/>
+    <p:sldLayoutId id="2147483679" r:id="rId4"/>
+    <p:sldLayoutId id="2147483680" r:id="rId5"/>
+    <p:sldLayoutId id="2147483688" r:id="rId6"/>
+    <p:sldLayoutId id="2147483684" r:id="rId7"/>
+    <p:sldLayoutId id="2147483690" r:id="rId8"/>
+    <p:sldLayoutId id="2147483677" r:id="rId9"/>
     <p:sldLayoutId id="2147483683" r:id="rId10"/>
     <p:sldLayoutId id="2147483685" r:id="rId11"/>
     <p:sldLayoutId id="2147483686" r:id="rId12"/>
-    <p:sldLayoutId id="2147483687" r:id="rId13"/>
   </p:sldLayoutIdLst>
   <mc:AlternateContent xmlns:mc="http://schemas.openxmlformats.org/markup-compatibility/2006" xmlns:p14="http://schemas.microsoft.com/office/powerpoint/2010/main">
     <mc:Choice Requires="p14">
@@ -8586,39 +7185,126 @@
       </p:grpSpPr>
       <p:sp>
         <p:nvSpPr>
-          <p:cNvPr id="5" name="Title 4"/>
+          <p:cNvPr id="12" name="Text Placeholder 11"/>
           <p:cNvSpPr>
             <a:spLocks noGrp="1"/>
           </p:cNvSpPr>
           <p:nvPr>
-            <p:ph type="title"/>
+            <p:ph type="body" sz="quarter" idx="22"/>
           </p:nvPr>
         </p:nvSpPr>
         <p:spPr>
           <a:xfrm>
-            <a:off x="669689" y="305614"/>
-            <a:ext cx="10959592" cy="882424"/>
+            <a:off x="6390122" y="5805353"/>
+            <a:ext cx="5248260" cy="341313"/>
+          </a:xfrm>
+        </p:spPr>
+        <p:txBody>
+          <a:bodyPr/>
+          <a:lstStyle/>
+          <a:p>
+            <a:r>
+              <a:rPr lang="bg-BG" sz="2400" dirty="0"/>
+              <a:t>Софтуерни и хардуерни науки</a:t>
+            </a:r>
+          </a:p>
+        </p:txBody>
+      </p:sp>
+      <p:sp>
+        <p:nvSpPr>
+          <p:cNvPr id="11" name="Text Placeholder 10"/>
+          <p:cNvSpPr>
+            <a:spLocks noGrp="1"/>
+          </p:cNvSpPr>
+          <p:nvPr>
+            <p:ph type="body" sz="quarter" idx="21"/>
+          </p:nvPr>
+        </p:nvSpPr>
+        <p:spPr>
+          <a:xfrm>
+            <a:off x="6392169" y="5426440"/>
+            <a:ext cx="5248260" cy="374236"/>
           </a:xfrm>
         </p:spPr>
         <p:txBody>
           <a:bodyPr>
-            <a:normAutofit/>
+            <a:normAutofit fontScale="77500" lnSpcReduction="20000"/>
           </a:bodyPr>
           <a:lstStyle/>
           <a:p>
             <a:r>
-              <a:rPr lang="bg-BG" sz="4750" dirty="0">
-                <a:ea typeface="+mj-lt"/>
-                <a:cs typeface="+mj-lt"/>
-              </a:rPr>
-              <a:t>Регулярни изрази </a:t>
-            </a:r>
-            <a:r>
-              <a:rPr lang="en-US" sz="4750" dirty="0"/>
-              <a:t>(RegEx)</a:t>
-            </a:r>
-            <a:endParaRPr lang="bg-BG" sz="4750" dirty="0">
-              <a:cs typeface="Calibri"/>
+              <a:rPr lang="bg-BG" sz="2800" dirty="0">
+                <a:solidFill>
+                  <a:srgbClr val="234465"/>
+                </a:solidFill>
+              </a:rPr>
+              <a:t>Курс "</a:t>
+            </a:r>
+            <a:r>
+              <a:rPr lang="ru-RU" sz="2800" dirty="0">
+                <a:solidFill>
+                  <a:srgbClr val="234465"/>
+                </a:solidFill>
+              </a:rPr>
+              <a:t>Структури от данни и алгоритми</a:t>
+            </a:r>
+            <a:r>
+              <a:rPr lang="bg-BG" sz="2800" dirty="0">
+                <a:solidFill>
+                  <a:srgbClr val="234465"/>
+                </a:solidFill>
+              </a:rPr>
+              <a:t>"</a:t>
+            </a:r>
+          </a:p>
+        </p:txBody>
+      </p:sp>
+      <p:sp>
+        <p:nvSpPr>
+          <p:cNvPr id="8" name="Text Placeholder 7"/>
+          <p:cNvSpPr>
+            <a:spLocks noGrp="1"/>
+          </p:cNvSpPr>
+          <p:nvPr>
+            <p:ph type="body" sz="quarter" idx="18"/>
+          </p:nvPr>
+        </p:nvSpPr>
+        <p:spPr>
+          <a:xfrm>
+            <a:off x="553618" y="5805231"/>
+            <a:ext cx="4751953" cy="341556"/>
+          </a:xfrm>
+        </p:spPr>
+        <p:txBody>
+          <a:bodyPr/>
+          <a:lstStyle/>
+          <a:p>
+            <a:pPr marL="0" indent="0" algn="l" rtl="0" eaLnBrk="1" fontAlgn="base" latinLnBrk="0" hangingPunct="1">
+              <a:lnSpc>
+                <a:spcPct val="105000"/>
+              </a:lnSpc>
+              <a:spcBef>
+                <a:spcPts val="0"/>
+              </a:spcBef>
+              <a:spcAft>
+                <a:spcPts val="0"/>
+              </a:spcAft>
+            </a:pPr>
+            <a:r>
+              <a:rPr lang="en-US" sz="1800" b="0" kern="1200" dirty="0">
+                <a:solidFill>
+                  <a:srgbClr val="1A334C"/>
+                </a:solidFill>
+                <a:effectLst/>
+                <a:latin typeface="Calibri" panose="020F0502020204030204" pitchFamily="34" charset="0"/>
+                <a:ea typeface="+mn-ea"/>
+                <a:cs typeface="+mn-cs"/>
+                <a:hlinkClick r:id="rId3"/>
+              </a:rPr>
+              <a:t>https://github.com/BG-IT-Edu</a:t>
+            </a:r>
+            <a:endParaRPr lang="bg-BG" sz="1800" dirty="0">
+              <a:effectLst/>
             </a:endParaRPr>
           </a:p>
         </p:txBody>
@@ -8633,30 +7319,41 @@
             <p:ph type="body" sz="quarter" idx="17"/>
           </p:nvPr>
         </p:nvSpPr>
-        <p:spPr/>
+        <p:spPr>
+          <a:xfrm>
+            <a:off x="551571" y="5338773"/>
+            <a:ext cx="4751954" cy="549570"/>
+          </a:xfrm>
+        </p:spPr>
         <p:txBody>
           <a:bodyPr/>
           <a:lstStyle/>
           <a:p>
             <a:r>
-              <a:rPr lang="en-US" sz="1950" dirty="0"/>
-              <a:t>Софтуерен университет</a:t>
-            </a:r>
-            <a:endParaRPr lang="en-US" sz="1950" b="0" dirty="0">
-              <a:ea typeface="+mn-lt"/>
-              <a:cs typeface="+mn-lt"/>
-            </a:endParaRPr>
+              <a:rPr lang="bg-BG" sz="1800" dirty="0">
+                <a:solidFill>
+                  <a:srgbClr val="234465"/>
+                </a:solidFill>
+              </a:rPr>
+              <a:t>Проект "Отворено учебно съдържание по програмиране и ИТ", СофтУни Фондация</a:t>
+            </a:r>
           </a:p>
         </p:txBody>
       </p:sp>
       <p:sp>
         <p:nvSpPr>
-          <p:cNvPr id="8" name="Text Placeholder 7"/>
+          <p:cNvPr id="10" name="Subtitle 9">
+            <a:extLst>
+              <a:ext uri="{FF2B5EF4-FFF2-40B4-BE49-F238E27FC236}">
+                <a16:creationId xmlns:a16="http://schemas.microsoft.com/office/drawing/2014/main" id="{91D9C92B-24AC-2E0F-7C85-C3F32043D5D9}"/>
+              </a:ext>
+            </a:extLst>
+          </p:cNvPr>
           <p:cNvSpPr>
             <a:spLocks noGrp="1"/>
           </p:cNvSpPr>
           <p:nvPr>
-            <p:ph type="body" sz="quarter" idx="18"/>
+            <p:ph type="subTitle" idx="1"/>
           </p:nvPr>
         </p:nvSpPr>
         <p:spPr/>
@@ -8665,68 +7362,43 @@
           <a:lstStyle/>
           <a:p>
             <a:r>
-              <a:rPr lang="en-US" dirty="0">
-                <a:hlinkClick r:id="rId3"/>
-              </a:rPr>
-              <a:t>https://softuni.bg</a:t>
-            </a:r>
-            <a:endParaRPr lang="en-US" dirty="0"/>
+              <a:rPr lang="bg-BG" dirty="0"/>
+              <a:t>Същност, синтаксис, употреба</a:t>
+            </a:r>
+            <a:endParaRPr lang="en-BG" dirty="0"/>
           </a:p>
         </p:txBody>
       </p:sp>
       <p:sp>
         <p:nvSpPr>
-          <p:cNvPr id="11" name="Text Placeholder 10"/>
+          <p:cNvPr id="5" name="Title 4"/>
           <p:cNvSpPr>
             <a:spLocks noGrp="1"/>
           </p:cNvSpPr>
           <p:nvPr>
-            <p:ph type="body" sz="quarter" idx="19"/>
+            <p:ph type="title"/>
           </p:nvPr>
         </p:nvSpPr>
         <p:spPr/>
         <p:txBody>
-          <a:bodyPr/>
+          <a:bodyPr>
+            <a:normAutofit/>
+          </a:bodyPr>
           <a:lstStyle/>
           <a:p>
             <a:r>
-              <a:rPr lang="en-US" sz="2750" dirty="0">
-                <a:ea typeface="+mn-lt"/>
-                <a:cs typeface="+mn-lt"/>
-              </a:rPr>
-              <a:t>СофтУни</a:t>
-            </a:r>
-            <a:endParaRPr lang="bg-BG" dirty="0"/>
-          </a:p>
-        </p:txBody>
-      </p:sp>
-      <p:sp>
-        <p:nvSpPr>
-          <p:cNvPr id="12" name="Text Placeholder 11"/>
-          <p:cNvSpPr>
-            <a:spLocks noGrp="1"/>
-          </p:cNvSpPr>
-          <p:nvPr>
-            <p:ph type="body" sz="quarter" idx="20"/>
-          </p:nvPr>
-        </p:nvSpPr>
-        <p:spPr>
-          <a:xfrm>
-            <a:off x="553082" y="5336304"/>
-            <a:ext cx="3262049" cy="437098"/>
-          </a:xfrm>
-        </p:spPr>
-        <p:txBody>
-          <a:bodyPr/>
-          <a:lstStyle/>
-          <a:p>
-            <a:r>
-              <a:rPr lang="en-US" sz="2350" dirty="0"/>
-              <a:t>Преподавателски екип</a:t>
-            </a:r>
-            <a:endParaRPr lang="en-US" sz="2350" b="0" dirty="0">
-              <a:ea typeface="+mn-lt"/>
-              <a:cs typeface="+mn-lt"/>
+              <a:rPr lang="bg-BG" sz="4750" dirty="0">
+                <a:ea typeface="+mj-lt"/>
+                <a:cs typeface="+mj-lt"/>
+              </a:rPr>
+              <a:t>Регулярни изрази </a:t>
+            </a:r>
+            <a:r>
+              <a:rPr lang="en-US" sz="4750" dirty="0"/>
+              <a:t>(RegEx)</a:t>
+            </a:r>
+            <a:endParaRPr lang="bg-BG" sz="4750" dirty="0">
+              <a:cs typeface="Calibri"/>
             </a:endParaRPr>
           </a:p>
         </p:txBody>
@@ -8790,7 +7462,7 @@
         </p:blipFill>
         <p:spPr>
           <a:xfrm>
-            <a:off x="3403737" y="2119985"/>
+            <a:off x="6216169" y="2470588"/>
             <a:ext cx="5384526" cy="2764556"/>
           </a:xfrm>
           <a:prstGeom prst="rect">
@@ -8804,44 +7476,10 @@
           </a:effectLst>
         </p:spPr>
       </p:pic>
-      <p:sp>
-        <p:nvSpPr>
-          <p:cNvPr id="10" name="Subtitle 9">
-            <a:extLst>
-              <a:ext uri="{FF2B5EF4-FFF2-40B4-BE49-F238E27FC236}">
-                <a16:creationId xmlns:a16="http://schemas.microsoft.com/office/drawing/2014/main" id="{91D9C92B-24AC-2E0F-7C85-C3F32043D5D9}"/>
-              </a:ext>
-            </a:extLst>
-          </p:cNvPr>
-          <p:cNvSpPr>
-            <a:spLocks noGrp="1"/>
-          </p:cNvSpPr>
-          <p:nvPr>
-            <p:ph type="subTitle" idx="1"/>
-          </p:nvPr>
-        </p:nvSpPr>
-        <p:spPr>
-          <a:xfrm>
-            <a:off x="554182" y="1258272"/>
-            <a:ext cx="11083636" cy="747890"/>
-          </a:xfrm>
-        </p:spPr>
-        <p:txBody>
-          <a:bodyPr/>
-          <a:lstStyle/>
-          <a:p>
-            <a:r>
-              <a:rPr lang="bg-BG" dirty="0"/>
-              <a:t>Същност, синтаксис, употреба</a:t>
-            </a:r>
-            <a:endParaRPr lang="en-BG" dirty="0"/>
-          </a:p>
-        </p:txBody>
-      </p:sp>
     </p:spTree>
     <p:extLst>
       <p:ext uri="{BB962C8B-B14F-4D97-AF65-F5344CB8AC3E}">
-        <p14:creationId xmlns:p14="http://schemas.microsoft.com/office/powerpoint/2010/main" val="1231976296"/>
+        <p14:creationId xmlns:p14="http://schemas.microsoft.com/office/powerpoint/2010/main" val="4145471076"/>
       </p:ext>
     </p:extLst>
   </p:cSld>
@@ -9382,10 +8020,10 @@
       </p:sp>
       <p:sp>
         <p:nvSpPr>
-          <p:cNvPr id="6" name="Slide Number">
+          <p:cNvPr id="2" name="Slide Number">
             <a:extLst>
               <a:ext uri="{FF2B5EF4-FFF2-40B4-BE49-F238E27FC236}">
-                <a16:creationId xmlns:a16="http://schemas.microsoft.com/office/drawing/2014/main" id="{DDDBB0BA-1D54-4FCC-8485-B3A834EEB488}"/>
+                <a16:creationId xmlns:a16="http://schemas.microsoft.com/office/drawing/2014/main" id="{9C9EE245-84B8-F4A5-50E9-D3470878AF93}"/>
               </a:ext>
             </a:extLst>
           </p:cNvPr>
@@ -9425,7 +8063,7 @@
     </p:spTree>
     <p:extLst>
       <p:ext uri="{BB962C8B-B14F-4D97-AF65-F5344CB8AC3E}">
-        <p14:creationId xmlns:p14="http://schemas.microsoft.com/office/powerpoint/2010/main" val="4177006444"/>
+        <p14:creationId xmlns:p14="http://schemas.microsoft.com/office/powerpoint/2010/main" val="945394921"/>
       </p:ext>
     </p:extLst>
   </p:cSld>
@@ -9786,65 +8424,6 @@
       </p:grpSpPr>
       <p:sp>
         <p:nvSpPr>
-          <p:cNvPr id="4" name="Подзаглавие 3">
-            <a:extLst>
-              <a:ext uri="{FF2B5EF4-FFF2-40B4-BE49-F238E27FC236}">
-                <a16:creationId xmlns:a16="http://schemas.microsoft.com/office/drawing/2014/main" id="{20401B3F-1CEE-7839-9A0F-0E9EC97B6F49}"/>
-              </a:ext>
-            </a:extLst>
-          </p:cNvPr>
-          <p:cNvSpPr>
-            <a:spLocks noGrp="1"/>
-          </p:cNvSpPr>
-          <p:nvPr>
-            <p:ph type="subTitle" sz="quarter" idx="11"/>
-          </p:nvPr>
-        </p:nvSpPr>
-        <p:spPr/>
-        <p:txBody>
-          <a:bodyPr/>
-          <a:lstStyle/>
-          <a:p>
-            <a:r>
-              <a:rPr lang="bg-BG" dirty="0"/>
-              <a:t>Определение и примери</a:t>
-            </a:r>
-          </a:p>
-        </p:txBody>
-      </p:sp>
-      <p:sp>
-        <p:nvSpPr>
-          <p:cNvPr id="3" name="Заглавие 2">
-            <a:extLst>
-              <a:ext uri="{FF2B5EF4-FFF2-40B4-BE49-F238E27FC236}">
-                <a16:creationId xmlns:a16="http://schemas.microsoft.com/office/drawing/2014/main" id="{FC108660-B26C-48A3-9C2C-9234702CA5AD}"/>
-              </a:ext>
-            </a:extLst>
-          </p:cNvPr>
-          <p:cNvSpPr>
-            <a:spLocks noGrp="1"/>
-          </p:cNvSpPr>
-          <p:nvPr>
-            <p:ph type="title" sz="quarter" idx="10"/>
-          </p:nvPr>
-        </p:nvSpPr>
-        <p:spPr/>
-        <p:txBody>
-          <a:bodyPr/>
-          <a:lstStyle/>
-          <a:p>
-            <a:r>
-              <a:rPr lang="en-GB" sz="5350" dirty="0">
-                <a:cs typeface="Arial"/>
-              </a:rPr>
-              <a:t>Quantifier-и</a:t>
-            </a:r>
-            <a:endParaRPr lang="bg-BG" dirty="0"/>
-          </a:p>
-        </p:txBody>
-      </p:sp>
-      <p:sp>
-        <p:nvSpPr>
           <p:cNvPr id="8" name="Text Placeholder 4">
             <a:extLst>
               <a:ext uri="{FF2B5EF4-FFF2-40B4-BE49-F238E27FC236}">
@@ -10050,10 +8629,70 @@
           </a:p>
         </p:txBody>
       </p:sp>
+      <p:sp>
+        <p:nvSpPr>
+          <p:cNvPr id="5" name="Подзаглавие 4">
+            <a:extLst>
+              <a:ext uri="{FF2B5EF4-FFF2-40B4-BE49-F238E27FC236}">
+                <a16:creationId xmlns:a16="http://schemas.microsoft.com/office/drawing/2014/main" id="{C5060F56-42C1-4CE6-E1FA-054C2C46961B}"/>
+              </a:ext>
+            </a:extLst>
+          </p:cNvPr>
+          <p:cNvSpPr>
+            <a:spLocks noGrp="1"/>
+          </p:cNvSpPr>
+          <p:nvPr>
+            <p:ph type="subTitle" sz="quarter" idx="11"/>
+          </p:nvPr>
+        </p:nvSpPr>
+        <p:spPr/>
+        <p:txBody>
+          <a:bodyPr/>
+          <a:lstStyle/>
+          <a:p>
+            <a:r>
+              <a:rPr lang="bg-BG" dirty="0"/>
+              <a:t>Определение и примери</a:t>
+            </a:r>
+          </a:p>
+        </p:txBody>
+      </p:sp>
+      <p:sp>
+        <p:nvSpPr>
+          <p:cNvPr id="7" name="Заглавие 6">
+            <a:extLst>
+              <a:ext uri="{FF2B5EF4-FFF2-40B4-BE49-F238E27FC236}">
+                <a16:creationId xmlns:a16="http://schemas.microsoft.com/office/drawing/2014/main" id="{33D2407C-A1AA-9E05-A3EB-73A80F633F60}"/>
+              </a:ext>
+            </a:extLst>
+          </p:cNvPr>
+          <p:cNvSpPr>
+            <a:spLocks noGrp="1"/>
+          </p:cNvSpPr>
+          <p:nvPr>
+            <p:ph type="title" sz="quarter" idx="10"/>
+          </p:nvPr>
+        </p:nvSpPr>
+        <p:spPr/>
+        <p:txBody>
+          <a:bodyPr/>
+          <a:lstStyle/>
+          <a:p>
+            <a:r>
+              <a:rPr lang="en-US" dirty="0"/>
+              <a:t>Quantifier-</a:t>
+            </a:r>
+            <a:r>
+              <a:rPr lang="bg-BG" dirty="0"/>
+              <a:t>и</a:t>
+            </a:r>
+          </a:p>
+        </p:txBody>
+      </p:sp>
     </p:spTree>
     <p:extLst>
       <p:ext uri="{BB962C8B-B14F-4D97-AF65-F5344CB8AC3E}">
-        <p14:creationId xmlns:p14="http://schemas.microsoft.com/office/powerpoint/2010/main" val="3666660939"/>
+        <p14:creationId xmlns:p14="http://schemas.microsoft.com/office/powerpoint/2010/main" val="1308312360"/>
       </p:ext>
     </p:extLst>
   </p:cSld>
@@ -10090,36 +8729,6 @@
       </p:grpSpPr>
       <p:sp>
         <p:nvSpPr>
-          <p:cNvPr id="2" name="Контейнер за номер на слайда 1">
-            <a:extLst>
-              <a:ext uri="{FF2B5EF4-FFF2-40B4-BE49-F238E27FC236}">
-                <a16:creationId xmlns:a16="http://schemas.microsoft.com/office/drawing/2014/main" id="{0A5D996F-12B3-ADA2-B385-35815B1B7964}"/>
-              </a:ext>
-            </a:extLst>
-          </p:cNvPr>
-          <p:cNvSpPr>
-            <a:spLocks noGrp="1"/>
-          </p:cNvSpPr>
-          <p:nvPr>
-            <p:ph type="sldNum" sz="quarter" idx="4"/>
-          </p:nvPr>
-        </p:nvSpPr>
-        <p:spPr/>
-        <p:txBody>
-          <a:bodyPr/>
-          <a:lstStyle/>
-          <a:p>
-            <a:fld id="{2BF067CD-8E6B-4360-9AA8-C5DF2A48A6D1}" type="slidenum">
-              <a:rPr lang="en-US" noProof="0" smtClean="0"/>
-              <a:pPr/>
-              <a:t>12</a:t>
-            </a:fld>
-            <a:endParaRPr lang="en-US" noProof="0" dirty="0"/>
-          </a:p>
-        </p:txBody>
-      </p:sp>
-      <p:sp>
-        <p:nvSpPr>
           <p:cNvPr id="3" name="Текстов контейнер 2">
             <a:extLst>
               <a:ext uri="{FF2B5EF4-FFF2-40B4-BE49-F238E27FC236}">
@@ -10299,10 +8908,140 @@
           </a:p>
         </p:txBody>
       </p:sp>
+      <p:sp>
+        <p:nvSpPr>
+          <p:cNvPr id="5" name="Slide Number">
+            <a:extLst>
+              <a:ext uri="{FF2B5EF4-FFF2-40B4-BE49-F238E27FC236}">
+                <a16:creationId xmlns:a16="http://schemas.microsoft.com/office/drawing/2014/main" id="{6F72618F-4B0C-7053-9229-5A49D8BD6E56}"/>
+              </a:ext>
+            </a:extLst>
+          </p:cNvPr>
+          <p:cNvSpPr txBox="1">
+            <a:spLocks/>
+          </p:cNvSpPr>
+          <p:nvPr/>
+        </p:nvSpPr>
+        <p:spPr>
+          <a:xfrm>
+            <a:off x="11753030" y="6507000"/>
+            <a:ext cx="367414" cy="297000"/>
+          </a:xfrm>
+          <a:prstGeom prst="rect">
+            <a:avLst/>
+          </a:prstGeom>
+        </p:spPr>
+        <p:txBody>
+          <a:bodyPr vert="horz" lIns="91440" tIns="45720" rIns="91440" bIns="45720" rtlCol="0" anchor="b"/>
+          <a:lstStyle>
+            <a:defPPr>
+              <a:defRPr lang="en-US"/>
+            </a:defPPr>
+            <a:lvl1pPr marL="0" algn="r" defTabSz="914400" rtl="0" eaLnBrk="1" latinLnBrk="0" hangingPunct="1">
+              <a:defRPr sz="1000" kern="1200">
+                <a:solidFill>
+                  <a:schemeClr val="tx1"/>
+                </a:solidFill>
+                <a:latin typeface="+mn-lt"/>
+                <a:ea typeface="+mn-ea"/>
+                <a:cs typeface="+mn-cs"/>
+              </a:defRPr>
+            </a:lvl1pPr>
+            <a:lvl2pPr marL="457200" algn="l" defTabSz="914400" rtl="0" eaLnBrk="1" latinLnBrk="0" hangingPunct="1">
+              <a:defRPr sz="1800" kern="1200">
+                <a:solidFill>
+                  <a:schemeClr val="tx1"/>
+                </a:solidFill>
+                <a:latin typeface="+mn-lt"/>
+                <a:ea typeface="+mn-ea"/>
+                <a:cs typeface="+mn-cs"/>
+              </a:defRPr>
+            </a:lvl2pPr>
+            <a:lvl3pPr marL="914400" algn="l" defTabSz="914400" rtl="0" eaLnBrk="1" latinLnBrk="0" hangingPunct="1">
+              <a:defRPr sz="1800" kern="1200">
+                <a:solidFill>
+                  <a:schemeClr val="tx1"/>
+                </a:solidFill>
+                <a:latin typeface="+mn-lt"/>
+                <a:ea typeface="+mn-ea"/>
+                <a:cs typeface="+mn-cs"/>
+              </a:defRPr>
+            </a:lvl3pPr>
+            <a:lvl4pPr marL="1371600" algn="l" defTabSz="914400" rtl="0" eaLnBrk="1" latinLnBrk="0" hangingPunct="1">
+              <a:defRPr sz="1800" kern="1200">
+                <a:solidFill>
+                  <a:schemeClr val="tx1"/>
+                </a:solidFill>
+                <a:latin typeface="+mn-lt"/>
+                <a:ea typeface="+mn-ea"/>
+                <a:cs typeface="+mn-cs"/>
+              </a:defRPr>
+            </a:lvl4pPr>
+            <a:lvl5pPr marL="1828800" algn="l" defTabSz="914400" rtl="0" eaLnBrk="1" latinLnBrk="0" hangingPunct="1">
+              <a:defRPr sz="1800" kern="1200">
+                <a:solidFill>
+                  <a:schemeClr val="tx1"/>
+                </a:solidFill>
+                <a:latin typeface="+mn-lt"/>
+                <a:ea typeface="+mn-ea"/>
+                <a:cs typeface="+mn-cs"/>
+              </a:defRPr>
+            </a:lvl5pPr>
+            <a:lvl6pPr marL="2286000" algn="l" defTabSz="914400" rtl="0" eaLnBrk="1" latinLnBrk="0" hangingPunct="1">
+              <a:defRPr sz="1800" kern="1200">
+                <a:solidFill>
+                  <a:schemeClr val="tx1"/>
+                </a:solidFill>
+                <a:latin typeface="+mn-lt"/>
+                <a:ea typeface="+mn-ea"/>
+                <a:cs typeface="+mn-cs"/>
+              </a:defRPr>
+            </a:lvl6pPr>
+            <a:lvl7pPr marL="2743200" algn="l" defTabSz="914400" rtl="0" eaLnBrk="1" latinLnBrk="0" hangingPunct="1">
+              <a:defRPr sz="1800" kern="1200">
+                <a:solidFill>
+                  <a:schemeClr val="tx1"/>
+                </a:solidFill>
+                <a:latin typeface="+mn-lt"/>
+                <a:ea typeface="+mn-ea"/>
+                <a:cs typeface="+mn-cs"/>
+              </a:defRPr>
+            </a:lvl7pPr>
+            <a:lvl8pPr marL="3200400" algn="l" defTabSz="914400" rtl="0" eaLnBrk="1" latinLnBrk="0" hangingPunct="1">
+              <a:defRPr sz="1800" kern="1200">
+                <a:solidFill>
+                  <a:schemeClr val="tx1"/>
+                </a:solidFill>
+                <a:latin typeface="+mn-lt"/>
+                <a:ea typeface="+mn-ea"/>
+                <a:cs typeface="+mn-cs"/>
+              </a:defRPr>
+            </a:lvl8pPr>
+            <a:lvl9pPr marL="3657600" algn="l" defTabSz="914400" rtl="0" eaLnBrk="1" latinLnBrk="0" hangingPunct="1">
+              <a:defRPr sz="1800" kern="1200">
+                <a:solidFill>
+                  <a:schemeClr val="tx1"/>
+                </a:solidFill>
+                <a:latin typeface="+mn-lt"/>
+                <a:ea typeface="+mn-ea"/>
+                <a:cs typeface="+mn-cs"/>
+              </a:defRPr>
+            </a:lvl9pPr>
+          </a:lstStyle>
+          <a:p>
+            <a:fld id="{2BF067CD-8E6B-4360-9AA8-C5DF2A48A6D1}" type="slidenum">
+              <a:rPr lang="en-US" smtClean="0"/>
+              <a:pPr/>
+              <a:t>12</a:t>
+            </a:fld>
+            <a:endParaRPr lang="en-US" dirty="0"/>
+          </a:p>
+        </p:txBody>
+      </p:sp>
     </p:spTree>
     <p:extLst>
       <p:ext uri="{BB962C8B-B14F-4D97-AF65-F5344CB8AC3E}">
-        <p14:creationId xmlns:p14="http://schemas.microsoft.com/office/powerpoint/2010/main" val="27176092"/>
+        <p14:creationId xmlns:p14="http://schemas.microsoft.com/office/powerpoint/2010/main" val="987987269"/>
       </p:ext>
     </p:extLst>
   </p:cSld>
@@ -12004,10 +10743,10 @@
       </p:sp>
       <p:sp>
         <p:nvSpPr>
-          <p:cNvPr id="17" name="Slide Number">
+          <p:cNvPr id="2" name="Slide Number">
             <a:extLst>
               <a:ext uri="{FF2B5EF4-FFF2-40B4-BE49-F238E27FC236}">
-                <a16:creationId xmlns:a16="http://schemas.microsoft.com/office/drawing/2014/main" id="{B70E36E2-B635-4409-9AED-620D9BF8FF0C}"/>
+                <a16:creationId xmlns:a16="http://schemas.microsoft.com/office/drawing/2014/main" id="{7270F5E3-5E14-9897-F1F8-25BE6CE7ADBF}"/>
               </a:ext>
             </a:extLst>
           </p:cNvPr>
@@ -12047,7 +10786,7 @@
     </p:spTree>
     <p:extLst>
       <p:ext uri="{BB962C8B-B14F-4D97-AF65-F5344CB8AC3E}">
-        <p14:creationId xmlns:p14="http://schemas.microsoft.com/office/powerpoint/2010/main" val="4074916493"/>
+        <p14:creationId xmlns:p14="http://schemas.microsoft.com/office/powerpoint/2010/main" val="3834368294"/>
       </p:ext>
     </p:extLst>
   </p:cSld>
@@ -12515,36 +11254,6 @@
       </p:grpSpPr>
       <p:sp>
         <p:nvSpPr>
-          <p:cNvPr id="2" name="Контейнер за номер на слайда 1">
-            <a:extLst>
-              <a:ext uri="{FF2B5EF4-FFF2-40B4-BE49-F238E27FC236}">
-                <a16:creationId xmlns:a16="http://schemas.microsoft.com/office/drawing/2014/main" id="{A46A2946-E998-DBCA-D6B3-B0A1DC1E6824}"/>
-              </a:ext>
-            </a:extLst>
-          </p:cNvPr>
-          <p:cNvSpPr>
-            <a:spLocks noGrp="1"/>
-          </p:cNvSpPr>
-          <p:nvPr>
-            <p:ph type="sldNum" sz="quarter" idx="4"/>
-          </p:nvPr>
-        </p:nvSpPr>
-        <p:spPr/>
-        <p:txBody>
-          <a:bodyPr/>
-          <a:lstStyle/>
-          <a:p>
-            <a:fld id="{2BF067CD-8E6B-4360-9AA8-C5DF2A48A6D1}" type="slidenum">
-              <a:rPr lang="en-US" noProof="0" smtClean="0"/>
-              <a:pPr/>
-              <a:t>14</a:t>
-            </a:fld>
-            <a:endParaRPr lang="en-US" noProof="0" dirty="0"/>
-          </a:p>
-        </p:txBody>
-      </p:sp>
-      <p:sp>
-        <p:nvSpPr>
           <p:cNvPr id="3" name="Текстов контейнер 2">
             <a:extLst>
               <a:ext uri="{FF2B5EF4-FFF2-40B4-BE49-F238E27FC236}">
@@ -13124,10 +11833,140 @@
           </a:p>
         </p:txBody>
       </p:sp>
+      <p:sp>
+        <p:nvSpPr>
+          <p:cNvPr id="10" name="Slide Number">
+            <a:extLst>
+              <a:ext uri="{FF2B5EF4-FFF2-40B4-BE49-F238E27FC236}">
+                <a16:creationId xmlns:a16="http://schemas.microsoft.com/office/drawing/2014/main" id="{80C5AE7C-43DC-ACAE-07F8-0BE45CB4D4DD}"/>
+              </a:ext>
+            </a:extLst>
+          </p:cNvPr>
+          <p:cNvSpPr txBox="1">
+            <a:spLocks/>
+          </p:cNvSpPr>
+          <p:nvPr/>
+        </p:nvSpPr>
+        <p:spPr>
+          <a:xfrm>
+            <a:off x="11753030" y="6507000"/>
+            <a:ext cx="367414" cy="297000"/>
+          </a:xfrm>
+          <a:prstGeom prst="rect">
+            <a:avLst/>
+          </a:prstGeom>
+        </p:spPr>
+        <p:txBody>
+          <a:bodyPr vert="horz" lIns="91440" tIns="45720" rIns="91440" bIns="45720" rtlCol="0" anchor="b"/>
+          <a:lstStyle>
+            <a:defPPr>
+              <a:defRPr lang="en-US"/>
+            </a:defPPr>
+            <a:lvl1pPr marL="0" algn="r" defTabSz="914400" rtl="0" eaLnBrk="1" latinLnBrk="0" hangingPunct="1">
+              <a:defRPr sz="1000" kern="1200">
+                <a:solidFill>
+                  <a:schemeClr val="tx1"/>
+                </a:solidFill>
+                <a:latin typeface="+mn-lt"/>
+                <a:ea typeface="+mn-ea"/>
+                <a:cs typeface="+mn-cs"/>
+              </a:defRPr>
+            </a:lvl1pPr>
+            <a:lvl2pPr marL="457200" algn="l" defTabSz="914400" rtl="0" eaLnBrk="1" latinLnBrk="0" hangingPunct="1">
+              <a:defRPr sz="1800" kern="1200">
+                <a:solidFill>
+                  <a:schemeClr val="tx1"/>
+                </a:solidFill>
+                <a:latin typeface="+mn-lt"/>
+                <a:ea typeface="+mn-ea"/>
+                <a:cs typeface="+mn-cs"/>
+              </a:defRPr>
+            </a:lvl2pPr>
+            <a:lvl3pPr marL="914400" algn="l" defTabSz="914400" rtl="0" eaLnBrk="1" latinLnBrk="0" hangingPunct="1">
+              <a:defRPr sz="1800" kern="1200">
+                <a:solidFill>
+                  <a:schemeClr val="tx1"/>
+                </a:solidFill>
+                <a:latin typeface="+mn-lt"/>
+                <a:ea typeface="+mn-ea"/>
+                <a:cs typeface="+mn-cs"/>
+              </a:defRPr>
+            </a:lvl3pPr>
+            <a:lvl4pPr marL="1371600" algn="l" defTabSz="914400" rtl="0" eaLnBrk="1" latinLnBrk="0" hangingPunct="1">
+              <a:defRPr sz="1800" kern="1200">
+                <a:solidFill>
+                  <a:schemeClr val="tx1"/>
+                </a:solidFill>
+                <a:latin typeface="+mn-lt"/>
+                <a:ea typeface="+mn-ea"/>
+                <a:cs typeface="+mn-cs"/>
+              </a:defRPr>
+            </a:lvl4pPr>
+            <a:lvl5pPr marL="1828800" algn="l" defTabSz="914400" rtl="0" eaLnBrk="1" latinLnBrk="0" hangingPunct="1">
+              <a:defRPr sz="1800" kern="1200">
+                <a:solidFill>
+                  <a:schemeClr val="tx1"/>
+                </a:solidFill>
+                <a:latin typeface="+mn-lt"/>
+                <a:ea typeface="+mn-ea"/>
+                <a:cs typeface="+mn-cs"/>
+              </a:defRPr>
+            </a:lvl5pPr>
+            <a:lvl6pPr marL="2286000" algn="l" defTabSz="914400" rtl="0" eaLnBrk="1" latinLnBrk="0" hangingPunct="1">
+              <a:defRPr sz="1800" kern="1200">
+                <a:solidFill>
+                  <a:schemeClr val="tx1"/>
+                </a:solidFill>
+                <a:latin typeface="+mn-lt"/>
+                <a:ea typeface="+mn-ea"/>
+                <a:cs typeface="+mn-cs"/>
+              </a:defRPr>
+            </a:lvl6pPr>
+            <a:lvl7pPr marL="2743200" algn="l" defTabSz="914400" rtl="0" eaLnBrk="1" latinLnBrk="0" hangingPunct="1">
+              <a:defRPr sz="1800" kern="1200">
+                <a:solidFill>
+                  <a:schemeClr val="tx1"/>
+                </a:solidFill>
+                <a:latin typeface="+mn-lt"/>
+                <a:ea typeface="+mn-ea"/>
+                <a:cs typeface="+mn-cs"/>
+              </a:defRPr>
+            </a:lvl7pPr>
+            <a:lvl8pPr marL="3200400" algn="l" defTabSz="914400" rtl="0" eaLnBrk="1" latinLnBrk="0" hangingPunct="1">
+              <a:defRPr sz="1800" kern="1200">
+                <a:solidFill>
+                  <a:schemeClr val="tx1"/>
+                </a:solidFill>
+                <a:latin typeface="+mn-lt"/>
+                <a:ea typeface="+mn-ea"/>
+                <a:cs typeface="+mn-cs"/>
+              </a:defRPr>
+            </a:lvl8pPr>
+            <a:lvl9pPr marL="3657600" algn="l" defTabSz="914400" rtl="0" eaLnBrk="1" latinLnBrk="0" hangingPunct="1">
+              <a:defRPr sz="1800" kern="1200">
+                <a:solidFill>
+                  <a:schemeClr val="tx1"/>
+                </a:solidFill>
+                <a:latin typeface="+mn-lt"/>
+                <a:ea typeface="+mn-ea"/>
+                <a:cs typeface="+mn-cs"/>
+              </a:defRPr>
+            </a:lvl9pPr>
+          </a:lstStyle>
+          <a:p>
+            <a:fld id="{2BF067CD-8E6B-4360-9AA8-C5DF2A48A6D1}" type="slidenum">
+              <a:rPr lang="en-US" smtClean="0"/>
+              <a:pPr/>
+              <a:t>14</a:t>
+            </a:fld>
+            <a:endParaRPr lang="en-US" dirty="0"/>
+          </a:p>
+        </p:txBody>
+      </p:sp>
     </p:spTree>
     <p:extLst>
       <p:ext uri="{BB962C8B-B14F-4D97-AF65-F5344CB8AC3E}">
-        <p14:creationId xmlns:p14="http://schemas.microsoft.com/office/powerpoint/2010/main" val="1034992306"/>
+        <p14:creationId xmlns:p14="http://schemas.microsoft.com/office/powerpoint/2010/main" val="4221586890"/>
       </p:ext>
     </p:extLst>
   </p:cSld>
@@ -14450,10 +13289,10 @@
       </p:sp>
       <p:sp>
         <p:nvSpPr>
-          <p:cNvPr id="14" name="Slide Number">
+          <p:cNvPr id="2" name="Slide Number">
             <a:extLst>
               <a:ext uri="{FF2B5EF4-FFF2-40B4-BE49-F238E27FC236}">
-                <a16:creationId xmlns:a16="http://schemas.microsoft.com/office/drawing/2014/main" id="{AA318EF8-B99E-434B-A056-A71F5872392A}"/>
+                <a16:creationId xmlns:a16="http://schemas.microsoft.com/office/drawing/2014/main" id="{DB9BF07E-F154-F8C5-1881-D208C503BFA7}"/>
               </a:ext>
             </a:extLst>
           </p:cNvPr>
@@ -14493,7 +13332,7 @@
     </p:spTree>
     <p:extLst>
       <p:ext uri="{BB962C8B-B14F-4D97-AF65-F5344CB8AC3E}">
-        <p14:creationId xmlns:p14="http://schemas.microsoft.com/office/powerpoint/2010/main" val="402149685"/>
+        <p14:creationId xmlns:p14="http://schemas.microsoft.com/office/powerpoint/2010/main" val="2736920588"/>
       </p:ext>
     </p:extLst>
   </p:cSld>
@@ -15304,48 +14143,6 @@
       </p:sp>
       <p:sp>
         <p:nvSpPr>
-          <p:cNvPr id="9" name="Slide Number">
-            <a:extLst>
-              <a:ext uri="{FF2B5EF4-FFF2-40B4-BE49-F238E27FC236}">
-                <a16:creationId xmlns:a16="http://schemas.microsoft.com/office/drawing/2014/main" id="{72D12A1B-D028-454F-917C-3F8B4690E6CB}"/>
-              </a:ext>
-            </a:extLst>
-          </p:cNvPr>
-          <p:cNvSpPr>
-            <a:spLocks noGrp="1"/>
-          </p:cNvSpPr>
-          <p:nvPr>
-            <p:ph type="sldNum" sz="quarter" idx="5"/>
-          </p:nvPr>
-        </p:nvSpPr>
-        <p:spPr>
-          <a:xfrm>
-            <a:off x="11753030" y="6507000"/>
-            <a:ext cx="367414" cy="297000"/>
-          </a:xfrm>
-          <a:prstGeom prst="rect">
-            <a:avLst/>
-          </a:prstGeom>
-        </p:spPr>
-        <p:txBody>
-          <a:bodyPr vert="horz" lIns="91440" tIns="45720" rIns="91440" bIns="45720" rtlCol="0" anchor="b"/>
-          <a:lstStyle>
-            <a:lvl1pPr algn="r">
-              <a:defRPr sz="1000"/>
-            </a:lvl1pPr>
-          </a:lstStyle>
-          <a:p>
-            <a:fld id="{2BF067CD-8E6B-4360-9AA8-C5DF2A48A6D1}" type="slidenum">
-              <a:rPr lang="en-US" noProof="0" smtClean="0"/>
-              <a:pPr/>
-              <a:t>16</a:t>
-            </a:fld>
-            <a:endParaRPr lang="en-US" noProof="0" dirty="0"/>
-          </a:p>
-        </p:txBody>
-      </p:sp>
-      <p:sp>
-        <p:nvSpPr>
           <p:cNvPr id="2" name="Rectangle 4">
             <a:extLst>
               <a:ext uri="{FF2B5EF4-FFF2-40B4-BE49-F238E27FC236}">
@@ -15525,10 +14322,52 @@
           </a:p>
         </p:txBody>
       </p:sp>
+      <p:sp>
+        <p:nvSpPr>
+          <p:cNvPr id="6" name="Slide Number">
+            <a:extLst>
+              <a:ext uri="{FF2B5EF4-FFF2-40B4-BE49-F238E27FC236}">
+                <a16:creationId xmlns:a16="http://schemas.microsoft.com/office/drawing/2014/main" id="{EEA024C5-C42E-E04A-5646-E2EE82AEB7D0}"/>
+              </a:ext>
+            </a:extLst>
+          </p:cNvPr>
+          <p:cNvSpPr>
+            <a:spLocks noGrp="1"/>
+          </p:cNvSpPr>
+          <p:nvPr>
+            <p:ph type="sldNum" sz="quarter" idx="5"/>
+          </p:nvPr>
+        </p:nvSpPr>
+        <p:spPr>
+          <a:xfrm>
+            <a:off x="11753030" y="6507000"/>
+            <a:ext cx="367414" cy="297000"/>
+          </a:xfrm>
+          <a:prstGeom prst="rect">
+            <a:avLst/>
+          </a:prstGeom>
+        </p:spPr>
+        <p:txBody>
+          <a:bodyPr vert="horz" lIns="91440" tIns="45720" rIns="91440" bIns="45720" rtlCol="0" anchor="b"/>
+          <a:lstStyle>
+            <a:lvl1pPr algn="r">
+              <a:defRPr sz="1000"/>
+            </a:lvl1pPr>
+          </a:lstStyle>
+          <a:p>
+            <a:fld id="{2BF067CD-8E6B-4360-9AA8-C5DF2A48A6D1}" type="slidenum">
+              <a:rPr lang="en-US" noProof="0" smtClean="0"/>
+              <a:pPr/>
+              <a:t>16</a:t>
+            </a:fld>
+            <a:endParaRPr lang="en-US" noProof="0" dirty="0"/>
+          </a:p>
+        </p:txBody>
+      </p:sp>
     </p:spTree>
     <p:extLst>
       <p:ext uri="{BB962C8B-B14F-4D97-AF65-F5344CB8AC3E}">
-        <p14:creationId xmlns:p14="http://schemas.microsoft.com/office/powerpoint/2010/main" val="2925644693"/>
+        <p14:creationId xmlns:p14="http://schemas.microsoft.com/office/powerpoint/2010/main" val="1971061397"/>
       </p:ext>
     </p:extLst>
   </p:cSld>
@@ -16199,10 +15038,10 @@
       </p:sp>
       <p:sp>
         <p:nvSpPr>
-          <p:cNvPr id="7" name="Slide Number">
+          <p:cNvPr id="2" name="Slide Number">
             <a:extLst>
               <a:ext uri="{FF2B5EF4-FFF2-40B4-BE49-F238E27FC236}">
-                <a16:creationId xmlns:a16="http://schemas.microsoft.com/office/drawing/2014/main" id="{44EEAAF7-0DA4-4C56-8814-29B320E0A7C9}"/>
+                <a16:creationId xmlns:a16="http://schemas.microsoft.com/office/drawing/2014/main" id="{2A92A03F-BA63-EE4D-6F16-5A3EDC07A79A}"/>
               </a:ext>
             </a:extLst>
           </p:cNvPr>
@@ -16242,7 +15081,7 @@
     </p:spTree>
     <p:extLst>
       <p:ext uri="{BB962C8B-B14F-4D97-AF65-F5344CB8AC3E}">
-        <p14:creationId xmlns:p14="http://schemas.microsoft.com/office/powerpoint/2010/main" val="2687276512"/>
+        <p14:creationId xmlns:p14="http://schemas.microsoft.com/office/powerpoint/2010/main" val="1801585857"/>
       </p:ext>
     </p:extLst>
   </p:cSld>
@@ -17425,10 +16264,10 @@
       </p:sp>
       <p:sp>
         <p:nvSpPr>
-          <p:cNvPr id="14" name="Slide Number">
+          <p:cNvPr id="2" name="Slide Number">
             <a:extLst>
               <a:ext uri="{FF2B5EF4-FFF2-40B4-BE49-F238E27FC236}">
-                <a16:creationId xmlns:a16="http://schemas.microsoft.com/office/drawing/2014/main" id="{54DF5A20-4D93-4AA9-AC19-D5EB591B63FD}"/>
+                <a16:creationId xmlns:a16="http://schemas.microsoft.com/office/drawing/2014/main" id="{622C736C-35DE-9394-8021-1D4A17FAAC93}"/>
               </a:ext>
             </a:extLst>
           </p:cNvPr>
@@ -17468,7 +16307,7 @@
     </p:spTree>
     <p:extLst>
       <p:ext uri="{BB962C8B-B14F-4D97-AF65-F5344CB8AC3E}">
-        <p14:creationId xmlns:p14="http://schemas.microsoft.com/office/powerpoint/2010/main" val="452193865"/>
+        <p14:creationId xmlns:p14="http://schemas.microsoft.com/office/powerpoint/2010/main" val="308097602"/>
       </p:ext>
     </p:extLst>
   </p:cSld>
@@ -18584,8 +17423,8 @@
         </p:nvSpPr>
         <p:spPr>
           <a:xfrm>
-            <a:off x="545538" y="4823549"/>
-            <a:ext cx="1187691" cy="584623"/>
+            <a:off x="48001" y="4607780"/>
+            <a:ext cx="1777558" cy="1076961"/>
           </a:xfrm>
           <a:prstGeom prst="rect">
             <a:avLst/>
@@ -18601,15 +17440,16 @@
           </a:bodyPr>
           <a:lstStyle/>
           <a:p>
-            <a:pPr algn="r">
+            <a:pPr algn="ctr">
               <a:buClr>
                 <a:schemeClr val="tx1"/>
               </a:buClr>
             </a:pPr>
             <a:r>
-              <a:rPr lang="en-US" sz="3199" dirty="0"/>
-              <a:t>Valid:</a:t>
-            </a:r>
+              <a:rPr lang="bg-BG" sz="3199" dirty="0"/>
+              <a:t>Валиден имейл</a:t>
+            </a:r>
+            <a:endParaRPr lang="en-US" sz="3199" dirty="0"/>
           </a:p>
         </p:txBody>
       </p:sp>
@@ -18627,8 +17467,8 @@
         </p:nvSpPr>
         <p:spPr>
           <a:xfrm>
-            <a:off x="428291" y="5913759"/>
-            <a:ext cx="1427815" cy="584623"/>
+            <a:off x="-60551" y="5705766"/>
+            <a:ext cx="2105106" cy="1076961"/>
           </a:xfrm>
           <a:prstGeom prst="rect">
             <a:avLst/>
@@ -18644,14 +17484,18 @@
           </a:bodyPr>
           <a:lstStyle/>
           <a:p>
-            <a:pPr algn="r">
+            <a:pPr algn="ctr">
               <a:buClr>
                 <a:schemeClr val="tx1"/>
               </a:buClr>
             </a:pPr>
             <a:r>
+              <a:rPr lang="bg-BG" sz="3199" dirty="0"/>
+              <a:t>Невалиден имейл</a:t>
+            </a:r>
+            <a:r>
               <a:rPr lang="en-US" sz="3199" dirty="0"/>
-              <a:t>Invalid:</a:t>
+              <a:t>:</a:t>
             </a:r>
           </a:p>
         </p:txBody>
@@ -18904,8 +17748,8 @@
         </p:nvSpPr>
         <p:spPr>
           <a:xfrm>
-            <a:off x="6975953" y="4823549"/>
-            <a:ext cx="1187691" cy="584623"/>
+            <a:off x="6346170" y="4607780"/>
+            <a:ext cx="1932644" cy="1076961"/>
           </a:xfrm>
           <a:prstGeom prst="rect">
             <a:avLst/>
@@ -18921,15 +17765,16 @@
           </a:bodyPr>
           <a:lstStyle/>
           <a:p>
-            <a:pPr algn="r">
+            <a:pPr algn="ctr">
               <a:buClr>
                 <a:schemeClr val="tx1"/>
               </a:buClr>
             </a:pPr>
             <a:r>
-              <a:rPr lang="en-US" sz="3199" dirty="0"/>
-              <a:t>Valid:</a:t>
-            </a:r>
+              <a:rPr lang="bg-BG" sz="3199" dirty="0"/>
+              <a:t>Валиден имейл</a:t>
+            </a:r>
+            <a:endParaRPr lang="en-US" sz="3199" dirty="0"/>
           </a:p>
         </p:txBody>
       </p:sp>
@@ -19181,8 +18026,8 @@
         </p:nvSpPr>
         <p:spPr>
           <a:xfrm>
-            <a:off x="6771638" y="5913759"/>
-            <a:ext cx="1447222" cy="584623"/>
+            <a:off x="6312137" y="5704033"/>
+            <a:ext cx="2122860" cy="1076961"/>
           </a:xfrm>
           <a:prstGeom prst="rect">
             <a:avLst/>
@@ -19198,24 +18043,28 @@
           </a:bodyPr>
           <a:lstStyle/>
           <a:p>
-            <a:pPr algn="r">
+            <a:pPr algn="ctr">
               <a:buClr>
                 <a:schemeClr val="tx1"/>
               </a:buClr>
             </a:pPr>
             <a:r>
+              <a:rPr lang="bg-BG" sz="3199" dirty="0"/>
+              <a:t>Невалиден имейл</a:t>
+            </a:r>
+            <a:r>
               <a:rPr lang="en-US" sz="3199" dirty="0"/>
-              <a:t>Invalid:</a:t>
+              <a:t>:</a:t>
             </a:r>
           </a:p>
         </p:txBody>
       </p:sp>
       <p:sp>
         <p:nvSpPr>
-          <p:cNvPr id="17" name="Slide Number">
+          <p:cNvPr id="2" name="Slide Number">
             <a:extLst>
               <a:ext uri="{FF2B5EF4-FFF2-40B4-BE49-F238E27FC236}">
-                <a16:creationId xmlns:a16="http://schemas.microsoft.com/office/drawing/2014/main" id="{2F785833-CB97-47EB-AEF6-1C21A23E8DA0}"/>
+                <a16:creationId xmlns:a16="http://schemas.microsoft.com/office/drawing/2014/main" id="{1B0BB0D5-980C-FF57-0FA1-113EB8A11A59}"/>
               </a:ext>
             </a:extLst>
           </p:cNvPr>
@@ -19255,7 +18104,7 @@
     </p:spTree>
     <p:extLst>
       <p:ext uri="{BB962C8B-B14F-4D97-AF65-F5344CB8AC3E}">
-        <p14:creationId xmlns:p14="http://schemas.microsoft.com/office/powerpoint/2010/main" val="895268734"/>
+        <p14:creationId xmlns:p14="http://schemas.microsoft.com/office/powerpoint/2010/main" val="592074209"/>
       </p:ext>
     </p:extLst>
   </p:cSld>
@@ -19942,9 +18791,20 @@
             </a:r>
             <a:r>
               <a:rPr lang="en-US" dirty="0"/>
-              <a:t> в C#</a:t>
-            </a:r>
-            <a:endParaRPr lang="en-GB" dirty="0">
+              <a:t> в </a:t>
+            </a:r>
+            <a:r>
+              <a:rPr lang="en-US" b="1" dirty="0">
+                <a:solidFill>
+                  <a:schemeClr val="bg1"/>
+                </a:solidFill>
+              </a:rPr>
+              <a:t>C#</a:t>
+            </a:r>
+            <a:endParaRPr lang="en-GB" b="1" dirty="0">
+              <a:solidFill>
+                <a:schemeClr val="bg1"/>
+              </a:solidFill>
               <a:cs typeface="Calibri"/>
             </a:endParaRPr>
           </a:p>
@@ -19984,10 +18844,10 @@
       </p:sp>
       <p:sp>
         <p:nvSpPr>
-          <p:cNvPr id="6" name="Slide Number">
+          <p:cNvPr id="2" name="Slide Number">
             <a:extLst>
               <a:ext uri="{FF2B5EF4-FFF2-40B4-BE49-F238E27FC236}">
-                <a16:creationId xmlns:a16="http://schemas.microsoft.com/office/drawing/2014/main" id="{AB932B05-AE07-4BAD-9242-236940948F38}"/>
+                <a16:creationId xmlns:a16="http://schemas.microsoft.com/office/drawing/2014/main" id="{6583BEDE-5DF4-38DF-DE26-7643B45D1DDE}"/>
               </a:ext>
             </a:extLst>
           </p:cNvPr>
@@ -20115,7 +18975,7 @@
     </p:spTree>
     <p:extLst>
       <p:ext uri="{BB962C8B-B14F-4D97-AF65-F5344CB8AC3E}">
-        <p14:creationId xmlns:p14="http://schemas.microsoft.com/office/powerpoint/2010/main" val="1760688199"/>
+        <p14:creationId xmlns:p14="http://schemas.microsoft.com/office/powerpoint/2010/main" val="3023128134"/>
       </p:ext>
     </p:extLst>
   </p:cSld>
@@ -21524,10 +20384,10 @@
       </p:sp>
       <p:sp>
         <p:nvSpPr>
-          <p:cNvPr id="15" name="Slide Number">
+          <p:cNvPr id="2" name="Slide Number">
             <a:extLst>
               <a:ext uri="{FF2B5EF4-FFF2-40B4-BE49-F238E27FC236}">
-                <a16:creationId xmlns:a16="http://schemas.microsoft.com/office/drawing/2014/main" id="{A7E89D88-449C-4245-B73C-03F2415CC5C1}"/>
+                <a16:creationId xmlns:a16="http://schemas.microsoft.com/office/drawing/2014/main" id="{04943A84-D4AF-A45E-146B-E059446C2618}"/>
               </a:ext>
             </a:extLst>
           </p:cNvPr>
@@ -21567,7 +20427,7 @@
     </p:spTree>
     <p:extLst>
       <p:ext uri="{BB962C8B-B14F-4D97-AF65-F5344CB8AC3E}">
-        <p14:creationId xmlns:p14="http://schemas.microsoft.com/office/powerpoint/2010/main" val="2029923789"/>
+        <p14:creationId xmlns:p14="http://schemas.microsoft.com/office/powerpoint/2010/main" val="2470778721"/>
       </p:ext>
     </p:extLst>
   </p:cSld>
@@ -21958,65 +20818,6 @@
       </p:grpSpPr>
       <p:sp>
         <p:nvSpPr>
-          <p:cNvPr id="2" name="Подзаглавие 1">
-            <a:extLst>
-              <a:ext uri="{FF2B5EF4-FFF2-40B4-BE49-F238E27FC236}">
-                <a16:creationId xmlns:a16="http://schemas.microsoft.com/office/drawing/2014/main" id="{31E913E6-B3E4-9A22-9FF2-C8F4CB87D10E}"/>
-              </a:ext>
-            </a:extLst>
-          </p:cNvPr>
-          <p:cNvSpPr>
-            <a:spLocks noGrp="1"/>
-          </p:cNvSpPr>
-          <p:nvPr>
-            <p:ph type="subTitle" sz="quarter" idx="11"/>
-          </p:nvPr>
-        </p:nvSpPr>
-        <p:spPr/>
-        <p:txBody>
-          <a:bodyPr/>
-          <a:lstStyle/>
-          <a:p>
-            <a:r>
-              <a:rPr lang="bg-BG" dirty="0"/>
-              <a:t>Определение и примери</a:t>
-            </a:r>
-          </a:p>
-        </p:txBody>
-      </p:sp>
-      <p:sp>
-        <p:nvSpPr>
-          <p:cNvPr id="5" name="Заглавие 4">
-            <a:extLst>
-              <a:ext uri="{FF2B5EF4-FFF2-40B4-BE49-F238E27FC236}">
-                <a16:creationId xmlns:a16="http://schemas.microsoft.com/office/drawing/2014/main" id="{4BDB52C8-868C-444A-A456-BF50A9DA3BE9}"/>
-              </a:ext>
-            </a:extLst>
-          </p:cNvPr>
-          <p:cNvSpPr>
-            <a:spLocks noGrp="1"/>
-          </p:cNvSpPr>
-          <p:nvPr>
-            <p:ph type="title" sz="quarter" idx="10"/>
-          </p:nvPr>
-        </p:nvSpPr>
-        <p:spPr/>
-        <p:txBody>
-          <a:bodyPr/>
-          <a:lstStyle/>
-          <a:p>
-            <a:r>
-              <a:rPr lang="en-GB" sz="5350" dirty="0">
-                <a:cs typeface="Arial"/>
-              </a:rPr>
-              <a:t>Обратни референции</a:t>
-            </a:r>
-            <a:endParaRPr lang="bg-BG" dirty="0"/>
-          </a:p>
-        </p:txBody>
-      </p:sp>
-      <p:sp>
-        <p:nvSpPr>
           <p:cNvPr id="4" name="Text Placeholder 4">
             <a:extLst>
               <a:ext uri="{FF2B5EF4-FFF2-40B4-BE49-F238E27FC236}">
@@ -22222,10 +21023,66 @@
           </a:p>
         </p:txBody>
       </p:sp>
+      <p:sp>
+        <p:nvSpPr>
+          <p:cNvPr id="6" name="Подзаглавие 5">
+            <a:extLst>
+              <a:ext uri="{FF2B5EF4-FFF2-40B4-BE49-F238E27FC236}">
+                <a16:creationId xmlns:a16="http://schemas.microsoft.com/office/drawing/2014/main" id="{ACDE342B-0175-92BE-7325-A40BDE889955}"/>
+              </a:ext>
+            </a:extLst>
+          </p:cNvPr>
+          <p:cNvSpPr>
+            <a:spLocks noGrp="1"/>
+          </p:cNvSpPr>
+          <p:nvPr>
+            <p:ph type="subTitle" sz="quarter" idx="11"/>
+          </p:nvPr>
+        </p:nvSpPr>
+        <p:spPr/>
+        <p:txBody>
+          <a:bodyPr/>
+          <a:lstStyle/>
+          <a:p>
+            <a:r>
+              <a:rPr lang="bg-BG"/>
+              <a:t>Обратни референции</a:t>
+            </a:r>
+          </a:p>
+        </p:txBody>
+      </p:sp>
+      <p:sp>
+        <p:nvSpPr>
+          <p:cNvPr id="8" name="Заглавие 7">
+            <a:extLst>
+              <a:ext uri="{FF2B5EF4-FFF2-40B4-BE49-F238E27FC236}">
+                <a16:creationId xmlns:a16="http://schemas.microsoft.com/office/drawing/2014/main" id="{DAAD5B9E-F7F0-A6E8-91D7-F1A6CD57D505}"/>
+              </a:ext>
+            </a:extLst>
+          </p:cNvPr>
+          <p:cNvSpPr>
+            <a:spLocks noGrp="1"/>
+          </p:cNvSpPr>
+          <p:nvPr>
+            <p:ph type="title" sz="quarter" idx="10"/>
+          </p:nvPr>
+        </p:nvSpPr>
+        <p:spPr/>
+        <p:txBody>
+          <a:bodyPr/>
+          <a:lstStyle/>
+          <a:p>
+            <a:r>
+              <a:rPr lang="bg-BG"/>
+              <a:t>Определение и примери</a:t>
+            </a:r>
+          </a:p>
+        </p:txBody>
+      </p:sp>
     </p:spTree>
     <p:extLst>
       <p:ext uri="{BB962C8B-B14F-4D97-AF65-F5344CB8AC3E}">
-        <p14:creationId xmlns:p14="http://schemas.microsoft.com/office/powerpoint/2010/main" val="626484671"/>
+        <p14:creationId xmlns:p14="http://schemas.microsoft.com/office/powerpoint/2010/main" val="3812019950"/>
       </p:ext>
     </p:extLst>
   </p:cSld>
@@ -22260,36 +21117,6 @@
           <a:chExt cx="0" cy="0"/>
         </a:xfrm>
       </p:grpSpPr>
-      <p:sp>
-        <p:nvSpPr>
-          <p:cNvPr id="2" name="Контейнер за номер на слайда 1">
-            <a:extLst>
-              <a:ext uri="{FF2B5EF4-FFF2-40B4-BE49-F238E27FC236}">
-                <a16:creationId xmlns:a16="http://schemas.microsoft.com/office/drawing/2014/main" id="{E1AE7BA8-037C-C03C-F1DB-A068172DE76D}"/>
-              </a:ext>
-            </a:extLst>
-          </p:cNvPr>
-          <p:cNvSpPr>
-            <a:spLocks noGrp="1"/>
-          </p:cNvSpPr>
-          <p:nvPr>
-            <p:ph type="sldNum" sz="quarter" idx="4"/>
-          </p:nvPr>
-        </p:nvSpPr>
-        <p:spPr/>
-        <p:txBody>
-          <a:bodyPr/>
-          <a:lstStyle/>
-          <a:p>
-            <a:fld id="{2BF067CD-8E6B-4360-9AA8-C5DF2A48A6D1}" type="slidenum">
-              <a:rPr lang="en-US" noProof="0" smtClean="0"/>
-              <a:pPr/>
-              <a:t>22</a:t>
-            </a:fld>
-            <a:endParaRPr lang="en-US" noProof="0" dirty="0"/>
-          </a:p>
-        </p:txBody>
-      </p:sp>
       <p:sp>
         <p:nvSpPr>
           <p:cNvPr id="3" name="Текстов контейнер 2">
@@ -22654,10 +21481,140 @@
           </a:p>
         </p:txBody>
       </p:sp>
+      <p:sp>
+        <p:nvSpPr>
+          <p:cNvPr id="6" name="Slide Number">
+            <a:extLst>
+              <a:ext uri="{FF2B5EF4-FFF2-40B4-BE49-F238E27FC236}">
+                <a16:creationId xmlns:a16="http://schemas.microsoft.com/office/drawing/2014/main" id="{E72E5421-9378-9A35-E9CD-B775CB3E1323}"/>
+              </a:ext>
+            </a:extLst>
+          </p:cNvPr>
+          <p:cNvSpPr txBox="1">
+            <a:spLocks/>
+          </p:cNvSpPr>
+          <p:nvPr/>
+        </p:nvSpPr>
+        <p:spPr>
+          <a:xfrm>
+            <a:off x="11753030" y="6507000"/>
+            <a:ext cx="367414" cy="297000"/>
+          </a:xfrm>
+          <a:prstGeom prst="rect">
+            <a:avLst/>
+          </a:prstGeom>
+        </p:spPr>
+        <p:txBody>
+          <a:bodyPr vert="horz" lIns="91440" tIns="45720" rIns="91440" bIns="45720" rtlCol="0" anchor="b"/>
+          <a:lstStyle>
+            <a:defPPr>
+              <a:defRPr lang="en-US"/>
+            </a:defPPr>
+            <a:lvl1pPr marL="0" algn="r" defTabSz="914400" rtl="0" eaLnBrk="1" latinLnBrk="0" hangingPunct="1">
+              <a:defRPr sz="1000" kern="1200">
+                <a:solidFill>
+                  <a:schemeClr val="tx1"/>
+                </a:solidFill>
+                <a:latin typeface="+mn-lt"/>
+                <a:ea typeface="+mn-ea"/>
+                <a:cs typeface="+mn-cs"/>
+              </a:defRPr>
+            </a:lvl1pPr>
+            <a:lvl2pPr marL="457200" algn="l" defTabSz="914400" rtl="0" eaLnBrk="1" latinLnBrk="0" hangingPunct="1">
+              <a:defRPr sz="1800" kern="1200">
+                <a:solidFill>
+                  <a:schemeClr val="tx1"/>
+                </a:solidFill>
+                <a:latin typeface="+mn-lt"/>
+                <a:ea typeface="+mn-ea"/>
+                <a:cs typeface="+mn-cs"/>
+              </a:defRPr>
+            </a:lvl2pPr>
+            <a:lvl3pPr marL="914400" algn="l" defTabSz="914400" rtl="0" eaLnBrk="1" latinLnBrk="0" hangingPunct="1">
+              <a:defRPr sz="1800" kern="1200">
+                <a:solidFill>
+                  <a:schemeClr val="tx1"/>
+                </a:solidFill>
+                <a:latin typeface="+mn-lt"/>
+                <a:ea typeface="+mn-ea"/>
+                <a:cs typeface="+mn-cs"/>
+              </a:defRPr>
+            </a:lvl3pPr>
+            <a:lvl4pPr marL="1371600" algn="l" defTabSz="914400" rtl="0" eaLnBrk="1" latinLnBrk="0" hangingPunct="1">
+              <a:defRPr sz="1800" kern="1200">
+                <a:solidFill>
+                  <a:schemeClr val="tx1"/>
+                </a:solidFill>
+                <a:latin typeface="+mn-lt"/>
+                <a:ea typeface="+mn-ea"/>
+                <a:cs typeface="+mn-cs"/>
+              </a:defRPr>
+            </a:lvl4pPr>
+            <a:lvl5pPr marL="1828800" algn="l" defTabSz="914400" rtl="0" eaLnBrk="1" latinLnBrk="0" hangingPunct="1">
+              <a:defRPr sz="1800" kern="1200">
+                <a:solidFill>
+                  <a:schemeClr val="tx1"/>
+                </a:solidFill>
+                <a:latin typeface="+mn-lt"/>
+                <a:ea typeface="+mn-ea"/>
+                <a:cs typeface="+mn-cs"/>
+              </a:defRPr>
+            </a:lvl5pPr>
+            <a:lvl6pPr marL="2286000" algn="l" defTabSz="914400" rtl="0" eaLnBrk="1" latinLnBrk="0" hangingPunct="1">
+              <a:defRPr sz="1800" kern="1200">
+                <a:solidFill>
+                  <a:schemeClr val="tx1"/>
+                </a:solidFill>
+                <a:latin typeface="+mn-lt"/>
+                <a:ea typeface="+mn-ea"/>
+                <a:cs typeface="+mn-cs"/>
+              </a:defRPr>
+            </a:lvl6pPr>
+            <a:lvl7pPr marL="2743200" algn="l" defTabSz="914400" rtl="0" eaLnBrk="1" latinLnBrk="0" hangingPunct="1">
+              <a:defRPr sz="1800" kern="1200">
+                <a:solidFill>
+                  <a:schemeClr val="tx1"/>
+                </a:solidFill>
+                <a:latin typeface="+mn-lt"/>
+                <a:ea typeface="+mn-ea"/>
+                <a:cs typeface="+mn-cs"/>
+              </a:defRPr>
+            </a:lvl7pPr>
+            <a:lvl8pPr marL="3200400" algn="l" defTabSz="914400" rtl="0" eaLnBrk="1" latinLnBrk="0" hangingPunct="1">
+              <a:defRPr sz="1800" kern="1200">
+                <a:solidFill>
+                  <a:schemeClr val="tx1"/>
+                </a:solidFill>
+                <a:latin typeface="+mn-lt"/>
+                <a:ea typeface="+mn-ea"/>
+                <a:cs typeface="+mn-cs"/>
+              </a:defRPr>
+            </a:lvl8pPr>
+            <a:lvl9pPr marL="3657600" algn="l" defTabSz="914400" rtl="0" eaLnBrk="1" latinLnBrk="0" hangingPunct="1">
+              <a:defRPr sz="1800" kern="1200">
+                <a:solidFill>
+                  <a:schemeClr val="tx1"/>
+                </a:solidFill>
+                <a:latin typeface="+mn-lt"/>
+                <a:ea typeface="+mn-ea"/>
+                <a:cs typeface="+mn-cs"/>
+              </a:defRPr>
+            </a:lvl9pPr>
+          </a:lstStyle>
+          <a:p>
+            <a:fld id="{2BF067CD-8E6B-4360-9AA8-C5DF2A48A6D1}" type="slidenum">
+              <a:rPr lang="en-US" smtClean="0"/>
+              <a:pPr/>
+              <a:t>22</a:t>
+            </a:fld>
+            <a:endParaRPr lang="en-US" dirty="0"/>
+          </a:p>
+        </p:txBody>
+      </p:sp>
     </p:spTree>
     <p:extLst>
       <p:ext uri="{BB962C8B-B14F-4D97-AF65-F5344CB8AC3E}">
-        <p14:creationId xmlns:p14="http://schemas.microsoft.com/office/powerpoint/2010/main" val="144282971"/>
+        <p14:creationId xmlns:p14="http://schemas.microsoft.com/office/powerpoint/2010/main" val="298206736"/>
       </p:ext>
     </p:extLst>
   </p:cSld>
@@ -23211,10 +22168,10 @@
       </p:sp>
       <p:sp>
         <p:nvSpPr>
-          <p:cNvPr id="7" name="Slide Number">
+          <p:cNvPr id="2" name="Slide Number">
             <a:extLst>
               <a:ext uri="{FF2B5EF4-FFF2-40B4-BE49-F238E27FC236}">
-                <a16:creationId xmlns:a16="http://schemas.microsoft.com/office/drawing/2014/main" id="{B91F4C66-19EB-4893-A508-E4DFD2EB330D}"/>
+                <a16:creationId xmlns:a16="http://schemas.microsoft.com/office/drawing/2014/main" id="{802E8DA5-216C-AE46-867F-3424333976E9}"/>
               </a:ext>
             </a:extLst>
           </p:cNvPr>
@@ -23254,7 +22211,7 @@
     </p:spTree>
     <p:extLst>
       <p:ext uri="{BB962C8B-B14F-4D97-AF65-F5344CB8AC3E}">
-        <p14:creationId xmlns:p14="http://schemas.microsoft.com/office/powerpoint/2010/main" val="3261869767"/>
+        <p14:creationId xmlns:p14="http://schemas.microsoft.com/office/powerpoint/2010/main" val="1939707808"/>
       </p:ext>
     </p:extLst>
   </p:cSld>
@@ -23591,81 +22548,6 @@
           <a:chExt cx="0" cy="0"/>
         </a:xfrm>
       </p:grpSpPr>
-      <p:sp>
-        <p:nvSpPr>
-          <p:cNvPr id="4" name="Subtitle 3">
-            <a:extLst>
-              <a:ext uri="{FF2B5EF4-FFF2-40B4-BE49-F238E27FC236}">
-                <a16:creationId xmlns:a16="http://schemas.microsoft.com/office/drawing/2014/main" id="{B564AB2F-3330-595B-63F5-F09E4FA51BCB}"/>
-              </a:ext>
-            </a:extLst>
-          </p:cNvPr>
-          <p:cNvSpPr>
-            <a:spLocks noGrp="1"/>
-          </p:cNvSpPr>
-          <p:nvPr>
-            <p:ph type="subTitle" sz="quarter" idx="11"/>
-          </p:nvPr>
-        </p:nvSpPr>
-        <p:spPr/>
-        <p:txBody>
-          <a:bodyPr/>
-          <a:lstStyle/>
-          <a:p>
-            <a:r>
-              <a:rPr lang="en-US" sz="4000" noProof="1">
-                <a:latin typeface="Consolas"/>
-                <a:cs typeface="Consolas" panose="020B0609020204030204" pitchFamily="49" charset="0"/>
-              </a:rPr>
-              <a:t>System.Text.RegularExpressions</a:t>
-            </a:r>
-            <a:r>
-              <a:rPr lang="en-US" sz="4000" noProof="1">
-                <a:cs typeface="Consolas" panose="020B0609020204030204" pitchFamily="49" charset="0"/>
-              </a:rPr>
-              <a:t> </a:t>
-            </a:r>
-          </a:p>
-        </p:txBody>
-      </p:sp>
-      <p:sp>
-        <p:nvSpPr>
-          <p:cNvPr id="2" name="Заглавие 1">
-            <a:extLst>
-              <a:ext uri="{FF2B5EF4-FFF2-40B4-BE49-F238E27FC236}">
-                <a16:creationId xmlns:a16="http://schemas.microsoft.com/office/drawing/2014/main" id="{653E52F4-AD1F-4A02-94F7-7C7179F0F2B8}"/>
-              </a:ext>
-            </a:extLst>
-          </p:cNvPr>
-          <p:cNvSpPr>
-            <a:spLocks noGrp="1"/>
-          </p:cNvSpPr>
-          <p:nvPr>
-            <p:ph type="title" sz="quarter" idx="10"/>
-          </p:nvPr>
-        </p:nvSpPr>
-        <p:spPr>
-          <a:xfrm>
-            <a:off x="615109" y="4704825"/>
-            <a:ext cx="10961783" cy="768084"/>
-          </a:xfrm>
-        </p:spPr>
-        <p:txBody>
-          <a:bodyPr/>
-          <a:lstStyle/>
-          <a:p>
-            <a:r>
-              <a:rPr lang="bg-BG" dirty="0"/>
-              <a:t>Регекс в </a:t>
-            </a:r>
-            <a:r>
-              <a:rPr lang="en-US" dirty="0"/>
-              <a:t>C#</a:t>
-            </a:r>
-            <a:endParaRPr lang="en-GB" dirty="0"/>
-          </a:p>
-        </p:txBody>
-      </p:sp>
       <p:pic>
         <p:nvPicPr>
           <p:cNvPr id="5" name="Picture 4"/>
@@ -23691,10 +22573,78 @@
           </a:prstGeom>
         </p:spPr>
       </p:pic>
+      <p:sp>
+        <p:nvSpPr>
+          <p:cNvPr id="6" name="Подзаглавие 5">
+            <a:extLst>
+              <a:ext uri="{FF2B5EF4-FFF2-40B4-BE49-F238E27FC236}">
+                <a16:creationId xmlns:a16="http://schemas.microsoft.com/office/drawing/2014/main" id="{A94FEFBF-A998-21BA-18E7-15639852AA95}"/>
+              </a:ext>
+            </a:extLst>
+          </p:cNvPr>
+          <p:cNvSpPr>
+            <a:spLocks noGrp="1"/>
+          </p:cNvSpPr>
+          <p:nvPr>
+            <p:ph type="subTitle" sz="quarter" idx="11"/>
+          </p:nvPr>
+        </p:nvSpPr>
+        <p:spPr/>
+        <p:txBody>
+          <a:bodyPr/>
+          <a:lstStyle/>
+          <a:p>
+            <a:r>
+              <a:rPr lang="en-US" dirty="0">
+                <a:latin typeface="Consolas" panose="020B0609020204030204" pitchFamily="49" charset="0"/>
+                <a:cs typeface="Consolas" panose="020B0609020204030204" pitchFamily="49" charset="0"/>
+              </a:rPr>
+              <a:t>System.Text.RegularExpressions</a:t>
+            </a:r>
+            <a:endParaRPr lang="bg-BG" dirty="0">
+              <a:latin typeface="Consolas" panose="020B0609020204030204" pitchFamily="49" charset="0"/>
+              <a:cs typeface="Consolas" panose="020B0609020204030204" pitchFamily="49" charset="0"/>
+            </a:endParaRPr>
+          </a:p>
+        </p:txBody>
+      </p:sp>
+      <p:sp>
+        <p:nvSpPr>
+          <p:cNvPr id="8" name="Заглавие 7">
+            <a:extLst>
+              <a:ext uri="{FF2B5EF4-FFF2-40B4-BE49-F238E27FC236}">
+                <a16:creationId xmlns:a16="http://schemas.microsoft.com/office/drawing/2014/main" id="{B3861CF2-8452-47EA-ED2C-CF6AA7F369E2}"/>
+              </a:ext>
+            </a:extLst>
+          </p:cNvPr>
+          <p:cNvSpPr>
+            <a:spLocks noGrp="1"/>
+          </p:cNvSpPr>
+          <p:nvPr>
+            <p:ph type="title" sz="quarter" idx="10"/>
+          </p:nvPr>
+        </p:nvSpPr>
+        <p:spPr/>
+        <p:txBody>
+          <a:bodyPr/>
+          <a:lstStyle/>
+          <a:p>
+            <a:r>
+              <a:rPr lang="bg-BG" dirty="0"/>
+              <a:t>Регекс в </a:t>
+            </a:r>
+            <a:r>
+              <a:rPr lang="en-US" dirty="0"/>
+              <a:t>C#</a:t>
+            </a:r>
+            <a:endParaRPr lang="bg-BG" dirty="0"/>
+          </a:p>
+        </p:txBody>
+      </p:sp>
     </p:spTree>
     <p:extLst>
       <p:ext uri="{BB962C8B-B14F-4D97-AF65-F5344CB8AC3E}">
-        <p14:creationId xmlns:p14="http://schemas.microsoft.com/office/powerpoint/2010/main" val="2788693861"/>
+        <p14:creationId xmlns:p14="http://schemas.microsoft.com/office/powerpoint/2010/main" val="2930973408"/>
       </p:ext>
     </p:extLst>
   </p:cSld>
@@ -23765,6 +22715,8 @@
                 <a:solidFill>
                   <a:schemeClr val="bg1"/>
                 </a:solidFill>
+                <a:latin typeface="Consolas" panose="020B0609020204030204" pitchFamily="49" charset="0"/>
+                <a:cs typeface="Consolas" panose="020B0609020204030204" pitchFamily="49" charset="0"/>
               </a:rPr>
               <a:t>Regex</a:t>
             </a:r>
@@ -23772,6 +22724,8 @@
               <a:solidFill>
                 <a:schemeClr val="bg1"/>
               </a:solidFill>
+              <a:latin typeface="Consolas" panose="020B0609020204030204" pitchFamily="49" charset="0"/>
+              <a:cs typeface="Consolas" panose="020B0609020204030204" pitchFamily="49" charset="0"/>
             </a:endParaRPr>
           </a:p>
           <a:p>
@@ -23982,10 +22936,10 @@
       </p:sp>
       <p:sp>
         <p:nvSpPr>
-          <p:cNvPr id="7" name="Slide Number">
+          <p:cNvPr id="2" name="Slide Number">
             <a:extLst>
               <a:ext uri="{FF2B5EF4-FFF2-40B4-BE49-F238E27FC236}">
-                <a16:creationId xmlns:a16="http://schemas.microsoft.com/office/drawing/2014/main" id="{2B391CF1-E9DA-47BD-83F5-54A05AB4A3FB}"/>
+                <a16:creationId xmlns:a16="http://schemas.microsoft.com/office/drawing/2014/main" id="{C7A887D1-6B64-F15F-ED5C-EFC4CF80AECF}"/>
               </a:ext>
             </a:extLst>
           </p:cNvPr>
@@ -24025,7 +22979,7 @@
     </p:spTree>
     <p:extLst>
       <p:ext uri="{BB962C8B-B14F-4D97-AF65-F5344CB8AC3E}">
-        <p14:creationId xmlns:p14="http://schemas.microsoft.com/office/powerpoint/2010/main" val="1100929823"/>
+        <p14:creationId xmlns:p14="http://schemas.microsoft.com/office/powerpoint/2010/main" val="2745113688"/>
       </p:ext>
     </p:extLst>
   </p:cSld>
@@ -24374,6 +23328,7 @@
                 <a:solidFill>
                   <a:schemeClr val="bg1"/>
                 </a:solidFill>
+                <a:latin typeface="Consolas" panose="020B0609020204030204" pitchFamily="49" charset="0"/>
                 <a:cs typeface="Consolas" panose="020B0609020204030204" pitchFamily="49" charset="0"/>
               </a:rPr>
               <a:t>IsMatch(string текст)</a:t>
@@ -24382,6 +23337,8 @@
               <a:solidFill>
                 <a:schemeClr val="bg1"/>
               </a:solidFill>
+              <a:latin typeface="Consolas" panose="020B0609020204030204" pitchFamily="49" charset="0"/>
+              <a:cs typeface="Consolas" panose="020B0609020204030204" pitchFamily="49" charset="0"/>
             </a:endParaRPr>
           </a:p>
           <a:p>
@@ -24610,10 +23567,10 @@
       </p:sp>
       <p:sp>
         <p:nvSpPr>
-          <p:cNvPr id="7" name="Slide Number">
+          <p:cNvPr id="2" name="Slide Number">
             <a:extLst>
               <a:ext uri="{FF2B5EF4-FFF2-40B4-BE49-F238E27FC236}">
-                <a16:creationId xmlns:a16="http://schemas.microsoft.com/office/drawing/2014/main" id="{09651B62-757E-4213-90AB-3409D29A99D6}"/>
+                <a16:creationId xmlns:a16="http://schemas.microsoft.com/office/drawing/2014/main" id="{2FCA6F99-6BAA-DA00-D85D-711AB3EADE01}"/>
               </a:ext>
             </a:extLst>
           </p:cNvPr>
@@ -24653,7 +23610,7 @@
     </p:spTree>
     <p:extLst>
       <p:ext uri="{BB962C8B-B14F-4D97-AF65-F5344CB8AC3E}">
-        <p14:creationId xmlns:p14="http://schemas.microsoft.com/office/powerpoint/2010/main" val="800306266"/>
+        <p14:creationId xmlns:p14="http://schemas.microsoft.com/office/powerpoint/2010/main" val="2547638303"/>
       </p:ext>
     </p:extLst>
   </p:cSld>
@@ -24989,6 +23946,7 @@
                 <a:solidFill>
                   <a:schemeClr val="bg1"/>
                 </a:solidFill>
+                <a:latin typeface="Consolas" panose="020B0609020204030204" pitchFamily="49" charset="0"/>
                 <a:cs typeface="Consolas" panose="020B0609020204030204" pitchFamily="49" charset="0"/>
               </a:rPr>
               <a:t>Match(string текст)</a:t>
@@ -24997,6 +23955,8 @@
               <a:solidFill>
                 <a:schemeClr val="bg1"/>
               </a:solidFill>
+              <a:latin typeface="Consolas" panose="020B0609020204030204" pitchFamily="49" charset="0"/>
+              <a:cs typeface="Consolas" panose="020B0609020204030204" pitchFamily="49" charset="0"/>
             </a:endParaRPr>
           </a:p>
           <a:p>
@@ -25267,10 +24227,10 @@
       </p:sp>
       <p:sp>
         <p:nvSpPr>
-          <p:cNvPr id="7" name="Slide Number">
+          <p:cNvPr id="2" name="Slide Number">
             <a:extLst>
               <a:ext uri="{FF2B5EF4-FFF2-40B4-BE49-F238E27FC236}">
-                <a16:creationId xmlns:a16="http://schemas.microsoft.com/office/drawing/2014/main" id="{05184092-19C2-4C32-940B-226F2B5F0A91}"/>
+                <a16:creationId xmlns:a16="http://schemas.microsoft.com/office/drawing/2014/main" id="{278BE3B2-AF4A-B7C3-32FA-C570422C8F98}"/>
               </a:ext>
             </a:extLst>
           </p:cNvPr>
@@ -25310,7 +24270,7 @@
     </p:spTree>
     <p:extLst>
       <p:ext uri="{BB962C8B-B14F-4D97-AF65-F5344CB8AC3E}">
-        <p14:creationId xmlns:p14="http://schemas.microsoft.com/office/powerpoint/2010/main" val="617868985"/>
+        <p14:creationId xmlns:p14="http://schemas.microsoft.com/office/powerpoint/2010/main" val="1169146157"/>
       </p:ext>
     </p:extLst>
   </p:cSld>
@@ -25719,8 +24679,8 @@
         </p:nvSpPr>
         <p:spPr>
           <a:xfrm>
-            <a:off x="193480" y="1196707"/>
-            <a:ext cx="11811941" cy="5327112"/>
+            <a:off x="161556" y="1196707"/>
+            <a:ext cx="11784444" cy="5327112"/>
           </a:xfrm>
         </p:spPr>
         <p:txBody>
@@ -25735,23 +24695,30 @@
               </a:buClr>
             </a:pPr>
             <a:r>
-              <a:rPr lang="en-US" sz="3600" b="1" noProof="1">
+              <a:rPr lang="en-US" sz="3400" b="1" noProof="1">
                 <a:solidFill>
                   <a:schemeClr val="bg1"/>
                 </a:solidFill>
+                <a:latin typeface="Consolas" panose="020B0609020204030204" pitchFamily="49" charset="0"/>
                 <a:cs typeface="Consolas" panose="020B0609020204030204" pitchFamily="49" charset="0"/>
               </a:rPr>
-              <a:t>Matches(string текст) </a:t>
-            </a:r>
-            <a:r>
-              <a:rPr lang="en-US" sz="3600" noProof="1">
+              <a:t>Matches(string текст)</a:t>
+            </a:r>
+            <a:r>
+              <a:rPr lang="en-US" sz="3400" b="1" noProof="1">
+                <a:solidFill>
+                  <a:schemeClr val="bg1"/>
+                </a:solidFill>
                 <a:cs typeface="Consolas" panose="020B0609020204030204" pitchFamily="49" charset="0"/>
               </a:rPr>
+              <a:t> </a:t>
+            </a:r>
+            <a:r>
+              <a:rPr lang="en-US" sz="3400" noProof="1">
+                <a:cs typeface="Consolas" panose="020B0609020204030204" pitchFamily="49" charset="0"/>
+              </a:rPr>
               <a:t>- връща колекция от съвпадения</a:t>
             </a:r>
-            <a:endParaRPr lang="en-US" sz="4000" noProof="1">
-              <a:cs typeface="Consolas" panose="020B0609020204030204" pitchFamily="49" charset="0"/>
-            </a:endParaRPr>
           </a:p>
         </p:txBody>
       </p:sp>
@@ -26092,10 +25059,10 @@
       </p:sp>
       <p:sp>
         <p:nvSpPr>
-          <p:cNvPr id="7" name="Slide Number">
+          <p:cNvPr id="2" name="Slide Number">
             <a:extLst>
               <a:ext uri="{FF2B5EF4-FFF2-40B4-BE49-F238E27FC236}">
-                <a16:creationId xmlns:a16="http://schemas.microsoft.com/office/drawing/2014/main" id="{0C69475E-9509-4F2F-B77C-72CD6C60A095}"/>
+                <a16:creationId xmlns:a16="http://schemas.microsoft.com/office/drawing/2014/main" id="{EB7E1C7C-076F-D973-83E0-F6B4677BDDFD}"/>
               </a:ext>
             </a:extLst>
           </p:cNvPr>
@@ -26135,7 +25102,7 @@
     </p:spTree>
     <p:extLst>
       <p:ext uri="{BB962C8B-B14F-4D97-AF65-F5344CB8AC3E}">
-        <p14:creationId xmlns:p14="http://schemas.microsoft.com/office/powerpoint/2010/main" val="1089904705"/>
+        <p14:creationId xmlns:p14="http://schemas.microsoft.com/office/powerpoint/2010/main" val="499084775"/>
       </p:ext>
     </p:extLst>
   </p:cSld>
@@ -26537,7 +25504,7 @@
                 <a:latin typeface="Consolas" panose="020B0609020204030204" pitchFamily="49" charset="0"/>
                 <a:cs typeface="Consolas" panose="020B0609020204030204" pitchFamily="49" charset="0"/>
               </a:rPr>
-              <a:t>Replace</a:t>
+              <a:t>Replace(string стар текст, string нов текст)</a:t>
             </a:r>
             <a:r>
               <a:rPr lang="en-US" sz="3400" b="1" noProof="1">
@@ -26546,7 +25513,7 @@
                 </a:solidFill>
                 <a:cs typeface="Consolas" panose="020B0609020204030204" pitchFamily="49" charset="0"/>
               </a:rPr>
-              <a:t>(string стар текст, string нов текст) </a:t>
+              <a:t> </a:t>
             </a:r>
             <a:r>
               <a:rPr lang="en-US" sz="3400" noProof="1">
@@ -26787,10 +25754,10 @@
       </p:sp>
       <p:sp>
         <p:nvSpPr>
-          <p:cNvPr id="6" name="Slide Number">
+          <p:cNvPr id="2" name="Slide Number">
             <a:extLst>
               <a:ext uri="{FF2B5EF4-FFF2-40B4-BE49-F238E27FC236}">
-                <a16:creationId xmlns:a16="http://schemas.microsoft.com/office/drawing/2014/main" id="{01ED429E-9710-44FA-BE4A-347C9245E301}"/>
+                <a16:creationId xmlns:a16="http://schemas.microsoft.com/office/drawing/2014/main" id="{7029037D-F970-BFFC-F042-1C2789D3E843}"/>
               </a:ext>
             </a:extLst>
           </p:cNvPr>
@@ -26830,7 +25797,7 @@
     </p:spTree>
     <p:extLst>
       <p:ext uri="{BB962C8B-B14F-4D97-AF65-F5344CB8AC3E}">
-        <p14:creationId xmlns:p14="http://schemas.microsoft.com/office/powerpoint/2010/main" val="3550331077"/>
+        <p14:creationId xmlns:p14="http://schemas.microsoft.com/office/powerpoint/2010/main" val="2310319925"/>
       </p:ext>
     </p:extLst>
   </p:cSld>
@@ -27057,100 +26024,6 @@
       </p:grpSpPr>
       <p:sp>
         <p:nvSpPr>
-          <p:cNvPr id="2" name="Подзаглавие 1">
-            <a:extLst>
-              <a:ext uri="{FF2B5EF4-FFF2-40B4-BE49-F238E27FC236}">
-                <a16:creationId xmlns:a16="http://schemas.microsoft.com/office/drawing/2014/main" id="{14EB79E1-F70E-E4F5-9820-86F0EA7BF30F}"/>
-              </a:ext>
-            </a:extLst>
-          </p:cNvPr>
-          <p:cNvSpPr>
-            <a:spLocks noGrp="1"/>
-          </p:cNvSpPr>
-          <p:nvPr>
-            <p:ph type="subTitle" sz="quarter" idx="11"/>
-          </p:nvPr>
-        </p:nvSpPr>
-        <p:spPr/>
-        <p:txBody>
-          <a:bodyPr/>
-          <a:lstStyle/>
-          <a:p>
-            <a:r>
-              <a:rPr lang="bg-BG" sz="3950" dirty="0">
-                <a:cs typeface="Arial"/>
-              </a:rPr>
-              <a:t>Определение, примери и </a:t>
-            </a:r>
-            <a:r>
-              <a:rPr lang="bg-BG" sz="3950" dirty="0">
-                <a:ea typeface="+mn-lt"/>
-                <a:cs typeface="Arial"/>
-              </a:rPr>
-              <a:t>к</a:t>
-            </a:r>
-            <a:r>
-              <a:rPr lang="bg-BG" sz="3950" dirty="0">
-                <a:ea typeface="+mn-lt"/>
-                <a:cs typeface="+mn-lt"/>
-              </a:rPr>
-              <a:t>ласове на символи</a:t>
-            </a:r>
-            <a:endParaRPr lang="bg-BG" dirty="0"/>
-          </a:p>
-        </p:txBody>
-      </p:sp>
-      <p:sp>
-        <p:nvSpPr>
-          <p:cNvPr id="3" name="Заглавие 2">
-            <a:extLst>
-              <a:ext uri="{FF2B5EF4-FFF2-40B4-BE49-F238E27FC236}">
-                <a16:creationId xmlns:a16="http://schemas.microsoft.com/office/drawing/2014/main" id="{4263F84E-8578-C3EA-32A1-EF92AE0F9106}"/>
-              </a:ext>
-            </a:extLst>
-          </p:cNvPr>
-          <p:cNvSpPr>
-            <a:spLocks noGrp="1"/>
-          </p:cNvSpPr>
-          <p:nvPr>
-            <p:ph type="title" sz="quarter" idx="10"/>
-          </p:nvPr>
-        </p:nvSpPr>
-        <p:spPr/>
-        <p:txBody>
-          <a:bodyPr/>
-          <a:lstStyle/>
-          <a:p>
-            <a:r>
-              <a:rPr lang="bg-BG" sz="5350" dirty="0">
-                <a:ea typeface="+mj-lt"/>
-                <a:cs typeface="+mj-lt"/>
-              </a:rPr>
-              <a:t>Регулярни</a:t>
-            </a:r>
-            <a:r>
-              <a:rPr lang="en-US" sz="5350" dirty="0">
-                <a:ea typeface="+mj-lt"/>
-                <a:cs typeface="+mj-lt"/>
-              </a:rPr>
-              <a:t> </a:t>
-            </a:r>
-            <a:r>
-              <a:rPr lang="bg-BG" sz="5350" dirty="0">
-                <a:ea typeface="+mj-lt"/>
-                <a:cs typeface="+mj-lt"/>
-              </a:rPr>
-              <a:t>изрази</a:t>
-            </a:r>
-            <a:endParaRPr lang="bg-BG" sz="5350" b="0" dirty="0">
-              <a:ea typeface="+mj-lt"/>
-              <a:cs typeface="+mj-lt"/>
-            </a:endParaRPr>
-          </a:p>
-        </p:txBody>
-      </p:sp>
-      <p:sp>
-        <p:nvSpPr>
           <p:cNvPr id="5" name="Text Placeholder 4">
             <a:extLst>
               <a:ext uri="{FF2B5EF4-FFF2-40B4-BE49-F238E27FC236}">
@@ -27356,10 +26229,67 @@
           </a:p>
         </p:txBody>
       </p:sp>
+      <p:sp>
+        <p:nvSpPr>
+          <p:cNvPr id="6" name="Подзаглавие 5">
+            <a:extLst>
+              <a:ext uri="{FF2B5EF4-FFF2-40B4-BE49-F238E27FC236}">
+                <a16:creationId xmlns:a16="http://schemas.microsoft.com/office/drawing/2014/main" id="{B5639E52-6340-C5FC-AC2F-BF7406F209A5}"/>
+              </a:ext>
+            </a:extLst>
+          </p:cNvPr>
+          <p:cNvSpPr>
+            <a:spLocks noGrp="1"/>
+          </p:cNvSpPr>
+          <p:nvPr>
+            <p:ph type="subTitle" sz="quarter" idx="11"/>
+          </p:nvPr>
+        </p:nvSpPr>
+        <p:spPr/>
+        <p:txBody>
+          <a:bodyPr/>
+          <a:lstStyle/>
+          <a:p>
+            <a:r>
+              <a:rPr lang="ru-RU" dirty="0"/>
+              <a:t>Определение, примери и класове на символи</a:t>
+            </a:r>
+            <a:endParaRPr lang="bg-BG" dirty="0"/>
+          </a:p>
+        </p:txBody>
+      </p:sp>
+      <p:sp>
+        <p:nvSpPr>
+          <p:cNvPr id="8" name="Заглавие 7">
+            <a:extLst>
+              <a:ext uri="{FF2B5EF4-FFF2-40B4-BE49-F238E27FC236}">
+                <a16:creationId xmlns:a16="http://schemas.microsoft.com/office/drawing/2014/main" id="{5C01E09D-7E94-359F-711C-141C01BA8F49}"/>
+              </a:ext>
+            </a:extLst>
+          </p:cNvPr>
+          <p:cNvSpPr>
+            <a:spLocks noGrp="1"/>
+          </p:cNvSpPr>
+          <p:nvPr>
+            <p:ph type="title" sz="quarter" idx="10"/>
+          </p:nvPr>
+        </p:nvSpPr>
+        <p:spPr/>
+        <p:txBody>
+          <a:bodyPr/>
+          <a:lstStyle/>
+          <a:p>
+            <a:r>
+              <a:rPr lang="bg-BG" dirty="0"/>
+              <a:t>Регулярни изрази</a:t>
+            </a:r>
+          </a:p>
+        </p:txBody>
+      </p:sp>
     </p:spTree>
     <p:extLst>
       <p:ext uri="{BB962C8B-B14F-4D97-AF65-F5344CB8AC3E}">
-        <p14:creationId xmlns:p14="http://schemas.microsoft.com/office/powerpoint/2010/main" val="3440729030"/>
+        <p14:creationId xmlns:p14="http://schemas.microsoft.com/office/powerpoint/2010/main" val="3856968897"/>
       </p:ext>
     </p:extLst>
   </p:cSld>
@@ -27424,7 +26354,7 @@
                 <a:latin typeface="Consolas" panose="020B0609020204030204" pitchFamily="49" charset="0"/>
                 <a:cs typeface="Consolas" panose="020B0609020204030204" pitchFamily="49" charset="0"/>
               </a:rPr>
-              <a:t>Split</a:t>
+              <a:t>Split(string text)</a:t>
             </a:r>
             <a:r>
               <a:rPr lang="en-US" sz="3600" b="1" noProof="1">
@@ -27432,7 +26362,7 @@
                   <a:schemeClr val="bg1"/>
                 </a:solidFill>
               </a:rPr>
-              <a:t>(string text) </a:t>
+              <a:t> </a:t>
             </a:r>
             <a:r>
               <a:rPr lang="bg-BG" sz="3600" noProof="1"/>
@@ -27640,10 +26570,10 @@
       </p:sp>
       <p:sp>
         <p:nvSpPr>
-          <p:cNvPr id="7" name="Slide Number">
+          <p:cNvPr id="2" name="Slide Number">
             <a:extLst>
               <a:ext uri="{FF2B5EF4-FFF2-40B4-BE49-F238E27FC236}">
-                <a16:creationId xmlns:a16="http://schemas.microsoft.com/office/drawing/2014/main" id="{FC469D7D-3A1A-447D-8275-0D6244A6E065}"/>
+                <a16:creationId xmlns:a16="http://schemas.microsoft.com/office/drawing/2014/main" id="{7A19951E-1049-207F-6B7F-42DEDE28864A}"/>
               </a:ext>
             </a:extLst>
           </p:cNvPr>
@@ -27683,7 +26613,7 @@
     </p:spTree>
     <p:extLst>
       <p:ext uri="{BB962C8B-B14F-4D97-AF65-F5344CB8AC3E}">
-        <p14:creationId xmlns:p14="http://schemas.microsoft.com/office/powerpoint/2010/main" val="1805395021"/>
+        <p14:creationId xmlns:p14="http://schemas.microsoft.com/office/powerpoint/2010/main" val="2248225805"/>
       </p:ext>
     </p:extLst>
   </p:cSld>
@@ -28081,25 +27011,17 @@
             </a:endParaRPr>
           </a:p>
           <a:p>
-            <a:pPr lvl="1" indent="-360045"/>
-            <a:r>
-              <a:rPr lang="bg-BG" sz="3400" dirty="0"/>
-              <a:t>Напишете </a:t>
-            </a:r>
-            <a:r>
-              <a:rPr lang="bg-BG" sz="3400" dirty="0" err="1"/>
-              <a:t>регекс</a:t>
-            </a:r>
-            <a:r>
-              <a:rPr lang="bg-BG" sz="3400" dirty="0"/>
-              <a:t>, който т</a:t>
-            </a:r>
-            <a:r>
-              <a:rPr lang="en-US" sz="3400" dirty="0"/>
+            <a:pPr indent="-360045"/>
+            <a:r>
+              <a:rPr lang="bg-BG" sz="3600" dirty="0"/>
+              <a:t>Напишете регекс, който т</a:t>
+            </a:r>
+            <a:r>
+              <a:rPr lang="en-US" sz="3600" dirty="0"/>
               <a:t>ърси всички </a:t>
             </a:r>
             <a:r>
-              <a:rPr lang="bg-BG" sz="3400" b="1" dirty="0">
+              <a:rPr lang="bg-BG" sz="3600" b="1" dirty="0">
                 <a:solidFill>
                   <a:schemeClr val="bg1"/>
                 </a:solidFill>
@@ -28107,7 +27029,7 @@
               <a:t>пълни</a:t>
             </a:r>
             <a:r>
-              <a:rPr lang="en-US" sz="3400" b="1" dirty="0">
+              <a:rPr lang="en-US" sz="3600" b="1" dirty="0">
                 <a:solidFill>
                   <a:schemeClr val="bg1"/>
                 </a:solidFill>
@@ -28115,26 +27037,26 @@
               <a:t> имена </a:t>
             </a:r>
             <a:r>
-              <a:rPr lang="en-US" sz="3400" dirty="0"/>
+              <a:rPr lang="en-US" sz="3600" dirty="0"/>
               <a:t>(две думи, старти</a:t>
             </a:r>
             <a:r>
-              <a:rPr lang="bg-BG" sz="3400" dirty="0"/>
+              <a:rPr lang="bg-BG" sz="3600" dirty="0"/>
               <a:t>ра</a:t>
             </a:r>
             <a:r>
-              <a:rPr lang="en-US" sz="3400" dirty="0"/>
+              <a:rPr lang="en-US" sz="3600" dirty="0"/>
               <a:t>щ</a:t>
             </a:r>
             <a:r>
-              <a:rPr lang="bg-BG" sz="3400" dirty="0"/>
+              <a:rPr lang="bg-BG" sz="3600" dirty="0"/>
               <a:t>и</a:t>
             </a:r>
             <a:r>
-              <a:rPr lang="en-US" sz="3400" dirty="0"/>
+              <a:rPr lang="en-US" sz="3600" dirty="0"/>
               <a:t> с главни букви)</a:t>
             </a:r>
-            <a:endParaRPr lang="en-US" sz="3400" dirty="0">
+            <a:endParaRPr lang="en-US" sz="3600" dirty="0">
               <a:solidFill>
                 <a:schemeClr val="bg1"/>
               </a:solidFill>
@@ -28355,10 +27277,10 @@
       </p:sp>
       <p:sp>
         <p:nvSpPr>
-          <p:cNvPr id="9" name="Slide Number">
+          <p:cNvPr id="2" name="Slide Number">
             <a:extLst>
               <a:ext uri="{FF2B5EF4-FFF2-40B4-BE49-F238E27FC236}">
-                <a16:creationId xmlns:a16="http://schemas.microsoft.com/office/drawing/2014/main" id="{3BE494BB-2A3A-4C30-B430-B1D39F0348A2}"/>
+                <a16:creationId xmlns:a16="http://schemas.microsoft.com/office/drawing/2014/main" id="{874DE473-94C8-24A1-C874-330E078DBB03}"/>
               </a:ext>
             </a:extLst>
           </p:cNvPr>
@@ -28398,7 +27320,7 @@
     </p:spTree>
     <p:extLst>
       <p:ext uri="{BB962C8B-B14F-4D97-AF65-F5344CB8AC3E}">
-        <p14:creationId xmlns:p14="http://schemas.microsoft.com/office/powerpoint/2010/main" val="3895193544"/>
+        <p14:creationId xmlns:p14="http://schemas.microsoft.com/office/powerpoint/2010/main" val="1776041789"/>
       </p:ext>
     </p:extLst>
   </p:cSld>
@@ -28857,10 +27779,10 @@
       </p:sp>
       <p:sp>
         <p:nvSpPr>
-          <p:cNvPr id="6" name="Slide Number">
+          <p:cNvPr id="2" name="Slide Number">
             <a:extLst>
               <a:ext uri="{FF2B5EF4-FFF2-40B4-BE49-F238E27FC236}">
-                <a16:creationId xmlns:a16="http://schemas.microsoft.com/office/drawing/2014/main" id="{E333383D-92D6-4CF5-85FB-8B5932E6F07B}"/>
+                <a16:creationId xmlns:a16="http://schemas.microsoft.com/office/drawing/2014/main" id="{5ABFABFD-469B-3E03-EFC3-ED566F30E445}"/>
               </a:ext>
             </a:extLst>
           </p:cNvPr>
@@ -28900,7 +27822,7 @@
     </p:spTree>
     <p:extLst>
       <p:ext uri="{BB962C8B-B14F-4D97-AF65-F5344CB8AC3E}">
-        <p14:creationId xmlns:p14="http://schemas.microsoft.com/office/powerpoint/2010/main" val="2219967812"/>
+        <p14:creationId xmlns:p14="http://schemas.microsoft.com/office/powerpoint/2010/main" val="794931527"/>
       </p:ext>
     </p:extLst>
   </p:cSld>
@@ -29561,10 +28483,10 @@
       </p:sp>
       <p:sp>
         <p:nvSpPr>
-          <p:cNvPr id="13" name="Slide Number">
+          <p:cNvPr id="2" name="Slide Number">
             <a:extLst>
               <a:ext uri="{FF2B5EF4-FFF2-40B4-BE49-F238E27FC236}">
-                <a16:creationId xmlns:a16="http://schemas.microsoft.com/office/drawing/2014/main" id="{BCE5489A-3AB6-421A-A36A-B91D2987EF1A}"/>
+                <a16:creationId xmlns:a16="http://schemas.microsoft.com/office/drawing/2014/main" id="{4C28B0CF-E88D-20C9-6998-5C75477FC80A}"/>
               </a:ext>
             </a:extLst>
           </p:cNvPr>
@@ -29604,7 +28526,7 @@
     </p:spTree>
     <p:extLst>
       <p:ext uri="{BB962C8B-B14F-4D97-AF65-F5344CB8AC3E}">
-        <p14:creationId xmlns:p14="http://schemas.microsoft.com/office/powerpoint/2010/main" val="1932935404"/>
+        <p14:creationId xmlns:p14="http://schemas.microsoft.com/office/powerpoint/2010/main" val="1103501787"/>
       </p:ext>
     </p:extLst>
   </p:cSld>
@@ -30185,10 +29107,10 @@
       </p:sp>
       <p:sp>
         <p:nvSpPr>
-          <p:cNvPr id="7" name="Slide Number">
+          <p:cNvPr id="2" name="Slide Number">
             <a:extLst>
               <a:ext uri="{FF2B5EF4-FFF2-40B4-BE49-F238E27FC236}">
-                <a16:creationId xmlns:a16="http://schemas.microsoft.com/office/drawing/2014/main" id="{CC9CA816-D97D-41EA-9CFD-4AC83AB08B35}"/>
+                <a16:creationId xmlns:a16="http://schemas.microsoft.com/office/drawing/2014/main" id="{2B6FF24D-CB0E-CB03-F42E-7C40351F4561}"/>
               </a:ext>
             </a:extLst>
           </p:cNvPr>
@@ -30228,7 +29150,7 @@
     </p:spTree>
     <p:extLst>
       <p:ext uri="{BB962C8B-B14F-4D97-AF65-F5344CB8AC3E}">
-        <p14:creationId xmlns:p14="http://schemas.microsoft.com/office/powerpoint/2010/main" val="1227672129"/>
+        <p14:creationId xmlns:p14="http://schemas.microsoft.com/office/powerpoint/2010/main" val="3145911423"/>
       </p:ext>
     </p:extLst>
   </p:cSld>
@@ -31354,10 +30276,10 @@
       </p:sp>
       <p:sp>
         <p:nvSpPr>
-          <p:cNvPr id="13" name="Slide Number">
+          <p:cNvPr id="2" name="Slide Number">
             <a:extLst>
               <a:ext uri="{FF2B5EF4-FFF2-40B4-BE49-F238E27FC236}">
-                <a16:creationId xmlns:a16="http://schemas.microsoft.com/office/drawing/2014/main" id="{96EED4CA-D010-423C-B3D8-4813FF5D9E31}"/>
+                <a16:creationId xmlns:a16="http://schemas.microsoft.com/office/drawing/2014/main" id="{8DAE11AC-7500-4F77-4C17-887FBE32A29D}"/>
               </a:ext>
             </a:extLst>
           </p:cNvPr>
@@ -31397,7 +30319,7 @@
     </p:spTree>
     <p:extLst>
       <p:ext uri="{BB962C8B-B14F-4D97-AF65-F5344CB8AC3E}">
-        <p14:creationId xmlns:p14="http://schemas.microsoft.com/office/powerpoint/2010/main" val="243392891"/>
+        <p14:creationId xmlns:p14="http://schemas.microsoft.com/office/powerpoint/2010/main" val="2821273166"/>
       </p:ext>
     </p:extLst>
   </p:cSld>
@@ -31631,21 +30553,140 @@
           <a:lstStyle/>
           <a:p>
             <a:r>
-              <a:rPr lang="en-US" sz="8800" dirty="0">
-                <a:solidFill>
-                  <a:srgbClr val="234465"/>
-                </a:solidFill>
-              </a:rPr>
-              <a:t>Въпроси?</a:t>
-            </a:r>
-            <a:endParaRPr lang="en-US" sz="8800" dirty="0"/>
+              <a:rPr lang="bg-BG" dirty="0"/>
+              <a:t>Въпроси</a:t>
+            </a:r>
+            <a:r>
+              <a:rPr lang="en-US" dirty="0"/>
+              <a:t>?</a:t>
+            </a:r>
+          </a:p>
+        </p:txBody>
+      </p:sp>
+      <p:sp>
+        <p:nvSpPr>
+          <p:cNvPr id="2" name="Rectangle Bottom Copyright">
+            <a:extLst>
+              <a:ext uri="{FF2B5EF4-FFF2-40B4-BE49-F238E27FC236}">
+                <a16:creationId xmlns:a16="http://schemas.microsoft.com/office/drawing/2014/main" id="{664812A4-2991-44D1-BFE9-32E55AADF8A5}"/>
+              </a:ext>
+            </a:extLst>
+          </p:cNvPr>
+          <p:cNvSpPr/>
+          <p:nvPr/>
+        </p:nvSpPr>
+        <p:spPr>
+          <a:xfrm>
+            <a:off x="111000" y="6454758"/>
+            <a:ext cx="11970000" cy="304242"/>
+          </a:xfrm>
+          <a:prstGeom prst="rect">
+            <a:avLst/>
+          </a:prstGeom>
+        </p:spPr>
+        <p:txBody>
+          <a:bodyPr wrap="square">
+            <a:noAutofit/>
+          </a:bodyPr>
+          <a:lstStyle/>
+          <a:p>
+            <a:pPr algn="ctr">
+              <a:lnSpc>
+                <a:spcPct val="100000"/>
+              </a:lnSpc>
+              <a:spcBef>
+                <a:spcPts val="0"/>
+              </a:spcBef>
+              <a:spcAft>
+                <a:spcPts val="0"/>
+              </a:spcAft>
+            </a:pPr>
+            <a:r>
+              <a:rPr lang="bg-BG" sz="1600" dirty="0">
+                <a:solidFill>
+                  <a:schemeClr val="bg2"/>
+                </a:solidFill>
+                <a:effectLst/>
+                <a:latin typeface="Calibri" panose="020F0502020204030204" pitchFamily="34" charset="0"/>
+                <a:ea typeface="Calibri" panose="020F0502020204030204" pitchFamily="34" charset="0"/>
+                <a:cs typeface="Arial" panose="020B0604020202020204" pitchFamily="34" charset="0"/>
+              </a:rPr>
+              <a:t>Проект "</a:t>
+            </a:r>
+            <a:r>
+              <a:rPr lang="bg-BG" sz="1600" dirty="0">
+                <a:solidFill>
+                  <a:schemeClr val="bg1">
+                    <a:lumMod val="20000"/>
+                    <a:lumOff val="80000"/>
+                  </a:schemeClr>
+                </a:solidFill>
+                <a:effectLst/>
+                <a:latin typeface="Calibri" panose="020F0502020204030204" pitchFamily="34" charset="0"/>
+                <a:ea typeface="Calibri" panose="020F0502020204030204" pitchFamily="34" charset="0"/>
+                <a:cs typeface="Arial" panose="020B0604020202020204" pitchFamily="34" charset="0"/>
+                <a:hlinkClick r:id="rId3">
+                  <a:extLst>
+                    <a:ext uri="{A12FA001-AC4F-418D-AE19-62706E023703}">
+                      <ahyp:hlinkClr xmlns:ahyp="http://schemas.microsoft.com/office/drawing/2018/hyperlinkcolor" val="tx"/>
+                    </a:ext>
+                  </a:extLst>
+                </a:hlinkClick>
+              </a:rPr>
+              <a:t>Отворено учебно съдържание по програмиране и ИТ</a:t>
+            </a:r>
+            <a:r>
+              <a:rPr lang="bg-BG" sz="1600" dirty="0">
+                <a:solidFill>
+                  <a:schemeClr val="bg2"/>
+                </a:solidFill>
+                <a:effectLst/>
+                <a:latin typeface="Calibri" panose="020F0502020204030204" pitchFamily="34" charset="0"/>
+                <a:ea typeface="Calibri" panose="020F0502020204030204" pitchFamily="34" charset="0"/>
+                <a:cs typeface="Arial" panose="020B0604020202020204" pitchFamily="34" charset="0"/>
+              </a:rPr>
+              <a:t>", СофтУни Фондация (лиценз </a:t>
+            </a:r>
+            <a:r>
+              <a:rPr lang="en-US" sz="1600" dirty="0">
+                <a:solidFill>
+                  <a:schemeClr val="bg2"/>
+                </a:solidFill>
+                <a:effectLst/>
+                <a:latin typeface="Calibri" panose="020F0502020204030204" pitchFamily="34" charset="0"/>
+                <a:ea typeface="Calibri" panose="020F0502020204030204" pitchFamily="34" charset="0"/>
+                <a:cs typeface="Arial" panose="020B0604020202020204" pitchFamily="34" charset="0"/>
+              </a:rPr>
+              <a:t>CC-BY-NC-SA</a:t>
+            </a:r>
+            <a:r>
+              <a:rPr lang="bg-BG" sz="1600" dirty="0">
+                <a:solidFill>
+                  <a:schemeClr val="bg2"/>
+                </a:solidFill>
+                <a:effectLst/>
+                <a:latin typeface="Calibri" panose="020F0502020204030204" pitchFamily="34" charset="0"/>
+                <a:ea typeface="Calibri" panose="020F0502020204030204" pitchFamily="34" charset="0"/>
+                <a:cs typeface="Arial" panose="020B0604020202020204" pitchFamily="34" charset="0"/>
+              </a:rPr>
+              <a:t>)</a:t>
+            </a:r>
+            <a:endParaRPr lang="bg-BG" sz="2400" dirty="0">
+              <a:solidFill>
+                <a:schemeClr val="bg2"/>
+              </a:solidFill>
+              <a:effectLst/>
+              <a:latin typeface="Calibri" panose="020F0502020204030204" pitchFamily="34" charset="0"/>
+              <a:ea typeface="Calibri" panose="020F0502020204030204" pitchFamily="34" charset="0"/>
+              <a:cs typeface="Arial" panose="020B0604020202020204" pitchFamily="34" charset="0"/>
+            </a:endParaRPr>
           </a:p>
         </p:txBody>
       </p:sp>
     </p:spTree>
     <p:extLst>
       <p:ext uri="{BB962C8B-B14F-4D97-AF65-F5344CB8AC3E}">
-        <p14:creationId xmlns:p14="http://schemas.microsoft.com/office/powerpoint/2010/main" val="558447949"/>
+        <p14:creationId xmlns:p14="http://schemas.microsoft.com/office/powerpoint/2010/main" val="2718158248"/>
       </p:ext>
     </p:extLst>
   </p:cSld>
@@ -31699,11 +30740,13 @@
         <p:spPr>
           <a:xfrm>
             <a:off x="190402" y="1269001"/>
-            <a:ext cx="11818096" cy="5455890"/>
+            <a:ext cx="9865598" cy="2474999"/>
           </a:xfrm>
         </p:spPr>
         <p:txBody>
-          <a:bodyPr/>
+          <a:bodyPr>
+            <a:normAutofit/>
+          </a:bodyPr>
           <a:lstStyle/>
           <a:p>
             <a:pPr>
@@ -31712,113 +30755,42 @@
               </a:lnSpc>
             </a:pPr>
             <a:r>
-              <a:rPr lang="bg-BG" dirty="0"/>
+              <a:rPr lang="bg-BG" sz="3200" dirty="0"/>
               <a:t>Този курс</a:t>
             </a:r>
             <a:r>
-              <a:rPr lang="en-US" dirty="0"/>
+              <a:rPr lang="en-US" sz="3200" dirty="0"/>
               <a:t> (</a:t>
             </a:r>
             <a:r>
-              <a:rPr lang="bg-BG" dirty="0"/>
+              <a:rPr lang="bg-BG" sz="3200" dirty="0"/>
               <a:t>презентации, примери, демонстрационен код, упражнения, домашни, видео и други активи</a:t>
             </a:r>
             <a:r>
-              <a:rPr lang="en-US" dirty="0"/>
+              <a:rPr lang="en-US" sz="3200" dirty="0"/>
               <a:t>) </a:t>
             </a:r>
             <a:r>
-              <a:rPr lang="bg-BG" dirty="0"/>
+              <a:rPr lang="bg-BG" sz="3200" dirty="0"/>
               <a:t>представлява</a:t>
             </a:r>
             <a:r>
-              <a:rPr lang="en-US" dirty="0"/>
+              <a:rPr lang="en-US" sz="3200" dirty="0"/>
               <a:t> </a:t>
             </a:r>
             <a:r>
-              <a:rPr lang="bg-BG" b="1" dirty="0"/>
-              <a:t>защитено авторско съдържание</a:t>
-            </a:r>
-            <a:endParaRPr lang="en-US" dirty="0"/>
-          </a:p>
-          <a:p>
-            <a:pPr>
-              <a:lnSpc>
-                <a:spcPct val="120000"/>
-              </a:lnSpc>
-            </a:pPr>
-            <a:r>
-              <a:rPr lang="bg-BG" dirty="0"/>
-              <a:t>Нерегламентирано копиране</a:t>
-            </a:r>
-            <a:r>
-              <a:rPr lang="en-US" dirty="0"/>
-              <a:t>,</a:t>
-            </a:r>
-            <a:r>
-              <a:rPr lang="bg-BG" dirty="0"/>
-              <a:t> разпространение или използване е незаконно</a:t>
-            </a:r>
-          </a:p>
-          <a:p>
-            <a:pPr>
-              <a:lnSpc>
-                <a:spcPct val="120000"/>
-              </a:lnSpc>
-            </a:pPr>
-            <a:r>
-              <a:rPr lang="en-US" dirty="0"/>
-              <a:t>© </a:t>
-            </a:r>
-            <a:r>
-              <a:rPr lang="bg-BG" dirty="0"/>
-              <a:t>СофтУни</a:t>
-            </a:r>
-            <a:r>
-              <a:rPr lang="en-US" dirty="0"/>
-              <a:t> – </a:t>
-            </a:r>
-            <a:r>
-              <a:rPr lang="en-US" dirty="0">
-                <a:hlinkClick r:id="rId3"/>
-              </a:rPr>
-              <a:t>https://softuni.org</a:t>
-            </a:r>
-            <a:endParaRPr lang="en-US" dirty="0"/>
-          </a:p>
-          <a:p>
-            <a:pPr>
-              <a:lnSpc>
-                <a:spcPct val="120000"/>
-              </a:lnSpc>
-            </a:pPr>
-            <a:r>
-              <a:rPr lang="en-US" dirty="0"/>
-              <a:t>© </a:t>
-            </a:r>
-            <a:r>
-              <a:rPr lang="bg-BG" dirty="0"/>
-              <a:t>Софтуерен университет</a:t>
-            </a:r>
-            <a:r>
-              <a:rPr lang="en-US" dirty="0"/>
-              <a:t> – </a:t>
-            </a:r>
-            <a:r>
-              <a:rPr lang="en-US" dirty="0">
-                <a:hlinkClick r:id="rId4"/>
-              </a:rPr>
-              <a:t>https://softuni.bg</a:t>
-            </a:r>
-            <a:endParaRPr lang="bg-BG" dirty="0"/>
-          </a:p>
-          <a:p>
-            <a:pPr>
-              <a:lnSpc>
-                <a:spcPct val="120000"/>
-              </a:lnSpc>
-            </a:pPr>
-            <a:endParaRPr lang="bg-BG" dirty="0"/>
+              <a:rPr lang="bg-BG" sz="3200" b="1" dirty="0"/>
+              <a:t>свободно учебно съдържание </a:t>
+            </a:r>
+            <a:r>
+              <a:rPr lang="bg-BG" sz="3200" dirty="0"/>
+              <a:t>и се разпространява под свободен лиценз </a:t>
+            </a:r>
+            <a:r>
+              <a:rPr lang="en-US" sz="3200" b="1" dirty="0"/>
+              <a:t>CC-BY-NC-SA</a:t>
+            </a:r>
+            <a:endParaRPr lang="bg-BG" sz="3200" dirty="0"/>
           </a:p>
         </p:txBody>
       </p:sp>
@@ -31837,7 +30809,7 @@
           <p:nvPr/>
         </p:nvPicPr>
         <p:blipFill>
-          <a:blip r:embed="rId5">
+          <a:blip r:embed="rId3">
             <a:clrChange>
               <a:clrFrom>
                 <a:srgbClr val="FFFFFF"/>
@@ -31855,8 +30827,8 @@
         </p:blipFill>
         <p:spPr>
           <a:xfrm>
-            <a:off x="9745023" y="4445455"/>
-            <a:ext cx="1930977" cy="2043545"/>
+            <a:off x="10226175" y="1440120"/>
+            <a:ext cx="1198986" cy="1268880"/>
           </a:xfrm>
           <a:prstGeom prst="rect">
             <a:avLst/>
@@ -31893,10 +30865,171 @@
       </p:sp>
       <p:sp>
         <p:nvSpPr>
-          <p:cNvPr id="7" name="Slide Number">
+          <p:cNvPr id="11" name="TextBox 10">
             <a:extLst>
               <a:ext uri="{FF2B5EF4-FFF2-40B4-BE49-F238E27FC236}">
-                <a16:creationId xmlns:a16="http://schemas.microsoft.com/office/drawing/2014/main" id="{986F1241-4467-4A33-8F42-658BD1961EF6}"/>
+                <a16:creationId xmlns:a16="http://schemas.microsoft.com/office/drawing/2014/main" id="{0C18DF19-B750-4C88-975B-661A6BF61F5E}"/>
+              </a:ext>
+            </a:extLst>
+          </p:cNvPr>
+          <p:cNvSpPr txBox="1"/>
+          <p:nvPr/>
+        </p:nvSpPr>
+        <p:spPr>
+          <a:xfrm>
+            <a:off x="190401" y="3927519"/>
+            <a:ext cx="11710599" cy="1979644"/>
+          </a:xfrm>
+          <a:prstGeom prst="rect">
+            <a:avLst/>
+          </a:prstGeom>
+          <a:noFill/>
+          <a:ln w="12700">
+            <a:noFill/>
+          </a:ln>
+        </p:spPr>
+        <p:txBody>
+          <a:bodyPr wrap="square">
+            <a:spAutoFit/>
+          </a:bodyPr>
+          <a:lstStyle/>
+          <a:p>
+            <a:pPr marL="360363" indent="-360363" defTabSz="1218438">
+              <a:lnSpc>
+                <a:spcPct val="120000"/>
+              </a:lnSpc>
+              <a:spcBef>
+                <a:spcPts val="600"/>
+              </a:spcBef>
+              <a:spcAft>
+                <a:spcPts val="600"/>
+              </a:spcAft>
+              <a:buFont typeface="Wingdings" panose="05000000000000000000" pitchFamily="2" charset="2"/>
+              <a:buChar char="§"/>
+              <a:defRPr/>
+            </a:pPr>
+            <a:r>
+              <a:rPr lang="bg-BG" sz="3200" dirty="0"/>
+              <a:t>Проект "</a:t>
+            </a:r>
+            <a:r>
+              <a:rPr lang="bg-BG" sz="3200" b="1" dirty="0"/>
+              <a:t>Отворено учебно съдържание по програмиране и ИТ</a:t>
+            </a:r>
+            <a:r>
+              <a:rPr lang="bg-BG" sz="3200" dirty="0"/>
+              <a:t>" към Фондация "Софтуерен университет"</a:t>
+            </a:r>
+            <a:r>
+              <a:rPr lang="en-US" sz="3200" dirty="0"/>
+              <a:t>:</a:t>
+            </a:r>
+            <a:endParaRPr lang="bg-BG" sz="3200" dirty="0"/>
+          </a:p>
+          <a:p>
+            <a:pPr marL="817563" lvl="1" indent="-360363" defTabSz="1218438">
+              <a:lnSpc>
+                <a:spcPct val="120000"/>
+              </a:lnSpc>
+              <a:spcBef>
+                <a:spcPts val="600"/>
+              </a:spcBef>
+              <a:spcAft>
+                <a:spcPts val="600"/>
+              </a:spcAft>
+              <a:buFont typeface="Wingdings" panose="05000000000000000000" pitchFamily="2" charset="2"/>
+              <a:buChar char="§"/>
+              <a:defRPr/>
+            </a:pPr>
+            <a:r>
+              <a:rPr kumimoji="0" lang="en-US" sz="3200" b="0" i="0" u="none" strike="noStrike" kern="1200" cap="none" spc="0" normalizeH="0" baseline="0" noProof="0" dirty="0">
+                <a:ln>
+                  <a:noFill/>
+                </a:ln>
+                <a:solidFill>
+                  <a:srgbClr val="234465"/>
+                </a:solidFill>
+                <a:effectLst/>
+                <a:uLnTx/>
+                <a:uFillTx/>
+                <a:latin typeface="Calibri"/>
+                <a:ea typeface="+mn-ea"/>
+                <a:cs typeface="+mn-cs"/>
+                <a:hlinkClick r:id="rId4"/>
+              </a:rPr>
+              <a:t>https://github.com/BG-IT-Edu</a:t>
+            </a:r>
+            <a:endParaRPr kumimoji="0" lang="bg-BG" sz="3200" b="0" i="0" u="none" strike="noStrike" kern="1200" cap="none" spc="0" normalizeH="0" baseline="0" noProof="0" dirty="0">
+              <a:ln>
+                <a:noFill/>
+              </a:ln>
+              <a:solidFill>
+                <a:srgbClr val="234465"/>
+              </a:solidFill>
+              <a:effectLst/>
+              <a:uLnTx/>
+              <a:uFillTx/>
+              <a:latin typeface="Calibri"/>
+              <a:ea typeface="+mn-ea"/>
+              <a:cs typeface="+mn-cs"/>
+            </a:endParaRPr>
+          </a:p>
+        </p:txBody>
+      </p:sp>
+      <p:pic>
+        <p:nvPicPr>
+          <p:cNvPr id="7" name="Picture 6" title="CC-BY-NC-SA License">
+            <a:hlinkClick r:id="rId5" tooltip="This work is licensed under the &quot;Creative Commons Attribution-NonCommercial-ShareAlike 4.0 International&quot; license"/>
+            <a:extLst>
+              <a:ext uri="{FF2B5EF4-FFF2-40B4-BE49-F238E27FC236}">
+                <a16:creationId xmlns:a16="http://schemas.microsoft.com/office/drawing/2014/main" id="{F6C77C47-F7D8-A176-5C69-7FDE5C7E8003}"/>
+              </a:ext>
+            </a:extLst>
+          </p:cNvPr>
+          <p:cNvPicPr>
+            <a:picLocks noChangeAspect="1" noChangeArrowheads="1"/>
+          </p:cNvPicPr>
+          <p:nvPr/>
+        </p:nvPicPr>
+        <p:blipFill>
+          <a:blip r:embed="rId6">
+            <a:extLst>
+              <a:ext uri="{28A0092B-C50C-407E-A947-70E740481C1C}">
+                <a14:useLocalDpi xmlns:a14="http://schemas.microsoft.com/office/drawing/2010/main"/>
+              </a:ext>
+            </a:extLst>
+          </a:blip>
+          <a:srcRect/>
+          <a:stretch>
+            <a:fillRect/>
+          </a:stretch>
+        </p:blipFill>
+        <p:spPr bwMode="auto">
+          <a:xfrm>
+            <a:off x="9831000" y="2908593"/>
+            <a:ext cx="1989336" cy="696022"/>
+          </a:xfrm>
+          <a:prstGeom prst="roundRect">
+            <a:avLst>
+              <a:gd name="adj" fmla="val 3940"/>
+            </a:avLst>
+          </a:prstGeom>
+          <a:solidFill>
+            <a:srgbClr val="231F20">
+              <a:alpha val="50000"/>
+            </a:srgbClr>
+          </a:solidFill>
+          <a:ln>
+            <a:noFill/>
+          </a:ln>
+        </p:spPr>
+      </p:pic>
+      <p:sp>
+        <p:nvSpPr>
+          <p:cNvPr id="4" name="Slide Number">
+            <a:extLst>
+              <a:ext uri="{FF2B5EF4-FFF2-40B4-BE49-F238E27FC236}">
+                <a16:creationId xmlns:a16="http://schemas.microsoft.com/office/drawing/2014/main" id="{B871859F-9441-9177-4C61-00C0F246F4B9}"/>
               </a:ext>
             </a:extLst>
           </p:cNvPr>
@@ -31936,7 +31069,7 @@
     </p:spTree>
     <p:extLst>
       <p:ext uri="{BB962C8B-B14F-4D97-AF65-F5344CB8AC3E}">
-        <p14:creationId xmlns:p14="http://schemas.microsoft.com/office/powerpoint/2010/main" val="2850107079"/>
+        <p14:creationId xmlns:p14="http://schemas.microsoft.com/office/powerpoint/2010/main" val="1101368133"/>
       </p:ext>
     </p:extLst>
   </p:cSld>
@@ -32274,10 +31407,10 @@
       </p:sp>
       <p:sp>
         <p:nvSpPr>
-          <p:cNvPr id="6" name="Slide Number">
+          <p:cNvPr id="2" name="Slide Number">
             <a:extLst>
               <a:ext uri="{FF2B5EF4-FFF2-40B4-BE49-F238E27FC236}">
-                <a16:creationId xmlns:a16="http://schemas.microsoft.com/office/drawing/2014/main" id="{8809ACC3-0EA0-4140-B366-E67912B6CE4D}"/>
+                <a16:creationId xmlns:a16="http://schemas.microsoft.com/office/drawing/2014/main" id="{9377A82B-1AC9-8824-91DA-52C50D99B742}"/>
               </a:ext>
             </a:extLst>
           </p:cNvPr>
@@ -32405,7 +31538,7 @@
     </p:spTree>
     <p:extLst>
       <p:ext uri="{BB962C8B-B14F-4D97-AF65-F5344CB8AC3E}">
-        <p14:creationId xmlns:p14="http://schemas.microsoft.com/office/powerpoint/2010/main" val="580911702"/>
+        <p14:creationId xmlns:p14="http://schemas.microsoft.com/office/powerpoint/2010/main" val="1262237052"/>
       </p:ext>
     </p:extLst>
   </p:cSld>
@@ -32471,15 +31604,33 @@
                                   </p:childTnLst>
                                 </p:cTn>
                               </p:par>
+                            </p:childTnLst>
+                          </p:cTn>
+                        </p:par>
+                      </p:childTnLst>
+                    </p:cTn>
+                  </p:par>
+                  <p:par>
+                    <p:cTn id="7" fill="hold">
+                      <p:stCondLst>
+                        <p:cond delay="indefinite"/>
+                      </p:stCondLst>
+                      <p:childTnLst>
+                        <p:par>
+                          <p:cTn id="8" fill="hold">
+                            <p:stCondLst>
+                              <p:cond delay="0"/>
+                            </p:stCondLst>
+                            <p:childTnLst>
                               <p:par>
-                                <p:cTn id="7" presetID="1" presetClass="entr" presetSubtype="0" fill="hold" nodeType="withEffect">
+                                <p:cTn id="9" presetID="1" presetClass="entr" presetSubtype="0" fill="hold" nodeType="clickEffect">
                                   <p:stCondLst>
                                     <p:cond delay="0"/>
                                   </p:stCondLst>
                                   <p:childTnLst>
                                     <p:set>
                                       <p:cBhvr>
-                                        <p:cTn id="8" dur="1" fill="hold">
+                                        <p:cTn id="10" dur="1" fill="hold">
                                           <p:stCondLst>
                                             <p:cond delay="0"/>
                                           </p:stCondLst>
@@ -32509,26 +31660,26 @@
                     </p:cTn>
                   </p:par>
                   <p:par>
-                    <p:cTn id="9" fill="hold">
+                    <p:cTn id="11" fill="hold">
                       <p:stCondLst>
                         <p:cond delay="indefinite"/>
                       </p:stCondLst>
                       <p:childTnLst>
                         <p:par>
-                          <p:cTn id="10" fill="hold">
+                          <p:cTn id="12" fill="hold">
                             <p:stCondLst>
                               <p:cond delay="0"/>
                             </p:stCondLst>
                             <p:childTnLst>
                               <p:par>
-                                <p:cTn id="11" presetID="1" presetClass="entr" presetSubtype="0" fill="hold" nodeType="clickEffect">
+                                <p:cTn id="13" presetID="1" presetClass="entr" presetSubtype="0" fill="hold" nodeType="clickEffect">
                                   <p:stCondLst>
                                     <p:cond delay="0"/>
                                   </p:stCondLst>
                                   <p:childTnLst>
                                     <p:set>
                                       <p:cBhvr>
-                                        <p:cTn id="12" dur="1" fill="hold">
+                                        <p:cTn id="14" dur="1" fill="hold">
                                           <p:stCondLst>
                                             <p:cond delay="0"/>
                                           </p:stCondLst>
@@ -32558,26 +31709,26 @@
                     </p:cTn>
                   </p:par>
                   <p:par>
-                    <p:cTn id="13" fill="hold">
+                    <p:cTn id="15" fill="hold">
                       <p:stCondLst>
                         <p:cond delay="indefinite"/>
                       </p:stCondLst>
                       <p:childTnLst>
                         <p:par>
-                          <p:cTn id="14" fill="hold">
+                          <p:cTn id="16" fill="hold">
                             <p:stCondLst>
                               <p:cond delay="0"/>
                             </p:stCondLst>
                             <p:childTnLst>
                               <p:par>
-                                <p:cTn id="15" presetID="1" presetClass="entr" presetSubtype="0" fill="hold" nodeType="clickEffect">
+                                <p:cTn id="17" presetID="1" presetClass="entr" presetSubtype="0" fill="hold" nodeType="clickEffect">
                                   <p:stCondLst>
                                     <p:cond delay="0"/>
                                   </p:stCondLst>
                                   <p:childTnLst>
                                     <p:set>
                                       <p:cBhvr>
-                                        <p:cTn id="16" dur="1" fill="hold">
+                                        <p:cTn id="18" dur="1" fill="hold">
                                           <p:stCondLst>
                                             <p:cond delay="0"/>
                                           </p:stCondLst>
@@ -32648,77 +31799,6 @@
           <a:chExt cx="0" cy="0"/>
         </a:xfrm>
       </p:grpSpPr>
-      <p:sp>
-        <p:nvSpPr>
-          <p:cNvPr id="2" name="Подзаглавие 1">
-            <a:extLst>
-              <a:ext uri="{FF2B5EF4-FFF2-40B4-BE49-F238E27FC236}">
-                <a16:creationId xmlns:a16="http://schemas.microsoft.com/office/drawing/2014/main" id="{BDC2E4B9-0195-B675-EFB4-639F6FD03EEB}"/>
-              </a:ext>
-            </a:extLst>
-          </p:cNvPr>
-          <p:cNvSpPr>
-            <a:spLocks noGrp="1"/>
-          </p:cNvSpPr>
-          <p:nvPr>
-            <p:ph type="subTitle" sz="quarter" idx="11"/>
-          </p:nvPr>
-        </p:nvSpPr>
-        <p:spPr>
-          <a:xfrm>
-            <a:off x="33026" y="5585916"/>
-            <a:ext cx="12157699" cy="768084"/>
-          </a:xfrm>
-        </p:spPr>
-        <p:txBody>
-          <a:bodyPr/>
-          <a:lstStyle/>
-          <a:p>
-            <a:r>
-              <a:rPr lang="bg-BG" sz="3950" dirty="0">
-                <a:cs typeface="Arial"/>
-              </a:rPr>
-              <a:t> Класове </a:t>
-            </a:r>
-            <a:endParaRPr lang="bg-BG" sz="3950" dirty="0"/>
-          </a:p>
-        </p:txBody>
-      </p:sp>
-      <p:sp>
-        <p:nvSpPr>
-          <p:cNvPr id="3" name="Заглавие 2">
-            <a:extLst>
-              <a:ext uri="{FF2B5EF4-FFF2-40B4-BE49-F238E27FC236}">
-                <a16:creationId xmlns:a16="http://schemas.microsoft.com/office/drawing/2014/main" id="{D8D75909-347E-ADDF-2898-CCD0E04C7F52}"/>
-              </a:ext>
-            </a:extLst>
-          </p:cNvPr>
-          <p:cNvSpPr>
-            <a:spLocks noGrp="1"/>
-          </p:cNvSpPr>
-          <p:nvPr>
-            <p:ph type="title" sz="quarter" idx="10"/>
-          </p:nvPr>
-        </p:nvSpPr>
-        <p:spPr/>
-        <p:txBody>
-          <a:bodyPr/>
-          <a:lstStyle/>
-          <a:p>
-            <a:r>
-              <a:rPr lang="en-GB" sz="5350" dirty="0">
-                <a:ea typeface="+mj-lt"/>
-                <a:cs typeface="+mj-lt"/>
-              </a:rPr>
-              <a:t>Примери</a:t>
-            </a:r>
-            <a:endParaRPr lang="bg-BG" sz="5350" b="0" dirty="0">
-              <a:ea typeface="+mj-lt"/>
-              <a:cs typeface="+mj-lt"/>
-            </a:endParaRPr>
-          </a:p>
-        </p:txBody>
-      </p:sp>
       <p:pic>
         <p:nvPicPr>
           <p:cNvPr id="6" name="Picture 6" descr="Картина, която съдържа текст&#10;&#10;Описанието е генерирано автоматично">
@@ -32763,10 +31843,66 @@
           </a:effectLst>
         </p:spPr>
       </p:pic>
+      <p:sp>
+        <p:nvSpPr>
+          <p:cNvPr id="5" name="Подзаглавие 4">
+            <a:extLst>
+              <a:ext uri="{FF2B5EF4-FFF2-40B4-BE49-F238E27FC236}">
+                <a16:creationId xmlns:a16="http://schemas.microsoft.com/office/drawing/2014/main" id="{0C97079B-627F-C5DD-A2BF-E0AC4C7B1CDB}"/>
+              </a:ext>
+            </a:extLst>
+          </p:cNvPr>
+          <p:cNvSpPr>
+            <a:spLocks noGrp="1"/>
+          </p:cNvSpPr>
+          <p:nvPr>
+            <p:ph type="subTitle" sz="quarter" idx="11"/>
+          </p:nvPr>
+        </p:nvSpPr>
+        <p:spPr/>
+        <p:txBody>
+          <a:bodyPr/>
+          <a:lstStyle/>
+          <a:p>
+            <a:r>
+              <a:rPr lang="bg-BG"/>
+              <a:t>Примери</a:t>
+            </a:r>
+          </a:p>
+        </p:txBody>
+      </p:sp>
+      <p:sp>
+        <p:nvSpPr>
+          <p:cNvPr id="8" name="Заглавие 7">
+            <a:extLst>
+              <a:ext uri="{FF2B5EF4-FFF2-40B4-BE49-F238E27FC236}">
+                <a16:creationId xmlns:a16="http://schemas.microsoft.com/office/drawing/2014/main" id="{9A860A01-A2C0-AE23-66FB-F5FB5D7F6CEC}"/>
+              </a:ext>
+            </a:extLst>
+          </p:cNvPr>
+          <p:cNvSpPr>
+            <a:spLocks noGrp="1"/>
+          </p:cNvSpPr>
+          <p:nvPr>
+            <p:ph type="title" sz="quarter" idx="10"/>
+          </p:nvPr>
+        </p:nvSpPr>
+        <p:spPr/>
+        <p:txBody>
+          <a:bodyPr/>
+          <a:lstStyle/>
+          <a:p>
+            <a:r>
+              <a:rPr lang="bg-BG"/>
+              <a:t> Класове </a:t>
+            </a:r>
+          </a:p>
+        </p:txBody>
+      </p:sp>
     </p:spTree>
     <p:extLst>
       <p:ext uri="{BB962C8B-B14F-4D97-AF65-F5344CB8AC3E}">
-        <p14:creationId xmlns:p14="http://schemas.microsoft.com/office/powerpoint/2010/main" val="186916590"/>
+        <p14:creationId xmlns:p14="http://schemas.microsoft.com/office/powerpoint/2010/main" val="1907467942"/>
       </p:ext>
     </p:extLst>
   </p:cSld>
@@ -33310,10 +32446,10 @@
       </p:sp>
       <p:sp>
         <p:nvSpPr>
-          <p:cNvPr id="10" name="Slide Number">
+          <p:cNvPr id="2" name="Slide Number">
             <a:extLst>
               <a:ext uri="{FF2B5EF4-FFF2-40B4-BE49-F238E27FC236}">
-                <a16:creationId xmlns:a16="http://schemas.microsoft.com/office/drawing/2014/main" id="{46E5B024-4C7F-43F5-A64A-DC729B03F188}"/>
+                <a16:creationId xmlns:a16="http://schemas.microsoft.com/office/drawing/2014/main" id="{A915FD99-189D-0EDE-BC8B-F8004F824F91}"/>
               </a:ext>
             </a:extLst>
           </p:cNvPr>
@@ -33353,7 +32489,7 @@
     </p:spTree>
     <p:extLst>
       <p:ext uri="{BB962C8B-B14F-4D97-AF65-F5344CB8AC3E}">
-        <p14:creationId xmlns:p14="http://schemas.microsoft.com/office/powerpoint/2010/main" val="2616529494"/>
+        <p14:creationId xmlns:p14="http://schemas.microsoft.com/office/powerpoint/2010/main" val="3601987958"/>
       </p:ext>
     </p:extLst>
   </p:cSld>
@@ -33606,36 +32742,6 @@
       </p:grpSpPr>
       <p:sp>
         <p:nvSpPr>
-          <p:cNvPr id="2" name="Контейнер за номер на слайда 1">
-            <a:extLst>
-              <a:ext uri="{FF2B5EF4-FFF2-40B4-BE49-F238E27FC236}">
-                <a16:creationId xmlns:a16="http://schemas.microsoft.com/office/drawing/2014/main" id="{D55EC16D-6572-43AD-CC6A-8FD25671E5B0}"/>
-              </a:ext>
-            </a:extLst>
-          </p:cNvPr>
-          <p:cNvSpPr>
-            <a:spLocks noGrp="1"/>
-          </p:cNvSpPr>
-          <p:nvPr>
-            <p:ph type="sldNum" sz="quarter" idx="4"/>
-          </p:nvPr>
-        </p:nvSpPr>
-        <p:spPr/>
-        <p:txBody>
-          <a:bodyPr/>
-          <a:lstStyle/>
-          <a:p>
-            <a:fld id="{2BF067CD-8E6B-4360-9AA8-C5DF2A48A6D1}" type="slidenum">
-              <a:rPr lang="en-US" noProof="0" smtClean="0"/>
-              <a:pPr/>
-              <a:t>7</a:t>
-            </a:fld>
-            <a:endParaRPr lang="en-US" noProof="0" dirty="0"/>
-          </a:p>
-        </p:txBody>
-      </p:sp>
-      <p:sp>
-        <p:nvSpPr>
           <p:cNvPr id="3" name="Текстов контейнер 2">
             <a:extLst>
               <a:ext uri="{FF2B5EF4-FFF2-40B4-BE49-F238E27FC236}">
@@ -34237,10 +33343,140 @@
           </a:p>
         </p:txBody>
       </p:sp>
+      <p:sp>
+        <p:nvSpPr>
+          <p:cNvPr id="7" name="Slide Number">
+            <a:extLst>
+              <a:ext uri="{FF2B5EF4-FFF2-40B4-BE49-F238E27FC236}">
+                <a16:creationId xmlns:a16="http://schemas.microsoft.com/office/drawing/2014/main" id="{940CE92C-0F39-9701-6520-5216D7815784}"/>
+              </a:ext>
+            </a:extLst>
+          </p:cNvPr>
+          <p:cNvSpPr txBox="1">
+            <a:spLocks/>
+          </p:cNvSpPr>
+          <p:nvPr/>
+        </p:nvSpPr>
+        <p:spPr>
+          <a:xfrm>
+            <a:off x="11753030" y="6507000"/>
+            <a:ext cx="367414" cy="297000"/>
+          </a:xfrm>
+          <a:prstGeom prst="rect">
+            <a:avLst/>
+          </a:prstGeom>
+        </p:spPr>
+        <p:txBody>
+          <a:bodyPr vert="horz" lIns="91440" tIns="45720" rIns="91440" bIns="45720" rtlCol="0" anchor="b"/>
+          <a:lstStyle>
+            <a:defPPr>
+              <a:defRPr lang="en-US"/>
+            </a:defPPr>
+            <a:lvl1pPr marL="0" algn="r" defTabSz="914400" rtl="0" eaLnBrk="1" latinLnBrk="0" hangingPunct="1">
+              <a:defRPr sz="1000" kern="1200">
+                <a:solidFill>
+                  <a:schemeClr val="tx1"/>
+                </a:solidFill>
+                <a:latin typeface="+mn-lt"/>
+                <a:ea typeface="+mn-ea"/>
+                <a:cs typeface="+mn-cs"/>
+              </a:defRPr>
+            </a:lvl1pPr>
+            <a:lvl2pPr marL="457200" algn="l" defTabSz="914400" rtl="0" eaLnBrk="1" latinLnBrk="0" hangingPunct="1">
+              <a:defRPr sz="1800" kern="1200">
+                <a:solidFill>
+                  <a:schemeClr val="tx1"/>
+                </a:solidFill>
+                <a:latin typeface="+mn-lt"/>
+                <a:ea typeface="+mn-ea"/>
+                <a:cs typeface="+mn-cs"/>
+              </a:defRPr>
+            </a:lvl2pPr>
+            <a:lvl3pPr marL="914400" algn="l" defTabSz="914400" rtl="0" eaLnBrk="1" latinLnBrk="0" hangingPunct="1">
+              <a:defRPr sz="1800" kern="1200">
+                <a:solidFill>
+                  <a:schemeClr val="tx1"/>
+                </a:solidFill>
+                <a:latin typeface="+mn-lt"/>
+                <a:ea typeface="+mn-ea"/>
+                <a:cs typeface="+mn-cs"/>
+              </a:defRPr>
+            </a:lvl3pPr>
+            <a:lvl4pPr marL="1371600" algn="l" defTabSz="914400" rtl="0" eaLnBrk="1" latinLnBrk="0" hangingPunct="1">
+              <a:defRPr sz="1800" kern="1200">
+                <a:solidFill>
+                  <a:schemeClr val="tx1"/>
+                </a:solidFill>
+                <a:latin typeface="+mn-lt"/>
+                <a:ea typeface="+mn-ea"/>
+                <a:cs typeface="+mn-cs"/>
+              </a:defRPr>
+            </a:lvl4pPr>
+            <a:lvl5pPr marL="1828800" algn="l" defTabSz="914400" rtl="0" eaLnBrk="1" latinLnBrk="0" hangingPunct="1">
+              <a:defRPr sz="1800" kern="1200">
+                <a:solidFill>
+                  <a:schemeClr val="tx1"/>
+                </a:solidFill>
+                <a:latin typeface="+mn-lt"/>
+                <a:ea typeface="+mn-ea"/>
+                <a:cs typeface="+mn-cs"/>
+              </a:defRPr>
+            </a:lvl5pPr>
+            <a:lvl6pPr marL="2286000" algn="l" defTabSz="914400" rtl="0" eaLnBrk="1" latinLnBrk="0" hangingPunct="1">
+              <a:defRPr sz="1800" kern="1200">
+                <a:solidFill>
+                  <a:schemeClr val="tx1"/>
+                </a:solidFill>
+                <a:latin typeface="+mn-lt"/>
+                <a:ea typeface="+mn-ea"/>
+                <a:cs typeface="+mn-cs"/>
+              </a:defRPr>
+            </a:lvl6pPr>
+            <a:lvl7pPr marL="2743200" algn="l" defTabSz="914400" rtl="0" eaLnBrk="1" latinLnBrk="0" hangingPunct="1">
+              <a:defRPr sz="1800" kern="1200">
+                <a:solidFill>
+                  <a:schemeClr val="tx1"/>
+                </a:solidFill>
+                <a:latin typeface="+mn-lt"/>
+                <a:ea typeface="+mn-ea"/>
+                <a:cs typeface="+mn-cs"/>
+              </a:defRPr>
+            </a:lvl7pPr>
+            <a:lvl8pPr marL="3200400" algn="l" defTabSz="914400" rtl="0" eaLnBrk="1" latinLnBrk="0" hangingPunct="1">
+              <a:defRPr sz="1800" kern="1200">
+                <a:solidFill>
+                  <a:schemeClr val="tx1"/>
+                </a:solidFill>
+                <a:latin typeface="+mn-lt"/>
+                <a:ea typeface="+mn-ea"/>
+                <a:cs typeface="+mn-cs"/>
+              </a:defRPr>
+            </a:lvl8pPr>
+            <a:lvl9pPr marL="3657600" algn="l" defTabSz="914400" rtl="0" eaLnBrk="1" latinLnBrk="0" hangingPunct="1">
+              <a:defRPr sz="1800" kern="1200">
+                <a:solidFill>
+                  <a:schemeClr val="tx1"/>
+                </a:solidFill>
+                <a:latin typeface="+mn-lt"/>
+                <a:ea typeface="+mn-ea"/>
+                <a:cs typeface="+mn-cs"/>
+              </a:defRPr>
+            </a:lvl9pPr>
+          </a:lstStyle>
+          <a:p>
+            <a:fld id="{2BF067CD-8E6B-4360-9AA8-C5DF2A48A6D1}" type="slidenum">
+              <a:rPr lang="en-US" smtClean="0"/>
+              <a:pPr/>
+              <a:t>7</a:t>
+            </a:fld>
+            <a:endParaRPr lang="en-US" dirty="0"/>
+          </a:p>
+        </p:txBody>
+      </p:sp>
     </p:spTree>
     <p:extLst>
       <p:ext uri="{BB962C8B-B14F-4D97-AF65-F5344CB8AC3E}">
-        <p14:creationId xmlns:p14="http://schemas.microsoft.com/office/powerpoint/2010/main" val="185264055"/>
+        <p14:creationId xmlns:p14="http://schemas.microsoft.com/office/powerpoint/2010/main" val="1337397014"/>
       </p:ext>
     </p:extLst>
   </p:cSld>
@@ -34842,10 +34078,10 @@
       </p:sp>
       <p:sp>
         <p:nvSpPr>
-          <p:cNvPr id="8" name="Slide Number">
+          <p:cNvPr id="2" name="Slide Number">
             <a:extLst>
               <a:ext uri="{FF2B5EF4-FFF2-40B4-BE49-F238E27FC236}">
-                <a16:creationId xmlns:a16="http://schemas.microsoft.com/office/drawing/2014/main" id="{BD41885D-F2CA-40F6-BAF8-6F23B4D83CA0}"/>
+                <a16:creationId xmlns:a16="http://schemas.microsoft.com/office/drawing/2014/main" id="{E5B9400C-F79A-03D3-C3E2-AE95069EBC01}"/>
               </a:ext>
             </a:extLst>
           </p:cNvPr>
@@ -34885,7 +34121,7 @@
     </p:spTree>
     <p:extLst>
       <p:ext uri="{BB962C8B-B14F-4D97-AF65-F5344CB8AC3E}">
-        <p14:creationId xmlns:p14="http://schemas.microsoft.com/office/powerpoint/2010/main" val="3607558198"/>
+        <p14:creationId xmlns:p14="http://schemas.microsoft.com/office/powerpoint/2010/main" val="507631727"/>
       </p:ext>
     </p:extLst>
   </p:cSld>
@@ -35031,36 +34267,6 @@
       </p:grpSpPr>
       <p:sp>
         <p:nvSpPr>
-          <p:cNvPr id="2" name="Контейнер за номер на слайда 1">
-            <a:extLst>
-              <a:ext uri="{FF2B5EF4-FFF2-40B4-BE49-F238E27FC236}">
-                <a16:creationId xmlns:a16="http://schemas.microsoft.com/office/drawing/2014/main" id="{1AEF24BA-5E96-6AFD-40E2-3DA67D884ECC}"/>
-              </a:ext>
-            </a:extLst>
-          </p:cNvPr>
-          <p:cNvSpPr>
-            <a:spLocks noGrp="1"/>
-          </p:cNvSpPr>
-          <p:nvPr>
-            <p:ph type="sldNum" sz="quarter" idx="4"/>
-          </p:nvPr>
-        </p:nvSpPr>
-        <p:spPr/>
-        <p:txBody>
-          <a:bodyPr/>
-          <a:lstStyle/>
-          <a:p>
-            <a:fld id="{2BF067CD-8E6B-4360-9AA8-C5DF2A48A6D1}" type="slidenum">
-              <a:rPr lang="en-US" noProof="0" smtClean="0"/>
-              <a:pPr/>
-              <a:t>9</a:t>
-            </a:fld>
-            <a:endParaRPr lang="en-US" noProof="0" dirty="0"/>
-          </a:p>
-        </p:txBody>
-      </p:sp>
-      <p:sp>
-        <p:nvSpPr>
           <p:cNvPr id="3" name="Текстов контейнер 2">
             <a:extLst>
               <a:ext uri="{FF2B5EF4-FFF2-40B4-BE49-F238E27FC236}">
@@ -35248,10 +34454,140 @@
           </a:p>
         </p:txBody>
       </p:sp>
+      <p:sp>
+        <p:nvSpPr>
+          <p:cNvPr id="5" name="Slide Number">
+            <a:extLst>
+              <a:ext uri="{FF2B5EF4-FFF2-40B4-BE49-F238E27FC236}">
+                <a16:creationId xmlns:a16="http://schemas.microsoft.com/office/drawing/2014/main" id="{C2FCC1BF-5031-3E58-E630-1D02CBEE8100}"/>
+              </a:ext>
+            </a:extLst>
+          </p:cNvPr>
+          <p:cNvSpPr txBox="1">
+            <a:spLocks/>
+          </p:cNvSpPr>
+          <p:nvPr/>
+        </p:nvSpPr>
+        <p:spPr>
+          <a:xfrm>
+            <a:off x="11753030" y="6507000"/>
+            <a:ext cx="367414" cy="297000"/>
+          </a:xfrm>
+          <a:prstGeom prst="rect">
+            <a:avLst/>
+          </a:prstGeom>
+        </p:spPr>
+        <p:txBody>
+          <a:bodyPr vert="horz" lIns="91440" tIns="45720" rIns="91440" bIns="45720" rtlCol="0" anchor="b"/>
+          <a:lstStyle>
+            <a:defPPr>
+              <a:defRPr lang="en-US"/>
+            </a:defPPr>
+            <a:lvl1pPr marL="0" algn="r" defTabSz="914400" rtl="0" eaLnBrk="1" latinLnBrk="0" hangingPunct="1">
+              <a:defRPr sz="1000" kern="1200">
+                <a:solidFill>
+                  <a:schemeClr val="tx1"/>
+                </a:solidFill>
+                <a:latin typeface="+mn-lt"/>
+                <a:ea typeface="+mn-ea"/>
+                <a:cs typeface="+mn-cs"/>
+              </a:defRPr>
+            </a:lvl1pPr>
+            <a:lvl2pPr marL="457200" algn="l" defTabSz="914400" rtl="0" eaLnBrk="1" latinLnBrk="0" hangingPunct="1">
+              <a:defRPr sz="1800" kern="1200">
+                <a:solidFill>
+                  <a:schemeClr val="tx1"/>
+                </a:solidFill>
+                <a:latin typeface="+mn-lt"/>
+                <a:ea typeface="+mn-ea"/>
+                <a:cs typeface="+mn-cs"/>
+              </a:defRPr>
+            </a:lvl2pPr>
+            <a:lvl3pPr marL="914400" algn="l" defTabSz="914400" rtl="0" eaLnBrk="1" latinLnBrk="0" hangingPunct="1">
+              <a:defRPr sz="1800" kern="1200">
+                <a:solidFill>
+                  <a:schemeClr val="tx1"/>
+                </a:solidFill>
+                <a:latin typeface="+mn-lt"/>
+                <a:ea typeface="+mn-ea"/>
+                <a:cs typeface="+mn-cs"/>
+              </a:defRPr>
+            </a:lvl3pPr>
+            <a:lvl4pPr marL="1371600" algn="l" defTabSz="914400" rtl="0" eaLnBrk="1" latinLnBrk="0" hangingPunct="1">
+              <a:defRPr sz="1800" kern="1200">
+                <a:solidFill>
+                  <a:schemeClr val="tx1"/>
+                </a:solidFill>
+                <a:latin typeface="+mn-lt"/>
+                <a:ea typeface="+mn-ea"/>
+                <a:cs typeface="+mn-cs"/>
+              </a:defRPr>
+            </a:lvl4pPr>
+            <a:lvl5pPr marL="1828800" algn="l" defTabSz="914400" rtl="0" eaLnBrk="1" latinLnBrk="0" hangingPunct="1">
+              <a:defRPr sz="1800" kern="1200">
+                <a:solidFill>
+                  <a:schemeClr val="tx1"/>
+                </a:solidFill>
+                <a:latin typeface="+mn-lt"/>
+                <a:ea typeface="+mn-ea"/>
+                <a:cs typeface="+mn-cs"/>
+              </a:defRPr>
+            </a:lvl5pPr>
+            <a:lvl6pPr marL="2286000" algn="l" defTabSz="914400" rtl="0" eaLnBrk="1" latinLnBrk="0" hangingPunct="1">
+              <a:defRPr sz="1800" kern="1200">
+                <a:solidFill>
+                  <a:schemeClr val="tx1"/>
+                </a:solidFill>
+                <a:latin typeface="+mn-lt"/>
+                <a:ea typeface="+mn-ea"/>
+                <a:cs typeface="+mn-cs"/>
+              </a:defRPr>
+            </a:lvl6pPr>
+            <a:lvl7pPr marL="2743200" algn="l" defTabSz="914400" rtl="0" eaLnBrk="1" latinLnBrk="0" hangingPunct="1">
+              <a:defRPr sz="1800" kern="1200">
+                <a:solidFill>
+                  <a:schemeClr val="tx1"/>
+                </a:solidFill>
+                <a:latin typeface="+mn-lt"/>
+                <a:ea typeface="+mn-ea"/>
+                <a:cs typeface="+mn-cs"/>
+              </a:defRPr>
+            </a:lvl7pPr>
+            <a:lvl8pPr marL="3200400" algn="l" defTabSz="914400" rtl="0" eaLnBrk="1" latinLnBrk="0" hangingPunct="1">
+              <a:defRPr sz="1800" kern="1200">
+                <a:solidFill>
+                  <a:schemeClr val="tx1"/>
+                </a:solidFill>
+                <a:latin typeface="+mn-lt"/>
+                <a:ea typeface="+mn-ea"/>
+                <a:cs typeface="+mn-cs"/>
+              </a:defRPr>
+            </a:lvl8pPr>
+            <a:lvl9pPr marL="3657600" algn="l" defTabSz="914400" rtl="0" eaLnBrk="1" latinLnBrk="0" hangingPunct="1">
+              <a:defRPr sz="1800" kern="1200">
+                <a:solidFill>
+                  <a:schemeClr val="tx1"/>
+                </a:solidFill>
+                <a:latin typeface="+mn-lt"/>
+                <a:ea typeface="+mn-ea"/>
+                <a:cs typeface="+mn-cs"/>
+              </a:defRPr>
+            </a:lvl9pPr>
+          </a:lstStyle>
+          <a:p>
+            <a:fld id="{2BF067CD-8E6B-4360-9AA8-C5DF2A48A6D1}" type="slidenum">
+              <a:rPr lang="en-US" smtClean="0"/>
+              <a:pPr/>
+              <a:t>9</a:t>
+            </a:fld>
+            <a:endParaRPr lang="en-US" dirty="0"/>
+          </a:p>
+        </p:txBody>
+      </p:sp>
     </p:spTree>
     <p:extLst>
       <p:ext uri="{BB962C8B-B14F-4D97-AF65-F5344CB8AC3E}">
-        <p14:creationId xmlns:p14="http://schemas.microsoft.com/office/powerpoint/2010/main" val="1207798938"/>
+        <p14:creationId xmlns:p14="http://schemas.microsoft.com/office/powerpoint/2010/main" val="2807651101"/>
       </p:ext>
     </p:extLst>
   </p:cSld>
@@ -35529,12 +34865,12 @@
 <file path=ppt/theme/theme1.xml><?xml version="1.0" encoding="utf-8"?>
 <a:theme xmlns:a="http://schemas.openxmlformats.org/drawingml/2006/main" name="SoftUni">
   <a:themeElements>
-    <a:clrScheme name="Custom 28">
+    <a:clrScheme name="Custom 2">
       <a:dk1>
         <a:srgbClr val="234465"/>
       </a:dk1>
       <a:lt1>
-        <a:srgbClr val="FFA000"/>
+        <a:srgbClr val="BF7800"/>
       </a:lt1>
       <a:dk2>
         <a:srgbClr val="234465"/>
@@ -35543,7 +34879,7 @@
         <a:srgbClr val="FFFFFF"/>
       </a:lt2>
       <a:accent1>
-        <a:srgbClr val="F29600"/>
+        <a:srgbClr val="FFA000"/>
       </a:accent1>
       <a:accent2>
         <a:srgbClr val="00B050"/>
@@ -35561,10 +34897,10 @@
         <a:srgbClr val="F4F5F7"/>
       </a:accent6>
       <a:hlink>
-        <a:srgbClr val="F2AC44"/>
+        <a:srgbClr val="BF7800"/>
       </a:hlink>
       <a:folHlink>
-        <a:srgbClr val="F6C781"/>
+        <a:srgbClr val="EF9511"/>
       </a:folHlink>
     </a:clrScheme>
     <a:fontScheme name="SoftUni">

--- a/Courses/Software-Sciences/Module-2-DS-and-Algo/08.1-Regular-Expressions-Basics/08.1-Regular-Expressions-Basics.pptx
+++ b/Courses/Software-Sciences/Module-2-DS-and-Algo/08.1-Regular-Expressions-Basics/08.1-Regular-Expressions-Basics.pptx
@@ -327,7 +327,7 @@
           <a:p>
             <a:fld id="{4E087215-0C8F-4762-A664-737A353EC9A4}" type="datetimeFigureOut">
               <a:rPr lang="bg-BG" smtClean="0"/>
-              <a:t>17.9.2023 г.</a:t>
+              <a:t>3.07.24 г.</a:t>
             </a:fld>
             <a:endParaRPr lang="bg-BG"/>
           </a:p>
@@ -523,7 +523,7 @@
           <a:p>
             <a:fld id="{72D84649-876A-46C9-8472-14CB09C070D8}" type="datetimeFigureOut">
               <a:rPr lang="en-US" smtClean="0"/>
-              <a:t>9/17/2023</a:t>
+              <a:t>7/3/24</a:t>
             </a:fld>
             <a:endParaRPr lang="en-US"/>
           </a:p>
@@ -9662,7 +9662,7 @@
                 <a:latin typeface="Consolas"/>
                 <a:cs typeface="Consolas" panose="020B0609020204030204" pitchFamily="49" charset="0"/>
               </a:rPr>
-              <a:t>3</a:t>
+              <a:t>n</a:t>
             </a:r>
             <a:r>
               <a:rPr lang="en-US" sz="3350" b="1" noProof="1">
@@ -9718,7 +9718,7 @@
                 <a:ea typeface="+mn-lt"/>
                 <a:cs typeface="+mn-lt"/>
               </a:rPr>
-              <a:t>три пъти</a:t>
+              <a:t>n пъти</a:t>
             </a:r>
             <a:endParaRPr lang="en-US" sz="3350" noProof="1">
               <a:solidFill>
@@ -10081,22 +10081,7 @@
               <a:rPr lang="en-US" sz="2799" b="1" noProof="1">
                 <a:latin typeface="Consolas" panose="020B0609020204030204" pitchFamily="49" charset="0"/>
               </a:rPr>
-              <a:t> a</a:t>
-            </a:r>
-            <a:r>
-              <a:rPr lang="en-US" sz="2799" b="1" noProof="1">
-                <a:solidFill>
-                  <a:schemeClr val="accent2"/>
-                </a:solidFill>
-                <a:latin typeface="Consolas" panose="020B0609020204030204" pitchFamily="49" charset="0"/>
-              </a:rPr>
-              <a:t>+</a:t>
-            </a:r>
-            <a:r>
-              <a:rPr lang="en-US" sz="2799" b="1" noProof="1">
-                <a:latin typeface="Consolas" panose="020B0609020204030204" pitchFamily="49" charset="0"/>
-              </a:rPr>
-              <a:t>b</a:t>
+              <a:t> a+b</a:t>
             </a:r>
           </a:p>
         </p:txBody>
@@ -10571,22 +10556,7 @@
               <a:rPr lang="en-US" sz="2799" b="1" noProof="1">
                 <a:latin typeface="Consolas" panose="020B0609020204030204" pitchFamily="49" charset="0"/>
               </a:rPr>
-              <a:t>885976002 a</a:t>
-            </a:r>
-            <a:r>
-              <a:rPr lang="en-US" sz="2799" b="1" noProof="1">
-                <a:solidFill>
-                  <a:schemeClr val="accent2"/>
-                </a:solidFill>
-                <a:latin typeface="Consolas" panose="020B0609020204030204" pitchFamily="49" charset="0"/>
-              </a:rPr>
-              <a:t>+</a:t>
-            </a:r>
-            <a:r>
-              <a:rPr lang="en-US" sz="2799" b="1" noProof="1">
-                <a:latin typeface="Consolas" panose="020B0609020204030204" pitchFamily="49" charset="0"/>
-              </a:rPr>
-              <a:t>b</a:t>
+              <a:t>885976002 a+b</a:t>
             </a:r>
           </a:p>
         </p:txBody>
@@ -11326,11 +11296,18 @@
           <a:p>
             <a:pPr lvl="1" indent="-360045"/>
             <a:r>
+              <a:rPr lang="bg-BG" sz="3200" b="1" dirty="0">
+                <a:ea typeface="+mn-lt"/>
+                <a:cs typeface="+mn-lt"/>
+              </a:rPr>
+              <a:t>Пример</a:t>
+            </a:r>
+            <a:r>
               <a:rPr lang="bg-BG" sz="3200" dirty="0">
                 <a:ea typeface="+mn-lt"/>
                 <a:cs typeface="+mn-lt"/>
               </a:rPr>
-              <a:t>Пример: ако търсите текст, който започва и завършва със знаците </a:t>
+              <a:t>: ако търсите текст, който започва и завършва със знаците </a:t>
             </a:r>
             <a:r>
               <a:rPr lang="bg-BG" sz="3200" b="1" dirty="0">
@@ -12495,7 +12472,47 @@
                 <a:latin typeface="Consolas"/>
                 <a:cs typeface="Consolas" panose="020B0609020204030204" pitchFamily="49" charset="0"/>
               </a:rPr>
-              <a:t>(?&lt;name&gt;subexpression)</a:t>
+              <a:t>(?&lt;</a:t>
+            </a:r>
+            <a:r>
+              <a:rPr lang="bg-BG" sz="3150" b="1" noProof="1">
+                <a:solidFill>
+                  <a:schemeClr val="bg1"/>
+                </a:solidFill>
+                <a:latin typeface="Consolas"/>
+                <a:cs typeface="Consolas" panose="020B0609020204030204" pitchFamily="49" charset="0"/>
+              </a:rPr>
+              <a:t>име</a:t>
+            </a:r>
+            <a:r>
+              <a:rPr lang="en-US" sz="3150" b="1" noProof="1">
+                <a:solidFill>
+                  <a:schemeClr val="bg1"/>
+                </a:solidFill>
+                <a:latin typeface="Consolas"/>
+                <a:cs typeface="Consolas" panose="020B0609020204030204" pitchFamily="49" charset="0"/>
+              </a:rPr>
+              <a:t>&gt;</a:t>
+            </a:r>
+            <a:r>
+              <a:rPr lang="bg-BG" sz="3150" b="1" noProof="1">
+                <a:solidFill>
+                  <a:schemeClr val="bg1"/>
+                </a:solidFill>
+                <a:latin typeface="Consolas"/>
+                <a:cs typeface="Consolas" panose="020B0609020204030204" pitchFamily="49" charset="0"/>
+              </a:rPr>
+              <a:t>подизраз</a:t>
+            </a:r>
+            <a:r>
+              <a:rPr lang="en-US" sz="3150" b="1" noProof="1">
+                <a:solidFill>
+                  <a:schemeClr val="bg1"/>
+                </a:solidFill>
+                <a:latin typeface="Consolas"/>
+                <a:cs typeface="Consolas" panose="020B0609020204030204" pitchFamily="49" charset="0"/>
+              </a:rPr>
+              <a:t>)</a:t>
             </a:r>
             <a:r>
               <a:rPr lang="en-US" sz="3150" noProof="1">
@@ -12731,8 +12748,8 @@
         </p:nvSpPr>
         <p:spPr bwMode="auto">
           <a:xfrm>
-            <a:off x="682678" y="3329550"/>
-            <a:ext cx="4723171" cy="523084"/>
+            <a:off x="682679" y="3329550"/>
+            <a:ext cx="4288322" cy="523084"/>
           </a:xfrm>
           <a:prstGeom prst="rect">
             <a:avLst/>
@@ -12770,12 +12787,6 @@
             </a:pPr>
             <a:r>
               <a:rPr lang="en-US" sz="2799" b="1" noProof="1">
-                <a:latin typeface="Consolas" panose="020B0609020204030204" pitchFamily="49" charset="0"/>
-              </a:rPr>
-              <a:t>^</a:t>
-            </a:r>
-            <a:r>
-              <a:rPr lang="en-US" sz="2799" b="1" noProof="1">
                 <a:solidFill>
                   <a:schemeClr val="accent2"/>
                 </a:solidFill>
@@ -12798,12 +12809,9 @@
               </a:rPr>
               <a:t>(\w+)</a:t>
             </a:r>
-            <a:r>
-              <a:rPr lang="en-US" sz="2799" b="1" noProof="1">
-                <a:latin typeface="Consolas" panose="020B0609020204030204" pitchFamily="49" charset="0"/>
-              </a:rPr>
-              <a:t>$</a:t>
-            </a:r>
+            <a:endParaRPr lang="en-US" sz="2799" b="1" noProof="1">
+              <a:latin typeface="Consolas" panose="020B0609020204030204" pitchFamily="49" charset="0"/>
+            </a:endParaRPr>
           </a:p>
         </p:txBody>
       </p:sp>
@@ -12817,7 +12825,7 @@
         </p:nvSpPr>
         <p:spPr bwMode="auto">
           <a:xfrm>
-            <a:off x="6344853" y="3334514"/>
+            <a:off x="5940778" y="3329550"/>
             <a:ext cx="1955222" cy="523084"/>
           </a:xfrm>
           <a:prstGeom prst="rect">
@@ -12891,7 +12899,7 @@
         </p:nvSpPr>
         <p:spPr bwMode="auto">
           <a:xfrm>
-            <a:off x="725820" y="5257326"/>
+            <a:off x="725820" y="4689000"/>
             <a:ext cx="6147560" cy="953859"/>
           </a:xfrm>
           <a:prstGeom prst="rect">
@@ -12980,7 +12988,7 @@
         </p:nvSpPr>
         <p:spPr bwMode="auto">
           <a:xfrm>
-            <a:off x="7791282" y="5472711"/>
+            <a:off x="7791282" y="4904385"/>
             <a:ext cx="2337166" cy="523084"/>
           </a:xfrm>
           <a:prstGeom prst="rect">
@@ -13149,7 +13157,7 @@
         </p:nvSpPr>
         <p:spPr>
           <a:xfrm>
-            <a:off x="5654810" y="3420093"/>
+            <a:off x="5250735" y="3415129"/>
             <a:ext cx="439383" cy="350043"/>
           </a:xfrm>
           <a:prstGeom prst="rightArrow">
@@ -13225,7 +13233,7 @@
         </p:nvSpPr>
         <p:spPr>
           <a:xfrm>
-            <a:off x="7112640" y="5559232"/>
+            <a:off x="7112640" y="4990906"/>
             <a:ext cx="439383" cy="350043"/>
           </a:xfrm>
           <a:prstGeom prst="rightArrow">
@@ -13675,8 +13683,8 @@
         </p:nvSpPr>
         <p:spPr>
           <a:xfrm>
-            <a:off x="193538" y="1151716"/>
-            <a:ext cx="11801748" cy="5568904"/>
+            <a:off x="71556" y="1151716"/>
+            <a:ext cx="11923730" cy="5568904"/>
           </a:xfrm>
           <a:prstGeom prst="rect">
             <a:avLst/>
@@ -13911,7 +13919,42 @@
                 <a:ea typeface="+mn-lt"/>
                 <a:cs typeface="+mn-lt"/>
               </a:rPr>
-              <a:t>търси всички редици от букви в даден текст </a:t>
+              <a:t>търси всички </a:t>
+            </a:r>
+            <a:r>
+              <a:rPr lang="en-US" sz="3600" b="1" dirty="0">
+                <a:ea typeface="+mn-lt"/>
+                <a:cs typeface="+mn-lt"/>
+              </a:rPr>
+              <a:t>редици</a:t>
+            </a:r>
+            <a:r>
+              <a:rPr lang="en-US" sz="3600" dirty="0">
+                <a:ea typeface="+mn-lt"/>
+                <a:cs typeface="+mn-lt"/>
+              </a:rPr>
+              <a:t> </a:t>
+            </a:r>
+            <a:r>
+              <a:rPr lang="en-US" sz="3600" b="1" dirty="0">
+                <a:ea typeface="+mn-lt"/>
+                <a:cs typeface="+mn-lt"/>
+              </a:rPr>
+              <a:t>от </a:t>
+            </a:r>
+            <a:r>
+              <a:rPr lang="bg-BG" sz="3600" b="1" dirty="0">
+                <a:ea typeface="+mn-lt"/>
+                <a:cs typeface="+mn-lt"/>
+              </a:rPr>
+              <a:t>текстови символи</a:t>
+            </a:r>
+            <a:r>
+              <a:rPr lang="en-US" sz="3600" dirty="0">
+                <a:ea typeface="+mn-lt"/>
+                <a:cs typeface="+mn-lt"/>
+              </a:rPr>
+              <a:t> в даден текст </a:t>
             </a:r>
             <a:endParaRPr lang="en-US" sz="3600" dirty="0">
               <a:solidFill>
@@ -14213,7 +14256,7 @@
                 </a:solidFill>
                 <a:latin typeface="Consolas" pitchFamily="49" charset="0"/>
               </a:rPr>
-              <a:t>@"\w+"</a:t>
+              <a:t>"\w+"</a:t>
             </a:r>
             <a:r>
               <a:rPr lang="en-US" sz="3599" b="1" noProof="1">
@@ -14683,6 +14726,29 @@
                 <a:latin typeface="Consolas"/>
               </a:rPr>
               <a:t>dd-MMM-yyyy</a:t>
+            </a:r>
+            <a:r>
+              <a:rPr lang="bg-BG" sz="3400" b="1" noProof="1">
+                <a:latin typeface="Calibri" panose="020F0502020204030204" pitchFamily="34" charset="0"/>
+                <a:cs typeface="Calibri" panose="020F0502020204030204" pitchFamily="34" charset="0"/>
+              </a:rPr>
+              <a:t> </a:t>
+            </a:r>
+            <a:r>
+              <a:rPr lang="bg-BG" sz="3400" noProof="1">
+                <a:latin typeface="Calibri" panose="020F0502020204030204" pitchFamily="34" charset="0"/>
+                <a:cs typeface="Calibri" panose="020F0502020204030204" pitchFamily="34" charset="0"/>
+              </a:rPr>
+              <a:t>или </a:t>
+            </a:r>
+            <a:r>
+              <a:rPr lang="en-US" sz="3400" b="1" noProof="1">
+                <a:solidFill>
+                  <a:schemeClr val="bg1"/>
+                </a:solidFill>
+                <a:latin typeface="Consolas"/>
+              </a:rPr>
+              <a:t>d-MMM-yyyy</a:t>
             </a:r>
           </a:p>
           <a:p>
@@ -16916,6 +16982,26 @@
               </a:rPr>
               <a:t>английски букви</a:t>
             </a:r>
+            <a:r>
+              <a:rPr lang="bg-BG" sz="3150" b="1" dirty="0">
+                <a:solidFill>
+                  <a:schemeClr val="bg1"/>
+                </a:solidFill>
+              </a:rPr>
+              <a:t> </a:t>
+            </a:r>
+            <a:r>
+              <a:rPr lang="bg-BG" sz="3150" dirty="0"/>
+              <a:t>и </a:t>
+            </a:r>
+            <a:r>
+              <a:rPr lang="bg-BG" sz="3150" b="1" dirty="0">
+                <a:solidFill>
+                  <a:schemeClr val="bg1"/>
+                </a:solidFill>
+              </a:rPr>
+              <a:t>цифри</a:t>
+            </a:r>
             <a:endParaRPr lang="en-US" sz="3150" b="1" dirty="0">
               <a:solidFill>
                 <a:schemeClr val="bg1"/>
@@ -17516,7 +17602,7 @@
         </p:nvSpPr>
         <p:spPr>
           <a:xfrm>
-            <a:off x="8344015" y="4769909"/>
+            <a:off x="8391855" y="4769909"/>
             <a:ext cx="3284145" cy="691905"/>
           </a:xfrm>
           <a:prstGeom prst="rect">
@@ -17794,7 +17880,7 @@
         </p:nvSpPr>
         <p:spPr>
           <a:xfrm>
-            <a:off x="8344015" y="5860118"/>
+            <a:off x="8391855" y="5860118"/>
             <a:ext cx="3284145" cy="691905"/>
           </a:xfrm>
           <a:prstGeom prst="rect">
@@ -18026,7 +18112,7 @@
         </p:nvSpPr>
         <p:spPr>
           <a:xfrm>
-            <a:off x="6312137" y="5704033"/>
+            <a:off x="6358140" y="5704033"/>
             <a:ext cx="2122860" cy="1076961"/>
           </a:xfrm>
           <a:prstGeom prst="rect">
@@ -31132,26 +31218,44 @@
               </a:buClr>
             </a:pPr>
             <a:r>
+              <a:rPr lang="bg-BG" sz="3600" b="1" dirty="0" err="1">
+                <a:solidFill>
+                  <a:schemeClr val="bg1"/>
+                </a:solidFill>
+                <a:cs typeface="Calibri"/>
+              </a:rPr>
+              <a:t>Ш</a:t>
+            </a:r>
+            <a:r>
+              <a:rPr lang="en-US" sz="3600" b="1" dirty="0">
+                <a:solidFill>
+                  <a:schemeClr val="bg1"/>
+                </a:solidFill>
+                <a:cs typeface="Calibri"/>
+              </a:rPr>
+              <a:t>аблон</a:t>
+            </a:r>
+            <a:r>
               <a:rPr lang="bg-BG" sz="3600" dirty="0">
                 <a:cs typeface="Calibri"/>
               </a:rPr>
-              <a:t>Съвпадение</a:t>
-            </a:r>
-            <a:r>
-              <a:rPr lang="en-US" sz="3600" dirty="0">
+              <a:t>, по който можем да намираме </a:t>
+            </a:r>
+            <a:r>
+              <a:rPr lang="bg-BG" sz="3600" b="1" dirty="0">
+                <a:solidFill>
+                  <a:schemeClr val="bg1"/>
+                </a:solidFill>
                 <a:cs typeface="Calibri"/>
               </a:rPr>
-              <a:t> на текст по </a:t>
-            </a:r>
-            <a:r>
-              <a:rPr lang="en-US" sz="3600" b="1" dirty="0">
-                <a:solidFill>
-                  <a:schemeClr val="bg1"/>
-                </a:solidFill>
-                <a:cs typeface="Calibri"/>
-              </a:rPr>
-              <a:t>шаблон</a:t>
-            </a:r>
+              <a:t>текст</a:t>
+            </a:r>
+            <a:endParaRPr lang="en-US" sz="3600" b="1" dirty="0">
+              <a:solidFill>
+                <a:schemeClr val="bg1"/>
+              </a:solidFill>
+              <a:cs typeface="Calibri"/>
+            </a:endParaRPr>
           </a:p>
           <a:p>
             <a:pPr marL="360045" indent="-360045">
@@ -31242,20 +31346,36 @@
               <a:t>търси </a:t>
             </a:r>
             <a:r>
+              <a:rPr lang="en-US" sz="3400" b="1" dirty="0">
+                <a:solidFill>
+                  <a:schemeClr val="bg1"/>
+                </a:solidFill>
+              </a:rPr>
+              <a:t>последователност</a:t>
+            </a:r>
+            <a:r>
               <a:rPr lang="en-US" sz="3400" dirty="0">
                 <a:solidFill>
                   <a:srgbClr val="234465"/>
                 </a:solidFill>
               </a:rPr>
-              <a:t>последователност от </a:t>
-            </a:r>
-            <a:r>
-              <a:rPr lang="en-US" sz="3400" b="1" dirty="0">
+              <a:t> от</a:t>
+            </a:r>
+            <a:r>
+              <a:rPr lang="bg-BG" sz="3400" dirty="0">
+                <a:solidFill>
+                  <a:srgbClr val="234465"/>
+                </a:solidFill>
+              </a:rPr>
+              <a:t> </a:t>
+            </a:r>
+            <a:r>
+              <a:rPr lang="bg-BG" sz="3400" b="1" dirty="0">
                 <a:solidFill>
                   <a:schemeClr val="bg1"/>
                 </a:solidFill>
               </a:rPr>
-              <a:t>числа</a:t>
+              <a:t>цифри</a:t>
             </a:r>
             <a:endParaRPr lang="en-US" sz="3400" b="1" dirty="0">
               <a:solidFill>

--- a/Courses/Software-Sciences/Module-2-DS-and-Algo/08.1-Regular-Expressions-Basics/08.1-Regular-Expressions-Basics.pptx
+++ b/Courses/Software-Sciences/Module-2-DS-and-Algo/08.1-Regular-Expressions-Basics/08.1-Regular-Expressions-Basics.pptx
@@ -327,7 +327,7 @@
           <a:p>
             <a:fld id="{4E087215-0C8F-4762-A664-737A353EC9A4}" type="datetimeFigureOut">
               <a:rPr lang="bg-BG" smtClean="0"/>
-              <a:t>3.07.24 г.</a:t>
+              <a:t>4.07.24 г.</a:t>
             </a:fld>
             <a:endParaRPr lang="bg-BG"/>
           </a:p>
@@ -523,7 +523,7 @@
           <a:p>
             <a:fld id="{72D84649-876A-46C9-8472-14CB09C070D8}" type="datetimeFigureOut">
               <a:rPr lang="en-US" smtClean="0"/>
-              <a:t>7/3/24</a:t>
+              <a:t>7/4/24</a:t>
             </a:fld>
             <a:endParaRPr lang="en-US"/>
           </a:p>
@@ -7538,7 +7538,7 @@
         </p:spPr>
         <p:txBody>
           <a:bodyPr vert="horz" lIns="108000" tIns="36000" rIns="108000" bIns="36000" rtlCol="0" anchor="t">
-            <a:normAutofit fontScale="92500"/>
+            <a:normAutofit lnSpcReduction="10000"/>
           </a:bodyPr>
           <a:lstStyle/>
           <a:p>
@@ -7754,44 +7754,6 @@
             <a:r>
               <a:rPr lang="en-GB" sz="3350" dirty="0"/>
               <a:t>)</a:t>
-            </a:r>
-            <a:endParaRPr lang="en-GB" sz="3350" dirty="0">
-              <a:cs typeface="Calibri"/>
-            </a:endParaRPr>
-          </a:p>
-          <a:p>
-            <a:pPr marL="360045" indent="-360045">
-              <a:spcBef>
-                <a:spcPts val="1200"/>
-              </a:spcBef>
-              <a:buClr>
-                <a:schemeClr val="tx1"/>
-              </a:buClr>
-            </a:pPr>
-            <a:r>
-              <a:rPr lang="en-GB" sz="3350" b="1" dirty="0">
-                <a:solidFill>
-                  <a:schemeClr val="bg1"/>
-                </a:solidFill>
-                <a:latin typeface="Consolas"/>
-              </a:rPr>
-              <a:t>\b</a:t>
-            </a:r>
-            <a:r>
-              <a:rPr lang="en-GB" sz="3350" dirty="0"/>
-              <a:t> – търси интервала </a:t>
-            </a:r>
-            <a:r>
-              <a:rPr lang="en-GB" sz="3350" b="1" dirty="0">
-                <a:solidFill>
-                  <a:schemeClr val="bg1"/>
-                </a:solidFill>
-              </a:rPr>
-              <a:t>между </a:t>
-            </a:r>
-            <a:r>
-              <a:rPr lang="en-GB" sz="3350" dirty="0"/>
-              <a:t>две букви</a:t>
             </a:r>
             <a:endParaRPr lang="en-GB" sz="3350" dirty="0">
               <a:cs typeface="Calibri"/>
@@ -8311,55 +8273,6 @@
                                           <p:spTgt spid="5">
                                             <p:txEl>
                                               <p:pRg st="5" end="5"/>
-                                            </p:txEl>
-                                          </p:spTgt>
-                                        </p:tgtEl>
-                                        <p:attrNameLst>
-                                          <p:attrName>style.visibility</p:attrName>
-                                        </p:attrNameLst>
-                                      </p:cBhvr>
-                                      <p:to>
-                                        <p:strVal val="visible"/>
-                                      </p:to>
-                                    </p:set>
-                                  </p:childTnLst>
-                                </p:cTn>
-                              </p:par>
-                            </p:childTnLst>
-                          </p:cTn>
-                        </p:par>
-                      </p:childTnLst>
-                    </p:cTn>
-                  </p:par>
-                  <p:par>
-                    <p:cTn id="23" fill="hold">
-                      <p:stCondLst>
-                        <p:cond delay="indefinite"/>
-                      </p:stCondLst>
-                      <p:childTnLst>
-                        <p:par>
-                          <p:cTn id="24" fill="hold">
-                            <p:stCondLst>
-                              <p:cond delay="0"/>
-                            </p:stCondLst>
-                            <p:childTnLst>
-                              <p:par>
-                                <p:cTn id="25" presetID="1" presetClass="entr" presetSubtype="0" fill="hold" nodeType="clickEffect">
-                                  <p:stCondLst>
-                                    <p:cond delay="0"/>
-                                  </p:stCondLst>
-                                  <p:childTnLst>
-                                    <p:set>
-                                      <p:cBhvr>
-                                        <p:cTn id="26" dur="1" fill="hold">
-                                          <p:stCondLst>
-                                            <p:cond delay="0"/>
-                                          </p:stCondLst>
-                                        </p:cTn>
-                                        <p:tgtEl>
-                                          <p:spTgt spid="5">
-                                            <p:txEl>
-                                              <p:pRg st="6" end="6"/>
                                             </p:txEl>
                                           </p:spTgt>
                                         </p:tgtEl>
@@ -34514,24 +34427,6 @@
                 <a:ea typeface="+mn-lt"/>
                 <a:cs typeface="+mn-lt"/>
               </a:rPr>
-              <a:t>\b</a:t>
-            </a:r>
-            <a:endParaRPr lang="bg-BG" sz="3150" dirty="0">
-              <a:ea typeface="+mn-lt"/>
-              <a:cs typeface="+mn-lt"/>
-            </a:endParaRPr>
-          </a:p>
-          <a:p>
-            <a:pPr marL="802957" lvl="1" indent="-360045">
-              <a:buClr>
-                <a:schemeClr val="tx1"/>
-              </a:buClr>
-            </a:pPr>
-            <a:r>
-              <a:rPr lang="en-US" sz="3150" dirty="0">
-                <a:ea typeface="+mn-lt"/>
-                <a:cs typeface="+mn-lt"/>
-              </a:rPr>
               <a:t>\d, \D</a:t>
             </a:r>
             <a:endParaRPr lang="bg-BG" sz="3150" dirty="0">
@@ -34888,55 +34783,6 @@
                                           <p:spTgt spid="3">
                                             <p:txEl>
                                               <p:pRg st="4" end="4"/>
-                                            </p:txEl>
-                                          </p:spTgt>
-                                        </p:tgtEl>
-                                        <p:attrNameLst>
-                                          <p:attrName>style.visibility</p:attrName>
-                                        </p:attrNameLst>
-                                      </p:cBhvr>
-                                      <p:to>
-                                        <p:strVal val="visible"/>
-                                      </p:to>
-                                    </p:set>
-                                  </p:childTnLst>
-                                </p:cTn>
-                              </p:par>
-                            </p:childTnLst>
-                          </p:cTn>
-                        </p:par>
-                      </p:childTnLst>
-                    </p:cTn>
-                  </p:par>
-                  <p:par>
-                    <p:cTn id="17" fill="hold">
-                      <p:stCondLst>
-                        <p:cond delay="indefinite"/>
-                      </p:stCondLst>
-                      <p:childTnLst>
-                        <p:par>
-                          <p:cTn id="18" fill="hold">
-                            <p:stCondLst>
-                              <p:cond delay="0"/>
-                            </p:stCondLst>
-                            <p:childTnLst>
-                              <p:par>
-                                <p:cTn id="19" presetID="1" presetClass="entr" presetSubtype="0" fill="hold" nodeType="clickEffect">
-                                  <p:stCondLst>
-                                    <p:cond delay="0"/>
-                                  </p:stCondLst>
-                                  <p:childTnLst>
-                                    <p:set>
-                                      <p:cBhvr>
-                                        <p:cTn id="20" dur="1" fill="hold">
-                                          <p:stCondLst>
-                                            <p:cond delay="0"/>
-                                          </p:stCondLst>
-                                        </p:cTn>
-                                        <p:tgtEl>
-                                          <p:spTgt spid="3">
-                                            <p:txEl>
-                                              <p:pRg st="5" end="5"/>
                                             </p:txEl>
                                           </p:spTgt>
                                         </p:tgtEl>
